--- a/JeanPiaget/Presentaciones/04_RecolecciónyAnálisisDatos.pptx
+++ b/JeanPiaget/Presentaciones/04_RecolecciónyAnálisisDatos.pptx
@@ -12,7 +12,27 @@
     <p:sldId id="260" r:id="rId6"/>
     <p:sldId id="258" r:id="rId7"/>
     <p:sldId id="263" r:id="rId8"/>
-    <p:sldId id="259" r:id="rId9"/>
+    <p:sldId id="266" r:id="rId9"/>
+    <p:sldId id="267" r:id="rId10"/>
+    <p:sldId id="264" r:id="rId11"/>
+    <p:sldId id="268" r:id="rId12"/>
+    <p:sldId id="269" r:id="rId13"/>
+    <p:sldId id="270" r:id="rId14"/>
+    <p:sldId id="271" r:id="rId15"/>
+    <p:sldId id="272" r:id="rId16"/>
+    <p:sldId id="273" r:id="rId17"/>
+    <p:sldId id="274" r:id="rId18"/>
+    <p:sldId id="275" r:id="rId19"/>
+    <p:sldId id="276" r:id="rId20"/>
+    <p:sldId id="277" r:id="rId21"/>
+    <p:sldId id="278" r:id="rId22"/>
+    <p:sldId id="279" r:id="rId23"/>
+    <p:sldId id="280" r:id="rId24"/>
+    <p:sldId id="282" r:id="rId25"/>
+    <p:sldId id="281" r:id="rId26"/>
+    <p:sldId id="283" r:id="rId27"/>
+    <p:sldId id="284" r:id="rId28"/>
+    <p:sldId id="259" r:id="rId29"/>
   </p:sldIdLst>
   <p:sldSz cx="12192000" cy="6858000"/>
   <p:notesSz cx="6858000" cy="9144000"/>
@@ -261,7 +281,7 @@
           <a:p>
             <a:fld id="{E6CC3237-8847-4343-A080-4AA6270D17F1}" type="datetimeFigureOut">
               <a:rPr lang="es-MX" smtClean="0"/>
-              <a:t>19/02/2019</a:t>
+              <a:t>20/02/2019</a:t>
             </a:fld>
             <a:endParaRPr lang="es-MX"/>
           </a:p>
@@ -431,7 +451,7 @@
           <a:p>
             <a:fld id="{E6CC3237-8847-4343-A080-4AA6270D17F1}" type="datetimeFigureOut">
               <a:rPr lang="es-MX" smtClean="0"/>
-              <a:t>19/02/2019</a:t>
+              <a:t>20/02/2019</a:t>
             </a:fld>
             <a:endParaRPr lang="es-MX"/>
           </a:p>
@@ -611,7 +631,7 @@
           <a:p>
             <a:fld id="{E6CC3237-8847-4343-A080-4AA6270D17F1}" type="datetimeFigureOut">
               <a:rPr lang="es-MX" smtClean="0"/>
-              <a:t>19/02/2019</a:t>
+              <a:t>20/02/2019</a:t>
             </a:fld>
             <a:endParaRPr lang="es-MX"/>
           </a:p>
@@ -781,7 +801,7 @@
           <a:p>
             <a:fld id="{E6CC3237-8847-4343-A080-4AA6270D17F1}" type="datetimeFigureOut">
               <a:rPr lang="es-MX" smtClean="0"/>
-              <a:t>19/02/2019</a:t>
+              <a:t>20/02/2019</a:t>
             </a:fld>
             <a:endParaRPr lang="es-MX"/>
           </a:p>
@@ -1027,7 +1047,7 @@
           <a:p>
             <a:fld id="{E6CC3237-8847-4343-A080-4AA6270D17F1}" type="datetimeFigureOut">
               <a:rPr lang="es-MX" smtClean="0"/>
-              <a:t>19/02/2019</a:t>
+              <a:t>20/02/2019</a:t>
             </a:fld>
             <a:endParaRPr lang="es-MX"/>
           </a:p>
@@ -1259,7 +1279,7 @@
           <a:p>
             <a:fld id="{E6CC3237-8847-4343-A080-4AA6270D17F1}" type="datetimeFigureOut">
               <a:rPr lang="es-MX" smtClean="0"/>
-              <a:t>19/02/2019</a:t>
+              <a:t>20/02/2019</a:t>
             </a:fld>
             <a:endParaRPr lang="es-MX"/>
           </a:p>
@@ -1626,7 +1646,7 @@
           <a:p>
             <a:fld id="{E6CC3237-8847-4343-A080-4AA6270D17F1}" type="datetimeFigureOut">
               <a:rPr lang="es-MX" smtClean="0"/>
-              <a:t>19/02/2019</a:t>
+              <a:t>20/02/2019</a:t>
             </a:fld>
             <a:endParaRPr lang="es-MX"/>
           </a:p>
@@ -1744,7 +1764,7 @@
           <a:p>
             <a:fld id="{E6CC3237-8847-4343-A080-4AA6270D17F1}" type="datetimeFigureOut">
               <a:rPr lang="es-MX" smtClean="0"/>
-              <a:t>19/02/2019</a:t>
+              <a:t>20/02/2019</a:t>
             </a:fld>
             <a:endParaRPr lang="es-MX"/>
           </a:p>
@@ -1839,7 +1859,7 @@
           <a:p>
             <a:fld id="{E6CC3237-8847-4343-A080-4AA6270D17F1}" type="datetimeFigureOut">
               <a:rPr lang="es-MX" smtClean="0"/>
-              <a:t>19/02/2019</a:t>
+              <a:t>20/02/2019</a:t>
             </a:fld>
             <a:endParaRPr lang="es-MX"/>
           </a:p>
@@ -2116,7 +2136,7 @@
           <a:p>
             <a:fld id="{E6CC3237-8847-4343-A080-4AA6270D17F1}" type="datetimeFigureOut">
               <a:rPr lang="es-MX" smtClean="0"/>
-              <a:t>19/02/2019</a:t>
+              <a:t>20/02/2019</a:t>
             </a:fld>
             <a:endParaRPr lang="es-MX"/>
           </a:p>
@@ -2369,7 +2389,7 @@
           <a:p>
             <a:fld id="{E6CC3237-8847-4343-A080-4AA6270D17F1}" type="datetimeFigureOut">
               <a:rPr lang="es-MX" smtClean="0"/>
-              <a:t>19/02/2019</a:t>
+              <a:t>20/02/2019</a:t>
             </a:fld>
             <a:endParaRPr lang="es-MX"/>
           </a:p>
@@ -2582,7 +2602,7 @@
           <a:p>
             <a:fld id="{E6CC3237-8847-4343-A080-4AA6270D17F1}" type="datetimeFigureOut">
               <a:rPr lang="es-MX" smtClean="0"/>
-              <a:t>19/02/2019</a:t>
+              <a:t>20/02/2019</a:t>
             </a:fld>
             <a:endParaRPr lang="es-MX"/>
           </a:p>
@@ -3125,6 +3145,2621 @@
 </p:sld>
 </file>
 
+<file path=ppt/slides/slide10.xml><?xml version="1.0" encoding="utf-8"?>
+<p:sld xmlns:a="http://schemas.openxmlformats.org/drawingml/2006/main" xmlns:r="http://schemas.openxmlformats.org/officeDocument/2006/relationships" xmlns:p="http://schemas.openxmlformats.org/presentationml/2006/main">
+  <p:cSld>
+    <p:spTree>
+      <p:nvGrpSpPr>
+        <p:cNvPr id="1" name=""/>
+        <p:cNvGrpSpPr/>
+        <p:nvPr/>
+      </p:nvGrpSpPr>
+      <p:grpSpPr>
+        <a:xfrm>
+          <a:off x="0" y="0"/>
+          <a:ext cx="0" cy="0"/>
+          <a:chOff x="0" y="0"/>
+          <a:chExt cx="0" cy="0"/>
+        </a:xfrm>
+      </p:grpSpPr>
+      <p:sp>
+        <p:nvSpPr>
+          <p:cNvPr id="2" name="Título 1"/>
+          <p:cNvSpPr>
+            <a:spLocks noGrp="1"/>
+          </p:cNvSpPr>
+          <p:nvPr>
+            <p:ph type="title"/>
+          </p:nvPr>
+        </p:nvSpPr>
+        <p:spPr>
+          <a:xfrm>
+            <a:off x="253999" y="365125"/>
+            <a:ext cx="11650133" cy="619125"/>
+          </a:xfrm>
+        </p:spPr>
+        <p:txBody>
+          <a:bodyPr>
+            <a:normAutofit fontScale="90000"/>
+          </a:bodyPr>
+          <a:lstStyle/>
+          <a:p>
+            <a:r>
+              <a:rPr lang="es-MX" sz="4000" b="1" dirty="0" smtClean="0"/>
+              <a:t>Ejemplo de un instrumento de medición poco confiable.</a:t>
+            </a:r>
+            <a:endParaRPr lang="es-MX" sz="4000" b="1" dirty="0"/>
+          </a:p>
+        </p:txBody>
+      </p:sp>
+      <p:sp>
+        <p:nvSpPr>
+          <p:cNvPr id="3" name="Marcador de contenido 2"/>
+          <p:cNvSpPr>
+            <a:spLocks noGrp="1"/>
+          </p:cNvSpPr>
+          <p:nvPr>
+            <p:ph idx="1"/>
+          </p:nvPr>
+        </p:nvSpPr>
+        <p:spPr>
+          <a:xfrm>
+            <a:off x="347133" y="1202530"/>
+            <a:ext cx="11556999" cy="5132389"/>
+          </a:xfrm>
+        </p:spPr>
+        <p:txBody>
+          <a:bodyPr>
+            <a:normAutofit/>
+          </a:bodyPr>
+          <a:lstStyle/>
+          <a:p>
+            <a:pPr marL="0" indent="0">
+              <a:buNone/>
+            </a:pPr>
+            <a:r>
+              <a:rPr lang="es-MX" dirty="0" smtClean="0"/>
+              <a:t>Imagina que se mide </a:t>
+            </a:r>
+            <a:r>
+              <a:rPr lang="es-MX" b="1" dirty="0" smtClean="0"/>
+              <a:t>la estatura </a:t>
+            </a:r>
+            <a:r>
+              <a:rPr lang="es-MX" dirty="0" smtClean="0"/>
+              <a:t>de un grupo de niños de preescolar en dos semanas distintas y se obtienen los siguientes valores (cm)</a:t>
+            </a:r>
+          </a:p>
+          <a:p>
+            <a:pPr marL="0" indent="0">
+              <a:buNone/>
+            </a:pPr>
+            <a:endParaRPr lang="es-MX" dirty="0"/>
+          </a:p>
+          <a:p>
+            <a:pPr marL="0" indent="0">
+              <a:buNone/>
+            </a:pPr>
+            <a:endParaRPr lang="es-MX" dirty="0" smtClean="0"/>
+          </a:p>
+          <a:p>
+            <a:pPr marL="0" indent="0">
+              <a:buNone/>
+            </a:pPr>
+            <a:endParaRPr lang="es-MX" dirty="0"/>
+          </a:p>
+          <a:p>
+            <a:pPr marL="0" indent="0">
+              <a:buNone/>
+            </a:pPr>
+            <a:endParaRPr lang="es-MX" dirty="0" smtClean="0"/>
+          </a:p>
+          <a:p>
+            <a:pPr marL="0" indent="0">
+              <a:buNone/>
+            </a:pPr>
+            <a:endParaRPr lang="es-MX" dirty="0"/>
+          </a:p>
+          <a:p>
+            <a:pPr marL="0" indent="0">
+              <a:buNone/>
+            </a:pPr>
+            <a:endParaRPr lang="es-MX" dirty="0" smtClean="0"/>
+          </a:p>
+          <a:p>
+            <a:pPr marL="0" indent="0">
+              <a:buNone/>
+            </a:pPr>
+            <a:endParaRPr lang="es-MX" dirty="0"/>
+          </a:p>
+        </p:txBody>
+      </p:sp>
+      <p:sp>
+        <p:nvSpPr>
+          <p:cNvPr id="6" name="Rectángulo 5"/>
+          <p:cNvSpPr/>
+          <p:nvPr/>
+        </p:nvSpPr>
+        <p:spPr>
+          <a:xfrm>
+            <a:off x="0" y="1"/>
+            <a:ext cx="12192000" cy="304800"/>
+          </a:xfrm>
+          <a:prstGeom prst="rect">
+            <a:avLst/>
+          </a:prstGeom>
+          <a:solidFill>
+            <a:schemeClr val="bg1">
+              <a:lumMod val="50000"/>
+            </a:schemeClr>
+          </a:solidFill>
+          <a:ln>
+            <a:solidFill>
+              <a:schemeClr val="tx1"/>
+            </a:solidFill>
+          </a:ln>
+        </p:spPr>
+        <p:style>
+          <a:lnRef idx="2">
+            <a:schemeClr val="accent1">
+              <a:shade val="50000"/>
+            </a:schemeClr>
+          </a:lnRef>
+          <a:fillRef idx="1">
+            <a:schemeClr val="accent1"/>
+          </a:fillRef>
+          <a:effectRef idx="0">
+            <a:schemeClr val="accent1"/>
+          </a:effectRef>
+          <a:fontRef idx="minor">
+            <a:schemeClr val="lt1"/>
+          </a:fontRef>
+        </p:style>
+        <p:txBody>
+          <a:bodyPr rtlCol="0" anchor="ctr"/>
+          <a:lstStyle/>
+          <a:p>
+            <a:pPr algn="ctr"/>
+            <a:endParaRPr lang="es-MX"/>
+          </a:p>
+        </p:txBody>
+      </p:sp>
+      <p:sp>
+        <p:nvSpPr>
+          <p:cNvPr id="7" name="Rectángulo 6"/>
+          <p:cNvSpPr/>
+          <p:nvPr/>
+        </p:nvSpPr>
+        <p:spPr>
+          <a:xfrm>
+            <a:off x="0" y="6553200"/>
+            <a:ext cx="12192000" cy="304800"/>
+          </a:xfrm>
+          <a:prstGeom prst="rect">
+            <a:avLst/>
+          </a:prstGeom>
+          <a:solidFill>
+            <a:schemeClr val="bg1">
+              <a:lumMod val="50000"/>
+            </a:schemeClr>
+          </a:solidFill>
+          <a:ln>
+            <a:solidFill>
+              <a:schemeClr val="tx1"/>
+            </a:solidFill>
+          </a:ln>
+        </p:spPr>
+        <p:style>
+          <a:lnRef idx="2">
+            <a:schemeClr val="accent1">
+              <a:shade val="50000"/>
+            </a:schemeClr>
+          </a:lnRef>
+          <a:fillRef idx="1">
+            <a:schemeClr val="accent1"/>
+          </a:fillRef>
+          <a:effectRef idx="0">
+            <a:schemeClr val="accent1"/>
+          </a:effectRef>
+          <a:fontRef idx="minor">
+            <a:schemeClr val="lt1"/>
+          </a:fontRef>
+        </p:style>
+        <p:txBody>
+          <a:bodyPr rtlCol="0" anchor="ctr"/>
+          <a:lstStyle/>
+          <a:p>
+            <a:pPr algn="ctr"/>
+            <a:endParaRPr lang="es-MX"/>
+          </a:p>
+        </p:txBody>
+      </p:sp>
+      <p:pic>
+        <p:nvPicPr>
+          <p:cNvPr id="8" name="Imagen 7"/>
+          <p:cNvPicPr>
+            <a:picLocks noChangeAspect="1"/>
+          </p:cNvPicPr>
+          <p:nvPr/>
+        </p:nvPicPr>
+        <p:blipFill>
+          <a:blip r:embed="rId2"/>
+          <a:stretch>
+            <a:fillRect/>
+          </a:stretch>
+        </p:blipFill>
+        <p:spPr>
+          <a:xfrm>
+            <a:off x="2430990" y="2362729"/>
+            <a:ext cx="7296150" cy="3114675"/>
+          </a:xfrm>
+          <a:prstGeom prst="rect">
+            <a:avLst/>
+          </a:prstGeom>
+        </p:spPr>
+      </p:pic>
+    </p:spTree>
+    <p:extLst>
+      <p:ext uri="{BB962C8B-B14F-4D97-AF65-F5344CB8AC3E}">
+        <p14:creationId xmlns:p14="http://schemas.microsoft.com/office/powerpoint/2010/main" val="2718682507"/>
+      </p:ext>
+    </p:extLst>
+  </p:cSld>
+  <p:clrMapOvr>
+    <a:masterClrMapping/>
+  </p:clrMapOvr>
+</p:sld>
+</file>
+
+<file path=ppt/slides/slide11.xml><?xml version="1.0" encoding="utf-8"?>
+<p:sld xmlns:a="http://schemas.openxmlformats.org/drawingml/2006/main" xmlns:r="http://schemas.openxmlformats.org/officeDocument/2006/relationships" xmlns:p="http://schemas.openxmlformats.org/presentationml/2006/main">
+  <p:cSld>
+    <p:spTree>
+      <p:nvGrpSpPr>
+        <p:cNvPr id="1" name=""/>
+        <p:cNvGrpSpPr/>
+        <p:nvPr/>
+      </p:nvGrpSpPr>
+      <p:grpSpPr>
+        <a:xfrm>
+          <a:off x="0" y="0"/>
+          <a:ext cx="0" cy="0"/>
+          <a:chOff x="0" y="0"/>
+          <a:chExt cx="0" cy="0"/>
+        </a:xfrm>
+      </p:grpSpPr>
+      <p:sp>
+        <p:nvSpPr>
+          <p:cNvPr id="2" name="Título 1"/>
+          <p:cNvSpPr>
+            <a:spLocks noGrp="1"/>
+          </p:cNvSpPr>
+          <p:nvPr>
+            <p:ph type="title"/>
+          </p:nvPr>
+        </p:nvSpPr>
+        <p:spPr>
+          <a:xfrm>
+            <a:off x="253999" y="365125"/>
+            <a:ext cx="11650133" cy="619125"/>
+          </a:xfrm>
+        </p:spPr>
+        <p:txBody>
+          <a:bodyPr>
+            <a:normAutofit fontScale="90000"/>
+          </a:bodyPr>
+          <a:lstStyle/>
+          <a:p>
+            <a:r>
+              <a:rPr lang="es-MX" sz="4000" b="1" dirty="0" smtClean="0"/>
+              <a:t>Ejemplo de un instrumento de medición poco confiable.</a:t>
+            </a:r>
+            <a:endParaRPr lang="es-MX" sz="4000" b="1" dirty="0"/>
+          </a:p>
+        </p:txBody>
+      </p:sp>
+      <p:sp>
+        <p:nvSpPr>
+          <p:cNvPr id="6" name="Rectángulo 5"/>
+          <p:cNvSpPr/>
+          <p:nvPr/>
+        </p:nvSpPr>
+        <p:spPr>
+          <a:xfrm>
+            <a:off x="0" y="1"/>
+            <a:ext cx="12192000" cy="304800"/>
+          </a:xfrm>
+          <a:prstGeom prst="rect">
+            <a:avLst/>
+          </a:prstGeom>
+          <a:solidFill>
+            <a:schemeClr val="bg1">
+              <a:lumMod val="50000"/>
+            </a:schemeClr>
+          </a:solidFill>
+          <a:ln>
+            <a:solidFill>
+              <a:schemeClr val="tx1"/>
+            </a:solidFill>
+          </a:ln>
+        </p:spPr>
+        <p:style>
+          <a:lnRef idx="2">
+            <a:schemeClr val="accent1">
+              <a:shade val="50000"/>
+            </a:schemeClr>
+          </a:lnRef>
+          <a:fillRef idx="1">
+            <a:schemeClr val="accent1"/>
+          </a:fillRef>
+          <a:effectRef idx="0">
+            <a:schemeClr val="accent1"/>
+          </a:effectRef>
+          <a:fontRef idx="minor">
+            <a:schemeClr val="lt1"/>
+          </a:fontRef>
+        </p:style>
+        <p:txBody>
+          <a:bodyPr rtlCol="0" anchor="ctr"/>
+          <a:lstStyle/>
+          <a:p>
+            <a:pPr algn="ctr"/>
+            <a:endParaRPr lang="es-MX"/>
+          </a:p>
+        </p:txBody>
+      </p:sp>
+      <p:sp>
+        <p:nvSpPr>
+          <p:cNvPr id="7" name="Rectángulo 6"/>
+          <p:cNvSpPr/>
+          <p:nvPr/>
+        </p:nvSpPr>
+        <p:spPr>
+          <a:xfrm>
+            <a:off x="0" y="6553200"/>
+            <a:ext cx="12192000" cy="304800"/>
+          </a:xfrm>
+          <a:prstGeom prst="rect">
+            <a:avLst/>
+          </a:prstGeom>
+          <a:solidFill>
+            <a:schemeClr val="bg1">
+              <a:lumMod val="50000"/>
+            </a:schemeClr>
+          </a:solidFill>
+          <a:ln>
+            <a:solidFill>
+              <a:schemeClr val="tx1"/>
+            </a:solidFill>
+          </a:ln>
+        </p:spPr>
+        <p:style>
+          <a:lnRef idx="2">
+            <a:schemeClr val="accent1">
+              <a:shade val="50000"/>
+            </a:schemeClr>
+          </a:lnRef>
+          <a:fillRef idx="1">
+            <a:schemeClr val="accent1"/>
+          </a:fillRef>
+          <a:effectRef idx="0">
+            <a:schemeClr val="accent1"/>
+          </a:effectRef>
+          <a:fontRef idx="minor">
+            <a:schemeClr val="lt1"/>
+          </a:fontRef>
+        </p:style>
+        <p:txBody>
+          <a:bodyPr rtlCol="0" anchor="ctr"/>
+          <a:lstStyle/>
+          <a:p>
+            <a:pPr algn="ctr"/>
+            <a:endParaRPr lang="es-MX"/>
+          </a:p>
+        </p:txBody>
+      </p:sp>
+      <p:sp>
+        <p:nvSpPr>
+          <p:cNvPr id="4" name="Marcador de contenido 3"/>
+          <p:cNvSpPr>
+            <a:spLocks noGrp="1"/>
+          </p:cNvSpPr>
+          <p:nvPr>
+            <p:ph idx="1"/>
+          </p:nvPr>
+        </p:nvSpPr>
+        <p:spPr/>
+        <p:txBody>
+          <a:bodyPr/>
+          <a:lstStyle/>
+          <a:p>
+            <a:endParaRPr lang="es-MX"/>
+          </a:p>
+        </p:txBody>
+      </p:sp>
+      <p:pic>
+        <p:nvPicPr>
+          <p:cNvPr id="9" name="Imagen 8"/>
+          <p:cNvPicPr>
+            <a:picLocks noChangeAspect="1"/>
+          </p:cNvPicPr>
+          <p:nvPr/>
+        </p:nvPicPr>
+        <p:blipFill>
+          <a:blip r:embed="rId2"/>
+          <a:stretch>
+            <a:fillRect/>
+          </a:stretch>
+        </p:blipFill>
+        <p:spPr>
+          <a:xfrm>
+            <a:off x="5174648" y="1360487"/>
+            <a:ext cx="6729484" cy="4697942"/>
+          </a:xfrm>
+          <a:prstGeom prst="rect">
+            <a:avLst/>
+          </a:prstGeom>
+        </p:spPr>
+      </p:pic>
+      <p:pic>
+        <p:nvPicPr>
+          <p:cNvPr id="10" name="Imagen 9"/>
+          <p:cNvPicPr>
+            <a:picLocks noChangeAspect="1"/>
+          </p:cNvPicPr>
+          <p:nvPr/>
+        </p:nvPicPr>
+        <p:blipFill>
+          <a:blip r:embed="rId3"/>
+          <a:stretch>
+            <a:fillRect/>
+          </a:stretch>
+        </p:blipFill>
+        <p:spPr>
+          <a:xfrm>
+            <a:off x="287868" y="2853267"/>
+            <a:ext cx="4738902" cy="2023004"/>
+          </a:xfrm>
+          <a:prstGeom prst="rect">
+            <a:avLst/>
+          </a:prstGeom>
+        </p:spPr>
+      </p:pic>
+    </p:spTree>
+    <p:extLst>
+      <p:ext uri="{BB962C8B-B14F-4D97-AF65-F5344CB8AC3E}">
+        <p14:creationId xmlns:p14="http://schemas.microsoft.com/office/powerpoint/2010/main" val="1783963453"/>
+      </p:ext>
+    </p:extLst>
+  </p:cSld>
+  <p:clrMapOvr>
+    <a:masterClrMapping/>
+  </p:clrMapOvr>
+</p:sld>
+</file>
+
+<file path=ppt/slides/slide12.xml><?xml version="1.0" encoding="utf-8"?>
+<p:sld xmlns:a="http://schemas.openxmlformats.org/drawingml/2006/main" xmlns:r="http://schemas.openxmlformats.org/officeDocument/2006/relationships" xmlns:p="http://schemas.openxmlformats.org/presentationml/2006/main">
+  <p:cSld>
+    <p:spTree>
+      <p:nvGrpSpPr>
+        <p:cNvPr id="1" name=""/>
+        <p:cNvGrpSpPr/>
+        <p:nvPr/>
+      </p:nvGrpSpPr>
+      <p:grpSpPr>
+        <a:xfrm>
+          <a:off x="0" y="0"/>
+          <a:ext cx="0" cy="0"/>
+          <a:chOff x="0" y="0"/>
+          <a:chExt cx="0" cy="0"/>
+        </a:xfrm>
+      </p:grpSpPr>
+      <p:sp>
+        <p:nvSpPr>
+          <p:cNvPr id="2" name="Título 1"/>
+          <p:cNvSpPr>
+            <a:spLocks noGrp="1"/>
+          </p:cNvSpPr>
+          <p:nvPr>
+            <p:ph type="title"/>
+          </p:nvPr>
+        </p:nvSpPr>
+        <p:spPr/>
+        <p:txBody>
+          <a:bodyPr/>
+          <a:lstStyle/>
+          <a:p>
+            <a:r>
+              <a:rPr lang="es-MX" b="1" dirty="0" smtClean="0"/>
+              <a:t>Acerca de la Confiabilidad</a:t>
+            </a:r>
+            <a:endParaRPr lang="es-MX" b="1" dirty="0"/>
+          </a:p>
+        </p:txBody>
+      </p:sp>
+      <p:sp>
+        <p:nvSpPr>
+          <p:cNvPr id="3" name="Marcador de contenido 2"/>
+          <p:cNvSpPr>
+            <a:spLocks noGrp="1"/>
+          </p:cNvSpPr>
+          <p:nvPr>
+            <p:ph idx="1"/>
+          </p:nvPr>
+        </p:nvSpPr>
+        <p:spPr/>
+        <p:txBody>
+          <a:bodyPr>
+            <a:normAutofit/>
+          </a:bodyPr>
+          <a:lstStyle/>
+          <a:p>
+            <a:r>
+              <a:rPr lang="es-MX" b="1" dirty="0" smtClean="0"/>
+              <a:t>Definición:</a:t>
+            </a:r>
+            <a:endParaRPr lang="es-MX" b="1" dirty="0" smtClean="0"/>
+          </a:p>
+          <a:p>
+            <a:pPr marL="457200" lvl="1" indent="0">
+              <a:buNone/>
+            </a:pPr>
+            <a:r>
+              <a:rPr lang="es-MX" dirty="0" smtClean="0"/>
+              <a:t>Implica evaluar la </a:t>
+            </a:r>
+            <a:r>
+              <a:rPr lang="es-MX" b="1" dirty="0" smtClean="0"/>
+              <a:t>precisión</a:t>
+            </a:r>
+            <a:r>
+              <a:rPr lang="es-MX" dirty="0" smtClean="0"/>
+              <a:t> con la que mi instrumento está midiendo mi variable de interés.</a:t>
+            </a:r>
+            <a:endParaRPr lang="es-MX" dirty="0"/>
+          </a:p>
+          <a:p>
+            <a:endParaRPr lang="es-MX" b="1" dirty="0" smtClean="0"/>
+          </a:p>
+          <a:p>
+            <a:r>
+              <a:rPr lang="es-MX" b="1" dirty="0" smtClean="0"/>
+              <a:t>¿Cómo se evalúa?</a:t>
+            </a:r>
+          </a:p>
+          <a:p>
+            <a:pPr lvl="1"/>
+            <a:r>
+              <a:rPr lang="es-MX" dirty="0" smtClean="0"/>
+              <a:t>Comparando las puntuaciones asignadas a un mismo objeto en dos momentos (</a:t>
+            </a:r>
+            <a:r>
+              <a:rPr lang="es-MX" i="1" dirty="0" smtClean="0"/>
+              <a:t>cercanos en el tiempo</a:t>
+            </a:r>
+            <a:r>
+              <a:rPr lang="es-MX" dirty="0" smtClean="0"/>
+              <a:t>)</a:t>
+            </a:r>
+          </a:p>
+          <a:p>
+            <a:pPr lvl="1"/>
+            <a:r>
+              <a:rPr lang="es-MX" b="1" u="sng" dirty="0"/>
+              <a:t>Comparando las puntuaciones obtenidas por dos personas distintas cuando se juzga un mismo objeto</a:t>
+            </a:r>
+          </a:p>
+        </p:txBody>
+      </p:sp>
+      <p:sp>
+        <p:nvSpPr>
+          <p:cNvPr id="4" name="Rectángulo 3"/>
+          <p:cNvSpPr/>
+          <p:nvPr/>
+        </p:nvSpPr>
+        <p:spPr>
+          <a:xfrm>
+            <a:off x="0" y="1"/>
+            <a:ext cx="12192000" cy="304800"/>
+          </a:xfrm>
+          <a:prstGeom prst="rect">
+            <a:avLst/>
+          </a:prstGeom>
+          <a:solidFill>
+            <a:schemeClr val="bg2">
+              <a:lumMod val="10000"/>
+            </a:schemeClr>
+          </a:solidFill>
+          <a:ln>
+            <a:solidFill>
+              <a:schemeClr val="tx1"/>
+            </a:solidFill>
+          </a:ln>
+        </p:spPr>
+        <p:style>
+          <a:lnRef idx="2">
+            <a:schemeClr val="accent1">
+              <a:shade val="50000"/>
+            </a:schemeClr>
+          </a:lnRef>
+          <a:fillRef idx="1">
+            <a:schemeClr val="accent1"/>
+          </a:fillRef>
+          <a:effectRef idx="0">
+            <a:schemeClr val="accent1"/>
+          </a:effectRef>
+          <a:fontRef idx="minor">
+            <a:schemeClr val="lt1"/>
+          </a:fontRef>
+        </p:style>
+        <p:txBody>
+          <a:bodyPr rtlCol="0" anchor="ctr"/>
+          <a:lstStyle/>
+          <a:p>
+            <a:pPr algn="ctr"/>
+            <a:endParaRPr lang="es-MX"/>
+          </a:p>
+        </p:txBody>
+      </p:sp>
+      <p:sp>
+        <p:nvSpPr>
+          <p:cNvPr id="5" name="Rectángulo 4"/>
+          <p:cNvSpPr/>
+          <p:nvPr/>
+        </p:nvSpPr>
+        <p:spPr>
+          <a:xfrm>
+            <a:off x="0" y="6553200"/>
+            <a:ext cx="12192000" cy="304800"/>
+          </a:xfrm>
+          <a:prstGeom prst="rect">
+            <a:avLst/>
+          </a:prstGeom>
+          <a:solidFill>
+            <a:schemeClr val="bg2">
+              <a:lumMod val="10000"/>
+            </a:schemeClr>
+          </a:solidFill>
+          <a:ln>
+            <a:solidFill>
+              <a:schemeClr val="tx1"/>
+            </a:solidFill>
+          </a:ln>
+        </p:spPr>
+        <p:style>
+          <a:lnRef idx="2">
+            <a:schemeClr val="accent1">
+              <a:shade val="50000"/>
+            </a:schemeClr>
+          </a:lnRef>
+          <a:fillRef idx="1">
+            <a:schemeClr val="accent1"/>
+          </a:fillRef>
+          <a:effectRef idx="0">
+            <a:schemeClr val="accent1"/>
+          </a:effectRef>
+          <a:fontRef idx="minor">
+            <a:schemeClr val="lt1"/>
+          </a:fontRef>
+        </p:style>
+        <p:txBody>
+          <a:bodyPr rtlCol="0" anchor="ctr"/>
+          <a:lstStyle/>
+          <a:p>
+            <a:pPr algn="ctr"/>
+            <a:endParaRPr lang="es-MX"/>
+          </a:p>
+        </p:txBody>
+      </p:sp>
+    </p:spTree>
+    <p:extLst>
+      <p:ext uri="{BB962C8B-B14F-4D97-AF65-F5344CB8AC3E}">
+        <p14:creationId xmlns:p14="http://schemas.microsoft.com/office/powerpoint/2010/main" val="2541248599"/>
+      </p:ext>
+    </p:extLst>
+  </p:cSld>
+  <p:clrMapOvr>
+    <a:masterClrMapping/>
+  </p:clrMapOvr>
+</p:sld>
+</file>
+
+<file path=ppt/slides/slide13.xml><?xml version="1.0" encoding="utf-8"?>
+<p:sld xmlns:a="http://schemas.openxmlformats.org/drawingml/2006/main" xmlns:r="http://schemas.openxmlformats.org/officeDocument/2006/relationships" xmlns:p="http://schemas.openxmlformats.org/presentationml/2006/main">
+  <p:cSld>
+    <p:spTree>
+      <p:nvGrpSpPr>
+        <p:cNvPr id="1" name=""/>
+        <p:cNvGrpSpPr/>
+        <p:nvPr/>
+      </p:nvGrpSpPr>
+      <p:grpSpPr>
+        <a:xfrm>
+          <a:off x="0" y="0"/>
+          <a:ext cx="0" cy="0"/>
+          <a:chOff x="0" y="0"/>
+          <a:chExt cx="0" cy="0"/>
+        </a:xfrm>
+      </p:grpSpPr>
+      <p:sp>
+        <p:nvSpPr>
+          <p:cNvPr id="2" name="Título 1"/>
+          <p:cNvSpPr>
+            <a:spLocks noGrp="1"/>
+          </p:cNvSpPr>
+          <p:nvPr>
+            <p:ph type="title"/>
+          </p:nvPr>
+        </p:nvSpPr>
+        <p:spPr>
+          <a:xfrm>
+            <a:off x="253999" y="365125"/>
+            <a:ext cx="11650133" cy="619125"/>
+          </a:xfrm>
+        </p:spPr>
+        <p:txBody>
+          <a:bodyPr>
+            <a:normAutofit fontScale="90000"/>
+          </a:bodyPr>
+          <a:lstStyle/>
+          <a:p>
+            <a:r>
+              <a:rPr lang="es-MX" sz="4000" b="1" dirty="0" smtClean="0"/>
+              <a:t>Ejemplo de un instrumento de medición poco confiable.</a:t>
+            </a:r>
+            <a:endParaRPr lang="es-MX" sz="4000" b="1" dirty="0"/>
+          </a:p>
+        </p:txBody>
+      </p:sp>
+      <p:sp>
+        <p:nvSpPr>
+          <p:cNvPr id="6" name="Rectángulo 5"/>
+          <p:cNvSpPr/>
+          <p:nvPr/>
+        </p:nvSpPr>
+        <p:spPr>
+          <a:xfrm>
+            <a:off x="0" y="1"/>
+            <a:ext cx="12192000" cy="304800"/>
+          </a:xfrm>
+          <a:prstGeom prst="rect">
+            <a:avLst/>
+          </a:prstGeom>
+          <a:solidFill>
+            <a:schemeClr val="bg1">
+              <a:lumMod val="50000"/>
+            </a:schemeClr>
+          </a:solidFill>
+          <a:ln>
+            <a:solidFill>
+              <a:schemeClr val="tx1"/>
+            </a:solidFill>
+          </a:ln>
+        </p:spPr>
+        <p:style>
+          <a:lnRef idx="2">
+            <a:schemeClr val="accent1">
+              <a:shade val="50000"/>
+            </a:schemeClr>
+          </a:lnRef>
+          <a:fillRef idx="1">
+            <a:schemeClr val="accent1"/>
+          </a:fillRef>
+          <a:effectRef idx="0">
+            <a:schemeClr val="accent1"/>
+          </a:effectRef>
+          <a:fontRef idx="minor">
+            <a:schemeClr val="lt1"/>
+          </a:fontRef>
+        </p:style>
+        <p:txBody>
+          <a:bodyPr rtlCol="0" anchor="ctr"/>
+          <a:lstStyle/>
+          <a:p>
+            <a:pPr algn="ctr"/>
+            <a:endParaRPr lang="es-MX"/>
+          </a:p>
+        </p:txBody>
+      </p:sp>
+      <p:sp>
+        <p:nvSpPr>
+          <p:cNvPr id="7" name="Rectángulo 6"/>
+          <p:cNvSpPr/>
+          <p:nvPr/>
+        </p:nvSpPr>
+        <p:spPr>
+          <a:xfrm>
+            <a:off x="0" y="6553200"/>
+            <a:ext cx="12192000" cy="304800"/>
+          </a:xfrm>
+          <a:prstGeom prst="rect">
+            <a:avLst/>
+          </a:prstGeom>
+          <a:solidFill>
+            <a:schemeClr val="bg1">
+              <a:lumMod val="50000"/>
+            </a:schemeClr>
+          </a:solidFill>
+          <a:ln>
+            <a:solidFill>
+              <a:schemeClr val="tx1"/>
+            </a:solidFill>
+          </a:ln>
+        </p:spPr>
+        <p:style>
+          <a:lnRef idx="2">
+            <a:schemeClr val="accent1">
+              <a:shade val="50000"/>
+            </a:schemeClr>
+          </a:lnRef>
+          <a:fillRef idx="1">
+            <a:schemeClr val="accent1"/>
+          </a:fillRef>
+          <a:effectRef idx="0">
+            <a:schemeClr val="accent1"/>
+          </a:effectRef>
+          <a:fontRef idx="minor">
+            <a:schemeClr val="lt1"/>
+          </a:fontRef>
+        </p:style>
+        <p:txBody>
+          <a:bodyPr rtlCol="0" anchor="ctr"/>
+          <a:lstStyle/>
+          <a:p>
+            <a:pPr algn="ctr"/>
+            <a:endParaRPr lang="es-MX"/>
+          </a:p>
+        </p:txBody>
+      </p:sp>
+      <p:sp>
+        <p:nvSpPr>
+          <p:cNvPr id="4" name="Marcador de contenido 3"/>
+          <p:cNvSpPr>
+            <a:spLocks noGrp="1"/>
+          </p:cNvSpPr>
+          <p:nvPr>
+            <p:ph idx="1"/>
+          </p:nvPr>
+        </p:nvSpPr>
+        <p:spPr/>
+        <p:txBody>
+          <a:bodyPr/>
+          <a:lstStyle/>
+          <a:p>
+            <a:endParaRPr lang="es-MX" dirty="0"/>
+          </a:p>
+        </p:txBody>
+      </p:sp>
+      <p:pic>
+        <p:nvPicPr>
+          <p:cNvPr id="9" name="Imagen 8"/>
+          <p:cNvPicPr>
+            <a:picLocks noChangeAspect="1"/>
+          </p:cNvPicPr>
+          <p:nvPr/>
+        </p:nvPicPr>
+        <p:blipFill>
+          <a:blip r:embed="rId2"/>
+          <a:stretch>
+            <a:fillRect/>
+          </a:stretch>
+        </p:blipFill>
+        <p:spPr>
+          <a:xfrm>
+            <a:off x="5242382" y="1360487"/>
+            <a:ext cx="6729484" cy="4697942"/>
+          </a:xfrm>
+          <a:prstGeom prst="rect">
+            <a:avLst/>
+          </a:prstGeom>
+        </p:spPr>
+      </p:pic>
+      <p:pic>
+        <p:nvPicPr>
+          <p:cNvPr id="10" name="Imagen 9"/>
+          <p:cNvPicPr>
+            <a:picLocks noChangeAspect="1"/>
+          </p:cNvPicPr>
+          <p:nvPr/>
+        </p:nvPicPr>
+        <p:blipFill>
+          <a:blip r:embed="rId3"/>
+          <a:stretch>
+            <a:fillRect/>
+          </a:stretch>
+        </p:blipFill>
+        <p:spPr>
+          <a:xfrm>
+            <a:off x="144515" y="2667001"/>
+            <a:ext cx="4738902" cy="2023004"/>
+          </a:xfrm>
+          <a:prstGeom prst="rect">
+            <a:avLst/>
+          </a:prstGeom>
+        </p:spPr>
+      </p:pic>
+      <p:sp>
+        <p:nvSpPr>
+          <p:cNvPr id="3" name="Rectángulo 2"/>
+          <p:cNvSpPr/>
+          <p:nvPr/>
+        </p:nvSpPr>
+        <p:spPr>
+          <a:xfrm>
+            <a:off x="246114" y="2667001"/>
+            <a:ext cx="2218265" cy="237066"/>
+          </a:xfrm>
+          <a:prstGeom prst="rect">
+            <a:avLst/>
+          </a:prstGeom>
+        </p:spPr>
+        <p:style>
+          <a:lnRef idx="2">
+            <a:schemeClr val="accent1">
+              <a:shade val="50000"/>
+            </a:schemeClr>
+          </a:lnRef>
+          <a:fillRef idx="1">
+            <a:schemeClr val="accent1"/>
+          </a:fillRef>
+          <a:effectRef idx="0">
+            <a:schemeClr val="accent1"/>
+          </a:effectRef>
+          <a:fontRef idx="minor">
+            <a:schemeClr val="lt1"/>
+          </a:fontRef>
+        </p:style>
+        <p:txBody>
+          <a:bodyPr rtlCol="0" anchor="ctr"/>
+          <a:lstStyle/>
+          <a:p>
+            <a:pPr algn="ctr"/>
+            <a:r>
+              <a:rPr lang="es-MX" dirty="0" smtClean="0"/>
+              <a:t>Enfermera Experta</a:t>
+            </a:r>
+            <a:endParaRPr lang="es-MX" dirty="0"/>
+          </a:p>
+        </p:txBody>
+      </p:sp>
+      <p:sp>
+        <p:nvSpPr>
+          <p:cNvPr id="11" name="Rectángulo 10"/>
+          <p:cNvSpPr/>
+          <p:nvPr/>
+        </p:nvSpPr>
+        <p:spPr>
+          <a:xfrm>
+            <a:off x="2612257" y="2667001"/>
+            <a:ext cx="2218265" cy="237066"/>
+          </a:xfrm>
+          <a:prstGeom prst="rect">
+            <a:avLst/>
+          </a:prstGeom>
+        </p:spPr>
+        <p:style>
+          <a:lnRef idx="2">
+            <a:schemeClr val="accent1">
+              <a:shade val="50000"/>
+            </a:schemeClr>
+          </a:lnRef>
+          <a:fillRef idx="1">
+            <a:schemeClr val="accent1"/>
+          </a:fillRef>
+          <a:effectRef idx="0">
+            <a:schemeClr val="accent1"/>
+          </a:effectRef>
+          <a:fontRef idx="minor">
+            <a:schemeClr val="lt1"/>
+          </a:fontRef>
+        </p:style>
+        <p:txBody>
+          <a:bodyPr rtlCol="0" anchor="ctr"/>
+          <a:lstStyle/>
+          <a:p>
+            <a:pPr algn="ctr"/>
+            <a:r>
+              <a:rPr lang="es-MX" dirty="0" smtClean="0"/>
+              <a:t>Enfermera Novata</a:t>
+            </a:r>
+            <a:endParaRPr lang="es-MX" dirty="0"/>
+          </a:p>
+        </p:txBody>
+      </p:sp>
+      <p:sp>
+        <p:nvSpPr>
+          <p:cNvPr id="12" name="Rectángulo 11"/>
+          <p:cNvSpPr/>
+          <p:nvPr/>
+        </p:nvSpPr>
+        <p:spPr>
+          <a:xfrm>
+            <a:off x="7662334" y="5898358"/>
+            <a:ext cx="2218265" cy="237066"/>
+          </a:xfrm>
+          <a:prstGeom prst="rect">
+            <a:avLst/>
+          </a:prstGeom>
+        </p:spPr>
+        <p:style>
+          <a:lnRef idx="2">
+            <a:schemeClr val="accent1">
+              <a:shade val="50000"/>
+            </a:schemeClr>
+          </a:lnRef>
+          <a:fillRef idx="1">
+            <a:schemeClr val="accent1"/>
+          </a:fillRef>
+          <a:effectRef idx="0">
+            <a:schemeClr val="accent1"/>
+          </a:effectRef>
+          <a:fontRef idx="minor">
+            <a:schemeClr val="lt1"/>
+          </a:fontRef>
+        </p:style>
+        <p:txBody>
+          <a:bodyPr rtlCol="0" anchor="ctr"/>
+          <a:lstStyle/>
+          <a:p>
+            <a:pPr algn="ctr"/>
+            <a:r>
+              <a:rPr lang="es-MX" dirty="0" smtClean="0"/>
+              <a:t>Enfermera Experta</a:t>
+            </a:r>
+            <a:endParaRPr lang="es-MX" dirty="0"/>
+          </a:p>
+        </p:txBody>
+      </p:sp>
+      <p:sp>
+        <p:nvSpPr>
+          <p:cNvPr id="13" name="Rectángulo 12"/>
+          <p:cNvSpPr/>
+          <p:nvPr/>
+        </p:nvSpPr>
+        <p:spPr>
+          <a:xfrm rot="16200000">
+            <a:off x="4186145" y="3462339"/>
+            <a:ext cx="2218265" cy="237066"/>
+          </a:xfrm>
+          <a:prstGeom prst="rect">
+            <a:avLst/>
+          </a:prstGeom>
+        </p:spPr>
+        <p:style>
+          <a:lnRef idx="2">
+            <a:schemeClr val="accent1">
+              <a:shade val="50000"/>
+            </a:schemeClr>
+          </a:lnRef>
+          <a:fillRef idx="1">
+            <a:schemeClr val="accent1"/>
+          </a:fillRef>
+          <a:effectRef idx="0">
+            <a:schemeClr val="accent1"/>
+          </a:effectRef>
+          <a:fontRef idx="minor">
+            <a:schemeClr val="lt1"/>
+          </a:fontRef>
+        </p:style>
+        <p:txBody>
+          <a:bodyPr rtlCol="0" anchor="ctr"/>
+          <a:lstStyle/>
+          <a:p>
+            <a:pPr algn="ctr"/>
+            <a:r>
+              <a:rPr lang="es-MX" dirty="0" smtClean="0"/>
+              <a:t>Enfermera Novata</a:t>
+            </a:r>
+            <a:endParaRPr lang="es-MX" dirty="0"/>
+          </a:p>
+        </p:txBody>
+      </p:sp>
+    </p:spTree>
+    <p:extLst>
+      <p:ext uri="{BB962C8B-B14F-4D97-AF65-F5344CB8AC3E}">
+        <p14:creationId xmlns:p14="http://schemas.microsoft.com/office/powerpoint/2010/main" val="3018948716"/>
+      </p:ext>
+    </p:extLst>
+  </p:cSld>
+  <p:clrMapOvr>
+    <a:masterClrMapping/>
+  </p:clrMapOvr>
+</p:sld>
+</file>
+
+<file path=ppt/slides/slide14.xml><?xml version="1.0" encoding="utf-8"?>
+<p:sld xmlns:a="http://schemas.openxmlformats.org/drawingml/2006/main" xmlns:r="http://schemas.openxmlformats.org/officeDocument/2006/relationships" xmlns:p="http://schemas.openxmlformats.org/presentationml/2006/main">
+  <p:cSld>
+    <p:spTree>
+      <p:nvGrpSpPr>
+        <p:cNvPr id="1" name=""/>
+        <p:cNvGrpSpPr/>
+        <p:nvPr/>
+      </p:nvGrpSpPr>
+      <p:grpSpPr>
+        <a:xfrm>
+          <a:off x="0" y="0"/>
+          <a:ext cx="0" cy="0"/>
+          <a:chOff x="0" y="0"/>
+          <a:chExt cx="0" cy="0"/>
+        </a:xfrm>
+      </p:grpSpPr>
+      <p:sp>
+        <p:nvSpPr>
+          <p:cNvPr id="2" name="Título 1"/>
+          <p:cNvSpPr>
+            <a:spLocks noGrp="1"/>
+          </p:cNvSpPr>
+          <p:nvPr>
+            <p:ph type="title"/>
+          </p:nvPr>
+        </p:nvSpPr>
+        <p:spPr/>
+        <p:txBody>
+          <a:bodyPr/>
+          <a:lstStyle/>
+          <a:p>
+            <a:r>
+              <a:rPr lang="es-MX" b="1" dirty="0" smtClean="0"/>
+              <a:t>Acerca de la Confiabilidad</a:t>
+            </a:r>
+            <a:endParaRPr lang="es-MX" b="1" dirty="0"/>
+          </a:p>
+        </p:txBody>
+      </p:sp>
+      <p:sp>
+        <p:nvSpPr>
+          <p:cNvPr id="3" name="Marcador de contenido 2"/>
+          <p:cNvSpPr>
+            <a:spLocks noGrp="1"/>
+          </p:cNvSpPr>
+          <p:nvPr>
+            <p:ph idx="1"/>
+          </p:nvPr>
+        </p:nvSpPr>
+        <p:spPr/>
+        <p:txBody>
+          <a:bodyPr>
+            <a:normAutofit/>
+          </a:bodyPr>
+          <a:lstStyle/>
+          <a:p>
+            <a:r>
+              <a:rPr lang="es-MX" dirty="0" smtClean="0"/>
+              <a:t>La </a:t>
+            </a:r>
+            <a:r>
+              <a:rPr lang="es-MX" b="1" dirty="0" smtClean="0"/>
+              <a:t>comparación</a:t>
+            </a:r>
+            <a:r>
+              <a:rPr lang="es-MX" dirty="0"/>
+              <a:t> </a:t>
+            </a:r>
+            <a:r>
+              <a:rPr lang="es-MX" dirty="0" smtClean="0"/>
+              <a:t>entre dos medidas que se realiza para valorar la </a:t>
+            </a:r>
+            <a:r>
+              <a:rPr lang="es-MX" b="1" dirty="0" smtClean="0"/>
+              <a:t>confiabilidad </a:t>
+            </a:r>
+            <a:r>
+              <a:rPr lang="es-MX" dirty="0" smtClean="0"/>
+              <a:t>de mi medición, se hace a partir de un </a:t>
+            </a:r>
+            <a:r>
+              <a:rPr lang="es-MX" b="1" dirty="0" smtClean="0"/>
+              <a:t>cálculo de su correlación.</a:t>
+            </a:r>
+          </a:p>
+          <a:p>
+            <a:endParaRPr lang="es-MX" b="1" dirty="0"/>
+          </a:p>
+          <a:p>
+            <a:r>
+              <a:rPr lang="es-MX" dirty="0" smtClean="0"/>
+              <a:t>En </a:t>
+            </a:r>
+            <a:r>
+              <a:rPr lang="es-MX" b="1" dirty="0" smtClean="0"/>
+              <a:t>estadística, </a:t>
+            </a:r>
+            <a:r>
+              <a:rPr lang="es-MX" dirty="0" smtClean="0"/>
+              <a:t>existen diversas fórmulas para calcular la </a:t>
+            </a:r>
+            <a:r>
+              <a:rPr lang="es-MX" b="1" dirty="0" smtClean="0"/>
+              <a:t>correlación</a:t>
+            </a:r>
+            <a:r>
+              <a:rPr lang="es-MX" dirty="0"/>
+              <a:t> </a:t>
+            </a:r>
+            <a:r>
+              <a:rPr lang="es-MX" dirty="0" smtClean="0"/>
+              <a:t>entre </a:t>
+            </a:r>
+            <a:r>
+              <a:rPr lang="es-MX" b="1" dirty="0" smtClean="0"/>
+              <a:t>dos variables.</a:t>
+            </a:r>
+            <a:endParaRPr lang="es-MX" dirty="0"/>
+          </a:p>
+          <a:p>
+            <a:pPr marL="0" indent="0">
+              <a:buNone/>
+            </a:pPr>
+            <a:endParaRPr lang="es-MX" b="1" dirty="0" smtClean="0"/>
+          </a:p>
+        </p:txBody>
+      </p:sp>
+      <p:sp>
+        <p:nvSpPr>
+          <p:cNvPr id="4" name="Rectángulo 3"/>
+          <p:cNvSpPr/>
+          <p:nvPr/>
+        </p:nvSpPr>
+        <p:spPr>
+          <a:xfrm>
+            <a:off x="0" y="1"/>
+            <a:ext cx="12192000" cy="304800"/>
+          </a:xfrm>
+          <a:prstGeom prst="rect">
+            <a:avLst/>
+          </a:prstGeom>
+          <a:solidFill>
+            <a:schemeClr val="bg2">
+              <a:lumMod val="10000"/>
+            </a:schemeClr>
+          </a:solidFill>
+          <a:ln>
+            <a:solidFill>
+              <a:schemeClr val="tx1"/>
+            </a:solidFill>
+          </a:ln>
+        </p:spPr>
+        <p:style>
+          <a:lnRef idx="2">
+            <a:schemeClr val="accent1">
+              <a:shade val="50000"/>
+            </a:schemeClr>
+          </a:lnRef>
+          <a:fillRef idx="1">
+            <a:schemeClr val="accent1"/>
+          </a:fillRef>
+          <a:effectRef idx="0">
+            <a:schemeClr val="accent1"/>
+          </a:effectRef>
+          <a:fontRef idx="minor">
+            <a:schemeClr val="lt1"/>
+          </a:fontRef>
+        </p:style>
+        <p:txBody>
+          <a:bodyPr rtlCol="0" anchor="ctr"/>
+          <a:lstStyle/>
+          <a:p>
+            <a:pPr algn="ctr"/>
+            <a:endParaRPr lang="es-MX"/>
+          </a:p>
+        </p:txBody>
+      </p:sp>
+      <p:sp>
+        <p:nvSpPr>
+          <p:cNvPr id="5" name="Rectángulo 4"/>
+          <p:cNvSpPr/>
+          <p:nvPr/>
+        </p:nvSpPr>
+        <p:spPr>
+          <a:xfrm>
+            <a:off x="0" y="6553200"/>
+            <a:ext cx="12192000" cy="304800"/>
+          </a:xfrm>
+          <a:prstGeom prst="rect">
+            <a:avLst/>
+          </a:prstGeom>
+          <a:solidFill>
+            <a:schemeClr val="bg2">
+              <a:lumMod val="10000"/>
+            </a:schemeClr>
+          </a:solidFill>
+          <a:ln>
+            <a:solidFill>
+              <a:schemeClr val="tx1"/>
+            </a:solidFill>
+          </a:ln>
+        </p:spPr>
+        <p:style>
+          <a:lnRef idx="2">
+            <a:schemeClr val="accent1">
+              <a:shade val="50000"/>
+            </a:schemeClr>
+          </a:lnRef>
+          <a:fillRef idx="1">
+            <a:schemeClr val="accent1"/>
+          </a:fillRef>
+          <a:effectRef idx="0">
+            <a:schemeClr val="accent1"/>
+          </a:effectRef>
+          <a:fontRef idx="minor">
+            <a:schemeClr val="lt1"/>
+          </a:fontRef>
+        </p:style>
+        <p:txBody>
+          <a:bodyPr rtlCol="0" anchor="ctr"/>
+          <a:lstStyle/>
+          <a:p>
+            <a:pPr algn="ctr"/>
+            <a:endParaRPr lang="es-MX"/>
+          </a:p>
+        </p:txBody>
+      </p:sp>
+    </p:spTree>
+    <p:extLst>
+      <p:ext uri="{BB962C8B-B14F-4D97-AF65-F5344CB8AC3E}">
+        <p14:creationId xmlns:p14="http://schemas.microsoft.com/office/powerpoint/2010/main" val="2098923354"/>
+      </p:ext>
+    </p:extLst>
+  </p:cSld>
+  <p:clrMapOvr>
+    <a:masterClrMapping/>
+  </p:clrMapOvr>
+</p:sld>
+</file>
+
+<file path=ppt/slides/slide15.xml><?xml version="1.0" encoding="utf-8"?>
+<p:sld xmlns:a="http://schemas.openxmlformats.org/drawingml/2006/main" xmlns:r="http://schemas.openxmlformats.org/officeDocument/2006/relationships" xmlns:p="http://schemas.openxmlformats.org/presentationml/2006/main">
+  <p:cSld>
+    <p:spTree>
+      <p:nvGrpSpPr>
+        <p:cNvPr id="1" name=""/>
+        <p:cNvGrpSpPr/>
+        <p:nvPr/>
+      </p:nvGrpSpPr>
+      <p:grpSpPr>
+        <a:xfrm>
+          <a:off x="0" y="0"/>
+          <a:ext cx="0" cy="0"/>
+          <a:chOff x="0" y="0"/>
+          <a:chExt cx="0" cy="0"/>
+        </a:xfrm>
+      </p:grpSpPr>
+      <p:sp>
+        <p:nvSpPr>
+          <p:cNvPr id="2" name="Título 1"/>
+          <p:cNvSpPr>
+            <a:spLocks noGrp="1"/>
+          </p:cNvSpPr>
+          <p:nvPr>
+            <p:ph type="title"/>
+          </p:nvPr>
+        </p:nvSpPr>
+        <p:spPr/>
+        <p:txBody>
+          <a:bodyPr/>
+          <a:lstStyle/>
+          <a:p>
+            <a:r>
+              <a:rPr lang="es-MX" dirty="0" smtClean="0"/>
+              <a:t/>
+            </a:r>
+            <a:br>
+              <a:rPr lang="es-MX" dirty="0" smtClean="0"/>
+            </a:br>
+            <a:endParaRPr lang="es-MX" dirty="0"/>
+          </a:p>
+        </p:txBody>
+      </p:sp>
+      <p:sp>
+        <p:nvSpPr>
+          <p:cNvPr id="3" name="Marcador de contenido 2"/>
+          <p:cNvSpPr>
+            <a:spLocks noGrp="1"/>
+          </p:cNvSpPr>
+          <p:nvPr>
+            <p:ph idx="1"/>
+          </p:nvPr>
+        </p:nvSpPr>
+        <p:spPr>
+          <a:xfrm>
+            <a:off x="838200" y="1825625"/>
+            <a:ext cx="3488267" cy="4351338"/>
+          </a:xfrm>
+        </p:spPr>
+        <p:txBody>
+          <a:bodyPr/>
+          <a:lstStyle/>
+          <a:p>
+            <a:pPr marL="0" indent="0">
+              <a:buNone/>
+            </a:pPr>
+            <a:r>
+              <a:rPr lang="es-MX" b="1" dirty="0" smtClean="0"/>
+              <a:t>Ejemplo</a:t>
+            </a:r>
+            <a:r>
+              <a:rPr lang="es-MX" dirty="0"/>
+              <a:t> </a:t>
+            </a:r>
+            <a:r>
+              <a:rPr lang="es-MX" dirty="0" smtClean="0"/>
+              <a:t>de una </a:t>
+            </a:r>
+            <a:r>
+              <a:rPr lang="es-MX" b="1" dirty="0" smtClean="0"/>
+              <a:t>correlación positiva perfecta.</a:t>
+            </a:r>
+          </a:p>
+          <a:p>
+            <a:pPr marL="0" indent="0">
+              <a:buNone/>
+            </a:pPr>
+            <a:endParaRPr lang="es-MX" b="1" dirty="0"/>
+          </a:p>
+          <a:p>
+            <a:pPr marL="0" indent="0">
+              <a:buNone/>
+            </a:pPr>
+            <a:r>
+              <a:rPr lang="es-MX" b="1" dirty="0" smtClean="0"/>
+              <a:t>r = 1</a:t>
+            </a:r>
+          </a:p>
+        </p:txBody>
+      </p:sp>
+      <p:pic>
+        <p:nvPicPr>
+          <p:cNvPr id="5" name="Imagen 4"/>
+          <p:cNvPicPr>
+            <a:picLocks noChangeAspect="1"/>
+          </p:cNvPicPr>
+          <p:nvPr/>
+        </p:nvPicPr>
+        <p:blipFill>
+          <a:blip r:embed="rId2"/>
+          <a:stretch>
+            <a:fillRect/>
+          </a:stretch>
+        </p:blipFill>
+        <p:spPr>
+          <a:xfrm>
+            <a:off x="4428066" y="1027906"/>
+            <a:ext cx="7256135" cy="5300133"/>
+          </a:xfrm>
+          <a:prstGeom prst="rect">
+            <a:avLst/>
+          </a:prstGeom>
+        </p:spPr>
+      </p:pic>
+      <p:sp>
+        <p:nvSpPr>
+          <p:cNvPr id="6" name="Rectángulo 5"/>
+          <p:cNvSpPr/>
+          <p:nvPr/>
+        </p:nvSpPr>
+        <p:spPr>
+          <a:xfrm>
+            <a:off x="0" y="1"/>
+            <a:ext cx="12192000" cy="304800"/>
+          </a:xfrm>
+          <a:prstGeom prst="rect">
+            <a:avLst/>
+          </a:prstGeom>
+          <a:solidFill>
+            <a:schemeClr val="bg2">
+              <a:lumMod val="10000"/>
+            </a:schemeClr>
+          </a:solidFill>
+          <a:ln>
+            <a:solidFill>
+              <a:schemeClr val="tx1"/>
+            </a:solidFill>
+          </a:ln>
+        </p:spPr>
+        <p:style>
+          <a:lnRef idx="2">
+            <a:schemeClr val="accent1">
+              <a:shade val="50000"/>
+            </a:schemeClr>
+          </a:lnRef>
+          <a:fillRef idx="1">
+            <a:schemeClr val="accent1"/>
+          </a:fillRef>
+          <a:effectRef idx="0">
+            <a:schemeClr val="accent1"/>
+          </a:effectRef>
+          <a:fontRef idx="minor">
+            <a:schemeClr val="lt1"/>
+          </a:fontRef>
+        </p:style>
+        <p:txBody>
+          <a:bodyPr rtlCol="0" anchor="ctr"/>
+          <a:lstStyle/>
+          <a:p>
+            <a:pPr algn="ctr"/>
+            <a:endParaRPr lang="es-MX"/>
+          </a:p>
+        </p:txBody>
+      </p:sp>
+      <p:sp>
+        <p:nvSpPr>
+          <p:cNvPr id="7" name="Rectángulo 6"/>
+          <p:cNvSpPr/>
+          <p:nvPr/>
+        </p:nvSpPr>
+        <p:spPr>
+          <a:xfrm>
+            <a:off x="0" y="6553200"/>
+            <a:ext cx="12192000" cy="304800"/>
+          </a:xfrm>
+          <a:prstGeom prst="rect">
+            <a:avLst/>
+          </a:prstGeom>
+          <a:solidFill>
+            <a:schemeClr val="bg2">
+              <a:lumMod val="10000"/>
+            </a:schemeClr>
+          </a:solidFill>
+          <a:ln>
+            <a:solidFill>
+              <a:schemeClr val="tx1"/>
+            </a:solidFill>
+          </a:ln>
+        </p:spPr>
+        <p:style>
+          <a:lnRef idx="2">
+            <a:schemeClr val="accent1">
+              <a:shade val="50000"/>
+            </a:schemeClr>
+          </a:lnRef>
+          <a:fillRef idx="1">
+            <a:schemeClr val="accent1"/>
+          </a:fillRef>
+          <a:effectRef idx="0">
+            <a:schemeClr val="accent1"/>
+          </a:effectRef>
+          <a:fontRef idx="minor">
+            <a:schemeClr val="lt1"/>
+          </a:fontRef>
+        </p:style>
+        <p:txBody>
+          <a:bodyPr rtlCol="0" anchor="ctr"/>
+          <a:lstStyle/>
+          <a:p>
+            <a:pPr algn="ctr"/>
+            <a:endParaRPr lang="es-MX"/>
+          </a:p>
+        </p:txBody>
+      </p:sp>
+    </p:spTree>
+    <p:extLst>
+      <p:ext uri="{BB962C8B-B14F-4D97-AF65-F5344CB8AC3E}">
+        <p14:creationId xmlns:p14="http://schemas.microsoft.com/office/powerpoint/2010/main" val="4039062277"/>
+      </p:ext>
+    </p:extLst>
+  </p:cSld>
+  <p:clrMapOvr>
+    <a:masterClrMapping/>
+  </p:clrMapOvr>
+</p:sld>
+</file>
+
+<file path=ppt/slides/slide16.xml><?xml version="1.0" encoding="utf-8"?>
+<p:sld xmlns:a="http://schemas.openxmlformats.org/drawingml/2006/main" xmlns:r="http://schemas.openxmlformats.org/officeDocument/2006/relationships" xmlns:p="http://schemas.openxmlformats.org/presentationml/2006/main">
+  <p:cSld>
+    <p:spTree>
+      <p:nvGrpSpPr>
+        <p:cNvPr id="1" name=""/>
+        <p:cNvGrpSpPr/>
+        <p:nvPr/>
+      </p:nvGrpSpPr>
+      <p:grpSpPr>
+        <a:xfrm>
+          <a:off x="0" y="0"/>
+          <a:ext cx="0" cy="0"/>
+          <a:chOff x="0" y="0"/>
+          <a:chExt cx="0" cy="0"/>
+        </a:xfrm>
+      </p:grpSpPr>
+      <p:sp>
+        <p:nvSpPr>
+          <p:cNvPr id="2" name="Título 1"/>
+          <p:cNvSpPr>
+            <a:spLocks noGrp="1"/>
+          </p:cNvSpPr>
+          <p:nvPr>
+            <p:ph type="title"/>
+          </p:nvPr>
+        </p:nvSpPr>
+        <p:spPr/>
+        <p:txBody>
+          <a:bodyPr/>
+          <a:lstStyle/>
+          <a:p>
+            <a:r>
+              <a:rPr lang="es-MX" dirty="0" smtClean="0"/>
+              <a:t/>
+            </a:r>
+            <a:br>
+              <a:rPr lang="es-MX" dirty="0" smtClean="0"/>
+            </a:br>
+            <a:endParaRPr lang="es-MX" dirty="0"/>
+          </a:p>
+        </p:txBody>
+      </p:sp>
+      <p:sp>
+        <p:nvSpPr>
+          <p:cNvPr id="3" name="Marcador de contenido 2"/>
+          <p:cNvSpPr>
+            <a:spLocks noGrp="1"/>
+          </p:cNvSpPr>
+          <p:nvPr>
+            <p:ph idx="1"/>
+          </p:nvPr>
+        </p:nvSpPr>
+        <p:spPr>
+          <a:xfrm>
+            <a:off x="838200" y="1825625"/>
+            <a:ext cx="3488267" cy="4351338"/>
+          </a:xfrm>
+        </p:spPr>
+        <p:txBody>
+          <a:bodyPr/>
+          <a:lstStyle/>
+          <a:p>
+            <a:pPr marL="0" indent="0">
+              <a:buNone/>
+            </a:pPr>
+            <a:r>
+              <a:rPr lang="es-MX" b="1" dirty="0" smtClean="0"/>
+              <a:t>Ejemplo</a:t>
+            </a:r>
+            <a:r>
+              <a:rPr lang="es-MX" dirty="0"/>
+              <a:t> </a:t>
+            </a:r>
+            <a:r>
+              <a:rPr lang="es-MX" dirty="0" smtClean="0"/>
+              <a:t>de una </a:t>
+            </a:r>
+            <a:r>
+              <a:rPr lang="es-MX" b="1" dirty="0" smtClean="0"/>
+              <a:t>correlación negativa perfecta.</a:t>
+            </a:r>
+          </a:p>
+          <a:p>
+            <a:pPr marL="0" indent="0">
+              <a:buNone/>
+            </a:pPr>
+            <a:endParaRPr lang="es-MX" b="1" dirty="0"/>
+          </a:p>
+          <a:p>
+            <a:pPr marL="0" indent="0">
+              <a:buNone/>
+            </a:pPr>
+            <a:r>
+              <a:rPr lang="es-MX" b="1" dirty="0" smtClean="0"/>
+              <a:t>r = -1</a:t>
+            </a:r>
+          </a:p>
+        </p:txBody>
+      </p:sp>
+      <p:sp>
+        <p:nvSpPr>
+          <p:cNvPr id="6" name="Rectángulo 5"/>
+          <p:cNvSpPr/>
+          <p:nvPr/>
+        </p:nvSpPr>
+        <p:spPr>
+          <a:xfrm>
+            <a:off x="0" y="1"/>
+            <a:ext cx="12192000" cy="304800"/>
+          </a:xfrm>
+          <a:prstGeom prst="rect">
+            <a:avLst/>
+          </a:prstGeom>
+          <a:solidFill>
+            <a:schemeClr val="bg2">
+              <a:lumMod val="10000"/>
+            </a:schemeClr>
+          </a:solidFill>
+          <a:ln>
+            <a:solidFill>
+              <a:schemeClr val="tx1"/>
+            </a:solidFill>
+          </a:ln>
+        </p:spPr>
+        <p:style>
+          <a:lnRef idx="2">
+            <a:schemeClr val="accent1">
+              <a:shade val="50000"/>
+            </a:schemeClr>
+          </a:lnRef>
+          <a:fillRef idx="1">
+            <a:schemeClr val="accent1"/>
+          </a:fillRef>
+          <a:effectRef idx="0">
+            <a:schemeClr val="accent1"/>
+          </a:effectRef>
+          <a:fontRef idx="minor">
+            <a:schemeClr val="lt1"/>
+          </a:fontRef>
+        </p:style>
+        <p:txBody>
+          <a:bodyPr rtlCol="0" anchor="ctr"/>
+          <a:lstStyle/>
+          <a:p>
+            <a:pPr algn="ctr"/>
+            <a:endParaRPr lang="es-MX"/>
+          </a:p>
+        </p:txBody>
+      </p:sp>
+      <p:sp>
+        <p:nvSpPr>
+          <p:cNvPr id="7" name="Rectángulo 6"/>
+          <p:cNvSpPr/>
+          <p:nvPr/>
+        </p:nvSpPr>
+        <p:spPr>
+          <a:xfrm>
+            <a:off x="0" y="6553200"/>
+            <a:ext cx="12192000" cy="304800"/>
+          </a:xfrm>
+          <a:prstGeom prst="rect">
+            <a:avLst/>
+          </a:prstGeom>
+          <a:solidFill>
+            <a:schemeClr val="bg2">
+              <a:lumMod val="10000"/>
+            </a:schemeClr>
+          </a:solidFill>
+          <a:ln>
+            <a:solidFill>
+              <a:schemeClr val="tx1"/>
+            </a:solidFill>
+          </a:ln>
+        </p:spPr>
+        <p:style>
+          <a:lnRef idx="2">
+            <a:schemeClr val="accent1">
+              <a:shade val="50000"/>
+            </a:schemeClr>
+          </a:lnRef>
+          <a:fillRef idx="1">
+            <a:schemeClr val="accent1"/>
+          </a:fillRef>
+          <a:effectRef idx="0">
+            <a:schemeClr val="accent1"/>
+          </a:effectRef>
+          <a:fontRef idx="minor">
+            <a:schemeClr val="lt1"/>
+          </a:fontRef>
+        </p:style>
+        <p:txBody>
+          <a:bodyPr rtlCol="0" anchor="ctr"/>
+          <a:lstStyle/>
+          <a:p>
+            <a:pPr algn="ctr"/>
+            <a:endParaRPr lang="es-MX"/>
+          </a:p>
+        </p:txBody>
+      </p:sp>
+      <p:pic>
+        <p:nvPicPr>
+          <p:cNvPr id="4" name="Imagen 3"/>
+          <p:cNvPicPr>
+            <a:picLocks noChangeAspect="1"/>
+          </p:cNvPicPr>
+          <p:nvPr/>
+        </p:nvPicPr>
+        <p:blipFill>
+          <a:blip r:embed="rId2"/>
+          <a:stretch>
+            <a:fillRect/>
+          </a:stretch>
+        </p:blipFill>
+        <p:spPr>
+          <a:xfrm>
+            <a:off x="4707465" y="829734"/>
+            <a:ext cx="7074672" cy="5262540"/>
+          </a:xfrm>
+          <a:prstGeom prst="rect">
+            <a:avLst/>
+          </a:prstGeom>
+        </p:spPr>
+      </p:pic>
+    </p:spTree>
+    <p:extLst>
+      <p:ext uri="{BB962C8B-B14F-4D97-AF65-F5344CB8AC3E}">
+        <p14:creationId xmlns:p14="http://schemas.microsoft.com/office/powerpoint/2010/main" val="2287061806"/>
+      </p:ext>
+    </p:extLst>
+  </p:cSld>
+  <p:clrMapOvr>
+    <a:masterClrMapping/>
+  </p:clrMapOvr>
+</p:sld>
+</file>
+
+<file path=ppt/slides/slide17.xml><?xml version="1.0" encoding="utf-8"?>
+<p:sld xmlns:a="http://schemas.openxmlformats.org/drawingml/2006/main" xmlns:r="http://schemas.openxmlformats.org/officeDocument/2006/relationships" xmlns:p="http://schemas.openxmlformats.org/presentationml/2006/main">
+  <p:cSld>
+    <p:spTree>
+      <p:nvGrpSpPr>
+        <p:cNvPr id="1" name=""/>
+        <p:cNvGrpSpPr/>
+        <p:nvPr/>
+      </p:nvGrpSpPr>
+      <p:grpSpPr>
+        <a:xfrm>
+          <a:off x="0" y="0"/>
+          <a:ext cx="0" cy="0"/>
+          <a:chOff x="0" y="0"/>
+          <a:chExt cx="0" cy="0"/>
+        </a:xfrm>
+      </p:grpSpPr>
+      <p:sp>
+        <p:nvSpPr>
+          <p:cNvPr id="2" name="Título 1"/>
+          <p:cNvSpPr>
+            <a:spLocks noGrp="1"/>
+          </p:cNvSpPr>
+          <p:nvPr>
+            <p:ph type="title"/>
+          </p:nvPr>
+        </p:nvSpPr>
+        <p:spPr/>
+        <p:txBody>
+          <a:bodyPr/>
+          <a:lstStyle/>
+          <a:p>
+            <a:r>
+              <a:rPr lang="es-MX" dirty="0" smtClean="0"/>
+              <a:t/>
+            </a:r>
+            <a:br>
+              <a:rPr lang="es-MX" dirty="0" smtClean="0"/>
+            </a:br>
+            <a:endParaRPr lang="es-MX" dirty="0"/>
+          </a:p>
+        </p:txBody>
+      </p:sp>
+      <p:sp>
+        <p:nvSpPr>
+          <p:cNvPr id="3" name="Marcador de contenido 2"/>
+          <p:cNvSpPr>
+            <a:spLocks noGrp="1"/>
+          </p:cNvSpPr>
+          <p:nvPr>
+            <p:ph idx="1"/>
+          </p:nvPr>
+        </p:nvSpPr>
+        <p:spPr>
+          <a:xfrm>
+            <a:off x="838200" y="1825625"/>
+            <a:ext cx="3488267" cy="4351338"/>
+          </a:xfrm>
+        </p:spPr>
+        <p:txBody>
+          <a:bodyPr/>
+          <a:lstStyle/>
+          <a:p>
+            <a:pPr marL="0" indent="0">
+              <a:buNone/>
+            </a:pPr>
+            <a:r>
+              <a:rPr lang="es-MX" b="1" dirty="0" smtClean="0"/>
+              <a:t>Ejemplo</a:t>
+            </a:r>
+            <a:r>
+              <a:rPr lang="es-MX" dirty="0"/>
+              <a:t> </a:t>
+            </a:r>
+            <a:r>
+              <a:rPr lang="es-MX" dirty="0" smtClean="0"/>
+              <a:t>de una </a:t>
+            </a:r>
+            <a:r>
+              <a:rPr lang="es-MX" b="1" dirty="0" smtClean="0"/>
+              <a:t>correlación nula.</a:t>
+            </a:r>
+          </a:p>
+          <a:p>
+            <a:pPr marL="0" indent="0">
+              <a:buNone/>
+            </a:pPr>
+            <a:endParaRPr lang="es-MX" b="1" dirty="0"/>
+          </a:p>
+          <a:p>
+            <a:pPr marL="0" indent="0">
+              <a:buNone/>
+            </a:pPr>
+            <a:r>
+              <a:rPr lang="es-MX" b="1" dirty="0" smtClean="0"/>
+              <a:t>r = 0</a:t>
+            </a:r>
+          </a:p>
+        </p:txBody>
+      </p:sp>
+      <p:sp>
+        <p:nvSpPr>
+          <p:cNvPr id="6" name="Rectángulo 5"/>
+          <p:cNvSpPr/>
+          <p:nvPr/>
+        </p:nvSpPr>
+        <p:spPr>
+          <a:xfrm>
+            <a:off x="0" y="1"/>
+            <a:ext cx="12192000" cy="304800"/>
+          </a:xfrm>
+          <a:prstGeom prst="rect">
+            <a:avLst/>
+          </a:prstGeom>
+          <a:solidFill>
+            <a:schemeClr val="bg2">
+              <a:lumMod val="10000"/>
+            </a:schemeClr>
+          </a:solidFill>
+          <a:ln>
+            <a:solidFill>
+              <a:schemeClr val="tx1"/>
+            </a:solidFill>
+          </a:ln>
+        </p:spPr>
+        <p:style>
+          <a:lnRef idx="2">
+            <a:schemeClr val="accent1">
+              <a:shade val="50000"/>
+            </a:schemeClr>
+          </a:lnRef>
+          <a:fillRef idx="1">
+            <a:schemeClr val="accent1"/>
+          </a:fillRef>
+          <a:effectRef idx="0">
+            <a:schemeClr val="accent1"/>
+          </a:effectRef>
+          <a:fontRef idx="minor">
+            <a:schemeClr val="lt1"/>
+          </a:fontRef>
+        </p:style>
+        <p:txBody>
+          <a:bodyPr rtlCol="0" anchor="ctr"/>
+          <a:lstStyle/>
+          <a:p>
+            <a:pPr algn="ctr"/>
+            <a:endParaRPr lang="es-MX"/>
+          </a:p>
+        </p:txBody>
+      </p:sp>
+      <p:sp>
+        <p:nvSpPr>
+          <p:cNvPr id="7" name="Rectángulo 6"/>
+          <p:cNvSpPr/>
+          <p:nvPr/>
+        </p:nvSpPr>
+        <p:spPr>
+          <a:xfrm>
+            <a:off x="0" y="6553200"/>
+            <a:ext cx="12192000" cy="304800"/>
+          </a:xfrm>
+          <a:prstGeom prst="rect">
+            <a:avLst/>
+          </a:prstGeom>
+          <a:solidFill>
+            <a:schemeClr val="bg2">
+              <a:lumMod val="10000"/>
+            </a:schemeClr>
+          </a:solidFill>
+          <a:ln>
+            <a:solidFill>
+              <a:schemeClr val="tx1"/>
+            </a:solidFill>
+          </a:ln>
+        </p:spPr>
+        <p:style>
+          <a:lnRef idx="2">
+            <a:schemeClr val="accent1">
+              <a:shade val="50000"/>
+            </a:schemeClr>
+          </a:lnRef>
+          <a:fillRef idx="1">
+            <a:schemeClr val="accent1"/>
+          </a:fillRef>
+          <a:effectRef idx="0">
+            <a:schemeClr val="accent1"/>
+          </a:effectRef>
+          <a:fontRef idx="minor">
+            <a:schemeClr val="lt1"/>
+          </a:fontRef>
+        </p:style>
+        <p:txBody>
+          <a:bodyPr rtlCol="0" anchor="ctr"/>
+          <a:lstStyle/>
+          <a:p>
+            <a:pPr algn="ctr"/>
+            <a:endParaRPr lang="es-MX"/>
+          </a:p>
+        </p:txBody>
+      </p:sp>
+      <p:pic>
+        <p:nvPicPr>
+          <p:cNvPr id="4" name="Imagen 3"/>
+          <p:cNvPicPr>
+            <a:picLocks noChangeAspect="1"/>
+          </p:cNvPicPr>
+          <p:nvPr/>
+        </p:nvPicPr>
+        <p:blipFill>
+          <a:blip r:embed="rId2"/>
+          <a:stretch>
+            <a:fillRect/>
+          </a:stretch>
+        </p:blipFill>
+        <p:spPr>
+          <a:xfrm>
+            <a:off x="4083526" y="470600"/>
+            <a:ext cx="7871408" cy="5786266"/>
+          </a:xfrm>
+          <a:prstGeom prst="rect">
+            <a:avLst/>
+          </a:prstGeom>
+        </p:spPr>
+      </p:pic>
+    </p:spTree>
+    <p:extLst>
+      <p:ext uri="{BB962C8B-B14F-4D97-AF65-F5344CB8AC3E}">
+        <p14:creationId xmlns:p14="http://schemas.microsoft.com/office/powerpoint/2010/main" val="3008009203"/>
+      </p:ext>
+    </p:extLst>
+  </p:cSld>
+  <p:clrMapOvr>
+    <a:masterClrMapping/>
+  </p:clrMapOvr>
+</p:sld>
+</file>
+
+<file path=ppt/slides/slide18.xml><?xml version="1.0" encoding="utf-8"?>
+<p:sld xmlns:a="http://schemas.openxmlformats.org/drawingml/2006/main" xmlns:r="http://schemas.openxmlformats.org/officeDocument/2006/relationships" xmlns:p="http://schemas.openxmlformats.org/presentationml/2006/main">
+  <p:cSld>
+    <p:spTree>
+      <p:nvGrpSpPr>
+        <p:cNvPr id="1" name=""/>
+        <p:cNvGrpSpPr/>
+        <p:nvPr/>
+      </p:nvGrpSpPr>
+      <p:grpSpPr>
+        <a:xfrm>
+          <a:off x="0" y="0"/>
+          <a:ext cx="0" cy="0"/>
+          <a:chOff x="0" y="0"/>
+          <a:chExt cx="0" cy="0"/>
+        </a:xfrm>
+      </p:grpSpPr>
+      <p:sp>
+        <p:nvSpPr>
+          <p:cNvPr id="2" name="Título 1"/>
+          <p:cNvSpPr>
+            <a:spLocks noGrp="1"/>
+          </p:cNvSpPr>
+          <p:nvPr>
+            <p:ph type="title"/>
+          </p:nvPr>
+        </p:nvSpPr>
+        <p:spPr/>
+        <p:txBody>
+          <a:bodyPr/>
+          <a:lstStyle/>
+          <a:p>
+            <a:r>
+              <a:rPr lang="es-MX" b="1" dirty="0" smtClean="0"/>
+              <a:t>Acerca de la Confiabilidad</a:t>
+            </a:r>
+            <a:endParaRPr lang="es-MX" b="1" dirty="0"/>
+          </a:p>
+        </p:txBody>
+      </p:sp>
+      <p:sp>
+        <p:nvSpPr>
+          <p:cNvPr id="3" name="Marcador de contenido 2"/>
+          <p:cNvSpPr>
+            <a:spLocks noGrp="1"/>
+          </p:cNvSpPr>
+          <p:nvPr>
+            <p:ph idx="1"/>
+          </p:nvPr>
+        </p:nvSpPr>
+        <p:spPr/>
+        <p:txBody>
+          <a:bodyPr>
+            <a:normAutofit/>
+          </a:bodyPr>
+          <a:lstStyle/>
+          <a:p>
+            <a:r>
+              <a:rPr lang="es-MX" dirty="0" smtClean="0"/>
+              <a:t>La </a:t>
+            </a:r>
+            <a:r>
+              <a:rPr lang="es-MX" b="1" dirty="0" smtClean="0"/>
+              <a:t>comparación</a:t>
+            </a:r>
+            <a:r>
+              <a:rPr lang="es-MX" dirty="0"/>
+              <a:t> </a:t>
+            </a:r>
+            <a:r>
+              <a:rPr lang="es-MX" dirty="0" smtClean="0"/>
+              <a:t>entre dos medidas que se realiza para valorar la </a:t>
+            </a:r>
+            <a:r>
+              <a:rPr lang="es-MX" b="1" dirty="0" smtClean="0"/>
+              <a:t>confiabilidad </a:t>
+            </a:r>
+            <a:r>
+              <a:rPr lang="es-MX" dirty="0" smtClean="0"/>
+              <a:t>de mi medición, se hace a partir de un </a:t>
+            </a:r>
+            <a:r>
+              <a:rPr lang="es-MX" b="1" dirty="0" smtClean="0"/>
+              <a:t>cálculo de su correlación.</a:t>
+            </a:r>
+          </a:p>
+          <a:p>
+            <a:endParaRPr lang="es-MX" b="1" dirty="0"/>
+          </a:p>
+          <a:p>
+            <a:r>
+              <a:rPr lang="es-MX" dirty="0" smtClean="0"/>
+              <a:t>En </a:t>
+            </a:r>
+            <a:r>
+              <a:rPr lang="es-MX" b="1" dirty="0" smtClean="0"/>
+              <a:t>estadística, </a:t>
+            </a:r>
+            <a:r>
+              <a:rPr lang="es-MX" dirty="0" smtClean="0"/>
+              <a:t>existen diversas fórmulas para calcular la </a:t>
+            </a:r>
+            <a:r>
+              <a:rPr lang="es-MX" b="1" dirty="0" smtClean="0"/>
+              <a:t>correlación</a:t>
+            </a:r>
+            <a:r>
+              <a:rPr lang="es-MX" dirty="0"/>
+              <a:t> </a:t>
+            </a:r>
+            <a:r>
+              <a:rPr lang="es-MX" dirty="0" smtClean="0"/>
+              <a:t>entre </a:t>
+            </a:r>
+            <a:r>
+              <a:rPr lang="es-MX" b="1" dirty="0" smtClean="0"/>
+              <a:t>dos variables.</a:t>
+            </a:r>
+          </a:p>
+          <a:p>
+            <a:pPr marL="0" indent="0">
+              <a:buNone/>
+            </a:pPr>
+            <a:r>
+              <a:rPr lang="es-MX" b="1" dirty="0" smtClean="0"/>
+              <a:t>			r = </a:t>
+            </a:r>
+            <a:r>
+              <a:rPr lang="es-MX" dirty="0" smtClean="0"/>
+              <a:t>(-1 a 1)</a:t>
+            </a:r>
+          </a:p>
+          <a:p>
+            <a:pPr marL="0" indent="0">
+              <a:buNone/>
+            </a:pPr>
+            <a:r>
+              <a:rPr lang="es-MX" sz="2000" dirty="0" smtClean="0"/>
+              <a:t>	</a:t>
+            </a:r>
+            <a:r>
+              <a:rPr lang="es-MX" sz="2000" dirty="0"/>
+              <a:t>	</a:t>
+            </a:r>
+            <a:r>
+              <a:rPr lang="es-MX" sz="2000" dirty="0" smtClean="0"/>
+              <a:t>		El signo nos indica la </a:t>
+            </a:r>
+            <a:r>
+              <a:rPr lang="es-MX" sz="2000" b="1" dirty="0" smtClean="0"/>
+              <a:t>dirección</a:t>
+            </a:r>
+            <a:r>
+              <a:rPr lang="es-MX" sz="2000" dirty="0" smtClean="0"/>
+              <a:t> de la correlación</a:t>
+            </a:r>
+          </a:p>
+          <a:p>
+            <a:pPr marL="0" indent="0">
+              <a:buNone/>
+            </a:pPr>
+            <a:r>
+              <a:rPr lang="es-MX" sz="2000" dirty="0"/>
+              <a:t> </a:t>
+            </a:r>
+            <a:r>
+              <a:rPr lang="es-MX" sz="2000" dirty="0" smtClean="0"/>
+              <a:t>               		                Su valor absoluto indica la </a:t>
+            </a:r>
+            <a:r>
+              <a:rPr lang="es-MX" sz="2000" b="1" dirty="0" smtClean="0"/>
+              <a:t>fuerza</a:t>
+            </a:r>
+            <a:r>
+              <a:rPr lang="es-MX" sz="2000" dirty="0"/>
+              <a:t> </a:t>
+            </a:r>
+            <a:r>
+              <a:rPr lang="es-MX" sz="2000" dirty="0" smtClean="0"/>
+              <a:t>de la correlación</a:t>
+            </a:r>
+          </a:p>
+          <a:p>
+            <a:pPr marL="0" indent="0">
+              <a:buNone/>
+            </a:pPr>
+            <a:endParaRPr lang="es-MX" dirty="0"/>
+          </a:p>
+          <a:p>
+            <a:pPr marL="0" indent="0">
+              <a:buNone/>
+            </a:pPr>
+            <a:endParaRPr lang="es-MX" b="1" dirty="0" smtClean="0"/>
+          </a:p>
+        </p:txBody>
+      </p:sp>
+      <p:sp>
+        <p:nvSpPr>
+          <p:cNvPr id="4" name="Rectángulo 3"/>
+          <p:cNvSpPr/>
+          <p:nvPr/>
+        </p:nvSpPr>
+        <p:spPr>
+          <a:xfrm>
+            <a:off x="0" y="1"/>
+            <a:ext cx="12192000" cy="304800"/>
+          </a:xfrm>
+          <a:prstGeom prst="rect">
+            <a:avLst/>
+          </a:prstGeom>
+          <a:solidFill>
+            <a:schemeClr val="bg2">
+              <a:lumMod val="10000"/>
+            </a:schemeClr>
+          </a:solidFill>
+          <a:ln>
+            <a:solidFill>
+              <a:schemeClr val="tx1"/>
+            </a:solidFill>
+          </a:ln>
+        </p:spPr>
+        <p:style>
+          <a:lnRef idx="2">
+            <a:schemeClr val="accent1">
+              <a:shade val="50000"/>
+            </a:schemeClr>
+          </a:lnRef>
+          <a:fillRef idx="1">
+            <a:schemeClr val="accent1"/>
+          </a:fillRef>
+          <a:effectRef idx="0">
+            <a:schemeClr val="accent1"/>
+          </a:effectRef>
+          <a:fontRef idx="minor">
+            <a:schemeClr val="lt1"/>
+          </a:fontRef>
+        </p:style>
+        <p:txBody>
+          <a:bodyPr rtlCol="0" anchor="ctr"/>
+          <a:lstStyle/>
+          <a:p>
+            <a:pPr algn="ctr"/>
+            <a:endParaRPr lang="es-MX"/>
+          </a:p>
+        </p:txBody>
+      </p:sp>
+      <p:sp>
+        <p:nvSpPr>
+          <p:cNvPr id="5" name="Rectángulo 4"/>
+          <p:cNvSpPr/>
+          <p:nvPr/>
+        </p:nvSpPr>
+        <p:spPr>
+          <a:xfrm>
+            <a:off x="0" y="6553200"/>
+            <a:ext cx="12192000" cy="304800"/>
+          </a:xfrm>
+          <a:prstGeom prst="rect">
+            <a:avLst/>
+          </a:prstGeom>
+          <a:solidFill>
+            <a:schemeClr val="bg2">
+              <a:lumMod val="10000"/>
+            </a:schemeClr>
+          </a:solidFill>
+          <a:ln>
+            <a:solidFill>
+              <a:schemeClr val="tx1"/>
+            </a:solidFill>
+          </a:ln>
+        </p:spPr>
+        <p:style>
+          <a:lnRef idx="2">
+            <a:schemeClr val="accent1">
+              <a:shade val="50000"/>
+            </a:schemeClr>
+          </a:lnRef>
+          <a:fillRef idx="1">
+            <a:schemeClr val="accent1"/>
+          </a:fillRef>
+          <a:effectRef idx="0">
+            <a:schemeClr val="accent1"/>
+          </a:effectRef>
+          <a:fontRef idx="minor">
+            <a:schemeClr val="lt1"/>
+          </a:fontRef>
+        </p:style>
+        <p:txBody>
+          <a:bodyPr rtlCol="0" anchor="ctr"/>
+          <a:lstStyle/>
+          <a:p>
+            <a:pPr algn="ctr"/>
+            <a:endParaRPr lang="es-MX"/>
+          </a:p>
+        </p:txBody>
+      </p:sp>
+    </p:spTree>
+    <p:extLst>
+      <p:ext uri="{BB962C8B-B14F-4D97-AF65-F5344CB8AC3E}">
+        <p14:creationId xmlns:p14="http://schemas.microsoft.com/office/powerpoint/2010/main" val="1178708144"/>
+      </p:ext>
+    </p:extLst>
+  </p:cSld>
+  <p:clrMapOvr>
+    <a:masterClrMapping/>
+  </p:clrMapOvr>
+</p:sld>
+</file>
+
+<file path=ppt/slides/slide19.xml><?xml version="1.0" encoding="utf-8"?>
+<p:sld xmlns:a="http://schemas.openxmlformats.org/drawingml/2006/main" xmlns:r="http://schemas.openxmlformats.org/officeDocument/2006/relationships" xmlns:p="http://schemas.openxmlformats.org/presentationml/2006/main">
+  <p:cSld>
+    <p:spTree>
+      <p:nvGrpSpPr>
+        <p:cNvPr id="1" name=""/>
+        <p:cNvGrpSpPr/>
+        <p:nvPr/>
+      </p:nvGrpSpPr>
+      <p:grpSpPr>
+        <a:xfrm>
+          <a:off x="0" y="0"/>
+          <a:ext cx="0" cy="0"/>
+          <a:chOff x="0" y="0"/>
+          <a:chExt cx="0" cy="0"/>
+        </a:xfrm>
+      </p:grpSpPr>
+      <p:sp>
+        <p:nvSpPr>
+          <p:cNvPr id="2" name="Título 1"/>
+          <p:cNvSpPr>
+            <a:spLocks noGrp="1"/>
+          </p:cNvSpPr>
+          <p:nvPr>
+            <p:ph type="title"/>
+          </p:nvPr>
+        </p:nvSpPr>
+        <p:spPr/>
+        <p:txBody>
+          <a:bodyPr/>
+          <a:lstStyle/>
+          <a:p>
+            <a:r>
+              <a:rPr lang="es-MX" b="1" dirty="0" smtClean="0"/>
+              <a:t>Acerca de la Validez</a:t>
+            </a:r>
+            <a:endParaRPr lang="es-MX" b="1" dirty="0"/>
+          </a:p>
+        </p:txBody>
+      </p:sp>
+      <p:sp>
+        <p:nvSpPr>
+          <p:cNvPr id="3" name="Marcador de contenido 2"/>
+          <p:cNvSpPr>
+            <a:spLocks noGrp="1"/>
+          </p:cNvSpPr>
+          <p:nvPr>
+            <p:ph idx="1"/>
+          </p:nvPr>
+        </p:nvSpPr>
+        <p:spPr/>
+        <p:txBody>
+          <a:bodyPr>
+            <a:normAutofit/>
+          </a:bodyPr>
+          <a:lstStyle/>
+          <a:p>
+            <a:r>
+              <a:rPr lang="es-MX" b="1" dirty="0" smtClean="0"/>
+              <a:t>Definición:</a:t>
+            </a:r>
+          </a:p>
+          <a:p>
+            <a:pPr marL="0" indent="0">
+              <a:buNone/>
+            </a:pPr>
+            <a:r>
+              <a:rPr lang="es-MX" b="1" dirty="0" smtClean="0"/>
+              <a:t>	</a:t>
+            </a:r>
+            <a:r>
+              <a:rPr lang="es-MX" dirty="0" smtClean="0"/>
+              <a:t>Hace referencia al grado en que realmente se está midiendo lo 	que se quiere medir, (</a:t>
+            </a:r>
+            <a:r>
+              <a:rPr lang="es-MX" i="1" dirty="0" smtClean="0"/>
+              <a:t>¿qué tan válido es decir que estoy midiendo 	lo que quiero medir?</a:t>
+            </a:r>
+            <a:r>
+              <a:rPr lang="es-MX" dirty="0" smtClean="0"/>
+              <a:t>)</a:t>
+            </a:r>
+          </a:p>
+          <a:p>
+            <a:pPr marL="0" indent="0">
+              <a:buNone/>
+            </a:pPr>
+            <a:endParaRPr lang="es-MX" b="1" dirty="0"/>
+          </a:p>
+          <a:p>
+            <a:pPr marL="0" indent="0">
+              <a:buNone/>
+            </a:pPr>
+            <a:r>
+              <a:rPr lang="es-MX" b="1" dirty="0" smtClean="0"/>
+              <a:t>	Ejemplo:</a:t>
+            </a:r>
+          </a:p>
+          <a:p>
+            <a:pPr marL="0" indent="0">
+              <a:buNone/>
+            </a:pPr>
+            <a:r>
+              <a:rPr lang="es-MX" b="1" dirty="0"/>
+              <a:t>	</a:t>
+            </a:r>
+            <a:r>
+              <a:rPr lang="es-MX" b="1" dirty="0" smtClean="0"/>
+              <a:t>	</a:t>
+            </a:r>
+            <a:r>
+              <a:rPr lang="es-MX" dirty="0" smtClean="0"/>
+              <a:t>Medir la “condición física” de las personas, aplicándoles un 		cuestionario de autovaloración.</a:t>
+            </a:r>
+            <a:endParaRPr lang="es-MX" b="1" dirty="0"/>
+          </a:p>
+        </p:txBody>
+      </p:sp>
+      <p:sp>
+        <p:nvSpPr>
+          <p:cNvPr id="4" name="Rectángulo 3"/>
+          <p:cNvSpPr/>
+          <p:nvPr/>
+        </p:nvSpPr>
+        <p:spPr>
+          <a:xfrm>
+            <a:off x="0" y="1"/>
+            <a:ext cx="12192000" cy="304800"/>
+          </a:xfrm>
+          <a:prstGeom prst="rect">
+            <a:avLst/>
+          </a:prstGeom>
+          <a:solidFill>
+            <a:schemeClr val="bg2">
+              <a:lumMod val="10000"/>
+            </a:schemeClr>
+          </a:solidFill>
+          <a:ln>
+            <a:solidFill>
+              <a:schemeClr val="tx1"/>
+            </a:solidFill>
+          </a:ln>
+        </p:spPr>
+        <p:style>
+          <a:lnRef idx="2">
+            <a:schemeClr val="accent1">
+              <a:shade val="50000"/>
+            </a:schemeClr>
+          </a:lnRef>
+          <a:fillRef idx="1">
+            <a:schemeClr val="accent1"/>
+          </a:fillRef>
+          <a:effectRef idx="0">
+            <a:schemeClr val="accent1"/>
+          </a:effectRef>
+          <a:fontRef idx="minor">
+            <a:schemeClr val="lt1"/>
+          </a:fontRef>
+        </p:style>
+        <p:txBody>
+          <a:bodyPr rtlCol="0" anchor="ctr"/>
+          <a:lstStyle/>
+          <a:p>
+            <a:pPr algn="ctr"/>
+            <a:endParaRPr lang="es-MX"/>
+          </a:p>
+        </p:txBody>
+      </p:sp>
+      <p:sp>
+        <p:nvSpPr>
+          <p:cNvPr id="5" name="Rectángulo 4"/>
+          <p:cNvSpPr/>
+          <p:nvPr/>
+        </p:nvSpPr>
+        <p:spPr>
+          <a:xfrm>
+            <a:off x="0" y="6553200"/>
+            <a:ext cx="12192000" cy="304800"/>
+          </a:xfrm>
+          <a:prstGeom prst="rect">
+            <a:avLst/>
+          </a:prstGeom>
+          <a:solidFill>
+            <a:schemeClr val="bg2">
+              <a:lumMod val="10000"/>
+            </a:schemeClr>
+          </a:solidFill>
+          <a:ln>
+            <a:solidFill>
+              <a:schemeClr val="tx1"/>
+            </a:solidFill>
+          </a:ln>
+        </p:spPr>
+        <p:style>
+          <a:lnRef idx="2">
+            <a:schemeClr val="accent1">
+              <a:shade val="50000"/>
+            </a:schemeClr>
+          </a:lnRef>
+          <a:fillRef idx="1">
+            <a:schemeClr val="accent1"/>
+          </a:fillRef>
+          <a:effectRef idx="0">
+            <a:schemeClr val="accent1"/>
+          </a:effectRef>
+          <a:fontRef idx="minor">
+            <a:schemeClr val="lt1"/>
+          </a:fontRef>
+        </p:style>
+        <p:txBody>
+          <a:bodyPr rtlCol="0" anchor="ctr"/>
+          <a:lstStyle/>
+          <a:p>
+            <a:pPr algn="ctr"/>
+            <a:endParaRPr lang="es-MX"/>
+          </a:p>
+        </p:txBody>
+      </p:sp>
+    </p:spTree>
+    <p:extLst>
+      <p:ext uri="{BB962C8B-B14F-4D97-AF65-F5344CB8AC3E}">
+        <p14:creationId xmlns:p14="http://schemas.microsoft.com/office/powerpoint/2010/main" val="1376228722"/>
+      </p:ext>
+    </p:extLst>
+  </p:cSld>
+  <p:clrMapOvr>
+    <a:masterClrMapping/>
+  </p:clrMapOvr>
+</p:sld>
+</file>
+
 <file path=ppt/slides/slide2.xml><?xml version="1.0" encoding="utf-8"?>
 <p:sld xmlns:a="http://schemas.openxmlformats.org/drawingml/2006/main" xmlns:r="http://schemas.openxmlformats.org/officeDocument/2006/relationships" xmlns:p="http://schemas.openxmlformats.org/presentationml/2006/main">
   <p:cSld>
@@ -3330,6 +5965,1940 @@
     <p:extLst>
       <p:ext uri="{BB962C8B-B14F-4D97-AF65-F5344CB8AC3E}">
         <p14:creationId xmlns:p14="http://schemas.microsoft.com/office/powerpoint/2010/main" val="2284448456"/>
+      </p:ext>
+    </p:extLst>
+  </p:cSld>
+  <p:clrMapOvr>
+    <a:masterClrMapping/>
+  </p:clrMapOvr>
+</p:sld>
+</file>
+
+<file path=ppt/slides/slide20.xml><?xml version="1.0" encoding="utf-8"?>
+<p:sld xmlns:a="http://schemas.openxmlformats.org/drawingml/2006/main" xmlns:r="http://schemas.openxmlformats.org/officeDocument/2006/relationships" xmlns:p="http://schemas.openxmlformats.org/presentationml/2006/main">
+  <p:cSld>
+    <p:spTree>
+      <p:nvGrpSpPr>
+        <p:cNvPr id="1" name=""/>
+        <p:cNvGrpSpPr/>
+        <p:nvPr/>
+      </p:nvGrpSpPr>
+      <p:grpSpPr>
+        <a:xfrm>
+          <a:off x="0" y="0"/>
+          <a:ext cx="0" cy="0"/>
+          <a:chOff x="0" y="0"/>
+          <a:chExt cx="0" cy="0"/>
+        </a:xfrm>
+      </p:grpSpPr>
+      <p:sp>
+        <p:nvSpPr>
+          <p:cNvPr id="2" name="Título 1"/>
+          <p:cNvSpPr>
+            <a:spLocks noGrp="1"/>
+          </p:cNvSpPr>
+          <p:nvPr>
+            <p:ph type="title"/>
+          </p:nvPr>
+        </p:nvSpPr>
+        <p:spPr/>
+        <p:txBody>
+          <a:bodyPr/>
+          <a:lstStyle/>
+          <a:p>
+            <a:r>
+              <a:rPr lang="es-MX" b="1" dirty="0" smtClean="0"/>
+              <a:t>Acerca de la Validez</a:t>
+            </a:r>
+            <a:endParaRPr lang="es-MX" b="1" dirty="0"/>
+          </a:p>
+        </p:txBody>
+      </p:sp>
+      <p:sp>
+        <p:nvSpPr>
+          <p:cNvPr id="3" name="Marcador de contenido 2"/>
+          <p:cNvSpPr>
+            <a:spLocks noGrp="1"/>
+          </p:cNvSpPr>
+          <p:nvPr>
+            <p:ph idx="1"/>
+          </p:nvPr>
+        </p:nvSpPr>
+        <p:spPr/>
+        <p:txBody>
+          <a:bodyPr>
+            <a:normAutofit/>
+          </a:bodyPr>
+          <a:lstStyle/>
+          <a:p>
+            <a:r>
+              <a:rPr lang="es-MX" b="1" dirty="0" smtClean="0"/>
+              <a:t>Tipos de validez</a:t>
+            </a:r>
+          </a:p>
+          <a:p>
+            <a:endParaRPr lang="es-MX" b="1" dirty="0" smtClean="0"/>
+          </a:p>
+          <a:p>
+            <a:pPr lvl="1"/>
+            <a:r>
+              <a:rPr lang="es-MX" b="1" dirty="0" smtClean="0"/>
+              <a:t>Validez de contenido: </a:t>
+            </a:r>
+          </a:p>
+          <a:p>
+            <a:pPr marL="914400" lvl="2" indent="0">
+              <a:buNone/>
+            </a:pPr>
+            <a:r>
+              <a:rPr lang="es-MX" dirty="0" smtClean="0"/>
+              <a:t>El grado en que mi instrumento de medida captura </a:t>
+            </a:r>
+            <a:r>
+              <a:rPr lang="es-MX" b="1" dirty="0" smtClean="0"/>
+              <a:t>la totalidad </a:t>
+            </a:r>
+            <a:r>
+              <a:rPr lang="es-MX" dirty="0" smtClean="0"/>
+              <a:t>de aspectos contenidos en mi variable de interés.</a:t>
+            </a:r>
+          </a:p>
+          <a:p>
+            <a:pPr marL="914400" lvl="2" indent="0">
+              <a:buNone/>
+            </a:pPr>
+            <a:endParaRPr lang="es-MX" dirty="0"/>
+          </a:p>
+          <a:p>
+            <a:pPr marL="914400" lvl="2" indent="0">
+              <a:buNone/>
+            </a:pPr>
+            <a:r>
+              <a:rPr lang="es-MX" b="1" dirty="0" smtClean="0"/>
+              <a:t>Por ejemplo:</a:t>
+            </a:r>
+          </a:p>
+          <a:p>
+            <a:pPr marL="914400" lvl="2" indent="0">
+              <a:buNone/>
+            </a:pPr>
+            <a:r>
+              <a:rPr lang="es-MX" dirty="0" smtClean="0"/>
+              <a:t>Hacer un examen de certificación de idioma que sólo considere la parte oral</a:t>
+            </a:r>
+            <a:endParaRPr lang="es-MX" dirty="0"/>
+          </a:p>
+        </p:txBody>
+      </p:sp>
+      <p:sp>
+        <p:nvSpPr>
+          <p:cNvPr id="4" name="Rectángulo 3"/>
+          <p:cNvSpPr/>
+          <p:nvPr/>
+        </p:nvSpPr>
+        <p:spPr>
+          <a:xfrm>
+            <a:off x="0" y="1"/>
+            <a:ext cx="12192000" cy="304800"/>
+          </a:xfrm>
+          <a:prstGeom prst="rect">
+            <a:avLst/>
+          </a:prstGeom>
+          <a:solidFill>
+            <a:schemeClr val="bg2">
+              <a:lumMod val="10000"/>
+            </a:schemeClr>
+          </a:solidFill>
+          <a:ln>
+            <a:solidFill>
+              <a:schemeClr val="tx1"/>
+            </a:solidFill>
+          </a:ln>
+        </p:spPr>
+        <p:style>
+          <a:lnRef idx="2">
+            <a:schemeClr val="accent1">
+              <a:shade val="50000"/>
+            </a:schemeClr>
+          </a:lnRef>
+          <a:fillRef idx="1">
+            <a:schemeClr val="accent1"/>
+          </a:fillRef>
+          <a:effectRef idx="0">
+            <a:schemeClr val="accent1"/>
+          </a:effectRef>
+          <a:fontRef idx="minor">
+            <a:schemeClr val="lt1"/>
+          </a:fontRef>
+        </p:style>
+        <p:txBody>
+          <a:bodyPr rtlCol="0" anchor="ctr"/>
+          <a:lstStyle/>
+          <a:p>
+            <a:pPr algn="ctr"/>
+            <a:endParaRPr lang="es-MX"/>
+          </a:p>
+        </p:txBody>
+      </p:sp>
+      <p:sp>
+        <p:nvSpPr>
+          <p:cNvPr id="5" name="Rectángulo 4"/>
+          <p:cNvSpPr/>
+          <p:nvPr/>
+        </p:nvSpPr>
+        <p:spPr>
+          <a:xfrm>
+            <a:off x="0" y="6553200"/>
+            <a:ext cx="12192000" cy="304800"/>
+          </a:xfrm>
+          <a:prstGeom prst="rect">
+            <a:avLst/>
+          </a:prstGeom>
+          <a:solidFill>
+            <a:schemeClr val="bg2">
+              <a:lumMod val="10000"/>
+            </a:schemeClr>
+          </a:solidFill>
+          <a:ln>
+            <a:solidFill>
+              <a:schemeClr val="tx1"/>
+            </a:solidFill>
+          </a:ln>
+        </p:spPr>
+        <p:style>
+          <a:lnRef idx="2">
+            <a:schemeClr val="accent1">
+              <a:shade val="50000"/>
+            </a:schemeClr>
+          </a:lnRef>
+          <a:fillRef idx="1">
+            <a:schemeClr val="accent1"/>
+          </a:fillRef>
+          <a:effectRef idx="0">
+            <a:schemeClr val="accent1"/>
+          </a:effectRef>
+          <a:fontRef idx="minor">
+            <a:schemeClr val="lt1"/>
+          </a:fontRef>
+        </p:style>
+        <p:txBody>
+          <a:bodyPr rtlCol="0" anchor="ctr"/>
+          <a:lstStyle/>
+          <a:p>
+            <a:pPr algn="ctr"/>
+            <a:endParaRPr lang="es-MX"/>
+          </a:p>
+        </p:txBody>
+      </p:sp>
+    </p:spTree>
+    <p:extLst>
+      <p:ext uri="{BB962C8B-B14F-4D97-AF65-F5344CB8AC3E}">
+        <p14:creationId xmlns:p14="http://schemas.microsoft.com/office/powerpoint/2010/main" val="617448747"/>
+      </p:ext>
+    </p:extLst>
+  </p:cSld>
+  <p:clrMapOvr>
+    <a:masterClrMapping/>
+  </p:clrMapOvr>
+</p:sld>
+</file>
+
+<file path=ppt/slides/slide21.xml><?xml version="1.0" encoding="utf-8"?>
+<p:sld xmlns:a="http://schemas.openxmlformats.org/drawingml/2006/main" xmlns:r="http://schemas.openxmlformats.org/officeDocument/2006/relationships" xmlns:p="http://schemas.openxmlformats.org/presentationml/2006/main">
+  <p:cSld>
+    <p:spTree>
+      <p:nvGrpSpPr>
+        <p:cNvPr id="1" name=""/>
+        <p:cNvGrpSpPr/>
+        <p:nvPr/>
+      </p:nvGrpSpPr>
+      <p:grpSpPr>
+        <a:xfrm>
+          <a:off x="0" y="0"/>
+          <a:ext cx="0" cy="0"/>
+          <a:chOff x="0" y="0"/>
+          <a:chExt cx="0" cy="0"/>
+        </a:xfrm>
+      </p:grpSpPr>
+      <p:sp>
+        <p:nvSpPr>
+          <p:cNvPr id="2" name="Título 1"/>
+          <p:cNvSpPr>
+            <a:spLocks noGrp="1"/>
+          </p:cNvSpPr>
+          <p:nvPr>
+            <p:ph type="title"/>
+          </p:nvPr>
+        </p:nvSpPr>
+        <p:spPr/>
+        <p:txBody>
+          <a:bodyPr/>
+          <a:lstStyle/>
+          <a:p>
+            <a:r>
+              <a:rPr lang="es-MX" b="1" dirty="0" smtClean="0"/>
+              <a:t>Acerca de la Validez</a:t>
+            </a:r>
+            <a:endParaRPr lang="es-MX" b="1" dirty="0"/>
+          </a:p>
+        </p:txBody>
+      </p:sp>
+      <p:sp>
+        <p:nvSpPr>
+          <p:cNvPr id="3" name="Marcador de contenido 2"/>
+          <p:cNvSpPr>
+            <a:spLocks noGrp="1"/>
+          </p:cNvSpPr>
+          <p:nvPr>
+            <p:ph idx="1"/>
+          </p:nvPr>
+        </p:nvSpPr>
+        <p:spPr/>
+        <p:txBody>
+          <a:bodyPr>
+            <a:normAutofit/>
+          </a:bodyPr>
+          <a:lstStyle/>
+          <a:p>
+            <a:r>
+              <a:rPr lang="es-MX" b="1" dirty="0" smtClean="0"/>
+              <a:t>Tipos de validez</a:t>
+            </a:r>
+          </a:p>
+          <a:p>
+            <a:endParaRPr lang="es-MX" b="1" dirty="0" smtClean="0"/>
+          </a:p>
+          <a:p>
+            <a:pPr lvl="1"/>
+            <a:r>
+              <a:rPr lang="es-MX" b="1" dirty="0" smtClean="0"/>
+              <a:t>Validez de criterio: </a:t>
+            </a:r>
+          </a:p>
+          <a:p>
+            <a:pPr marL="914400" lvl="2" indent="0">
+              <a:buNone/>
+            </a:pPr>
+            <a:r>
+              <a:rPr lang="es-MX" dirty="0" smtClean="0"/>
+              <a:t>El grado en que mi instrumento de medida arroja información consistente con mediciones obtenidas por otros instrumentos</a:t>
+            </a:r>
+          </a:p>
+          <a:p>
+            <a:pPr marL="914400" lvl="2" indent="0">
+              <a:buNone/>
+            </a:pPr>
+            <a:endParaRPr lang="es-MX" dirty="0"/>
+          </a:p>
+          <a:p>
+            <a:pPr marL="914400" lvl="2" indent="0">
+              <a:buNone/>
+            </a:pPr>
+            <a:r>
+              <a:rPr lang="es-MX" b="1" dirty="0" smtClean="0"/>
+              <a:t>Por ejemplo:</a:t>
+            </a:r>
+          </a:p>
+          <a:p>
+            <a:pPr marL="914400" lvl="2" indent="0">
+              <a:buNone/>
+            </a:pPr>
+            <a:r>
+              <a:rPr lang="es-MX" dirty="0" smtClean="0"/>
+              <a:t>La correlación entre qué tan bien me va en el examen de certificación de inglés </a:t>
+            </a:r>
+            <a:r>
+              <a:rPr lang="es-MX" b="1" dirty="0" smtClean="0"/>
+              <a:t>TOEFL </a:t>
+            </a:r>
+            <a:r>
+              <a:rPr lang="es-MX" dirty="0" smtClean="0"/>
+              <a:t>y el </a:t>
+            </a:r>
+            <a:r>
+              <a:rPr lang="es-MX" b="1" dirty="0" smtClean="0"/>
+              <a:t>IELS.</a:t>
+            </a:r>
+            <a:endParaRPr lang="es-MX" dirty="0" smtClean="0"/>
+          </a:p>
+        </p:txBody>
+      </p:sp>
+      <p:sp>
+        <p:nvSpPr>
+          <p:cNvPr id="4" name="Rectángulo 3"/>
+          <p:cNvSpPr/>
+          <p:nvPr/>
+        </p:nvSpPr>
+        <p:spPr>
+          <a:xfrm>
+            <a:off x="0" y="1"/>
+            <a:ext cx="12192000" cy="304800"/>
+          </a:xfrm>
+          <a:prstGeom prst="rect">
+            <a:avLst/>
+          </a:prstGeom>
+          <a:solidFill>
+            <a:schemeClr val="bg2">
+              <a:lumMod val="10000"/>
+            </a:schemeClr>
+          </a:solidFill>
+          <a:ln>
+            <a:solidFill>
+              <a:schemeClr val="tx1"/>
+            </a:solidFill>
+          </a:ln>
+        </p:spPr>
+        <p:style>
+          <a:lnRef idx="2">
+            <a:schemeClr val="accent1">
+              <a:shade val="50000"/>
+            </a:schemeClr>
+          </a:lnRef>
+          <a:fillRef idx="1">
+            <a:schemeClr val="accent1"/>
+          </a:fillRef>
+          <a:effectRef idx="0">
+            <a:schemeClr val="accent1"/>
+          </a:effectRef>
+          <a:fontRef idx="minor">
+            <a:schemeClr val="lt1"/>
+          </a:fontRef>
+        </p:style>
+        <p:txBody>
+          <a:bodyPr rtlCol="0" anchor="ctr"/>
+          <a:lstStyle/>
+          <a:p>
+            <a:pPr algn="ctr"/>
+            <a:endParaRPr lang="es-MX"/>
+          </a:p>
+        </p:txBody>
+      </p:sp>
+      <p:sp>
+        <p:nvSpPr>
+          <p:cNvPr id="5" name="Rectángulo 4"/>
+          <p:cNvSpPr/>
+          <p:nvPr/>
+        </p:nvSpPr>
+        <p:spPr>
+          <a:xfrm>
+            <a:off x="0" y="6553200"/>
+            <a:ext cx="12192000" cy="304800"/>
+          </a:xfrm>
+          <a:prstGeom prst="rect">
+            <a:avLst/>
+          </a:prstGeom>
+          <a:solidFill>
+            <a:schemeClr val="bg2">
+              <a:lumMod val="10000"/>
+            </a:schemeClr>
+          </a:solidFill>
+          <a:ln>
+            <a:solidFill>
+              <a:schemeClr val="tx1"/>
+            </a:solidFill>
+          </a:ln>
+        </p:spPr>
+        <p:style>
+          <a:lnRef idx="2">
+            <a:schemeClr val="accent1">
+              <a:shade val="50000"/>
+            </a:schemeClr>
+          </a:lnRef>
+          <a:fillRef idx="1">
+            <a:schemeClr val="accent1"/>
+          </a:fillRef>
+          <a:effectRef idx="0">
+            <a:schemeClr val="accent1"/>
+          </a:effectRef>
+          <a:fontRef idx="minor">
+            <a:schemeClr val="lt1"/>
+          </a:fontRef>
+        </p:style>
+        <p:txBody>
+          <a:bodyPr rtlCol="0" anchor="ctr"/>
+          <a:lstStyle/>
+          <a:p>
+            <a:pPr algn="ctr"/>
+            <a:endParaRPr lang="es-MX"/>
+          </a:p>
+        </p:txBody>
+      </p:sp>
+    </p:spTree>
+    <p:extLst>
+      <p:ext uri="{BB962C8B-B14F-4D97-AF65-F5344CB8AC3E}">
+        <p14:creationId xmlns:p14="http://schemas.microsoft.com/office/powerpoint/2010/main" val="691050045"/>
+      </p:ext>
+    </p:extLst>
+  </p:cSld>
+  <p:clrMapOvr>
+    <a:masterClrMapping/>
+  </p:clrMapOvr>
+</p:sld>
+</file>
+
+<file path=ppt/slides/slide22.xml><?xml version="1.0" encoding="utf-8"?>
+<p:sld xmlns:a="http://schemas.openxmlformats.org/drawingml/2006/main" xmlns:r="http://schemas.openxmlformats.org/officeDocument/2006/relationships" xmlns:p="http://schemas.openxmlformats.org/presentationml/2006/main">
+  <p:cSld>
+    <p:spTree>
+      <p:nvGrpSpPr>
+        <p:cNvPr id="1" name=""/>
+        <p:cNvGrpSpPr/>
+        <p:nvPr/>
+      </p:nvGrpSpPr>
+      <p:grpSpPr>
+        <a:xfrm>
+          <a:off x="0" y="0"/>
+          <a:ext cx="0" cy="0"/>
+          <a:chOff x="0" y="0"/>
+          <a:chExt cx="0" cy="0"/>
+        </a:xfrm>
+      </p:grpSpPr>
+      <p:sp>
+        <p:nvSpPr>
+          <p:cNvPr id="2" name="Título 1"/>
+          <p:cNvSpPr>
+            <a:spLocks noGrp="1"/>
+          </p:cNvSpPr>
+          <p:nvPr>
+            <p:ph type="title"/>
+          </p:nvPr>
+        </p:nvSpPr>
+        <p:spPr/>
+        <p:txBody>
+          <a:bodyPr/>
+          <a:lstStyle/>
+          <a:p>
+            <a:r>
+              <a:rPr lang="es-MX" b="1" dirty="0" smtClean="0"/>
+              <a:t>Acerca de la Validez</a:t>
+            </a:r>
+            <a:endParaRPr lang="es-MX" b="1" dirty="0"/>
+          </a:p>
+        </p:txBody>
+      </p:sp>
+      <p:sp>
+        <p:nvSpPr>
+          <p:cNvPr id="3" name="Marcador de contenido 2"/>
+          <p:cNvSpPr>
+            <a:spLocks noGrp="1"/>
+          </p:cNvSpPr>
+          <p:nvPr>
+            <p:ph idx="1"/>
+          </p:nvPr>
+        </p:nvSpPr>
+        <p:spPr/>
+        <p:txBody>
+          <a:bodyPr>
+            <a:normAutofit/>
+          </a:bodyPr>
+          <a:lstStyle/>
+          <a:p>
+            <a:r>
+              <a:rPr lang="es-MX" b="1" dirty="0" smtClean="0"/>
+              <a:t>Tipos de validez</a:t>
+            </a:r>
+          </a:p>
+          <a:p>
+            <a:endParaRPr lang="es-MX" b="1" dirty="0" smtClean="0"/>
+          </a:p>
+          <a:p>
+            <a:pPr lvl="1"/>
+            <a:r>
+              <a:rPr lang="es-MX" b="1" dirty="0" smtClean="0"/>
+              <a:t>Validez de criterio: </a:t>
+            </a:r>
+          </a:p>
+          <a:p>
+            <a:pPr marL="914400" lvl="2" indent="0">
+              <a:buNone/>
+            </a:pPr>
+            <a:r>
+              <a:rPr lang="es-MX" dirty="0" smtClean="0"/>
+              <a:t>El grado en que mi instrumento de medida arroja información consistente con mediciones obtenidas por otros instrumentos</a:t>
+            </a:r>
+          </a:p>
+          <a:p>
+            <a:pPr marL="914400" lvl="2" indent="0">
+              <a:buNone/>
+            </a:pPr>
+            <a:r>
+              <a:rPr lang="es-MX" dirty="0" smtClean="0"/>
+              <a:t>	</a:t>
+            </a:r>
+          </a:p>
+          <a:p>
+            <a:pPr marL="914400" lvl="2" indent="0">
+              <a:buNone/>
+            </a:pPr>
+            <a:r>
+              <a:rPr lang="es-MX" dirty="0"/>
+              <a:t>	</a:t>
+            </a:r>
+            <a:r>
+              <a:rPr lang="es-MX" b="1" dirty="0" smtClean="0"/>
+              <a:t>Validez concurrente: </a:t>
+            </a:r>
+            <a:r>
+              <a:rPr lang="es-MX" dirty="0" smtClean="0"/>
+              <a:t>Cuando ya se tienen ambas medidas y se comparan</a:t>
+            </a:r>
+            <a:endParaRPr lang="es-MX" b="1" dirty="0" smtClean="0"/>
+          </a:p>
+          <a:p>
+            <a:pPr marL="914400" lvl="2" indent="0">
+              <a:buNone/>
+            </a:pPr>
+            <a:endParaRPr lang="es-MX" b="1" dirty="0"/>
+          </a:p>
+          <a:p>
+            <a:pPr marL="914400" lvl="2" indent="0">
+              <a:buNone/>
+            </a:pPr>
+            <a:r>
+              <a:rPr lang="es-MX" b="1" dirty="0" smtClean="0"/>
+              <a:t>	Validez predictiva: </a:t>
+            </a:r>
+            <a:r>
+              <a:rPr lang="es-MX" dirty="0" smtClean="0"/>
+              <a:t>Cuando se utiliza una de las dos medidas para intentar 				  predecir lo que se obtendrá en la segunda</a:t>
+            </a:r>
+            <a:endParaRPr lang="es-MX" dirty="0"/>
+          </a:p>
+        </p:txBody>
+      </p:sp>
+      <p:sp>
+        <p:nvSpPr>
+          <p:cNvPr id="4" name="Rectángulo 3"/>
+          <p:cNvSpPr/>
+          <p:nvPr/>
+        </p:nvSpPr>
+        <p:spPr>
+          <a:xfrm>
+            <a:off x="0" y="1"/>
+            <a:ext cx="12192000" cy="304800"/>
+          </a:xfrm>
+          <a:prstGeom prst="rect">
+            <a:avLst/>
+          </a:prstGeom>
+          <a:solidFill>
+            <a:schemeClr val="bg2">
+              <a:lumMod val="10000"/>
+            </a:schemeClr>
+          </a:solidFill>
+          <a:ln>
+            <a:solidFill>
+              <a:schemeClr val="tx1"/>
+            </a:solidFill>
+          </a:ln>
+        </p:spPr>
+        <p:style>
+          <a:lnRef idx="2">
+            <a:schemeClr val="accent1">
+              <a:shade val="50000"/>
+            </a:schemeClr>
+          </a:lnRef>
+          <a:fillRef idx="1">
+            <a:schemeClr val="accent1"/>
+          </a:fillRef>
+          <a:effectRef idx="0">
+            <a:schemeClr val="accent1"/>
+          </a:effectRef>
+          <a:fontRef idx="minor">
+            <a:schemeClr val="lt1"/>
+          </a:fontRef>
+        </p:style>
+        <p:txBody>
+          <a:bodyPr rtlCol="0" anchor="ctr"/>
+          <a:lstStyle/>
+          <a:p>
+            <a:pPr algn="ctr"/>
+            <a:endParaRPr lang="es-MX"/>
+          </a:p>
+        </p:txBody>
+      </p:sp>
+      <p:sp>
+        <p:nvSpPr>
+          <p:cNvPr id="5" name="Rectángulo 4"/>
+          <p:cNvSpPr/>
+          <p:nvPr/>
+        </p:nvSpPr>
+        <p:spPr>
+          <a:xfrm>
+            <a:off x="0" y="6553200"/>
+            <a:ext cx="12192000" cy="304800"/>
+          </a:xfrm>
+          <a:prstGeom prst="rect">
+            <a:avLst/>
+          </a:prstGeom>
+          <a:solidFill>
+            <a:schemeClr val="bg2">
+              <a:lumMod val="10000"/>
+            </a:schemeClr>
+          </a:solidFill>
+          <a:ln>
+            <a:solidFill>
+              <a:schemeClr val="tx1"/>
+            </a:solidFill>
+          </a:ln>
+        </p:spPr>
+        <p:style>
+          <a:lnRef idx="2">
+            <a:schemeClr val="accent1">
+              <a:shade val="50000"/>
+            </a:schemeClr>
+          </a:lnRef>
+          <a:fillRef idx="1">
+            <a:schemeClr val="accent1"/>
+          </a:fillRef>
+          <a:effectRef idx="0">
+            <a:schemeClr val="accent1"/>
+          </a:effectRef>
+          <a:fontRef idx="minor">
+            <a:schemeClr val="lt1"/>
+          </a:fontRef>
+        </p:style>
+        <p:txBody>
+          <a:bodyPr rtlCol="0" anchor="ctr"/>
+          <a:lstStyle/>
+          <a:p>
+            <a:pPr algn="ctr"/>
+            <a:endParaRPr lang="es-MX"/>
+          </a:p>
+        </p:txBody>
+      </p:sp>
+    </p:spTree>
+    <p:extLst>
+      <p:ext uri="{BB962C8B-B14F-4D97-AF65-F5344CB8AC3E}">
+        <p14:creationId xmlns:p14="http://schemas.microsoft.com/office/powerpoint/2010/main" val="2436930829"/>
+      </p:ext>
+    </p:extLst>
+  </p:cSld>
+  <p:clrMapOvr>
+    <a:masterClrMapping/>
+  </p:clrMapOvr>
+</p:sld>
+</file>
+
+<file path=ppt/slides/slide23.xml><?xml version="1.0" encoding="utf-8"?>
+<p:sld xmlns:a="http://schemas.openxmlformats.org/drawingml/2006/main" xmlns:r="http://schemas.openxmlformats.org/officeDocument/2006/relationships" xmlns:p="http://schemas.openxmlformats.org/presentationml/2006/main">
+  <p:cSld>
+    <p:spTree>
+      <p:nvGrpSpPr>
+        <p:cNvPr id="1" name=""/>
+        <p:cNvGrpSpPr/>
+        <p:nvPr/>
+      </p:nvGrpSpPr>
+      <p:grpSpPr>
+        <a:xfrm>
+          <a:off x="0" y="0"/>
+          <a:ext cx="0" cy="0"/>
+          <a:chOff x="0" y="0"/>
+          <a:chExt cx="0" cy="0"/>
+        </a:xfrm>
+      </p:grpSpPr>
+      <p:sp>
+        <p:nvSpPr>
+          <p:cNvPr id="2" name="Título 1"/>
+          <p:cNvSpPr>
+            <a:spLocks noGrp="1"/>
+          </p:cNvSpPr>
+          <p:nvPr>
+            <p:ph type="title"/>
+          </p:nvPr>
+        </p:nvSpPr>
+        <p:spPr/>
+        <p:txBody>
+          <a:bodyPr/>
+          <a:lstStyle/>
+          <a:p>
+            <a:r>
+              <a:rPr lang="es-MX" b="1" dirty="0" smtClean="0"/>
+              <a:t>Acerca de la Validez</a:t>
+            </a:r>
+            <a:endParaRPr lang="es-MX" b="1" dirty="0"/>
+          </a:p>
+        </p:txBody>
+      </p:sp>
+      <p:sp>
+        <p:nvSpPr>
+          <p:cNvPr id="3" name="Marcador de contenido 2"/>
+          <p:cNvSpPr>
+            <a:spLocks noGrp="1"/>
+          </p:cNvSpPr>
+          <p:nvPr>
+            <p:ph idx="1"/>
+          </p:nvPr>
+        </p:nvSpPr>
+        <p:spPr/>
+        <p:txBody>
+          <a:bodyPr>
+            <a:normAutofit/>
+          </a:bodyPr>
+          <a:lstStyle/>
+          <a:p>
+            <a:r>
+              <a:rPr lang="es-MX" b="1" dirty="0"/>
+              <a:t>Tipos de </a:t>
+            </a:r>
+            <a:r>
+              <a:rPr lang="es-MX" b="1" dirty="0" smtClean="0"/>
+              <a:t>validez</a:t>
+            </a:r>
+          </a:p>
+          <a:p>
+            <a:endParaRPr lang="es-MX" b="1" dirty="0" smtClean="0"/>
+          </a:p>
+          <a:p>
+            <a:pPr lvl="1"/>
+            <a:r>
+              <a:rPr lang="es-MX" b="1" dirty="0" smtClean="0"/>
+              <a:t>Validez </a:t>
+            </a:r>
+            <a:r>
+              <a:rPr lang="es-MX" b="1" dirty="0"/>
+              <a:t>de criterio </a:t>
+            </a:r>
+            <a:endParaRPr lang="es-MX" b="1" dirty="0" smtClean="0"/>
+          </a:p>
+          <a:p>
+            <a:pPr marL="457200" lvl="1" indent="0">
+              <a:buNone/>
+            </a:pPr>
+            <a:r>
+              <a:rPr lang="es-MX" dirty="0" smtClean="0"/>
+              <a:t>	Se refiere a la </a:t>
+            </a:r>
+            <a:r>
+              <a:rPr lang="es-MX" b="1" dirty="0" smtClean="0"/>
+              <a:t>correspondencia</a:t>
+            </a:r>
+            <a:r>
+              <a:rPr lang="es-MX" dirty="0" smtClean="0"/>
+              <a:t> entre lo que mi instrumento de 	medición 	mide, y </a:t>
+            </a:r>
+            <a:r>
+              <a:rPr lang="es-MX" b="1" dirty="0" smtClean="0"/>
+              <a:t>lo que la teoría </a:t>
+            </a:r>
+            <a:r>
+              <a:rPr lang="es-MX" dirty="0" smtClean="0"/>
+              <a:t>dice que debería medir</a:t>
+            </a:r>
+          </a:p>
+          <a:p>
+            <a:pPr marL="0" indent="0">
+              <a:buNone/>
+            </a:pPr>
+            <a:endParaRPr lang="es-MX" b="1" dirty="0" smtClean="0"/>
+          </a:p>
+          <a:p>
+            <a:pPr lvl="1"/>
+            <a:r>
+              <a:rPr lang="es-MX" b="1" dirty="0" smtClean="0"/>
+              <a:t>Por ejemplo:</a:t>
+            </a:r>
+          </a:p>
+          <a:p>
+            <a:pPr marL="914400" lvl="2" indent="0">
+              <a:buNone/>
+            </a:pPr>
+            <a:r>
+              <a:rPr lang="es-MX" dirty="0" smtClean="0"/>
+              <a:t>¡¡¡Usar el número de premios Nobel ganados por cada 10 millones de habitantes para evaluar la inteligencia de las personas!!!</a:t>
+            </a:r>
+            <a:endParaRPr lang="es-MX" dirty="0"/>
+          </a:p>
+        </p:txBody>
+      </p:sp>
+      <p:sp>
+        <p:nvSpPr>
+          <p:cNvPr id="4" name="Rectángulo 3"/>
+          <p:cNvSpPr/>
+          <p:nvPr/>
+        </p:nvSpPr>
+        <p:spPr>
+          <a:xfrm>
+            <a:off x="0" y="1"/>
+            <a:ext cx="12192000" cy="304800"/>
+          </a:xfrm>
+          <a:prstGeom prst="rect">
+            <a:avLst/>
+          </a:prstGeom>
+          <a:solidFill>
+            <a:schemeClr val="bg2">
+              <a:lumMod val="10000"/>
+            </a:schemeClr>
+          </a:solidFill>
+          <a:ln>
+            <a:solidFill>
+              <a:schemeClr val="tx1"/>
+            </a:solidFill>
+          </a:ln>
+        </p:spPr>
+        <p:style>
+          <a:lnRef idx="2">
+            <a:schemeClr val="accent1">
+              <a:shade val="50000"/>
+            </a:schemeClr>
+          </a:lnRef>
+          <a:fillRef idx="1">
+            <a:schemeClr val="accent1"/>
+          </a:fillRef>
+          <a:effectRef idx="0">
+            <a:schemeClr val="accent1"/>
+          </a:effectRef>
+          <a:fontRef idx="minor">
+            <a:schemeClr val="lt1"/>
+          </a:fontRef>
+        </p:style>
+        <p:txBody>
+          <a:bodyPr rtlCol="0" anchor="ctr"/>
+          <a:lstStyle/>
+          <a:p>
+            <a:pPr algn="ctr"/>
+            <a:endParaRPr lang="es-MX"/>
+          </a:p>
+        </p:txBody>
+      </p:sp>
+      <p:sp>
+        <p:nvSpPr>
+          <p:cNvPr id="5" name="Rectángulo 4"/>
+          <p:cNvSpPr/>
+          <p:nvPr/>
+        </p:nvSpPr>
+        <p:spPr>
+          <a:xfrm>
+            <a:off x="0" y="6553200"/>
+            <a:ext cx="12192000" cy="304800"/>
+          </a:xfrm>
+          <a:prstGeom prst="rect">
+            <a:avLst/>
+          </a:prstGeom>
+          <a:solidFill>
+            <a:schemeClr val="bg2">
+              <a:lumMod val="10000"/>
+            </a:schemeClr>
+          </a:solidFill>
+          <a:ln>
+            <a:solidFill>
+              <a:schemeClr val="tx1"/>
+            </a:solidFill>
+          </a:ln>
+        </p:spPr>
+        <p:style>
+          <a:lnRef idx="2">
+            <a:schemeClr val="accent1">
+              <a:shade val="50000"/>
+            </a:schemeClr>
+          </a:lnRef>
+          <a:fillRef idx="1">
+            <a:schemeClr val="accent1"/>
+          </a:fillRef>
+          <a:effectRef idx="0">
+            <a:schemeClr val="accent1"/>
+          </a:effectRef>
+          <a:fontRef idx="minor">
+            <a:schemeClr val="lt1"/>
+          </a:fontRef>
+        </p:style>
+        <p:txBody>
+          <a:bodyPr rtlCol="0" anchor="ctr"/>
+          <a:lstStyle/>
+          <a:p>
+            <a:pPr algn="ctr"/>
+            <a:endParaRPr lang="es-MX"/>
+          </a:p>
+        </p:txBody>
+      </p:sp>
+    </p:spTree>
+    <p:extLst>
+      <p:ext uri="{BB962C8B-B14F-4D97-AF65-F5344CB8AC3E}">
+        <p14:creationId xmlns:p14="http://schemas.microsoft.com/office/powerpoint/2010/main" val="3460953812"/>
+      </p:ext>
+    </p:extLst>
+  </p:cSld>
+  <p:clrMapOvr>
+    <a:masterClrMapping/>
+  </p:clrMapOvr>
+</p:sld>
+</file>
+
+<file path=ppt/slides/slide24.xml><?xml version="1.0" encoding="utf-8"?>
+<p:sld xmlns:a="http://schemas.openxmlformats.org/drawingml/2006/main" xmlns:r="http://schemas.openxmlformats.org/officeDocument/2006/relationships" xmlns:p="http://schemas.openxmlformats.org/presentationml/2006/main">
+  <p:cSld>
+    <p:spTree>
+      <p:nvGrpSpPr>
+        <p:cNvPr id="1" name=""/>
+        <p:cNvGrpSpPr/>
+        <p:nvPr/>
+      </p:nvGrpSpPr>
+      <p:grpSpPr>
+        <a:xfrm>
+          <a:off x="0" y="0"/>
+          <a:ext cx="0" cy="0"/>
+          <a:chOff x="0" y="0"/>
+          <a:chExt cx="0" cy="0"/>
+        </a:xfrm>
+      </p:grpSpPr>
+      <p:sp>
+        <p:nvSpPr>
+          <p:cNvPr id="2" name="Título 1"/>
+          <p:cNvSpPr>
+            <a:spLocks noGrp="1"/>
+          </p:cNvSpPr>
+          <p:nvPr>
+            <p:ph type="title"/>
+          </p:nvPr>
+        </p:nvSpPr>
+        <p:spPr/>
+        <p:txBody>
+          <a:bodyPr/>
+          <a:lstStyle/>
+          <a:p>
+            <a:r>
+              <a:rPr lang="es-MX" b="1" dirty="0" smtClean="0"/>
+              <a:t>Acerca de la Validez</a:t>
+            </a:r>
+            <a:endParaRPr lang="es-MX" b="1" dirty="0"/>
+          </a:p>
+        </p:txBody>
+      </p:sp>
+      <p:sp>
+        <p:nvSpPr>
+          <p:cNvPr id="3" name="Marcador de contenido 2"/>
+          <p:cNvSpPr>
+            <a:spLocks noGrp="1"/>
+          </p:cNvSpPr>
+          <p:nvPr>
+            <p:ph idx="1"/>
+          </p:nvPr>
+        </p:nvSpPr>
+        <p:spPr/>
+        <p:txBody>
+          <a:bodyPr>
+            <a:normAutofit/>
+          </a:bodyPr>
+          <a:lstStyle/>
+          <a:p>
+            <a:r>
+              <a:rPr lang="es-MX" b="1" dirty="0"/>
+              <a:t>Tipos de </a:t>
+            </a:r>
+            <a:r>
+              <a:rPr lang="es-MX" b="1" dirty="0" smtClean="0"/>
+              <a:t>validez</a:t>
+            </a:r>
+          </a:p>
+          <a:p>
+            <a:endParaRPr lang="es-MX" b="1" dirty="0" smtClean="0"/>
+          </a:p>
+          <a:p>
+            <a:pPr lvl="1"/>
+            <a:r>
+              <a:rPr lang="es-MX" b="1" dirty="0" smtClean="0"/>
+              <a:t>Validez ecológica</a:t>
+            </a:r>
+          </a:p>
+          <a:p>
+            <a:pPr marL="0" indent="0">
+              <a:buNone/>
+            </a:pPr>
+            <a:r>
+              <a:rPr lang="es-MX" b="1" dirty="0" smtClean="0"/>
+              <a:t>	</a:t>
+            </a:r>
+            <a:r>
+              <a:rPr lang="es-MX" dirty="0" smtClean="0"/>
+              <a:t>El grado en que el instrumento de medida que estoy utilizando 	se adecúa al contexto en que la estoy aplicando</a:t>
+            </a:r>
+            <a:r>
+              <a:rPr lang="es-MX" b="1" dirty="0" smtClean="0"/>
+              <a:t>	</a:t>
+            </a:r>
+          </a:p>
+          <a:p>
+            <a:pPr marL="0" indent="0">
+              <a:buNone/>
+            </a:pPr>
+            <a:endParaRPr lang="es-MX" b="1" dirty="0" smtClean="0"/>
+          </a:p>
+          <a:p>
+            <a:pPr lvl="1"/>
+            <a:r>
+              <a:rPr lang="es-MX" b="1" dirty="0" smtClean="0"/>
+              <a:t>Por ejemplo:</a:t>
+            </a:r>
+          </a:p>
+          <a:p>
+            <a:pPr marL="914400" lvl="2" indent="0">
+              <a:buNone/>
+            </a:pPr>
+            <a:r>
+              <a:rPr lang="es-MX" dirty="0" smtClean="0"/>
+              <a:t>Aplicación de cuestionarios extranjeros.</a:t>
+            </a:r>
+            <a:endParaRPr lang="es-MX" dirty="0"/>
+          </a:p>
+        </p:txBody>
+      </p:sp>
+      <p:sp>
+        <p:nvSpPr>
+          <p:cNvPr id="4" name="Rectángulo 3"/>
+          <p:cNvSpPr/>
+          <p:nvPr/>
+        </p:nvSpPr>
+        <p:spPr>
+          <a:xfrm>
+            <a:off x="0" y="1"/>
+            <a:ext cx="12192000" cy="304800"/>
+          </a:xfrm>
+          <a:prstGeom prst="rect">
+            <a:avLst/>
+          </a:prstGeom>
+          <a:solidFill>
+            <a:schemeClr val="bg2">
+              <a:lumMod val="10000"/>
+            </a:schemeClr>
+          </a:solidFill>
+          <a:ln>
+            <a:solidFill>
+              <a:schemeClr val="tx1"/>
+            </a:solidFill>
+          </a:ln>
+        </p:spPr>
+        <p:style>
+          <a:lnRef idx="2">
+            <a:schemeClr val="accent1">
+              <a:shade val="50000"/>
+            </a:schemeClr>
+          </a:lnRef>
+          <a:fillRef idx="1">
+            <a:schemeClr val="accent1"/>
+          </a:fillRef>
+          <a:effectRef idx="0">
+            <a:schemeClr val="accent1"/>
+          </a:effectRef>
+          <a:fontRef idx="minor">
+            <a:schemeClr val="lt1"/>
+          </a:fontRef>
+        </p:style>
+        <p:txBody>
+          <a:bodyPr rtlCol="0" anchor="ctr"/>
+          <a:lstStyle/>
+          <a:p>
+            <a:pPr algn="ctr"/>
+            <a:endParaRPr lang="es-MX"/>
+          </a:p>
+        </p:txBody>
+      </p:sp>
+      <p:sp>
+        <p:nvSpPr>
+          <p:cNvPr id="5" name="Rectángulo 4"/>
+          <p:cNvSpPr/>
+          <p:nvPr/>
+        </p:nvSpPr>
+        <p:spPr>
+          <a:xfrm>
+            <a:off x="0" y="6553200"/>
+            <a:ext cx="12192000" cy="304800"/>
+          </a:xfrm>
+          <a:prstGeom prst="rect">
+            <a:avLst/>
+          </a:prstGeom>
+          <a:solidFill>
+            <a:schemeClr val="bg2">
+              <a:lumMod val="10000"/>
+            </a:schemeClr>
+          </a:solidFill>
+          <a:ln>
+            <a:solidFill>
+              <a:schemeClr val="tx1"/>
+            </a:solidFill>
+          </a:ln>
+        </p:spPr>
+        <p:style>
+          <a:lnRef idx="2">
+            <a:schemeClr val="accent1">
+              <a:shade val="50000"/>
+            </a:schemeClr>
+          </a:lnRef>
+          <a:fillRef idx="1">
+            <a:schemeClr val="accent1"/>
+          </a:fillRef>
+          <a:effectRef idx="0">
+            <a:schemeClr val="accent1"/>
+          </a:effectRef>
+          <a:fontRef idx="minor">
+            <a:schemeClr val="lt1"/>
+          </a:fontRef>
+        </p:style>
+        <p:txBody>
+          <a:bodyPr rtlCol="0" anchor="ctr"/>
+          <a:lstStyle/>
+          <a:p>
+            <a:pPr algn="ctr"/>
+            <a:endParaRPr lang="es-MX"/>
+          </a:p>
+        </p:txBody>
+      </p:sp>
+    </p:spTree>
+    <p:extLst>
+      <p:ext uri="{BB962C8B-B14F-4D97-AF65-F5344CB8AC3E}">
+        <p14:creationId xmlns:p14="http://schemas.microsoft.com/office/powerpoint/2010/main" val="3107307027"/>
+      </p:ext>
+    </p:extLst>
+  </p:cSld>
+  <p:clrMapOvr>
+    <a:masterClrMapping/>
+  </p:clrMapOvr>
+</p:sld>
+</file>
+
+<file path=ppt/slides/slide25.xml><?xml version="1.0" encoding="utf-8"?>
+<p:sld xmlns:a="http://schemas.openxmlformats.org/drawingml/2006/main" xmlns:r="http://schemas.openxmlformats.org/officeDocument/2006/relationships" xmlns:p="http://schemas.openxmlformats.org/presentationml/2006/main">
+  <p:cSld>
+    <p:spTree>
+      <p:nvGrpSpPr>
+        <p:cNvPr id="1" name=""/>
+        <p:cNvGrpSpPr/>
+        <p:nvPr/>
+      </p:nvGrpSpPr>
+      <p:grpSpPr>
+        <a:xfrm>
+          <a:off x="0" y="0"/>
+          <a:ext cx="0" cy="0"/>
+          <a:chOff x="0" y="0"/>
+          <a:chExt cx="0" cy="0"/>
+        </a:xfrm>
+      </p:grpSpPr>
+      <p:sp>
+        <p:nvSpPr>
+          <p:cNvPr id="2" name="Título 1"/>
+          <p:cNvSpPr>
+            <a:spLocks noGrp="1"/>
+          </p:cNvSpPr>
+          <p:nvPr>
+            <p:ph type="title"/>
+          </p:nvPr>
+        </p:nvSpPr>
+        <p:spPr/>
+        <p:txBody>
+          <a:bodyPr/>
+          <a:lstStyle/>
+          <a:p>
+            <a:r>
+              <a:rPr lang="es-MX" b="1" dirty="0" smtClean="0"/>
+              <a:t>Validez </a:t>
+            </a:r>
+            <a:r>
+              <a:rPr lang="es-MX" dirty="0" smtClean="0"/>
+              <a:t>y </a:t>
+            </a:r>
+            <a:r>
+              <a:rPr lang="es-MX" b="1" dirty="0" smtClean="0"/>
+              <a:t>Confiabilidad, un ejemplo didáctico:</a:t>
+            </a:r>
+            <a:endParaRPr lang="es-MX" b="1" dirty="0"/>
+          </a:p>
+        </p:txBody>
+      </p:sp>
+      <p:sp>
+        <p:nvSpPr>
+          <p:cNvPr id="3" name="Marcador de contenido 2"/>
+          <p:cNvSpPr>
+            <a:spLocks noGrp="1"/>
+          </p:cNvSpPr>
+          <p:nvPr>
+            <p:ph idx="1"/>
+          </p:nvPr>
+        </p:nvSpPr>
+        <p:spPr/>
+        <p:txBody>
+          <a:bodyPr/>
+          <a:lstStyle/>
+          <a:p>
+            <a:endParaRPr lang="es-MX"/>
+          </a:p>
+        </p:txBody>
+      </p:sp>
+      <p:pic>
+        <p:nvPicPr>
+          <p:cNvPr id="4" name="Imagen 3"/>
+          <p:cNvPicPr>
+            <a:picLocks noChangeAspect="1"/>
+          </p:cNvPicPr>
+          <p:nvPr/>
+        </p:nvPicPr>
+        <p:blipFill>
+          <a:blip r:embed="rId2"/>
+          <a:stretch>
+            <a:fillRect/>
+          </a:stretch>
+        </p:blipFill>
+        <p:spPr>
+          <a:xfrm>
+            <a:off x="533400" y="1825625"/>
+            <a:ext cx="11125200" cy="3933825"/>
+          </a:xfrm>
+          <a:prstGeom prst="rect">
+            <a:avLst/>
+          </a:prstGeom>
+        </p:spPr>
+      </p:pic>
+      <p:sp>
+        <p:nvSpPr>
+          <p:cNvPr id="5" name="Rectángulo 4"/>
+          <p:cNvSpPr/>
+          <p:nvPr/>
+        </p:nvSpPr>
+        <p:spPr>
+          <a:xfrm>
+            <a:off x="0" y="1"/>
+            <a:ext cx="12192000" cy="304800"/>
+          </a:xfrm>
+          <a:prstGeom prst="rect">
+            <a:avLst/>
+          </a:prstGeom>
+          <a:solidFill>
+            <a:schemeClr val="bg2">
+              <a:lumMod val="10000"/>
+            </a:schemeClr>
+          </a:solidFill>
+          <a:ln>
+            <a:solidFill>
+              <a:schemeClr val="tx1"/>
+            </a:solidFill>
+          </a:ln>
+        </p:spPr>
+        <p:style>
+          <a:lnRef idx="2">
+            <a:schemeClr val="accent1">
+              <a:shade val="50000"/>
+            </a:schemeClr>
+          </a:lnRef>
+          <a:fillRef idx="1">
+            <a:schemeClr val="accent1"/>
+          </a:fillRef>
+          <a:effectRef idx="0">
+            <a:schemeClr val="accent1"/>
+          </a:effectRef>
+          <a:fontRef idx="minor">
+            <a:schemeClr val="lt1"/>
+          </a:fontRef>
+        </p:style>
+        <p:txBody>
+          <a:bodyPr rtlCol="0" anchor="ctr"/>
+          <a:lstStyle/>
+          <a:p>
+            <a:pPr algn="ctr"/>
+            <a:endParaRPr lang="es-MX"/>
+          </a:p>
+        </p:txBody>
+      </p:sp>
+      <p:sp>
+        <p:nvSpPr>
+          <p:cNvPr id="6" name="Rectángulo 5"/>
+          <p:cNvSpPr/>
+          <p:nvPr/>
+        </p:nvSpPr>
+        <p:spPr>
+          <a:xfrm>
+            <a:off x="0" y="6553200"/>
+            <a:ext cx="12192000" cy="304800"/>
+          </a:xfrm>
+          <a:prstGeom prst="rect">
+            <a:avLst/>
+          </a:prstGeom>
+          <a:solidFill>
+            <a:schemeClr val="bg2">
+              <a:lumMod val="10000"/>
+            </a:schemeClr>
+          </a:solidFill>
+          <a:ln>
+            <a:solidFill>
+              <a:schemeClr val="tx1"/>
+            </a:solidFill>
+          </a:ln>
+        </p:spPr>
+        <p:style>
+          <a:lnRef idx="2">
+            <a:schemeClr val="accent1">
+              <a:shade val="50000"/>
+            </a:schemeClr>
+          </a:lnRef>
+          <a:fillRef idx="1">
+            <a:schemeClr val="accent1"/>
+          </a:fillRef>
+          <a:effectRef idx="0">
+            <a:schemeClr val="accent1"/>
+          </a:effectRef>
+          <a:fontRef idx="minor">
+            <a:schemeClr val="lt1"/>
+          </a:fontRef>
+        </p:style>
+        <p:txBody>
+          <a:bodyPr rtlCol="0" anchor="ctr"/>
+          <a:lstStyle/>
+          <a:p>
+            <a:pPr algn="ctr"/>
+            <a:endParaRPr lang="es-MX"/>
+          </a:p>
+        </p:txBody>
+      </p:sp>
+    </p:spTree>
+    <p:extLst>
+      <p:ext uri="{BB962C8B-B14F-4D97-AF65-F5344CB8AC3E}">
+        <p14:creationId xmlns:p14="http://schemas.microsoft.com/office/powerpoint/2010/main" val="2539068259"/>
+      </p:ext>
+    </p:extLst>
+  </p:cSld>
+  <p:clrMapOvr>
+    <a:masterClrMapping/>
+  </p:clrMapOvr>
+</p:sld>
+</file>
+
+<file path=ppt/slides/slide26.xml><?xml version="1.0" encoding="utf-8"?>
+<p:sld xmlns:a="http://schemas.openxmlformats.org/drawingml/2006/main" xmlns:r="http://schemas.openxmlformats.org/officeDocument/2006/relationships" xmlns:p="http://schemas.openxmlformats.org/presentationml/2006/main">
+  <p:cSld>
+    <p:spTree>
+      <p:nvGrpSpPr>
+        <p:cNvPr id="1" name=""/>
+        <p:cNvGrpSpPr/>
+        <p:nvPr/>
+      </p:nvGrpSpPr>
+      <p:grpSpPr>
+        <a:xfrm>
+          <a:off x="0" y="0"/>
+          <a:ext cx="0" cy="0"/>
+          <a:chOff x="0" y="0"/>
+          <a:chExt cx="0" cy="0"/>
+        </a:xfrm>
+      </p:grpSpPr>
+      <p:sp>
+        <p:nvSpPr>
+          <p:cNvPr id="2" name="Título 1"/>
+          <p:cNvSpPr>
+            <a:spLocks noGrp="1"/>
+          </p:cNvSpPr>
+          <p:nvPr>
+            <p:ph type="title"/>
+          </p:nvPr>
+        </p:nvSpPr>
+        <p:spPr/>
+        <p:txBody>
+          <a:bodyPr/>
+          <a:lstStyle/>
+          <a:p>
+            <a:r>
+              <a:rPr lang="es-MX" b="1" dirty="0" smtClean="0"/>
+              <a:t>Acerca de la Objetividad</a:t>
+            </a:r>
+            <a:endParaRPr lang="es-MX" b="1" dirty="0"/>
+          </a:p>
+        </p:txBody>
+      </p:sp>
+      <p:sp>
+        <p:nvSpPr>
+          <p:cNvPr id="3" name="Marcador de contenido 2"/>
+          <p:cNvSpPr>
+            <a:spLocks noGrp="1"/>
+          </p:cNvSpPr>
+          <p:nvPr>
+            <p:ph idx="1"/>
+          </p:nvPr>
+        </p:nvSpPr>
+        <p:spPr/>
+        <p:txBody>
+          <a:bodyPr>
+            <a:normAutofit/>
+          </a:bodyPr>
+          <a:lstStyle/>
+          <a:p>
+            <a:r>
+              <a:rPr lang="es-MX" b="1" dirty="0" smtClean="0"/>
+              <a:t>Definición:</a:t>
+            </a:r>
+            <a:endParaRPr lang="es-MX" b="1" dirty="0" smtClean="0"/>
+          </a:p>
+          <a:p>
+            <a:pPr marL="457200" lvl="1" indent="0">
+              <a:buNone/>
+            </a:pPr>
+            <a:r>
+              <a:rPr lang="es-MX" dirty="0" smtClean="0"/>
+              <a:t>Implica el grado en que nuestro instrumento está libre de </a:t>
+            </a:r>
+            <a:r>
+              <a:rPr lang="es-MX" b="1" dirty="0" smtClean="0"/>
+              <a:t>sesgos </a:t>
+            </a:r>
+          </a:p>
+          <a:p>
+            <a:pPr marL="457200" lvl="1" indent="0">
+              <a:buNone/>
+            </a:pPr>
+            <a:endParaRPr lang="es-MX" b="1" dirty="0"/>
+          </a:p>
+          <a:p>
+            <a:pPr marL="457200" lvl="1" indent="0">
+              <a:buNone/>
+            </a:pPr>
+            <a:r>
+              <a:rPr lang="es-MX" b="1" dirty="0" smtClean="0"/>
+              <a:t>Por ejemplo:</a:t>
+            </a:r>
+          </a:p>
+          <a:p>
+            <a:pPr lvl="1"/>
+            <a:r>
+              <a:rPr lang="es-MX" dirty="0" smtClean="0"/>
+              <a:t>Tener cuidado con la </a:t>
+            </a:r>
+            <a:r>
+              <a:rPr lang="es-MX" b="1" dirty="0" smtClean="0"/>
+              <a:t>“deseabilidad social”</a:t>
+            </a:r>
+          </a:p>
+          <a:p>
+            <a:pPr lvl="1"/>
+            <a:r>
+              <a:rPr lang="es-MX" dirty="0" smtClean="0"/>
+              <a:t>Tener cuidado con la redacción de mi instrumento</a:t>
+            </a:r>
+            <a:endParaRPr lang="es-MX" dirty="0"/>
+          </a:p>
+          <a:p>
+            <a:endParaRPr lang="es-MX" b="1" dirty="0" smtClean="0"/>
+          </a:p>
+          <a:p>
+            <a:r>
+              <a:rPr lang="es-MX" b="1" dirty="0" smtClean="0"/>
+              <a:t>¿Cómo se evalúa?</a:t>
+            </a:r>
+          </a:p>
+          <a:p>
+            <a:pPr lvl="1"/>
+            <a:r>
+              <a:rPr lang="es-MX" dirty="0" smtClean="0"/>
+              <a:t>Observando los patrones de respuesta</a:t>
+            </a:r>
+          </a:p>
+        </p:txBody>
+      </p:sp>
+      <p:sp>
+        <p:nvSpPr>
+          <p:cNvPr id="4" name="Rectángulo 3"/>
+          <p:cNvSpPr/>
+          <p:nvPr/>
+        </p:nvSpPr>
+        <p:spPr>
+          <a:xfrm>
+            <a:off x="0" y="1"/>
+            <a:ext cx="12192000" cy="304800"/>
+          </a:xfrm>
+          <a:prstGeom prst="rect">
+            <a:avLst/>
+          </a:prstGeom>
+          <a:solidFill>
+            <a:schemeClr val="bg2">
+              <a:lumMod val="10000"/>
+            </a:schemeClr>
+          </a:solidFill>
+          <a:ln>
+            <a:solidFill>
+              <a:schemeClr val="tx1"/>
+            </a:solidFill>
+          </a:ln>
+        </p:spPr>
+        <p:style>
+          <a:lnRef idx="2">
+            <a:schemeClr val="accent1">
+              <a:shade val="50000"/>
+            </a:schemeClr>
+          </a:lnRef>
+          <a:fillRef idx="1">
+            <a:schemeClr val="accent1"/>
+          </a:fillRef>
+          <a:effectRef idx="0">
+            <a:schemeClr val="accent1"/>
+          </a:effectRef>
+          <a:fontRef idx="minor">
+            <a:schemeClr val="lt1"/>
+          </a:fontRef>
+        </p:style>
+        <p:txBody>
+          <a:bodyPr rtlCol="0" anchor="ctr"/>
+          <a:lstStyle/>
+          <a:p>
+            <a:pPr algn="ctr"/>
+            <a:endParaRPr lang="es-MX"/>
+          </a:p>
+        </p:txBody>
+      </p:sp>
+      <p:sp>
+        <p:nvSpPr>
+          <p:cNvPr id="5" name="Rectángulo 4"/>
+          <p:cNvSpPr/>
+          <p:nvPr/>
+        </p:nvSpPr>
+        <p:spPr>
+          <a:xfrm>
+            <a:off x="0" y="6553200"/>
+            <a:ext cx="12192000" cy="304800"/>
+          </a:xfrm>
+          <a:prstGeom prst="rect">
+            <a:avLst/>
+          </a:prstGeom>
+          <a:solidFill>
+            <a:schemeClr val="bg2">
+              <a:lumMod val="10000"/>
+            </a:schemeClr>
+          </a:solidFill>
+          <a:ln>
+            <a:solidFill>
+              <a:schemeClr val="tx1"/>
+            </a:solidFill>
+          </a:ln>
+        </p:spPr>
+        <p:style>
+          <a:lnRef idx="2">
+            <a:schemeClr val="accent1">
+              <a:shade val="50000"/>
+            </a:schemeClr>
+          </a:lnRef>
+          <a:fillRef idx="1">
+            <a:schemeClr val="accent1"/>
+          </a:fillRef>
+          <a:effectRef idx="0">
+            <a:schemeClr val="accent1"/>
+          </a:effectRef>
+          <a:fontRef idx="minor">
+            <a:schemeClr val="lt1"/>
+          </a:fontRef>
+        </p:style>
+        <p:txBody>
+          <a:bodyPr rtlCol="0" anchor="ctr"/>
+          <a:lstStyle/>
+          <a:p>
+            <a:pPr algn="ctr"/>
+            <a:endParaRPr lang="es-MX"/>
+          </a:p>
+        </p:txBody>
+      </p:sp>
+    </p:spTree>
+    <p:extLst>
+      <p:ext uri="{BB962C8B-B14F-4D97-AF65-F5344CB8AC3E}">
+        <p14:creationId xmlns:p14="http://schemas.microsoft.com/office/powerpoint/2010/main" val="3618266981"/>
+      </p:ext>
+    </p:extLst>
+  </p:cSld>
+  <p:clrMapOvr>
+    <a:masterClrMapping/>
+  </p:clrMapOvr>
+</p:sld>
+</file>
+
+<file path=ppt/slides/slide27.xml><?xml version="1.0" encoding="utf-8"?>
+<p:sld xmlns:a="http://schemas.openxmlformats.org/drawingml/2006/main" xmlns:r="http://schemas.openxmlformats.org/officeDocument/2006/relationships" xmlns:p="http://schemas.openxmlformats.org/presentationml/2006/main">
+  <p:cSld>
+    <p:spTree>
+      <p:nvGrpSpPr>
+        <p:cNvPr id="1" name=""/>
+        <p:cNvGrpSpPr/>
+        <p:nvPr/>
+      </p:nvGrpSpPr>
+      <p:grpSpPr>
+        <a:xfrm>
+          <a:off x="0" y="0"/>
+          <a:ext cx="0" cy="0"/>
+          <a:chOff x="0" y="0"/>
+          <a:chExt cx="0" cy="0"/>
+        </a:xfrm>
+      </p:grpSpPr>
+      <p:sp>
+        <p:nvSpPr>
+          <p:cNvPr id="2" name="Título 1"/>
+          <p:cNvSpPr>
+            <a:spLocks noGrp="1"/>
+          </p:cNvSpPr>
+          <p:nvPr>
+            <p:ph type="title"/>
+          </p:nvPr>
+        </p:nvSpPr>
+        <p:spPr>
+          <a:xfrm>
+            <a:off x="1337734" y="2634192"/>
+            <a:ext cx="10515600" cy="1325563"/>
+          </a:xfrm>
+        </p:spPr>
+        <p:txBody>
+          <a:bodyPr>
+            <a:noAutofit/>
+          </a:bodyPr>
+          <a:lstStyle/>
+          <a:p>
+            <a:r>
+              <a:rPr lang="es-MX" sz="9000" b="1" dirty="0" smtClean="0">
+                <a:latin typeface="AR DARLING" panose="02000000000000000000" pitchFamily="2" charset="0"/>
+              </a:rPr>
+              <a:t>Introducción al análisis de datos</a:t>
+            </a:r>
+            <a:endParaRPr lang="es-MX" sz="9000" b="1" dirty="0">
+              <a:latin typeface="AR DARLING" panose="02000000000000000000" pitchFamily="2" charset="0"/>
+            </a:endParaRPr>
+          </a:p>
+        </p:txBody>
+      </p:sp>
+      <p:sp>
+        <p:nvSpPr>
+          <p:cNvPr id="5" name="Marcador de contenido 4"/>
+          <p:cNvSpPr>
+            <a:spLocks noGrp="1"/>
+          </p:cNvSpPr>
+          <p:nvPr>
+            <p:ph idx="1"/>
+          </p:nvPr>
+        </p:nvSpPr>
+        <p:spPr>
+          <a:xfrm>
+            <a:off x="-296333" y="1465791"/>
+            <a:ext cx="10515600" cy="3415242"/>
+          </a:xfrm>
+        </p:spPr>
+        <p:txBody>
+          <a:bodyPr/>
+          <a:lstStyle/>
+          <a:p>
+            <a:endParaRPr lang="es-MX" dirty="0" smtClean="0"/>
+          </a:p>
+          <a:p>
+            <a:endParaRPr lang="es-MX" u="sng" dirty="0"/>
+          </a:p>
+        </p:txBody>
+      </p:sp>
+      <p:pic>
+        <p:nvPicPr>
+          <p:cNvPr id="6" name="Imagen 5"/>
+          <p:cNvPicPr>
+            <a:picLocks noChangeAspect="1"/>
+          </p:cNvPicPr>
+          <p:nvPr/>
+        </p:nvPicPr>
+        <p:blipFill>
+          <a:blip r:embed="rId2"/>
+          <a:stretch>
+            <a:fillRect/>
+          </a:stretch>
+        </p:blipFill>
+        <p:spPr>
+          <a:xfrm>
+            <a:off x="0" y="0"/>
+            <a:ext cx="12192000" cy="1380067"/>
+          </a:xfrm>
+          <a:prstGeom prst="rect">
+            <a:avLst/>
+          </a:prstGeom>
+        </p:spPr>
+      </p:pic>
+      <p:pic>
+        <p:nvPicPr>
+          <p:cNvPr id="7" name="Imagen 6"/>
+          <p:cNvPicPr>
+            <a:picLocks noChangeAspect="1"/>
+          </p:cNvPicPr>
+          <p:nvPr/>
+        </p:nvPicPr>
+        <p:blipFill>
+          <a:blip r:embed="rId2"/>
+          <a:stretch>
+            <a:fillRect/>
+          </a:stretch>
+        </p:blipFill>
+        <p:spPr>
+          <a:xfrm>
+            <a:off x="0" y="5477933"/>
+            <a:ext cx="12192000" cy="1380067"/>
+          </a:xfrm>
+          <a:prstGeom prst="rect">
+            <a:avLst/>
+          </a:prstGeom>
+        </p:spPr>
+      </p:pic>
+    </p:spTree>
+    <p:extLst>
+      <p:ext uri="{BB962C8B-B14F-4D97-AF65-F5344CB8AC3E}">
+        <p14:creationId xmlns:p14="http://schemas.microsoft.com/office/powerpoint/2010/main" val="3076514734"/>
+      </p:ext>
+    </p:extLst>
+  </p:cSld>
+  <p:clrMapOvr>
+    <a:masterClrMapping/>
+  </p:clrMapOvr>
+</p:sld>
+</file>
+
+<file path=ppt/slides/slide28.xml><?xml version="1.0" encoding="utf-8"?>
+<p:sld xmlns:a="http://schemas.openxmlformats.org/drawingml/2006/main" xmlns:r="http://schemas.openxmlformats.org/officeDocument/2006/relationships" xmlns:p="http://schemas.openxmlformats.org/presentationml/2006/main">
+  <p:cSld>
+    <p:spTree>
+      <p:nvGrpSpPr>
+        <p:cNvPr id="1" name=""/>
+        <p:cNvGrpSpPr/>
+        <p:nvPr/>
+      </p:nvGrpSpPr>
+      <p:grpSpPr>
+        <a:xfrm>
+          <a:off x="0" y="0"/>
+          <a:ext cx="0" cy="0"/>
+          <a:chOff x="0" y="0"/>
+          <a:chExt cx="0" cy="0"/>
+        </a:xfrm>
+      </p:grpSpPr>
+      <p:sp>
+        <p:nvSpPr>
+          <p:cNvPr id="2" name="Título 1"/>
+          <p:cNvSpPr>
+            <a:spLocks noGrp="1"/>
+          </p:cNvSpPr>
+          <p:nvPr>
+            <p:ph type="title"/>
+          </p:nvPr>
+        </p:nvSpPr>
+        <p:spPr/>
+        <p:txBody>
+          <a:bodyPr/>
+          <a:lstStyle/>
+          <a:p>
+            <a:endParaRPr lang="es-MX"/>
+          </a:p>
+        </p:txBody>
+      </p:sp>
+      <p:sp>
+        <p:nvSpPr>
+          <p:cNvPr id="3" name="Marcador de contenido 2"/>
+          <p:cNvSpPr>
+            <a:spLocks noGrp="1"/>
+          </p:cNvSpPr>
+          <p:nvPr>
+            <p:ph idx="1"/>
+          </p:nvPr>
+        </p:nvSpPr>
+        <p:spPr/>
+        <p:txBody>
+          <a:bodyPr/>
+          <a:lstStyle/>
+          <a:p>
+            <a:endParaRPr lang="es-MX"/>
+          </a:p>
+        </p:txBody>
+      </p:sp>
+      <p:sp>
+        <p:nvSpPr>
+          <p:cNvPr id="4" name="Rectángulo 3"/>
+          <p:cNvSpPr/>
+          <p:nvPr/>
+        </p:nvSpPr>
+        <p:spPr>
+          <a:xfrm>
+            <a:off x="0" y="1"/>
+            <a:ext cx="12192000" cy="304800"/>
+          </a:xfrm>
+          <a:prstGeom prst="rect">
+            <a:avLst/>
+          </a:prstGeom>
+          <a:solidFill>
+            <a:schemeClr val="accent3">
+              <a:lumMod val="40000"/>
+              <a:lumOff val="60000"/>
+            </a:schemeClr>
+          </a:solidFill>
+          <a:ln>
+            <a:solidFill>
+              <a:schemeClr val="tx1"/>
+            </a:solidFill>
+          </a:ln>
+        </p:spPr>
+        <p:style>
+          <a:lnRef idx="2">
+            <a:schemeClr val="accent1">
+              <a:shade val="50000"/>
+            </a:schemeClr>
+          </a:lnRef>
+          <a:fillRef idx="1">
+            <a:schemeClr val="accent1"/>
+          </a:fillRef>
+          <a:effectRef idx="0">
+            <a:schemeClr val="accent1"/>
+          </a:effectRef>
+          <a:fontRef idx="minor">
+            <a:schemeClr val="lt1"/>
+          </a:fontRef>
+        </p:style>
+        <p:txBody>
+          <a:bodyPr rtlCol="0" anchor="ctr"/>
+          <a:lstStyle/>
+          <a:p>
+            <a:pPr algn="ctr"/>
+            <a:endParaRPr lang="es-MX"/>
+          </a:p>
+        </p:txBody>
+      </p:sp>
+      <p:sp>
+        <p:nvSpPr>
+          <p:cNvPr id="5" name="Rectángulo 4"/>
+          <p:cNvSpPr/>
+          <p:nvPr/>
+        </p:nvSpPr>
+        <p:spPr>
+          <a:xfrm>
+            <a:off x="0" y="6553200"/>
+            <a:ext cx="12192000" cy="304800"/>
+          </a:xfrm>
+          <a:prstGeom prst="rect">
+            <a:avLst/>
+          </a:prstGeom>
+          <a:solidFill>
+            <a:schemeClr val="accent3">
+              <a:lumMod val="40000"/>
+              <a:lumOff val="60000"/>
+            </a:schemeClr>
+          </a:solidFill>
+          <a:ln>
+            <a:solidFill>
+              <a:schemeClr val="tx1"/>
+            </a:solidFill>
+          </a:ln>
+        </p:spPr>
+        <p:style>
+          <a:lnRef idx="2">
+            <a:schemeClr val="accent1">
+              <a:shade val="50000"/>
+            </a:schemeClr>
+          </a:lnRef>
+          <a:fillRef idx="1">
+            <a:schemeClr val="accent1"/>
+          </a:fillRef>
+          <a:effectRef idx="0">
+            <a:schemeClr val="accent1"/>
+          </a:effectRef>
+          <a:fontRef idx="minor">
+            <a:schemeClr val="lt1"/>
+          </a:fontRef>
+        </p:style>
+        <p:txBody>
+          <a:bodyPr rtlCol="0" anchor="ctr"/>
+          <a:lstStyle/>
+          <a:p>
+            <a:pPr algn="ctr"/>
+            <a:endParaRPr lang="es-MX"/>
+          </a:p>
+        </p:txBody>
+      </p:sp>
+    </p:spTree>
+    <p:extLst>
+      <p:ext uri="{BB962C8B-B14F-4D97-AF65-F5344CB8AC3E}">
+        <p14:creationId xmlns:p14="http://schemas.microsoft.com/office/powerpoint/2010/main" val="2438887625"/>
       </p:ext>
     </p:extLst>
   </p:cSld>
@@ -4061,11 +8630,7 @@
             </a:pPr>
             <a:r>
               <a:rPr lang="es-MX" dirty="0" smtClean="0"/>
-              <a:t>Asignar un valor numérico a </a:t>
-            </a:r>
-            <a:r>
-              <a:rPr lang="es-MX" dirty="0" smtClean="0"/>
-              <a:t>una variable usando como referencia una escala.</a:t>
+              <a:t>Asignar un valor numérico a una variable usando como referencia una escala.</a:t>
             </a:r>
           </a:p>
           <a:p>
@@ -4555,18 +9120,27 @@
           <a:p>
             <a:r>
               <a:rPr lang="es-MX" dirty="0" smtClean="0"/>
-              <a:t>Debe </a:t>
-            </a:r>
-            <a:r>
-              <a:rPr lang="es-MX" smtClean="0"/>
-              <a:t>tener </a:t>
-            </a:r>
-            <a:r>
-              <a:rPr lang="es-MX" b="1" smtClean="0"/>
+              <a:t>Debe tener </a:t>
+            </a:r>
+            <a:r>
+              <a:rPr lang="es-MX" b="1" dirty="0" smtClean="0"/>
               <a:t>validez</a:t>
             </a:r>
-            <a:r>
-              <a:rPr lang="es-MX" smtClean="0"/>
+          </a:p>
+          <a:p>
+            <a:endParaRPr lang="es-MX" b="1" dirty="0"/>
+          </a:p>
+          <a:p>
+            <a:r>
+              <a:rPr lang="es-MX" dirty="0" smtClean="0"/>
+              <a:t>Debe ser </a:t>
+            </a:r>
+            <a:r>
+              <a:rPr lang="es-MX" b="1" dirty="0" smtClean="0"/>
+              <a:t>objetivo</a:t>
+            </a:r>
+            <a:r>
+              <a:rPr lang="es-MX" dirty="0" smtClean="0"/>
               <a:t> </a:t>
             </a:r>
             <a:endParaRPr lang="es-MX" dirty="0" smtClean="0"/>
@@ -4718,7 +9292,11 @@
           <a:bodyPr/>
           <a:lstStyle/>
           <a:p>
-            <a:endParaRPr lang="es-MX"/>
+            <a:r>
+              <a:rPr lang="es-MX" b="1" dirty="0" smtClean="0"/>
+              <a:t>Acerca de la Confiabilidad</a:t>
+            </a:r>
+            <a:endParaRPr lang="es-MX" b="1" dirty="0"/>
           </a:p>
         </p:txBody>
       </p:sp>
@@ -4734,10 +9312,65 @@
         </p:nvSpPr>
         <p:spPr/>
         <p:txBody>
-          <a:bodyPr/>
-          <a:lstStyle/>
-          <a:p>
-            <a:endParaRPr lang="es-MX"/>
+          <a:bodyPr>
+            <a:normAutofit/>
+          </a:bodyPr>
+          <a:lstStyle/>
+          <a:p>
+            <a:r>
+              <a:rPr lang="es-MX" b="1" dirty="0" smtClean="0"/>
+              <a:t>Definición:</a:t>
+            </a:r>
+            <a:endParaRPr lang="es-MX" b="1" dirty="0" smtClean="0"/>
+          </a:p>
+          <a:p>
+            <a:pPr marL="457200" lvl="1" indent="0">
+              <a:buNone/>
+            </a:pPr>
+            <a:r>
+              <a:rPr lang="es-MX" dirty="0" smtClean="0"/>
+              <a:t>Implica evaluar la </a:t>
+            </a:r>
+            <a:r>
+              <a:rPr lang="es-MX" b="1" dirty="0" smtClean="0"/>
+              <a:t>precisión</a:t>
+            </a:r>
+            <a:r>
+              <a:rPr lang="es-MX" dirty="0" smtClean="0"/>
+              <a:t> con la que mi instrumento está midiendo mi variable de interés.</a:t>
+            </a:r>
+            <a:endParaRPr lang="es-MX" dirty="0"/>
+          </a:p>
+          <a:p>
+            <a:endParaRPr lang="es-MX" b="1" dirty="0" smtClean="0"/>
+          </a:p>
+          <a:p>
+            <a:r>
+              <a:rPr lang="es-MX" b="1" dirty="0" smtClean="0"/>
+              <a:t>¿Cómo se evalúa?</a:t>
+            </a:r>
+          </a:p>
+          <a:p>
+            <a:pPr lvl="1"/>
+            <a:r>
+              <a:rPr lang="es-MX" dirty="0" smtClean="0"/>
+              <a:t>Comparando las puntuaciones asignadas a un mismo objeto en dos momentos (</a:t>
+            </a:r>
+            <a:r>
+              <a:rPr lang="es-MX" i="1" dirty="0" smtClean="0"/>
+              <a:t>cercanos en el tiempo</a:t>
+            </a:r>
+            <a:r>
+              <a:rPr lang="es-MX" dirty="0" smtClean="0"/>
+              <a:t>)</a:t>
+            </a:r>
+          </a:p>
+          <a:p>
+            <a:pPr lvl="1"/>
+            <a:r>
+              <a:rPr lang="es-MX" dirty="0" smtClean="0"/>
+              <a:t>Comparando las puntuaciones asignadas por mi instrumento con las puntuaciones asignadas con un instrumento de referencia</a:t>
+            </a:r>
           </a:p>
         </p:txBody>
       </p:sp>
@@ -4756,9 +9389,8 @@
             <a:avLst/>
           </a:prstGeom>
           <a:solidFill>
-            <a:schemeClr val="accent3">
-              <a:lumMod val="40000"/>
-              <a:lumOff val="60000"/>
+            <a:schemeClr val="bg2">
+              <a:lumMod val="10000"/>
             </a:schemeClr>
           </a:solidFill>
           <a:ln>
@@ -4807,9 +9439,8 @@
             <a:avLst/>
           </a:prstGeom>
           <a:solidFill>
-            <a:schemeClr val="accent3">
-              <a:lumMod val="40000"/>
-              <a:lumOff val="60000"/>
+            <a:schemeClr val="bg2">
+              <a:lumMod val="10000"/>
             </a:schemeClr>
           </a:solidFill>
           <a:ln>
@@ -4846,7 +9477,234 @@
     </p:spTree>
     <p:extLst>
       <p:ext uri="{BB962C8B-B14F-4D97-AF65-F5344CB8AC3E}">
-        <p14:creationId xmlns:p14="http://schemas.microsoft.com/office/powerpoint/2010/main" val="2438887625"/>
+        <p14:creationId xmlns:p14="http://schemas.microsoft.com/office/powerpoint/2010/main" val="4096822682"/>
+      </p:ext>
+    </p:extLst>
+  </p:cSld>
+  <p:clrMapOvr>
+    <a:masterClrMapping/>
+  </p:clrMapOvr>
+</p:sld>
+</file>
+
+<file path=ppt/slides/slide9.xml><?xml version="1.0" encoding="utf-8"?>
+<p:sld xmlns:a="http://schemas.openxmlformats.org/drawingml/2006/main" xmlns:r="http://schemas.openxmlformats.org/officeDocument/2006/relationships" xmlns:p="http://schemas.openxmlformats.org/presentationml/2006/main">
+  <p:cSld>
+    <p:spTree>
+      <p:nvGrpSpPr>
+        <p:cNvPr id="1" name=""/>
+        <p:cNvGrpSpPr/>
+        <p:nvPr/>
+      </p:nvGrpSpPr>
+      <p:grpSpPr>
+        <a:xfrm>
+          <a:off x="0" y="0"/>
+          <a:ext cx="0" cy="0"/>
+          <a:chOff x="0" y="0"/>
+          <a:chExt cx="0" cy="0"/>
+        </a:xfrm>
+      </p:grpSpPr>
+      <p:sp>
+        <p:nvSpPr>
+          <p:cNvPr id="2" name="Título 1"/>
+          <p:cNvSpPr>
+            <a:spLocks noGrp="1"/>
+          </p:cNvSpPr>
+          <p:nvPr>
+            <p:ph type="title"/>
+          </p:nvPr>
+        </p:nvSpPr>
+        <p:spPr/>
+        <p:txBody>
+          <a:bodyPr/>
+          <a:lstStyle/>
+          <a:p>
+            <a:r>
+              <a:rPr lang="es-MX" b="1" dirty="0" smtClean="0"/>
+              <a:t>Acerca de la Confiabilidad</a:t>
+            </a:r>
+            <a:endParaRPr lang="es-MX" b="1" dirty="0"/>
+          </a:p>
+        </p:txBody>
+      </p:sp>
+      <p:sp>
+        <p:nvSpPr>
+          <p:cNvPr id="3" name="Marcador de contenido 2"/>
+          <p:cNvSpPr>
+            <a:spLocks noGrp="1"/>
+          </p:cNvSpPr>
+          <p:nvPr>
+            <p:ph idx="1"/>
+          </p:nvPr>
+        </p:nvSpPr>
+        <p:spPr/>
+        <p:txBody>
+          <a:bodyPr>
+            <a:normAutofit/>
+          </a:bodyPr>
+          <a:lstStyle/>
+          <a:p>
+            <a:r>
+              <a:rPr lang="es-MX" b="1" dirty="0" smtClean="0"/>
+              <a:t>Definición:</a:t>
+            </a:r>
+            <a:endParaRPr lang="es-MX" b="1" dirty="0" smtClean="0"/>
+          </a:p>
+          <a:p>
+            <a:pPr marL="457200" lvl="1" indent="0">
+              <a:buNone/>
+            </a:pPr>
+            <a:r>
+              <a:rPr lang="es-MX" dirty="0" smtClean="0"/>
+              <a:t>Implica evaluar la </a:t>
+            </a:r>
+            <a:r>
+              <a:rPr lang="es-MX" b="1" dirty="0" smtClean="0"/>
+              <a:t>precisión</a:t>
+            </a:r>
+            <a:r>
+              <a:rPr lang="es-MX" dirty="0" smtClean="0"/>
+              <a:t> con la que mi instrumento está midiendo mi variable de interés.</a:t>
+            </a:r>
+            <a:endParaRPr lang="es-MX" dirty="0"/>
+          </a:p>
+          <a:p>
+            <a:endParaRPr lang="es-MX" b="1" dirty="0" smtClean="0"/>
+          </a:p>
+          <a:p>
+            <a:r>
+              <a:rPr lang="es-MX" b="1" dirty="0" smtClean="0"/>
+              <a:t>¿Cómo se evalúa?</a:t>
+            </a:r>
+          </a:p>
+          <a:p>
+            <a:pPr lvl="1"/>
+            <a:r>
+              <a:rPr lang="es-MX" b="1" u="sng" dirty="0" smtClean="0"/>
+              <a:t>Comparando las puntuaciones asignadas a un mismo objeto en dos momentos (</a:t>
+            </a:r>
+            <a:r>
+              <a:rPr lang="es-MX" b="1" i="1" u="sng" dirty="0" smtClean="0"/>
+              <a:t>cercanos en el tiempo</a:t>
+            </a:r>
+            <a:r>
+              <a:rPr lang="es-MX" b="1" u="sng" dirty="0" smtClean="0"/>
+              <a:t>)</a:t>
+            </a:r>
+          </a:p>
+          <a:p>
+            <a:pPr lvl="1"/>
+            <a:r>
+              <a:rPr lang="es-MX" dirty="0" smtClean="0"/>
+              <a:t>Comparando las puntuaciones obtenidas por dos personas distintas cuando se juzga un mismo objeto</a:t>
+            </a:r>
+          </a:p>
+        </p:txBody>
+      </p:sp>
+      <p:sp>
+        <p:nvSpPr>
+          <p:cNvPr id="4" name="Rectángulo 3"/>
+          <p:cNvSpPr/>
+          <p:nvPr/>
+        </p:nvSpPr>
+        <p:spPr>
+          <a:xfrm>
+            <a:off x="0" y="1"/>
+            <a:ext cx="12192000" cy="304800"/>
+          </a:xfrm>
+          <a:prstGeom prst="rect">
+            <a:avLst/>
+          </a:prstGeom>
+          <a:solidFill>
+            <a:schemeClr val="bg2">
+              <a:lumMod val="10000"/>
+            </a:schemeClr>
+          </a:solidFill>
+          <a:ln>
+            <a:solidFill>
+              <a:schemeClr val="tx1"/>
+            </a:solidFill>
+          </a:ln>
+        </p:spPr>
+        <p:style>
+          <a:lnRef idx="2">
+            <a:schemeClr val="accent1">
+              <a:shade val="50000"/>
+            </a:schemeClr>
+          </a:lnRef>
+          <a:fillRef idx="1">
+            <a:schemeClr val="accent1"/>
+          </a:fillRef>
+          <a:effectRef idx="0">
+            <a:schemeClr val="accent1"/>
+          </a:effectRef>
+          <a:fontRef idx="minor">
+            <a:schemeClr val="lt1"/>
+          </a:fontRef>
+        </p:style>
+        <p:txBody>
+          <a:bodyPr rtlCol="0" anchor="ctr"/>
+          <a:lstStyle/>
+          <a:p>
+            <a:pPr algn="ctr"/>
+            <a:endParaRPr lang="es-MX"/>
+          </a:p>
+        </p:txBody>
+      </p:sp>
+      <p:sp>
+        <p:nvSpPr>
+          <p:cNvPr id="5" name="Rectángulo 4"/>
+          <p:cNvSpPr/>
+          <p:nvPr/>
+        </p:nvSpPr>
+        <p:spPr>
+          <a:xfrm>
+            <a:off x="0" y="6553200"/>
+            <a:ext cx="12192000" cy="304800"/>
+          </a:xfrm>
+          <a:prstGeom prst="rect">
+            <a:avLst/>
+          </a:prstGeom>
+          <a:solidFill>
+            <a:schemeClr val="bg2">
+              <a:lumMod val="10000"/>
+            </a:schemeClr>
+          </a:solidFill>
+          <a:ln>
+            <a:solidFill>
+              <a:schemeClr val="tx1"/>
+            </a:solidFill>
+          </a:ln>
+        </p:spPr>
+        <p:style>
+          <a:lnRef idx="2">
+            <a:schemeClr val="accent1">
+              <a:shade val="50000"/>
+            </a:schemeClr>
+          </a:lnRef>
+          <a:fillRef idx="1">
+            <a:schemeClr val="accent1"/>
+          </a:fillRef>
+          <a:effectRef idx="0">
+            <a:schemeClr val="accent1"/>
+          </a:effectRef>
+          <a:fontRef idx="minor">
+            <a:schemeClr val="lt1"/>
+          </a:fontRef>
+        </p:style>
+        <p:txBody>
+          <a:bodyPr rtlCol="0" anchor="ctr"/>
+          <a:lstStyle/>
+          <a:p>
+            <a:pPr algn="ctr"/>
+            <a:endParaRPr lang="es-MX"/>
+          </a:p>
+        </p:txBody>
+      </p:sp>
+    </p:spTree>
+    <p:extLst>
+      <p:ext uri="{BB962C8B-B14F-4D97-AF65-F5344CB8AC3E}">
+        <p14:creationId xmlns:p14="http://schemas.microsoft.com/office/powerpoint/2010/main" val="2031060468"/>
       </p:ext>
     </p:extLst>
   </p:cSld>

--- a/JeanPiaget/Presentaciones/04_RecolecciónyAnálisisDatos.pptx
+++ b/JeanPiaget/Presentaciones/04_RecolecciónyAnálisisDatos.pptx
@@ -6,33 +6,39 @@
   </p:sldMasterIdLst>
   <p:sldIdLst>
     <p:sldId id="256" r:id="rId2"/>
-    <p:sldId id="261" r:id="rId3"/>
+    <p:sldId id="285" r:id="rId3"/>
     <p:sldId id="262" r:id="rId4"/>
-    <p:sldId id="257" r:id="rId5"/>
-    <p:sldId id="260" r:id="rId6"/>
-    <p:sldId id="258" r:id="rId7"/>
-    <p:sldId id="263" r:id="rId8"/>
-    <p:sldId id="266" r:id="rId9"/>
-    <p:sldId id="267" r:id="rId10"/>
-    <p:sldId id="264" r:id="rId11"/>
-    <p:sldId id="268" r:id="rId12"/>
-    <p:sldId id="269" r:id="rId13"/>
-    <p:sldId id="270" r:id="rId14"/>
-    <p:sldId id="271" r:id="rId15"/>
-    <p:sldId id="272" r:id="rId16"/>
-    <p:sldId id="273" r:id="rId17"/>
-    <p:sldId id="274" r:id="rId18"/>
-    <p:sldId id="275" r:id="rId19"/>
-    <p:sldId id="276" r:id="rId20"/>
-    <p:sldId id="277" r:id="rId21"/>
-    <p:sldId id="278" r:id="rId22"/>
-    <p:sldId id="279" r:id="rId23"/>
-    <p:sldId id="280" r:id="rId24"/>
-    <p:sldId id="282" r:id="rId25"/>
-    <p:sldId id="281" r:id="rId26"/>
-    <p:sldId id="283" r:id="rId27"/>
-    <p:sldId id="284" r:id="rId28"/>
-    <p:sldId id="259" r:id="rId29"/>
+    <p:sldId id="287" r:id="rId5"/>
+    <p:sldId id="257" r:id="rId6"/>
+    <p:sldId id="260" r:id="rId7"/>
+    <p:sldId id="258" r:id="rId8"/>
+    <p:sldId id="263" r:id="rId9"/>
+    <p:sldId id="266" r:id="rId10"/>
+    <p:sldId id="267" r:id="rId11"/>
+    <p:sldId id="264" r:id="rId12"/>
+    <p:sldId id="268" r:id="rId13"/>
+    <p:sldId id="269" r:id="rId14"/>
+    <p:sldId id="270" r:id="rId15"/>
+    <p:sldId id="271" r:id="rId16"/>
+    <p:sldId id="272" r:id="rId17"/>
+    <p:sldId id="273" r:id="rId18"/>
+    <p:sldId id="274" r:id="rId19"/>
+    <p:sldId id="275" r:id="rId20"/>
+    <p:sldId id="276" r:id="rId21"/>
+    <p:sldId id="277" r:id="rId22"/>
+    <p:sldId id="278" r:id="rId23"/>
+    <p:sldId id="279" r:id="rId24"/>
+    <p:sldId id="280" r:id="rId25"/>
+    <p:sldId id="282" r:id="rId26"/>
+    <p:sldId id="281" r:id="rId27"/>
+    <p:sldId id="290" r:id="rId28"/>
+    <p:sldId id="291" r:id="rId29"/>
+    <p:sldId id="283" r:id="rId30"/>
+    <p:sldId id="286" r:id="rId31"/>
+    <p:sldId id="284" r:id="rId32"/>
+    <p:sldId id="288" r:id="rId33"/>
+    <p:sldId id="289" r:id="rId34"/>
+    <p:sldId id="259" r:id="rId35"/>
   </p:sldIdLst>
   <p:sldSz cx="12192000" cy="6858000"/>
   <p:notesSz cx="6858000" cy="9144000"/>
@@ -133,7 +139,7 @@
   </p:defaultTextStyle>
   <p:extLst>
     <p:ext uri="{EFAFB233-063F-42B5-8137-9DF3F51BA10A}">
-      <p15:sldGuideLst xmlns:p15="http://schemas.microsoft.com/office/powerpoint/2012/main">
+      <p15:sldGuideLst xmlns:p15="http://schemas.microsoft.com/office/powerpoint/2012/main" xmlns="">
         <p15:guide id="1" orient="horz" pos="2160" userDrawn="1">
           <p15:clr>
             <a:srgbClr val="A4A3A4"/>
@@ -281,7 +287,7 @@
           <a:p>
             <a:fld id="{E6CC3237-8847-4343-A080-4AA6270D17F1}" type="datetimeFigureOut">
               <a:rPr lang="es-MX" smtClean="0"/>
-              <a:t>20/02/2019</a:t>
+              <a:t>21/03/2019</a:t>
             </a:fld>
             <a:endParaRPr lang="es-MX"/>
           </a:p>
@@ -451,7 +457,7 @@
           <a:p>
             <a:fld id="{E6CC3237-8847-4343-A080-4AA6270D17F1}" type="datetimeFigureOut">
               <a:rPr lang="es-MX" smtClean="0"/>
-              <a:t>20/02/2019</a:t>
+              <a:t>21/03/2019</a:t>
             </a:fld>
             <a:endParaRPr lang="es-MX"/>
           </a:p>
@@ -631,7 +637,7 @@
           <a:p>
             <a:fld id="{E6CC3237-8847-4343-A080-4AA6270D17F1}" type="datetimeFigureOut">
               <a:rPr lang="es-MX" smtClean="0"/>
-              <a:t>20/02/2019</a:t>
+              <a:t>21/03/2019</a:t>
             </a:fld>
             <a:endParaRPr lang="es-MX"/>
           </a:p>
@@ -801,7 +807,7 @@
           <a:p>
             <a:fld id="{E6CC3237-8847-4343-A080-4AA6270D17F1}" type="datetimeFigureOut">
               <a:rPr lang="es-MX" smtClean="0"/>
-              <a:t>20/02/2019</a:t>
+              <a:t>21/03/2019</a:t>
             </a:fld>
             <a:endParaRPr lang="es-MX"/>
           </a:p>
@@ -1047,7 +1053,7 @@
           <a:p>
             <a:fld id="{E6CC3237-8847-4343-A080-4AA6270D17F1}" type="datetimeFigureOut">
               <a:rPr lang="es-MX" smtClean="0"/>
-              <a:t>20/02/2019</a:t>
+              <a:t>21/03/2019</a:t>
             </a:fld>
             <a:endParaRPr lang="es-MX"/>
           </a:p>
@@ -1279,7 +1285,7 @@
           <a:p>
             <a:fld id="{E6CC3237-8847-4343-A080-4AA6270D17F1}" type="datetimeFigureOut">
               <a:rPr lang="es-MX" smtClean="0"/>
-              <a:t>20/02/2019</a:t>
+              <a:t>21/03/2019</a:t>
             </a:fld>
             <a:endParaRPr lang="es-MX"/>
           </a:p>
@@ -1646,7 +1652,7 @@
           <a:p>
             <a:fld id="{E6CC3237-8847-4343-A080-4AA6270D17F1}" type="datetimeFigureOut">
               <a:rPr lang="es-MX" smtClean="0"/>
-              <a:t>20/02/2019</a:t>
+              <a:t>21/03/2019</a:t>
             </a:fld>
             <a:endParaRPr lang="es-MX"/>
           </a:p>
@@ -1764,7 +1770,7 @@
           <a:p>
             <a:fld id="{E6CC3237-8847-4343-A080-4AA6270D17F1}" type="datetimeFigureOut">
               <a:rPr lang="es-MX" smtClean="0"/>
-              <a:t>20/02/2019</a:t>
+              <a:t>21/03/2019</a:t>
             </a:fld>
             <a:endParaRPr lang="es-MX"/>
           </a:p>
@@ -1859,7 +1865,7 @@
           <a:p>
             <a:fld id="{E6CC3237-8847-4343-A080-4AA6270D17F1}" type="datetimeFigureOut">
               <a:rPr lang="es-MX" smtClean="0"/>
-              <a:t>20/02/2019</a:t>
+              <a:t>21/03/2019</a:t>
             </a:fld>
             <a:endParaRPr lang="es-MX"/>
           </a:p>
@@ -2136,7 +2142,7 @@
           <a:p>
             <a:fld id="{E6CC3237-8847-4343-A080-4AA6270D17F1}" type="datetimeFigureOut">
               <a:rPr lang="es-MX" smtClean="0"/>
-              <a:t>20/02/2019</a:t>
+              <a:t>21/03/2019</a:t>
             </a:fld>
             <a:endParaRPr lang="es-MX"/>
           </a:p>
@@ -2389,7 +2395,7 @@
           <a:p>
             <a:fld id="{E6CC3237-8847-4343-A080-4AA6270D17F1}" type="datetimeFigureOut">
               <a:rPr lang="es-MX" smtClean="0"/>
-              <a:t>20/02/2019</a:t>
+              <a:t>21/03/2019</a:t>
             </a:fld>
             <a:endParaRPr lang="es-MX"/>
           </a:p>
@@ -2602,7 +2608,7 @@
           <a:p>
             <a:fld id="{E6CC3237-8847-4343-A080-4AA6270D17F1}" type="datetimeFigureOut">
               <a:rPr lang="es-MX" smtClean="0"/>
-              <a:t>20/02/2019</a:t>
+              <a:t>21/03/2019</a:t>
             </a:fld>
             <a:endParaRPr lang="es-MX"/>
           </a:p>
@@ -3172,23 +3178,16 @@
             <p:ph type="title"/>
           </p:nvPr>
         </p:nvSpPr>
-        <p:spPr>
-          <a:xfrm>
-            <a:off x="253999" y="365125"/>
-            <a:ext cx="11650133" cy="619125"/>
-          </a:xfrm>
-        </p:spPr>
-        <p:txBody>
-          <a:bodyPr>
-            <a:normAutofit fontScale="90000"/>
-          </a:bodyPr>
-          <a:lstStyle/>
-          <a:p>
-            <a:r>
-              <a:rPr lang="es-MX" sz="4000" b="1" dirty="0" smtClean="0"/>
-              <a:t>Ejemplo de un instrumento de medición poco confiable.</a:t>
-            </a:r>
-            <a:endParaRPr lang="es-MX" sz="4000" b="1" dirty="0"/>
+        <p:spPr/>
+        <p:txBody>
+          <a:bodyPr/>
+          <a:lstStyle/>
+          <a:p>
+            <a:r>
+              <a:rPr lang="es-MX" b="1" dirty="0" smtClean="0"/>
+              <a:t>Acerca de la Confiabilidad</a:t>
+            </a:r>
+            <a:endParaRPr lang="es-MX" b="1" dirty="0"/>
           </a:p>
         </p:txBody>
       </p:sp>
@@ -3202,81 +3201,72 @@
             <p:ph idx="1"/>
           </p:nvPr>
         </p:nvSpPr>
-        <p:spPr>
-          <a:xfrm>
-            <a:off x="347133" y="1202530"/>
-            <a:ext cx="11556999" cy="5132389"/>
-          </a:xfrm>
-        </p:spPr>
+        <p:spPr/>
         <p:txBody>
           <a:bodyPr>
             <a:normAutofit/>
           </a:bodyPr>
           <a:lstStyle/>
           <a:p>
-            <a:pPr marL="0" indent="0">
+            <a:r>
+              <a:rPr lang="es-MX" b="1" dirty="0" smtClean="0"/>
+              <a:t>Definición:</a:t>
+            </a:r>
+          </a:p>
+          <a:p>
+            <a:pPr marL="457200" lvl="1" indent="0">
               <a:buNone/>
             </a:pPr>
             <a:r>
               <a:rPr lang="es-MX" dirty="0" smtClean="0"/>
-              <a:t>Imagina que se mide </a:t>
+              <a:t>Implica evaluar la </a:t>
             </a:r>
             <a:r>
               <a:rPr lang="es-MX" b="1" dirty="0" smtClean="0"/>
-              <a:t>la estatura </a:t>
+              <a:t>precisión</a:t>
             </a:r>
             <a:r>
               <a:rPr lang="es-MX" dirty="0" smtClean="0"/>
-              <a:t>de un grupo de niños de preescolar en dos semanas distintas y se obtienen los siguientes valores (cm)</a:t>
-            </a:r>
-          </a:p>
-          <a:p>
-            <a:pPr marL="0" indent="0">
-              <a:buNone/>
-            </a:pPr>
+              <a:t> con la que mi instrumento está midiendo mi variable de interés.</a:t>
+            </a:r>
             <a:endParaRPr lang="es-MX" dirty="0"/>
           </a:p>
           <a:p>
-            <a:pPr marL="0" indent="0">
-              <a:buNone/>
-            </a:pPr>
-            <a:endParaRPr lang="es-MX" dirty="0" smtClean="0"/>
-          </a:p>
-          <a:p>
-            <a:pPr marL="0" indent="0">
-              <a:buNone/>
-            </a:pPr>
-            <a:endParaRPr lang="es-MX" dirty="0"/>
-          </a:p>
-          <a:p>
-            <a:pPr marL="0" indent="0">
-              <a:buNone/>
-            </a:pPr>
-            <a:endParaRPr lang="es-MX" dirty="0" smtClean="0"/>
-          </a:p>
-          <a:p>
-            <a:pPr marL="0" indent="0">
-              <a:buNone/>
-            </a:pPr>
-            <a:endParaRPr lang="es-MX" dirty="0"/>
-          </a:p>
-          <a:p>
-            <a:pPr marL="0" indent="0">
-              <a:buNone/>
-            </a:pPr>
-            <a:endParaRPr lang="es-MX" dirty="0" smtClean="0"/>
-          </a:p>
-          <a:p>
-            <a:pPr marL="0" indent="0">
-              <a:buNone/>
-            </a:pPr>
-            <a:endParaRPr lang="es-MX" dirty="0"/>
-          </a:p>
-        </p:txBody>
-      </p:sp>
-      <p:sp>
-        <p:nvSpPr>
-          <p:cNvPr id="6" name="Rectángulo 5"/>
+            <a:endParaRPr lang="es-MX" b="1" dirty="0" smtClean="0"/>
+          </a:p>
+          <a:p>
+            <a:r>
+              <a:rPr lang="es-MX" b="1" dirty="0" smtClean="0"/>
+              <a:t>¿Cómo se evalúa?</a:t>
+            </a:r>
+          </a:p>
+          <a:p>
+            <a:pPr lvl="1"/>
+            <a:r>
+              <a:rPr lang="es-MX" b="1" u="sng" dirty="0" smtClean="0"/>
+              <a:t>Comparando las puntuaciones asignadas a un mismo objeto en dos momentos (</a:t>
+            </a:r>
+            <a:r>
+              <a:rPr lang="es-MX" b="1" i="1" u="sng" dirty="0" smtClean="0"/>
+              <a:t>cercanos en el tiempo</a:t>
+            </a:r>
+            <a:r>
+              <a:rPr lang="es-MX" b="1" u="sng" dirty="0" smtClean="0"/>
+              <a:t>)</a:t>
+            </a:r>
+          </a:p>
+          <a:p>
+            <a:pPr lvl="1"/>
+            <a:r>
+              <a:rPr lang="es-MX" dirty="0" smtClean="0"/>
+              <a:t>Comparando las puntuaciones obtenidas por dos personas distintas cuando se juzga un mismo objeto</a:t>
+            </a:r>
+          </a:p>
+        </p:txBody>
+      </p:sp>
+      <p:sp>
+        <p:nvSpPr>
+          <p:cNvPr id="4" name="Rectángulo 3"/>
           <p:cNvSpPr/>
           <p:nvPr/>
         </p:nvSpPr>
@@ -3289,8 +3279,8 @@
             <a:avLst/>
           </a:prstGeom>
           <a:solidFill>
-            <a:schemeClr val="bg1">
-              <a:lumMod val="50000"/>
+            <a:schemeClr val="bg2">
+              <a:lumMod val="10000"/>
             </a:schemeClr>
           </a:solidFill>
           <a:ln>
@@ -3326,7 +3316,7 @@
       </p:sp>
       <p:sp>
         <p:nvSpPr>
-          <p:cNvPr id="7" name="Rectángulo 6"/>
+          <p:cNvPr id="5" name="Rectángulo 4"/>
           <p:cNvSpPr/>
           <p:nvPr/>
         </p:nvSpPr>
@@ -3339,8 +3329,8 @@
             <a:avLst/>
           </a:prstGeom>
           <a:solidFill>
-            <a:schemeClr val="bg1">
-              <a:lumMod val="50000"/>
+            <a:schemeClr val="bg2">
+              <a:lumMod val="10000"/>
             </a:schemeClr>
           </a:solidFill>
           <a:ln>
@@ -3374,34 +3364,10 @@
           </a:p>
         </p:txBody>
       </p:sp>
-      <p:pic>
-        <p:nvPicPr>
-          <p:cNvPr id="8" name="Imagen 7"/>
-          <p:cNvPicPr>
-            <a:picLocks noChangeAspect="1"/>
-          </p:cNvPicPr>
-          <p:nvPr/>
-        </p:nvPicPr>
-        <p:blipFill>
-          <a:blip r:embed="rId2"/>
-          <a:stretch>
-            <a:fillRect/>
-          </a:stretch>
-        </p:blipFill>
-        <p:spPr>
-          <a:xfrm>
-            <a:off x="2430990" y="2362729"/>
-            <a:ext cx="7296150" cy="3114675"/>
-          </a:xfrm>
-          <a:prstGeom prst="rect">
-            <a:avLst/>
-          </a:prstGeom>
-        </p:spPr>
-      </p:pic>
     </p:spTree>
     <p:extLst>
       <p:ext uri="{BB962C8B-B14F-4D97-AF65-F5344CB8AC3E}">
-        <p14:creationId xmlns:p14="http://schemas.microsoft.com/office/powerpoint/2010/main" val="2718682507"/>
+        <p14:creationId xmlns:p14="http://schemas.microsoft.com/office/powerpoint/2010/main" val="2031060468"/>
       </p:ext>
     </p:extLst>
   </p:cSld>
@@ -3460,6 +3426,88 @@
       </p:sp>
       <p:sp>
         <p:nvSpPr>
+          <p:cNvPr id="3" name="Marcador de contenido 2"/>
+          <p:cNvSpPr>
+            <a:spLocks noGrp="1"/>
+          </p:cNvSpPr>
+          <p:nvPr>
+            <p:ph idx="1"/>
+          </p:nvPr>
+        </p:nvSpPr>
+        <p:spPr>
+          <a:xfrm>
+            <a:off x="347133" y="1202530"/>
+            <a:ext cx="11556999" cy="5132389"/>
+          </a:xfrm>
+        </p:spPr>
+        <p:txBody>
+          <a:bodyPr>
+            <a:normAutofit/>
+          </a:bodyPr>
+          <a:lstStyle/>
+          <a:p>
+            <a:pPr marL="0" indent="0">
+              <a:buNone/>
+            </a:pPr>
+            <a:r>
+              <a:rPr lang="es-MX" dirty="0" smtClean="0"/>
+              <a:t>Imagina que se mide </a:t>
+            </a:r>
+            <a:r>
+              <a:rPr lang="es-MX" b="1" dirty="0" smtClean="0"/>
+              <a:t>la estatura </a:t>
+            </a:r>
+            <a:r>
+              <a:rPr lang="es-MX" dirty="0" smtClean="0"/>
+              <a:t>de un grupo de niños de preescolar en dos semanas distintas y se obtienen los siguientes valores (cm)</a:t>
+            </a:r>
+          </a:p>
+          <a:p>
+            <a:pPr marL="0" indent="0">
+              <a:buNone/>
+            </a:pPr>
+            <a:endParaRPr lang="es-MX" dirty="0"/>
+          </a:p>
+          <a:p>
+            <a:pPr marL="0" indent="0">
+              <a:buNone/>
+            </a:pPr>
+            <a:endParaRPr lang="es-MX" dirty="0" smtClean="0"/>
+          </a:p>
+          <a:p>
+            <a:pPr marL="0" indent="0">
+              <a:buNone/>
+            </a:pPr>
+            <a:endParaRPr lang="es-MX" dirty="0"/>
+          </a:p>
+          <a:p>
+            <a:pPr marL="0" indent="0">
+              <a:buNone/>
+            </a:pPr>
+            <a:endParaRPr lang="es-MX" dirty="0" smtClean="0"/>
+          </a:p>
+          <a:p>
+            <a:pPr marL="0" indent="0">
+              <a:buNone/>
+            </a:pPr>
+            <a:endParaRPr lang="es-MX" dirty="0"/>
+          </a:p>
+          <a:p>
+            <a:pPr marL="0" indent="0">
+              <a:buNone/>
+            </a:pPr>
+            <a:endParaRPr lang="es-MX" dirty="0" smtClean="0"/>
+          </a:p>
+          <a:p>
+            <a:pPr marL="0" indent="0">
+              <a:buNone/>
+            </a:pPr>
+            <a:endParaRPr lang="es-MX" dirty="0"/>
+          </a:p>
+        </p:txBody>
+      </p:sp>
+      <p:sp>
+        <p:nvSpPr>
           <p:cNvPr id="6" name="Rectángulo 5"/>
           <p:cNvSpPr/>
           <p:nvPr/>
@@ -3558,28 +3606,9 @@
           </a:p>
         </p:txBody>
       </p:sp>
-      <p:sp>
-        <p:nvSpPr>
-          <p:cNvPr id="4" name="Marcador de contenido 3"/>
-          <p:cNvSpPr>
-            <a:spLocks noGrp="1"/>
-          </p:cNvSpPr>
-          <p:nvPr>
-            <p:ph idx="1"/>
-          </p:nvPr>
-        </p:nvSpPr>
-        <p:spPr/>
-        <p:txBody>
-          <a:bodyPr/>
-          <a:lstStyle/>
-          <a:p>
-            <a:endParaRPr lang="es-MX"/>
-          </a:p>
-        </p:txBody>
-      </p:sp>
       <p:pic>
         <p:nvPicPr>
-          <p:cNvPr id="9" name="Imagen 8"/>
+          <p:cNvPr id="8" name="Imagen 7"/>
           <p:cNvPicPr>
             <a:picLocks noChangeAspect="1"/>
           </p:cNvPicPr>
@@ -3593,32 +3622,8 @@
         </p:blipFill>
         <p:spPr>
           <a:xfrm>
-            <a:off x="5174648" y="1360487"/>
-            <a:ext cx="6729484" cy="4697942"/>
-          </a:xfrm>
-          <a:prstGeom prst="rect">
-            <a:avLst/>
-          </a:prstGeom>
-        </p:spPr>
-      </p:pic>
-      <p:pic>
-        <p:nvPicPr>
-          <p:cNvPr id="10" name="Imagen 9"/>
-          <p:cNvPicPr>
-            <a:picLocks noChangeAspect="1"/>
-          </p:cNvPicPr>
-          <p:nvPr/>
-        </p:nvPicPr>
-        <p:blipFill>
-          <a:blip r:embed="rId3"/>
-          <a:stretch>
-            <a:fillRect/>
-          </a:stretch>
-        </p:blipFill>
-        <p:spPr>
-          <a:xfrm>
-            <a:off x="287868" y="2853267"/>
-            <a:ext cx="4738902" cy="2023004"/>
+            <a:off x="2430990" y="2362729"/>
+            <a:ext cx="7296150" cy="3114675"/>
           </a:xfrm>
           <a:prstGeom prst="rect">
             <a:avLst/>
@@ -3628,7 +3633,7 @@
     </p:spTree>
     <p:extLst>
       <p:ext uri="{BB962C8B-B14F-4D97-AF65-F5344CB8AC3E}">
-        <p14:creationId xmlns:p14="http://schemas.microsoft.com/office/powerpoint/2010/main" val="1783963453"/>
+        <p14:creationId xmlns:p14="http://schemas.microsoft.com/office/powerpoint/2010/main" val="2718682507"/>
       </p:ext>
     </p:extLst>
   </p:cSld>
@@ -3665,96 +3670,29 @@
             <p:ph type="title"/>
           </p:nvPr>
         </p:nvSpPr>
-        <p:spPr/>
-        <p:txBody>
-          <a:bodyPr/>
-          <a:lstStyle/>
-          <a:p>
-            <a:r>
-              <a:rPr lang="es-MX" b="1" dirty="0" smtClean="0"/>
-              <a:t>Acerca de la Confiabilidad</a:t>
-            </a:r>
-            <a:endParaRPr lang="es-MX" b="1" dirty="0"/>
-          </a:p>
-        </p:txBody>
-      </p:sp>
-      <p:sp>
-        <p:nvSpPr>
-          <p:cNvPr id="3" name="Marcador de contenido 2"/>
-          <p:cNvSpPr>
-            <a:spLocks noGrp="1"/>
-          </p:cNvSpPr>
-          <p:nvPr>
-            <p:ph idx="1"/>
-          </p:nvPr>
-        </p:nvSpPr>
-        <p:spPr/>
+        <p:spPr>
+          <a:xfrm>
+            <a:off x="253999" y="365125"/>
+            <a:ext cx="11650133" cy="619125"/>
+          </a:xfrm>
+        </p:spPr>
         <p:txBody>
           <a:bodyPr>
-            <a:normAutofit/>
+            <a:normAutofit fontScale="90000"/>
           </a:bodyPr>
           <a:lstStyle/>
           <a:p>
             <a:r>
-              <a:rPr lang="es-MX" b="1" dirty="0" smtClean="0"/>
-              <a:t>Definición:</a:t>
-            </a:r>
-            <a:endParaRPr lang="es-MX" b="1" dirty="0" smtClean="0"/>
-          </a:p>
-          <a:p>
-            <a:pPr marL="457200" lvl="1" indent="0">
-              <a:buNone/>
-            </a:pPr>
-            <a:r>
-              <a:rPr lang="es-MX" dirty="0" smtClean="0"/>
-              <a:t>Implica evaluar la </a:t>
-            </a:r>
-            <a:r>
-              <a:rPr lang="es-MX" b="1" dirty="0" smtClean="0"/>
-              <a:t>precisión</a:t>
-            </a:r>
-            <a:r>
-              <a:rPr lang="es-MX" dirty="0" smtClean="0"/>
-              <a:t> con la que mi instrumento está midiendo mi variable de interés.</a:t>
-            </a:r>
-            <a:endParaRPr lang="es-MX" dirty="0"/>
-          </a:p>
-          <a:p>
-            <a:endParaRPr lang="es-MX" b="1" dirty="0" smtClean="0"/>
-          </a:p>
-          <a:p>
-            <a:r>
-              <a:rPr lang="es-MX" b="1" dirty="0" smtClean="0"/>
-              <a:t>¿Cómo se evalúa?</a:t>
-            </a:r>
-          </a:p>
-          <a:p>
-            <a:pPr lvl="1"/>
-            <a:r>
-              <a:rPr lang="es-MX" dirty="0" smtClean="0"/>
-              <a:t>Comparando las puntuaciones asignadas a un mismo objeto en dos momentos (</a:t>
-            </a:r>
-            <a:r>
-              <a:rPr lang="es-MX" i="1" dirty="0" smtClean="0"/>
-              <a:t>cercanos en el tiempo</a:t>
-            </a:r>
-            <a:r>
-              <a:rPr lang="es-MX" dirty="0" smtClean="0"/>
-              <a:t>)</a:t>
-            </a:r>
-          </a:p>
-          <a:p>
-            <a:pPr lvl="1"/>
-            <a:r>
-              <a:rPr lang="es-MX" b="1" u="sng" dirty="0"/>
-              <a:t>Comparando las puntuaciones obtenidas por dos personas distintas cuando se juzga un mismo objeto</a:t>
-            </a:r>
-          </a:p>
-        </p:txBody>
-      </p:sp>
-      <p:sp>
-        <p:nvSpPr>
-          <p:cNvPr id="4" name="Rectángulo 3"/>
+              <a:rPr lang="es-MX" sz="4000" b="1" dirty="0" smtClean="0"/>
+              <a:t>Ejemplo de un instrumento de medición poco confiable.</a:t>
+            </a:r>
+            <a:endParaRPr lang="es-MX" sz="4000" b="1" dirty="0"/>
+          </a:p>
+        </p:txBody>
+      </p:sp>
+      <p:sp>
+        <p:nvSpPr>
+          <p:cNvPr id="6" name="Rectángulo 5"/>
           <p:cNvSpPr/>
           <p:nvPr/>
         </p:nvSpPr>
@@ -3767,8 +3705,8 @@
             <a:avLst/>
           </a:prstGeom>
           <a:solidFill>
-            <a:schemeClr val="bg2">
-              <a:lumMod val="10000"/>
+            <a:schemeClr val="bg1">
+              <a:lumMod val="50000"/>
             </a:schemeClr>
           </a:solidFill>
           <a:ln>
@@ -3804,7 +3742,7 @@
       </p:sp>
       <p:sp>
         <p:nvSpPr>
-          <p:cNvPr id="5" name="Rectángulo 4"/>
+          <p:cNvPr id="7" name="Rectángulo 6"/>
           <p:cNvSpPr/>
           <p:nvPr/>
         </p:nvSpPr>
@@ -3817,8 +3755,8 @@
             <a:avLst/>
           </a:prstGeom>
           <a:solidFill>
-            <a:schemeClr val="bg2">
-              <a:lumMod val="10000"/>
+            <a:schemeClr val="bg1">
+              <a:lumMod val="50000"/>
             </a:schemeClr>
           </a:solidFill>
           <a:ln>
@@ -3852,10 +3790,77 @@
           </a:p>
         </p:txBody>
       </p:sp>
+      <p:sp>
+        <p:nvSpPr>
+          <p:cNvPr id="4" name="Marcador de contenido 3"/>
+          <p:cNvSpPr>
+            <a:spLocks noGrp="1"/>
+          </p:cNvSpPr>
+          <p:nvPr>
+            <p:ph idx="1"/>
+          </p:nvPr>
+        </p:nvSpPr>
+        <p:spPr/>
+        <p:txBody>
+          <a:bodyPr/>
+          <a:lstStyle/>
+          <a:p>
+            <a:endParaRPr lang="es-MX"/>
+          </a:p>
+        </p:txBody>
+      </p:sp>
+      <p:pic>
+        <p:nvPicPr>
+          <p:cNvPr id="9" name="Imagen 8"/>
+          <p:cNvPicPr>
+            <a:picLocks noChangeAspect="1"/>
+          </p:cNvPicPr>
+          <p:nvPr/>
+        </p:nvPicPr>
+        <p:blipFill>
+          <a:blip r:embed="rId2"/>
+          <a:stretch>
+            <a:fillRect/>
+          </a:stretch>
+        </p:blipFill>
+        <p:spPr>
+          <a:xfrm>
+            <a:off x="5174648" y="1360487"/>
+            <a:ext cx="6729484" cy="4697942"/>
+          </a:xfrm>
+          <a:prstGeom prst="rect">
+            <a:avLst/>
+          </a:prstGeom>
+        </p:spPr>
+      </p:pic>
+      <p:pic>
+        <p:nvPicPr>
+          <p:cNvPr id="10" name="Imagen 9"/>
+          <p:cNvPicPr>
+            <a:picLocks noChangeAspect="1"/>
+          </p:cNvPicPr>
+          <p:nvPr/>
+        </p:nvPicPr>
+        <p:blipFill>
+          <a:blip r:embed="rId3"/>
+          <a:stretch>
+            <a:fillRect/>
+          </a:stretch>
+        </p:blipFill>
+        <p:spPr>
+          <a:xfrm>
+            <a:off x="287868" y="2853267"/>
+            <a:ext cx="4738902" cy="2023004"/>
+          </a:xfrm>
+          <a:prstGeom prst="rect">
+            <a:avLst/>
+          </a:prstGeom>
+        </p:spPr>
+      </p:pic>
     </p:spTree>
     <p:extLst>
       <p:ext uri="{BB962C8B-B14F-4D97-AF65-F5344CB8AC3E}">
-        <p14:creationId xmlns:p14="http://schemas.microsoft.com/office/powerpoint/2010/main" val="2541248599"/>
+        <p14:creationId xmlns:p14="http://schemas.microsoft.com/office/powerpoint/2010/main" val="1783963453"/>
       </p:ext>
     </p:extLst>
   </p:cSld>
@@ -3892,29 +3897,95 @@
             <p:ph type="title"/>
           </p:nvPr>
         </p:nvSpPr>
-        <p:spPr>
-          <a:xfrm>
-            <a:off x="253999" y="365125"/>
-            <a:ext cx="11650133" cy="619125"/>
-          </a:xfrm>
-        </p:spPr>
+        <p:spPr/>
+        <p:txBody>
+          <a:bodyPr/>
+          <a:lstStyle/>
+          <a:p>
+            <a:r>
+              <a:rPr lang="es-MX" b="1" dirty="0" smtClean="0"/>
+              <a:t>Acerca de la Confiabilidad</a:t>
+            </a:r>
+            <a:endParaRPr lang="es-MX" b="1" dirty="0"/>
+          </a:p>
+        </p:txBody>
+      </p:sp>
+      <p:sp>
+        <p:nvSpPr>
+          <p:cNvPr id="3" name="Marcador de contenido 2"/>
+          <p:cNvSpPr>
+            <a:spLocks noGrp="1"/>
+          </p:cNvSpPr>
+          <p:nvPr>
+            <p:ph idx="1"/>
+          </p:nvPr>
+        </p:nvSpPr>
+        <p:spPr/>
         <p:txBody>
           <a:bodyPr>
-            <a:normAutofit fontScale="90000"/>
+            <a:normAutofit/>
           </a:bodyPr>
           <a:lstStyle/>
           <a:p>
             <a:r>
-              <a:rPr lang="es-MX" sz="4000" b="1" dirty="0" smtClean="0"/>
-              <a:t>Ejemplo de un instrumento de medición poco confiable.</a:t>
-            </a:r>
-            <a:endParaRPr lang="es-MX" sz="4000" b="1" dirty="0"/>
-          </a:p>
-        </p:txBody>
-      </p:sp>
-      <p:sp>
-        <p:nvSpPr>
-          <p:cNvPr id="6" name="Rectángulo 5"/>
+              <a:rPr lang="es-MX" b="1" dirty="0" smtClean="0"/>
+              <a:t>Definición:</a:t>
+            </a:r>
+          </a:p>
+          <a:p>
+            <a:pPr marL="457200" lvl="1" indent="0">
+              <a:buNone/>
+            </a:pPr>
+            <a:r>
+              <a:rPr lang="es-MX" dirty="0" smtClean="0"/>
+              <a:t>Implica evaluar la </a:t>
+            </a:r>
+            <a:r>
+              <a:rPr lang="es-MX" b="1" dirty="0" smtClean="0"/>
+              <a:t>precisión</a:t>
+            </a:r>
+            <a:r>
+              <a:rPr lang="es-MX" dirty="0" smtClean="0"/>
+              <a:t> con la que mi instrumento está midiendo mi variable de interés.</a:t>
+            </a:r>
+            <a:endParaRPr lang="es-MX" dirty="0"/>
+          </a:p>
+          <a:p>
+            <a:endParaRPr lang="es-MX" b="1" dirty="0" smtClean="0"/>
+          </a:p>
+          <a:p>
+            <a:r>
+              <a:rPr lang="es-MX" b="1" dirty="0" smtClean="0"/>
+              <a:t>¿Cómo se evalúa?</a:t>
+            </a:r>
+          </a:p>
+          <a:p>
+            <a:pPr lvl="1"/>
+            <a:r>
+              <a:rPr lang="es-MX" dirty="0" smtClean="0"/>
+              <a:t>Comparando las puntuaciones asignadas a un mismo objeto en dos momentos (</a:t>
+            </a:r>
+            <a:r>
+              <a:rPr lang="es-MX" i="1" dirty="0" smtClean="0"/>
+              <a:t>cercanos en el tiempo</a:t>
+            </a:r>
+            <a:r>
+              <a:rPr lang="es-MX" dirty="0" smtClean="0"/>
+              <a:t>)</a:t>
+            </a:r>
+          </a:p>
+          <a:p>
+            <a:pPr lvl="1"/>
+            <a:r>
+              <a:rPr lang="es-MX" b="1" u="sng" dirty="0"/>
+              <a:t>Comparando las puntuaciones obtenidas por dos personas distintas cuando se juzga un mismo objeto</a:t>
+            </a:r>
+          </a:p>
+        </p:txBody>
+      </p:sp>
+      <p:sp>
+        <p:nvSpPr>
+          <p:cNvPr id="4" name="Rectángulo 3"/>
           <p:cNvSpPr/>
           <p:nvPr/>
         </p:nvSpPr>
@@ -3927,8 +3998,8 @@
             <a:avLst/>
           </a:prstGeom>
           <a:solidFill>
-            <a:schemeClr val="bg1">
-              <a:lumMod val="50000"/>
+            <a:schemeClr val="bg2">
+              <a:lumMod val="10000"/>
             </a:schemeClr>
           </a:solidFill>
           <a:ln>
@@ -3964,7 +4035,7 @@
       </p:sp>
       <p:sp>
         <p:nvSpPr>
-          <p:cNvPr id="7" name="Rectángulo 6"/>
+          <p:cNvPr id="5" name="Rectángulo 4"/>
           <p:cNvSpPr/>
           <p:nvPr/>
         </p:nvSpPr>
@@ -3977,8 +4048,8 @@
             <a:avLst/>
           </a:prstGeom>
           <a:solidFill>
-            <a:schemeClr val="bg1">
-              <a:lumMod val="50000"/>
+            <a:schemeClr val="bg2">
+              <a:lumMod val="10000"/>
             </a:schemeClr>
           </a:solidFill>
           <a:ln>
@@ -4012,253 +4083,10 @@
           </a:p>
         </p:txBody>
       </p:sp>
-      <p:sp>
-        <p:nvSpPr>
-          <p:cNvPr id="4" name="Marcador de contenido 3"/>
-          <p:cNvSpPr>
-            <a:spLocks noGrp="1"/>
-          </p:cNvSpPr>
-          <p:nvPr>
-            <p:ph idx="1"/>
-          </p:nvPr>
-        </p:nvSpPr>
-        <p:spPr/>
-        <p:txBody>
-          <a:bodyPr/>
-          <a:lstStyle/>
-          <a:p>
-            <a:endParaRPr lang="es-MX" dirty="0"/>
-          </a:p>
-        </p:txBody>
-      </p:sp>
-      <p:pic>
-        <p:nvPicPr>
-          <p:cNvPr id="9" name="Imagen 8"/>
-          <p:cNvPicPr>
-            <a:picLocks noChangeAspect="1"/>
-          </p:cNvPicPr>
-          <p:nvPr/>
-        </p:nvPicPr>
-        <p:blipFill>
-          <a:blip r:embed="rId2"/>
-          <a:stretch>
-            <a:fillRect/>
-          </a:stretch>
-        </p:blipFill>
-        <p:spPr>
-          <a:xfrm>
-            <a:off x="5242382" y="1360487"/>
-            <a:ext cx="6729484" cy="4697942"/>
-          </a:xfrm>
-          <a:prstGeom prst="rect">
-            <a:avLst/>
-          </a:prstGeom>
-        </p:spPr>
-      </p:pic>
-      <p:pic>
-        <p:nvPicPr>
-          <p:cNvPr id="10" name="Imagen 9"/>
-          <p:cNvPicPr>
-            <a:picLocks noChangeAspect="1"/>
-          </p:cNvPicPr>
-          <p:nvPr/>
-        </p:nvPicPr>
-        <p:blipFill>
-          <a:blip r:embed="rId3"/>
-          <a:stretch>
-            <a:fillRect/>
-          </a:stretch>
-        </p:blipFill>
-        <p:spPr>
-          <a:xfrm>
-            <a:off x="144515" y="2667001"/>
-            <a:ext cx="4738902" cy="2023004"/>
-          </a:xfrm>
-          <a:prstGeom prst="rect">
-            <a:avLst/>
-          </a:prstGeom>
-        </p:spPr>
-      </p:pic>
-      <p:sp>
-        <p:nvSpPr>
-          <p:cNvPr id="3" name="Rectángulo 2"/>
-          <p:cNvSpPr/>
-          <p:nvPr/>
-        </p:nvSpPr>
-        <p:spPr>
-          <a:xfrm>
-            <a:off x="246114" y="2667001"/>
-            <a:ext cx="2218265" cy="237066"/>
-          </a:xfrm>
-          <a:prstGeom prst="rect">
-            <a:avLst/>
-          </a:prstGeom>
-        </p:spPr>
-        <p:style>
-          <a:lnRef idx="2">
-            <a:schemeClr val="accent1">
-              <a:shade val="50000"/>
-            </a:schemeClr>
-          </a:lnRef>
-          <a:fillRef idx="1">
-            <a:schemeClr val="accent1"/>
-          </a:fillRef>
-          <a:effectRef idx="0">
-            <a:schemeClr val="accent1"/>
-          </a:effectRef>
-          <a:fontRef idx="minor">
-            <a:schemeClr val="lt1"/>
-          </a:fontRef>
-        </p:style>
-        <p:txBody>
-          <a:bodyPr rtlCol="0" anchor="ctr"/>
-          <a:lstStyle/>
-          <a:p>
-            <a:pPr algn="ctr"/>
-            <a:r>
-              <a:rPr lang="es-MX" dirty="0" smtClean="0"/>
-              <a:t>Enfermera Experta</a:t>
-            </a:r>
-            <a:endParaRPr lang="es-MX" dirty="0"/>
-          </a:p>
-        </p:txBody>
-      </p:sp>
-      <p:sp>
-        <p:nvSpPr>
-          <p:cNvPr id="11" name="Rectángulo 10"/>
-          <p:cNvSpPr/>
-          <p:nvPr/>
-        </p:nvSpPr>
-        <p:spPr>
-          <a:xfrm>
-            <a:off x="2612257" y="2667001"/>
-            <a:ext cx="2218265" cy="237066"/>
-          </a:xfrm>
-          <a:prstGeom prst="rect">
-            <a:avLst/>
-          </a:prstGeom>
-        </p:spPr>
-        <p:style>
-          <a:lnRef idx="2">
-            <a:schemeClr val="accent1">
-              <a:shade val="50000"/>
-            </a:schemeClr>
-          </a:lnRef>
-          <a:fillRef idx="1">
-            <a:schemeClr val="accent1"/>
-          </a:fillRef>
-          <a:effectRef idx="0">
-            <a:schemeClr val="accent1"/>
-          </a:effectRef>
-          <a:fontRef idx="minor">
-            <a:schemeClr val="lt1"/>
-          </a:fontRef>
-        </p:style>
-        <p:txBody>
-          <a:bodyPr rtlCol="0" anchor="ctr"/>
-          <a:lstStyle/>
-          <a:p>
-            <a:pPr algn="ctr"/>
-            <a:r>
-              <a:rPr lang="es-MX" dirty="0" smtClean="0"/>
-              <a:t>Enfermera Novata</a:t>
-            </a:r>
-            <a:endParaRPr lang="es-MX" dirty="0"/>
-          </a:p>
-        </p:txBody>
-      </p:sp>
-      <p:sp>
-        <p:nvSpPr>
-          <p:cNvPr id="12" name="Rectángulo 11"/>
-          <p:cNvSpPr/>
-          <p:nvPr/>
-        </p:nvSpPr>
-        <p:spPr>
-          <a:xfrm>
-            <a:off x="7662334" y="5898358"/>
-            <a:ext cx="2218265" cy="237066"/>
-          </a:xfrm>
-          <a:prstGeom prst="rect">
-            <a:avLst/>
-          </a:prstGeom>
-        </p:spPr>
-        <p:style>
-          <a:lnRef idx="2">
-            <a:schemeClr val="accent1">
-              <a:shade val="50000"/>
-            </a:schemeClr>
-          </a:lnRef>
-          <a:fillRef idx="1">
-            <a:schemeClr val="accent1"/>
-          </a:fillRef>
-          <a:effectRef idx="0">
-            <a:schemeClr val="accent1"/>
-          </a:effectRef>
-          <a:fontRef idx="minor">
-            <a:schemeClr val="lt1"/>
-          </a:fontRef>
-        </p:style>
-        <p:txBody>
-          <a:bodyPr rtlCol="0" anchor="ctr"/>
-          <a:lstStyle/>
-          <a:p>
-            <a:pPr algn="ctr"/>
-            <a:r>
-              <a:rPr lang="es-MX" dirty="0" smtClean="0"/>
-              <a:t>Enfermera Experta</a:t>
-            </a:r>
-            <a:endParaRPr lang="es-MX" dirty="0"/>
-          </a:p>
-        </p:txBody>
-      </p:sp>
-      <p:sp>
-        <p:nvSpPr>
-          <p:cNvPr id="13" name="Rectángulo 12"/>
-          <p:cNvSpPr/>
-          <p:nvPr/>
-        </p:nvSpPr>
-        <p:spPr>
-          <a:xfrm rot="16200000">
-            <a:off x="4186145" y="3462339"/>
-            <a:ext cx="2218265" cy="237066"/>
-          </a:xfrm>
-          <a:prstGeom prst="rect">
-            <a:avLst/>
-          </a:prstGeom>
-        </p:spPr>
-        <p:style>
-          <a:lnRef idx="2">
-            <a:schemeClr val="accent1">
-              <a:shade val="50000"/>
-            </a:schemeClr>
-          </a:lnRef>
-          <a:fillRef idx="1">
-            <a:schemeClr val="accent1"/>
-          </a:fillRef>
-          <a:effectRef idx="0">
-            <a:schemeClr val="accent1"/>
-          </a:effectRef>
-          <a:fontRef idx="minor">
-            <a:schemeClr val="lt1"/>
-          </a:fontRef>
-        </p:style>
-        <p:txBody>
-          <a:bodyPr rtlCol="0" anchor="ctr"/>
-          <a:lstStyle/>
-          <a:p>
-            <a:pPr algn="ctr"/>
-            <a:r>
-              <a:rPr lang="es-MX" dirty="0" smtClean="0"/>
-              <a:t>Enfermera Novata</a:t>
-            </a:r>
-            <a:endParaRPr lang="es-MX" dirty="0"/>
-          </a:p>
-        </p:txBody>
-      </p:sp>
     </p:spTree>
     <p:extLst>
       <p:ext uri="{BB962C8B-B14F-4D97-AF65-F5344CB8AC3E}">
-        <p14:creationId xmlns:p14="http://schemas.microsoft.com/office/powerpoint/2010/main" val="3018948716"/>
+        <p14:creationId xmlns:p14="http://schemas.microsoft.com/office/powerpoint/2010/main" val="2541248599"/>
       </p:ext>
     </p:extLst>
   </p:cSld>
@@ -4295,110 +4123,29 @@
             <p:ph type="title"/>
           </p:nvPr>
         </p:nvSpPr>
-        <p:spPr/>
-        <p:txBody>
-          <a:bodyPr/>
-          <a:lstStyle/>
-          <a:p>
-            <a:r>
-              <a:rPr lang="es-MX" b="1" dirty="0" smtClean="0"/>
-              <a:t>Acerca de la Confiabilidad</a:t>
-            </a:r>
-            <a:endParaRPr lang="es-MX" b="1" dirty="0"/>
-          </a:p>
-        </p:txBody>
-      </p:sp>
-      <p:sp>
-        <p:nvSpPr>
-          <p:cNvPr id="3" name="Marcador de contenido 2"/>
-          <p:cNvSpPr>
-            <a:spLocks noGrp="1"/>
-          </p:cNvSpPr>
-          <p:nvPr>
-            <p:ph idx="1"/>
-          </p:nvPr>
-        </p:nvSpPr>
-        <p:spPr/>
+        <p:spPr>
+          <a:xfrm>
+            <a:off x="253999" y="365125"/>
+            <a:ext cx="11650133" cy="619125"/>
+          </a:xfrm>
+        </p:spPr>
         <p:txBody>
           <a:bodyPr>
-            <a:normAutofit/>
+            <a:normAutofit fontScale="90000"/>
           </a:bodyPr>
           <a:lstStyle/>
           <a:p>
             <a:r>
-              <a:rPr lang="es-MX" dirty="0" smtClean="0"/>
-              <a:t>La </a:t>
-            </a:r>
-            <a:r>
-              <a:rPr lang="es-MX" b="1" dirty="0" smtClean="0"/>
-              <a:t>comparación</a:t>
-            </a:r>
-            <a:r>
-              <a:rPr lang="es-MX" dirty="0"/>
-              <a:t> </a:t>
-            </a:r>
-            <a:r>
-              <a:rPr lang="es-MX" dirty="0" smtClean="0"/>
-              <a:t>entre dos medidas que se realiza para valorar la </a:t>
-            </a:r>
-            <a:r>
-              <a:rPr lang="es-MX" b="1" dirty="0" smtClean="0"/>
-              <a:t>confiabilidad </a:t>
-            </a:r>
-            <a:r>
-              <a:rPr lang="es-MX" dirty="0" smtClean="0"/>
-              <a:t>de mi medición, se hace a partir de un </a:t>
-            </a:r>
-            <a:r>
-              <a:rPr lang="es-MX" b="1" dirty="0" smtClean="0"/>
-              <a:t>cálculo de su correlación.</a:t>
-            </a:r>
-          </a:p>
-          <a:p>
-            <a:endParaRPr lang="es-MX" b="1" dirty="0"/>
-          </a:p>
-          <a:p>
-            <a:r>
-              <a:rPr lang="es-MX" dirty="0" smtClean="0"/>
-              <a:t>En </a:t>
-            </a:r>
-            <a:r>
-              <a:rPr lang="es-MX" b="1" dirty="0" smtClean="0"/>
-              <a:t>estadística, </a:t>
-            </a:r>
-            <a:r>
-              <a:rPr lang="es-MX" dirty="0" smtClean="0"/>
-              <a:t>existen diversas fórmulas para calcular la </a:t>
-            </a:r>
-            <a:r>
-              <a:rPr lang="es-MX" b="1" dirty="0" smtClean="0"/>
-              <a:t>correlación</a:t>
-            </a:r>
-            <a:r>
-              <a:rPr lang="es-MX" dirty="0"/>
-              <a:t> </a:t>
-            </a:r>
-            <a:r>
-              <a:rPr lang="es-MX" dirty="0" smtClean="0"/>
-              <a:t>entre </a:t>
-            </a:r>
-            <a:r>
-              <a:rPr lang="es-MX" b="1" dirty="0" smtClean="0"/>
-              <a:t>dos variables.</a:t>
-            </a:r>
-            <a:endParaRPr lang="es-MX" dirty="0"/>
-          </a:p>
-          <a:p>
-            <a:pPr marL="0" indent="0">
-              <a:buNone/>
-            </a:pPr>
-            <a:endParaRPr lang="es-MX" b="1" dirty="0" smtClean="0"/>
-          </a:p>
-        </p:txBody>
-      </p:sp>
-      <p:sp>
-        <p:nvSpPr>
-          <p:cNvPr id="4" name="Rectángulo 3"/>
+              <a:rPr lang="es-MX" sz="4000" b="1" dirty="0" smtClean="0"/>
+              <a:t>Ejemplo de un instrumento de medición poco confiable.</a:t>
+            </a:r>
+            <a:endParaRPr lang="es-MX" sz="4000" b="1" dirty="0"/>
+          </a:p>
+        </p:txBody>
+      </p:sp>
+      <p:sp>
+        <p:nvSpPr>
+          <p:cNvPr id="6" name="Rectángulo 5"/>
           <p:cNvSpPr/>
           <p:nvPr/>
         </p:nvSpPr>
@@ -4411,8 +4158,8 @@
             <a:avLst/>
           </a:prstGeom>
           <a:solidFill>
-            <a:schemeClr val="bg2">
-              <a:lumMod val="10000"/>
+            <a:schemeClr val="bg1">
+              <a:lumMod val="50000"/>
             </a:schemeClr>
           </a:solidFill>
           <a:ln>
@@ -4448,7 +4195,7 @@
       </p:sp>
       <p:sp>
         <p:nvSpPr>
-          <p:cNvPr id="5" name="Rectángulo 4"/>
+          <p:cNvPr id="7" name="Rectángulo 6"/>
           <p:cNvSpPr/>
           <p:nvPr/>
         </p:nvSpPr>
@@ -4461,8 +4208,8 @@
             <a:avLst/>
           </a:prstGeom>
           <a:solidFill>
-            <a:schemeClr val="bg2">
-              <a:lumMod val="10000"/>
+            <a:schemeClr val="bg1">
+              <a:lumMod val="50000"/>
             </a:schemeClr>
           </a:solidFill>
           <a:ln>
@@ -4496,10 +4243,253 @@
           </a:p>
         </p:txBody>
       </p:sp>
+      <p:sp>
+        <p:nvSpPr>
+          <p:cNvPr id="4" name="Marcador de contenido 3"/>
+          <p:cNvSpPr>
+            <a:spLocks noGrp="1"/>
+          </p:cNvSpPr>
+          <p:nvPr>
+            <p:ph idx="1"/>
+          </p:nvPr>
+        </p:nvSpPr>
+        <p:spPr/>
+        <p:txBody>
+          <a:bodyPr/>
+          <a:lstStyle/>
+          <a:p>
+            <a:endParaRPr lang="es-MX" dirty="0"/>
+          </a:p>
+        </p:txBody>
+      </p:sp>
+      <p:pic>
+        <p:nvPicPr>
+          <p:cNvPr id="9" name="Imagen 8"/>
+          <p:cNvPicPr>
+            <a:picLocks noChangeAspect="1"/>
+          </p:cNvPicPr>
+          <p:nvPr/>
+        </p:nvPicPr>
+        <p:blipFill>
+          <a:blip r:embed="rId2"/>
+          <a:stretch>
+            <a:fillRect/>
+          </a:stretch>
+        </p:blipFill>
+        <p:spPr>
+          <a:xfrm>
+            <a:off x="5242382" y="1360487"/>
+            <a:ext cx="6729484" cy="4697942"/>
+          </a:xfrm>
+          <a:prstGeom prst="rect">
+            <a:avLst/>
+          </a:prstGeom>
+        </p:spPr>
+      </p:pic>
+      <p:pic>
+        <p:nvPicPr>
+          <p:cNvPr id="10" name="Imagen 9"/>
+          <p:cNvPicPr>
+            <a:picLocks noChangeAspect="1"/>
+          </p:cNvPicPr>
+          <p:nvPr/>
+        </p:nvPicPr>
+        <p:blipFill>
+          <a:blip r:embed="rId3"/>
+          <a:stretch>
+            <a:fillRect/>
+          </a:stretch>
+        </p:blipFill>
+        <p:spPr>
+          <a:xfrm>
+            <a:off x="144515" y="2667001"/>
+            <a:ext cx="4738902" cy="2023004"/>
+          </a:xfrm>
+          <a:prstGeom prst="rect">
+            <a:avLst/>
+          </a:prstGeom>
+        </p:spPr>
+      </p:pic>
+      <p:sp>
+        <p:nvSpPr>
+          <p:cNvPr id="3" name="Rectángulo 2"/>
+          <p:cNvSpPr/>
+          <p:nvPr/>
+        </p:nvSpPr>
+        <p:spPr>
+          <a:xfrm>
+            <a:off x="246114" y="2667001"/>
+            <a:ext cx="2218265" cy="237066"/>
+          </a:xfrm>
+          <a:prstGeom prst="rect">
+            <a:avLst/>
+          </a:prstGeom>
+        </p:spPr>
+        <p:style>
+          <a:lnRef idx="2">
+            <a:schemeClr val="accent1">
+              <a:shade val="50000"/>
+            </a:schemeClr>
+          </a:lnRef>
+          <a:fillRef idx="1">
+            <a:schemeClr val="accent1"/>
+          </a:fillRef>
+          <a:effectRef idx="0">
+            <a:schemeClr val="accent1"/>
+          </a:effectRef>
+          <a:fontRef idx="minor">
+            <a:schemeClr val="lt1"/>
+          </a:fontRef>
+        </p:style>
+        <p:txBody>
+          <a:bodyPr rtlCol="0" anchor="ctr"/>
+          <a:lstStyle/>
+          <a:p>
+            <a:pPr algn="ctr"/>
+            <a:r>
+              <a:rPr lang="es-MX" dirty="0" smtClean="0"/>
+              <a:t>Enfermera Experta</a:t>
+            </a:r>
+            <a:endParaRPr lang="es-MX" dirty="0"/>
+          </a:p>
+        </p:txBody>
+      </p:sp>
+      <p:sp>
+        <p:nvSpPr>
+          <p:cNvPr id="11" name="Rectángulo 10"/>
+          <p:cNvSpPr/>
+          <p:nvPr/>
+        </p:nvSpPr>
+        <p:spPr>
+          <a:xfrm>
+            <a:off x="2612257" y="2667001"/>
+            <a:ext cx="2218265" cy="237066"/>
+          </a:xfrm>
+          <a:prstGeom prst="rect">
+            <a:avLst/>
+          </a:prstGeom>
+        </p:spPr>
+        <p:style>
+          <a:lnRef idx="2">
+            <a:schemeClr val="accent1">
+              <a:shade val="50000"/>
+            </a:schemeClr>
+          </a:lnRef>
+          <a:fillRef idx="1">
+            <a:schemeClr val="accent1"/>
+          </a:fillRef>
+          <a:effectRef idx="0">
+            <a:schemeClr val="accent1"/>
+          </a:effectRef>
+          <a:fontRef idx="minor">
+            <a:schemeClr val="lt1"/>
+          </a:fontRef>
+        </p:style>
+        <p:txBody>
+          <a:bodyPr rtlCol="0" anchor="ctr"/>
+          <a:lstStyle/>
+          <a:p>
+            <a:pPr algn="ctr"/>
+            <a:r>
+              <a:rPr lang="es-MX" dirty="0" smtClean="0"/>
+              <a:t>Enfermera Novata</a:t>
+            </a:r>
+            <a:endParaRPr lang="es-MX" dirty="0"/>
+          </a:p>
+        </p:txBody>
+      </p:sp>
+      <p:sp>
+        <p:nvSpPr>
+          <p:cNvPr id="12" name="Rectángulo 11"/>
+          <p:cNvSpPr/>
+          <p:nvPr/>
+        </p:nvSpPr>
+        <p:spPr>
+          <a:xfrm>
+            <a:off x="7662334" y="5898358"/>
+            <a:ext cx="2218265" cy="237066"/>
+          </a:xfrm>
+          <a:prstGeom prst="rect">
+            <a:avLst/>
+          </a:prstGeom>
+        </p:spPr>
+        <p:style>
+          <a:lnRef idx="2">
+            <a:schemeClr val="accent1">
+              <a:shade val="50000"/>
+            </a:schemeClr>
+          </a:lnRef>
+          <a:fillRef idx="1">
+            <a:schemeClr val="accent1"/>
+          </a:fillRef>
+          <a:effectRef idx="0">
+            <a:schemeClr val="accent1"/>
+          </a:effectRef>
+          <a:fontRef idx="minor">
+            <a:schemeClr val="lt1"/>
+          </a:fontRef>
+        </p:style>
+        <p:txBody>
+          <a:bodyPr rtlCol="0" anchor="ctr"/>
+          <a:lstStyle/>
+          <a:p>
+            <a:pPr algn="ctr"/>
+            <a:r>
+              <a:rPr lang="es-MX" dirty="0" smtClean="0"/>
+              <a:t>Enfermera Experta</a:t>
+            </a:r>
+            <a:endParaRPr lang="es-MX" dirty="0"/>
+          </a:p>
+        </p:txBody>
+      </p:sp>
+      <p:sp>
+        <p:nvSpPr>
+          <p:cNvPr id="13" name="Rectángulo 12"/>
+          <p:cNvSpPr/>
+          <p:nvPr/>
+        </p:nvSpPr>
+        <p:spPr>
+          <a:xfrm rot="16200000">
+            <a:off x="4186145" y="3462339"/>
+            <a:ext cx="2218265" cy="237066"/>
+          </a:xfrm>
+          <a:prstGeom prst="rect">
+            <a:avLst/>
+          </a:prstGeom>
+        </p:spPr>
+        <p:style>
+          <a:lnRef idx="2">
+            <a:schemeClr val="accent1">
+              <a:shade val="50000"/>
+            </a:schemeClr>
+          </a:lnRef>
+          <a:fillRef idx="1">
+            <a:schemeClr val="accent1"/>
+          </a:fillRef>
+          <a:effectRef idx="0">
+            <a:schemeClr val="accent1"/>
+          </a:effectRef>
+          <a:fontRef idx="minor">
+            <a:schemeClr val="lt1"/>
+          </a:fontRef>
+        </p:style>
+        <p:txBody>
+          <a:bodyPr rtlCol="0" anchor="ctr"/>
+          <a:lstStyle/>
+          <a:p>
+            <a:pPr algn="ctr"/>
+            <a:r>
+              <a:rPr lang="es-MX" dirty="0" smtClean="0"/>
+              <a:t>Enfermera Novata</a:t>
+            </a:r>
+            <a:endParaRPr lang="es-MX" dirty="0"/>
+          </a:p>
+        </p:txBody>
+      </p:sp>
     </p:spTree>
     <p:extLst>
       <p:ext uri="{BB962C8B-B14F-4D97-AF65-F5344CB8AC3E}">
-        <p14:creationId xmlns:p14="http://schemas.microsoft.com/office/powerpoint/2010/main" val="2098923354"/>
+        <p14:creationId xmlns:p14="http://schemas.microsoft.com/office/powerpoint/2010/main" val="3018948716"/>
       </p:ext>
     </p:extLst>
   </p:cSld>
@@ -4542,42 +4532,37 @@
           <a:lstStyle/>
           <a:p>
             <a:r>
+              <a:rPr lang="es-MX" b="1" dirty="0" smtClean="0"/>
+              <a:t>Acerca de la Confiabilidad</a:t>
+            </a:r>
+            <a:endParaRPr lang="es-MX" b="1" dirty="0"/>
+          </a:p>
+        </p:txBody>
+      </p:sp>
+      <p:sp>
+        <p:nvSpPr>
+          <p:cNvPr id="3" name="Marcador de contenido 2"/>
+          <p:cNvSpPr>
+            <a:spLocks noGrp="1"/>
+          </p:cNvSpPr>
+          <p:nvPr>
+            <p:ph idx="1"/>
+          </p:nvPr>
+        </p:nvSpPr>
+        <p:spPr/>
+        <p:txBody>
+          <a:bodyPr>
+            <a:normAutofit/>
+          </a:bodyPr>
+          <a:lstStyle/>
+          <a:p>
+            <a:r>
               <a:rPr lang="es-MX" dirty="0" smtClean="0"/>
-              <a:t/>
-            </a:r>
-            <a:br>
-              <a:rPr lang="es-MX" dirty="0" smtClean="0"/>
-            </a:br>
-            <a:endParaRPr lang="es-MX" dirty="0"/>
-          </a:p>
-        </p:txBody>
-      </p:sp>
-      <p:sp>
-        <p:nvSpPr>
-          <p:cNvPr id="3" name="Marcador de contenido 2"/>
-          <p:cNvSpPr>
-            <a:spLocks noGrp="1"/>
-          </p:cNvSpPr>
-          <p:nvPr>
-            <p:ph idx="1"/>
-          </p:nvPr>
-        </p:nvSpPr>
-        <p:spPr>
-          <a:xfrm>
-            <a:off x="838200" y="1825625"/>
-            <a:ext cx="3488267" cy="4351338"/>
-          </a:xfrm>
-        </p:spPr>
-        <p:txBody>
-          <a:bodyPr/>
-          <a:lstStyle/>
-          <a:p>
-            <a:pPr marL="0" indent="0">
-              <a:buNone/>
-            </a:pPr>
+              <a:t>La </a:t>
+            </a:r>
             <a:r>
               <a:rPr lang="es-MX" b="1" dirty="0" smtClean="0"/>
-              <a:t>Ejemplo</a:t>
+              <a:t>comparación</a:t>
             </a:r>
             <a:r>
               <a:rPr lang="es-MX" dirty="0"/>
@@ -4585,57 +4570,66 @@
             </a:r>
             <a:r>
               <a:rPr lang="es-MX" dirty="0" smtClean="0"/>
-              <a:t>de una </a:t>
+              <a:t>entre dos medidas que se realiza para valorar la </a:t>
             </a:r>
             <a:r>
               <a:rPr lang="es-MX" b="1" dirty="0" smtClean="0"/>
-              <a:t>correlación positiva perfecta.</a:t>
-            </a:r>
+              <a:t>confiabilidad </a:t>
+            </a:r>
+            <a:r>
+              <a:rPr lang="es-MX" dirty="0" smtClean="0"/>
+              <a:t>de mi medición, se hace a partir de un </a:t>
+            </a:r>
+            <a:r>
+              <a:rPr lang="es-MX" b="1" dirty="0" smtClean="0"/>
+              <a:t>cálculo de su correlación.</a:t>
+            </a:r>
+          </a:p>
+          <a:p>
+            <a:endParaRPr lang="es-MX" b="1" dirty="0"/>
+          </a:p>
+          <a:p>
+            <a:r>
+              <a:rPr lang="es-MX" dirty="0" smtClean="0"/>
+              <a:t>En </a:t>
+            </a:r>
+            <a:r>
+              <a:rPr lang="es-MX" b="1" dirty="0" smtClean="0"/>
+              <a:t>estadística, </a:t>
+            </a:r>
+            <a:r>
+              <a:rPr lang="es-MX" dirty="0" smtClean="0"/>
+              <a:t>existen diversas fórmulas para calcular la </a:t>
+            </a:r>
+            <a:r>
+              <a:rPr lang="es-MX" b="1" dirty="0" smtClean="0"/>
+              <a:t>correlación</a:t>
+            </a:r>
+            <a:r>
+              <a:rPr lang="es-MX" dirty="0"/>
+              <a:t> </a:t>
+            </a:r>
+            <a:r>
+              <a:rPr lang="es-MX" dirty="0" smtClean="0"/>
+              <a:t>entre </a:t>
+            </a:r>
+            <a:r>
+              <a:rPr lang="es-MX" b="1" dirty="0" smtClean="0"/>
+              <a:t>dos variables.</a:t>
+            </a:r>
+            <a:endParaRPr lang="es-MX" dirty="0"/>
           </a:p>
           <a:p>
             <a:pPr marL="0" indent="0">
               <a:buNone/>
             </a:pPr>
-            <a:endParaRPr lang="es-MX" b="1" dirty="0"/>
-          </a:p>
-          <a:p>
-            <a:pPr marL="0" indent="0">
-              <a:buNone/>
-            </a:pPr>
-            <a:r>
-              <a:rPr lang="es-MX" b="1" dirty="0" smtClean="0"/>
-              <a:t>r = 1</a:t>
-            </a:r>
-          </a:p>
-        </p:txBody>
-      </p:sp>
-      <p:pic>
-        <p:nvPicPr>
-          <p:cNvPr id="5" name="Imagen 4"/>
-          <p:cNvPicPr>
-            <a:picLocks noChangeAspect="1"/>
-          </p:cNvPicPr>
-          <p:nvPr/>
-        </p:nvPicPr>
-        <p:blipFill>
-          <a:blip r:embed="rId2"/>
-          <a:stretch>
-            <a:fillRect/>
-          </a:stretch>
-        </p:blipFill>
-        <p:spPr>
-          <a:xfrm>
-            <a:off x="4428066" y="1027906"/>
-            <a:ext cx="7256135" cy="5300133"/>
-          </a:xfrm>
-          <a:prstGeom prst="rect">
-            <a:avLst/>
-          </a:prstGeom>
-        </p:spPr>
-      </p:pic>
-      <p:sp>
-        <p:nvSpPr>
-          <p:cNvPr id="6" name="Rectángulo 5"/>
+            <a:endParaRPr lang="es-MX" b="1" dirty="0" smtClean="0"/>
+          </a:p>
+        </p:txBody>
+      </p:sp>
+      <p:sp>
+        <p:nvSpPr>
+          <p:cNvPr id="4" name="Rectángulo 3"/>
           <p:cNvSpPr/>
           <p:nvPr/>
         </p:nvSpPr>
@@ -4685,7 +4679,7 @@
       </p:sp>
       <p:sp>
         <p:nvSpPr>
-          <p:cNvPr id="7" name="Rectángulo 6"/>
+          <p:cNvPr id="5" name="Rectángulo 4"/>
           <p:cNvSpPr/>
           <p:nvPr/>
         </p:nvSpPr>
@@ -4736,7 +4730,7 @@
     </p:spTree>
     <p:extLst>
       <p:ext uri="{BB962C8B-B14F-4D97-AF65-F5344CB8AC3E}">
-        <p14:creationId xmlns:p14="http://schemas.microsoft.com/office/powerpoint/2010/main" val="4039062277"/>
+        <p14:creationId xmlns:p14="http://schemas.microsoft.com/office/powerpoint/2010/main" val="2098923354"/>
       </p:ext>
     </p:extLst>
   </p:cSld>
@@ -4826,7 +4820,7 @@
             </a:r>
             <a:r>
               <a:rPr lang="es-MX" b="1" dirty="0" smtClean="0"/>
-              <a:t>correlación negativa perfecta.</a:t>
+              <a:t>correlación positiva perfecta.</a:t>
             </a:r>
           </a:p>
           <a:p>
@@ -4841,114 +4835,14 @@
             </a:pPr>
             <a:r>
               <a:rPr lang="es-MX" b="1" dirty="0" smtClean="0"/>
-              <a:t>r = -1</a:t>
-            </a:r>
-          </a:p>
-        </p:txBody>
-      </p:sp>
-      <p:sp>
-        <p:nvSpPr>
-          <p:cNvPr id="6" name="Rectángulo 5"/>
-          <p:cNvSpPr/>
-          <p:nvPr/>
-        </p:nvSpPr>
-        <p:spPr>
-          <a:xfrm>
-            <a:off x="0" y="1"/>
-            <a:ext cx="12192000" cy="304800"/>
-          </a:xfrm>
-          <a:prstGeom prst="rect">
-            <a:avLst/>
-          </a:prstGeom>
-          <a:solidFill>
-            <a:schemeClr val="bg2">
-              <a:lumMod val="10000"/>
-            </a:schemeClr>
-          </a:solidFill>
-          <a:ln>
-            <a:solidFill>
-              <a:schemeClr val="tx1"/>
-            </a:solidFill>
-          </a:ln>
-        </p:spPr>
-        <p:style>
-          <a:lnRef idx="2">
-            <a:schemeClr val="accent1">
-              <a:shade val="50000"/>
-            </a:schemeClr>
-          </a:lnRef>
-          <a:fillRef idx="1">
-            <a:schemeClr val="accent1"/>
-          </a:fillRef>
-          <a:effectRef idx="0">
-            <a:schemeClr val="accent1"/>
-          </a:effectRef>
-          <a:fontRef idx="minor">
-            <a:schemeClr val="lt1"/>
-          </a:fontRef>
-        </p:style>
-        <p:txBody>
-          <a:bodyPr rtlCol="0" anchor="ctr"/>
-          <a:lstStyle/>
-          <a:p>
-            <a:pPr algn="ctr"/>
-            <a:endParaRPr lang="es-MX"/>
-          </a:p>
-        </p:txBody>
-      </p:sp>
-      <p:sp>
-        <p:nvSpPr>
-          <p:cNvPr id="7" name="Rectángulo 6"/>
-          <p:cNvSpPr/>
-          <p:nvPr/>
-        </p:nvSpPr>
-        <p:spPr>
-          <a:xfrm>
-            <a:off x="0" y="6553200"/>
-            <a:ext cx="12192000" cy="304800"/>
-          </a:xfrm>
-          <a:prstGeom prst="rect">
-            <a:avLst/>
-          </a:prstGeom>
-          <a:solidFill>
-            <a:schemeClr val="bg2">
-              <a:lumMod val="10000"/>
-            </a:schemeClr>
-          </a:solidFill>
-          <a:ln>
-            <a:solidFill>
-              <a:schemeClr val="tx1"/>
-            </a:solidFill>
-          </a:ln>
-        </p:spPr>
-        <p:style>
-          <a:lnRef idx="2">
-            <a:schemeClr val="accent1">
-              <a:shade val="50000"/>
-            </a:schemeClr>
-          </a:lnRef>
-          <a:fillRef idx="1">
-            <a:schemeClr val="accent1"/>
-          </a:fillRef>
-          <a:effectRef idx="0">
-            <a:schemeClr val="accent1"/>
-          </a:effectRef>
-          <a:fontRef idx="minor">
-            <a:schemeClr val="lt1"/>
-          </a:fontRef>
-        </p:style>
-        <p:txBody>
-          <a:bodyPr rtlCol="0" anchor="ctr"/>
-          <a:lstStyle/>
-          <a:p>
-            <a:pPr algn="ctr"/>
-            <a:endParaRPr lang="es-MX"/>
+              <a:t>r = 1</a:t>
+            </a:r>
           </a:p>
         </p:txBody>
       </p:sp>
       <p:pic>
         <p:nvPicPr>
-          <p:cNvPr id="4" name="Imagen 3"/>
+          <p:cNvPr id="5" name="Imagen 4"/>
           <p:cNvPicPr>
             <a:picLocks noChangeAspect="1"/>
           </p:cNvPicPr>
@@ -4962,18 +4856,118 @@
         </p:blipFill>
         <p:spPr>
           <a:xfrm>
-            <a:off x="4707465" y="829734"/>
-            <a:ext cx="7074672" cy="5262540"/>
+            <a:off x="4428066" y="1027906"/>
+            <a:ext cx="7256135" cy="5300133"/>
           </a:xfrm>
           <a:prstGeom prst="rect">
             <a:avLst/>
           </a:prstGeom>
         </p:spPr>
       </p:pic>
+      <p:sp>
+        <p:nvSpPr>
+          <p:cNvPr id="6" name="Rectángulo 5"/>
+          <p:cNvSpPr/>
+          <p:nvPr/>
+        </p:nvSpPr>
+        <p:spPr>
+          <a:xfrm>
+            <a:off x="0" y="1"/>
+            <a:ext cx="12192000" cy="304800"/>
+          </a:xfrm>
+          <a:prstGeom prst="rect">
+            <a:avLst/>
+          </a:prstGeom>
+          <a:solidFill>
+            <a:schemeClr val="bg2">
+              <a:lumMod val="10000"/>
+            </a:schemeClr>
+          </a:solidFill>
+          <a:ln>
+            <a:solidFill>
+              <a:schemeClr val="tx1"/>
+            </a:solidFill>
+          </a:ln>
+        </p:spPr>
+        <p:style>
+          <a:lnRef idx="2">
+            <a:schemeClr val="accent1">
+              <a:shade val="50000"/>
+            </a:schemeClr>
+          </a:lnRef>
+          <a:fillRef idx="1">
+            <a:schemeClr val="accent1"/>
+          </a:fillRef>
+          <a:effectRef idx="0">
+            <a:schemeClr val="accent1"/>
+          </a:effectRef>
+          <a:fontRef idx="minor">
+            <a:schemeClr val="lt1"/>
+          </a:fontRef>
+        </p:style>
+        <p:txBody>
+          <a:bodyPr rtlCol="0" anchor="ctr"/>
+          <a:lstStyle/>
+          <a:p>
+            <a:pPr algn="ctr"/>
+            <a:endParaRPr lang="es-MX"/>
+          </a:p>
+        </p:txBody>
+      </p:sp>
+      <p:sp>
+        <p:nvSpPr>
+          <p:cNvPr id="7" name="Rectángulo 6"/>
+          <p:cNvSpPr/>
+          <p:nvPr/>
+        </p:nvSpPr>
+        <p:spPr>
+          <a:xfrm>
+            <a:off x="0" y="6553200"/>
+            <a:ext cx="12192000" cy="304800"/>
+          </a:xfrm>
+          <a:prstGeom prst="rect">
+            <a:avLst/>
+          </a:prstGeom>
+          <a:solidFill>
+            <a:schemeClr val="bg2">
+              <a:lumMod val="10000"/>
+            </a:schemeClr>
+          </a:solidFill>
+          <a:ln>
+            <a:solidFill>
+              <a:schemeClr val="tx1"/>
+            </a:solidFill>
+          </a:ln>
+        </p:spPr>
+        <p:style>
+          <a:lnRef idx="2">
+            <a:schemeClr val="accent1">
+              <a:shade val="50000"/>
+            </a:schemeClr>
+          </a:lnRef>
+          <a:fillRef idx="1">
+            <a:schemeClr val="accent1"/>
+          </a:fillRef>
+          <a:effectRef idx="0">
+            <a:schemeClr val="accent1"/>
+          </a:effectRef>
+          <a:fontRef idx="minor">
+            <a:schemeClr val="lt1"/>
+          </a:fontRef>
+        </p:style>
+        <p:txBody>
+          <a:bodyPr rtlCol="0" anchor="ctr"/>
+          <a:lstStyle/>
+          <a:p>
+            <a:pPr algn="ctr"/>
+            <a:endParaRPr lang="es-MX"/>
+          </a:p>
+        </p:txBody>
+      </p:sp>
     </p:spTree>
     <p:extLst>
       <p:ext uri="{BB962C8B-B14F-4D97-AF65-F5344CB8AC3E}">
-        <p14:creationId xmlns:p14="http://schemas.microsoft.com/office/powerpoint/2010/main" val="2287061806"/>
+        <p14:creationId xmlns:p14="http://schemas.microsoft.com/office/powerpoint/2010/main" val="4039062277"/>
       </p:ext>
     </p:extLst>
   </p:cSld>
@@ -5063,7 +5057,7 @@
             </a:r>
             <a:r>
               <a:rPr lang="es-MX" b="1" dirty="0" smtClean="0"/>
-              <a:t>correlación nula.</a:t>
+              <a:t>correlación negativa perfecta.</a:t>
             </a:r>
           </a:p>
           <a:p>
@@ -5078,7 +5072,7 @@
             </a:pPr>
             <a:r>
               <a:rPr lang="es-MX" b="1" dirty="0" smtClean="0"/>
-              <a:t>r = 0</a:t>
+              <a:t>r = -1</a:t>
             </a:r>
           </a:p>
         </p:txBody>
@@ -5199,8 +5193,8 @@
         </p:blipFill>
         <p:spPr>
           <a:xfrm>
-            <a:off x="4083526" y="470600"/>
-            <a:ext cx="7871408" cy="5786266"/>
+            <a:off x="4707465" y="829734"/>
+            <a:ext cx="7074672" cy="5262540"/>
           </a:xfrm>
           <a:prstGeom prst="rect">
             <a:avLst/>
@@ -5210,7 +5204,7 @@
     </p:spTree>
     <p:extLst>
       <p:ext uri="{BB962C8B-B14F-4D97-AF65-F5344CB8AC3E}">
-        <p14:creationId xmlns:p14="http://schemas.microsoft.com/office/powerpoint/2010/main" val="3008009203"/>
+        <p14:creationId xmlns:p14="http://schemas.microsoft.com/office/powerpoint/2010/main" val="2287061806"/>
       </p:ext>
     </p:extLst>
   </p:cSld>
@@ -5253,37 +5247,42 @@
           <a:lstStyle/>
           <a:p>
             <a:r>
+              <a:rPr lang="es-MX" dirty="0" smtClean="0"/>
+              <a:t/>
+            </a:r>
+            <a:br>
+              <a:rPr lang="es-MX" dirty="0" smtClean="0"/>
+            </a:br>
+            <a:endParaRPr lang="es-MX" dirty="0"/>
+          </a:p>
+        </p:txBody>
+      </p:sp>
+      <p:sp>
+        <p:nvSpPr>
+          <p:cNvPr id="3" name="Marcador de contenido 2"/>
+          <p:cNvSpPr>
+            <a:spLocks noGrp="1"/>
+          </p:cNvSpPr>
+          <p:nvPr>
+            <p:ph idx="1"/>
+          </p:nvPr>
+        </p:nvSpPr>
+        <p:spPr>
+          <a:xfrm>
+            <a:off x="838200" y="1825625"/>
+            <a:ext cx="3488267" cy="4351338"/>
+          </a:xfrm>
+        </p:spPr>
+        <p:txBody>
+          <a:bodyPr/>
+          <a:lstStyle/>
+          <a:p>
+            <a:pPr marL="0" indent="0">
+              <a:buNone/>
+            </a:pPr>
+            <a:r>
               <a:rPr lang="es-MX" b="1" dirty="0" smtClean="0"/>
-              <a:t>Acerca de la Confiabilidad</a:t>
-            </a:r>
-            <a:endParaRPr lang="es-MX" b="1" dirty="0"/>
-          </a:p>
-        </p:txBody>
-      </p:sp>
-      <p:sp>
-        <p:nvSpPr>
-          <p:cNvPr id="3" name="Marcador de contenido 2"/>
-          <p:cNvSpPr>
-            <a:spLocks noGrp="1"/>
-          </p:cNvSpPr>
-          <p:nvPr>
-            <p:ph idx="1"/>
-          </p:nvPr>
-        </p:nvSpPr>
-        <p:spPr/>
-        <p:txBody>
-          <a:bodyPr>
-            <a:normAutofit/>
-          </a:bodyPr>
-          <a:lstStyle/>
-          <a:p>
-            <a:r>
-              <a:rPr lang="es-MX" dirty="0" smtClean="0"/>
-              <a:t>La </a:t>
-            </a:r>
-            <a:r>
-              <a:rPr lang="es-MX" b="1" dirty="0" smtClean="0"/>
-              <a:t>comparación</a:t>
+              <a:t>Ejemplo</a:t>
             </a:r>
             <a:r>
               <a:rPr lang="es-MX" dirty="0"/>
@@ -5291,134 +5290,33 @@
             </a:r>
             <a:r>
               <a:rPr lang="es-MX" dirty="0" smtClean="0"/>
-              <a:t>entre dos medidas que se realiza para valorar la </a:t>
+              <a:t>de una </a:t>
             </a:r>
             <a:r>
               <a:rPr lang="es-MX" b="1" dirty="0" smtClean="0"/>
-              <a:t>confiabilidad </a:t>
-            </a:r>
-            <a:r>
-              <a:rPr lang="es-MX" dirty="0" smtClean="0"/>
-              <a:t>de mi medición, se hace a partir de un </a:t>
-            </a:r>
+              <a:t>correlación nula.</a:t>
+            </a:r>
+          </a:p>
+          <a:p>
+            <a:pPr marL="0" indent="0">
+              <a:buNone/>
+            </a:pPr>
+            <a:endParaRPr lang="es-MX" b="1" dirty="0"/>
+          </a:p>
+          <a:p>
+            <a:pPr marL="0" indent="0">
+              <a:buNone/>
+            </a:pPr>
             <a:r>
               <a:rPr lang="es-MX" b="1" dirty="0" smtClean="0"/>
-              <a:t>cálculo de su correlación.</a:t>
-            </a:r>
-          </a:p>
-          <a:p>
-            <a:endParaRPr lang="es-MX" b="1" dirty="0"/>
-          </a:p>
-          <a:p>
-            <a:r>
-              <a:rPr lang="es-MX" dirty="0" smtClean="0"/>
-              <a:t>En </a:t>
-            </a:r>
-            <a:r>
-              <a:rPr lang="es-MX" b="1" dirty="0" smtClean="0"/>
-              <a:t>estadística, </a:t>
-            </a:r>
-            <a:r>
-              <a:rPr lang="es-MX" dirty="0" smtClean="0"/>
-              <a:t>existen diversas fórmulas para calcular la </a:t>
-            </a:r>
-            <a:r>
-              <a:rPr lang="es-MX" b="1" dirty="0" smtClean="0"/>
-              <a:t>correlación</a:t>
-            </a:r>
-            <a:r>
-              <a:rPr lang="es-MX" dirty="0"/>
-              <a:t> </a:t>
-            </a:r>
-            <a:r>
-              <a:rPr lang="es-MX" dirty="0" smtClean="0"/>
-              <a:t>entre </a:t>
-            </a:r>
-            <a:r>
-              <a:rPr lang="es-MX" b="1" dirty="0" smtClean="0"/>
-              <a:t>dos variables.</a:t>
-            </a:r>
-          </a:p>
-          <a:p>
-            <a:pPr marL="0" indent="0">
-              <a:buNone/>
-            </a:pPr>
-            <a:r>
-              <a:rPr lang="es-MX" b="1" dirty="0" smtClean="0"/>
-              <a:t>			r = </a:t>
-            </a:r>
-            <a:r>
-              <a:rPr lang="es-MX" dirty="0" smtClean="0"/>
-              <a:t>(-1 a 1)</a:t>
-            </a:r>
-          </a:p>
-          <a:p>
-            <a:pPr marL="0" indent="0">
-              <a:buNone/>
-            </a:pPr>
-            <a:r>
-              <a:rPr lang="es-MX" sz="2000" dirty="0" smtClean="0"/>
-              <a:t>	</a:t>
-            </a:r>
-            <a:r>
-              <a:rPr lang="es-MX" sz="2000" dirty="0"/>
-              <a:t>	</a:t>
-            </a:r>
-            <a:r>
-              <a:rPr lang="es-MX" sz="2000" dirty="0" smtClean="0"/>
-              <a:t>		El signo nos indica la </a:t>
-            </a:r>
-            <a:r>
-              <a:rPr lang="es-MX" sz="2000" b="1" dirty="0" smtClean="0"/>
-              <a:t>dirección</a:t>
-            </a:r>
-            <a:r>
-              <a:rPr lang="es-MX" sz="2000" dirty="0" smtClean="0"/>
-              <a:t> de la correlación</a:t>
-            </a:r>
-          </a:p>
-          <a:p>
-            <a:pPr marL="0" indent="0">
-              <a:buNone/>
-            </a:pPr>
-            <a:r>
-              <a:rPr lang="es-MX" sz="2000" dirty="0"/>
-              <a:t> </a:t>
-            </a:r>
-            <a:r>
-              <a:rPr lang="es-MX" sz="2000" dirty="0" smtClean="0"/>
-              <a:t>               		                Su valor absoluto indica la </a:t>
-            </a:r>
-            <a:r>
-              <a:rPr lang="es-MX" sz="2000" b="1" dirty="0" smtClean="0"/>
-              <a:t>fuerza</a:t>
-            </a:r>
-            <a:r>
-              <a:rPr lang="es-MX" sz="2000" dirty="0"/>
-              <a:t> </a:t>
-            </a:r>
-            <a:r>
-              <a:rPr lang="es-MX" sz="2000" dirty="0" smtClean="0"/>
-              <a:t>de la correlación</a:t>
-            </a:r>
-          </a:p>
-          <a:p>
-            <a:pPr marL="0" indent="0">
-              <a:buNone/>
-            </a:pPr>
-            <a:endParaRPr lang="es-MX" dirty="0"/>
-          </a:p>
-          <a:p>
-            <a:pPr marL="0" indent="0">
-              <a:buNone/>
-            </a:pPr>
-            <a:endParaRPr lang="es-MX" b="1" dirty="0" smtClean="0"/>
-          </a:p>
-        </p:txBody>
-      </p:sp>
-      <p:sp>
-        <p:nvSpPr>
-          <p:cNvPr id="4" name="Rectángulo 3"/>
+              <a:t>r = 0</a:t>
+            </a:r>
+          </a:p>
+        </p:txBody>
+      </p:sp>
+      <p:sp>
+        <p:nvSpPr>
+          <p:cNvPr id="6" name="Rectángulo 5"/>
           <p:cNvSpPr/>
           <p:nvPr/>
         </p:nvSpPr>
@@ -5468,7 +5366,7 @@
       </p:sp>
       <p:sp>
         <p:nvSpPr>
-          <p:cNvPr id="5" name="Rectángulo 4"/>
+          <p:cNvPr id="7" name="Rectángulo 6"/>
           <p:cNvSpPr/>
           <p:nvPr/>
         </p:nvSpPr>
@@ -5516,10 +5414,34 @@
           </a:p>
         </p:txBody>
       </p:sp>
+      <p:pic>
+        <p:nvPicPr>
+          <p:cNvPr id="4" name="Imagen 3"/>
+          <p:cNvPicPr>
+            <a:picLocks noChangeAspect="1"/>
+          </p:cNvPicPr>
+          <p:nvPr/>
+        </p:nvPicPr>
+        <p:blipFill>
+          <a:blip r:embed="rId2"/>
+          <a:stretch>
+            <a:fillRect/>
+          </a:stretch>
+        </p:blipFill>
+        <p:spPr>
+          <a:xfrm>
+            <a:off x="4083526" y="470600"/>
+            <a:ext cx="7871408" cy="5786266"/>
+          </a:xfrm>
+          <a:prstGeom prst="rect">
+            <a:avLst/>
+          </a:prstGeom>
+        </p:spPr>
+      </p:pic>
     </p:spTree>
     <p:extLst>
       <p:ext uri="{BB962C8B-B14F-4D97-AF65-F5344CB8AC3E}">
-        <p14:creationId xmlns:p14="http://schemas.microsoft.com/office/powerpoint/2010/main" val="1178708144"/>
+        <p14:creationId xmlns:p14="http://schemas.microsoft.com/office/powerpoint/2010/main" val="3008009203"/>
       </p:ext>
     </p:extLst>
   </p:cSld>
@@ -5563,7 +5485,7 @@
           <a:p>
             <a:r>
               <a:rPr lang="es-MX" b="1" dirty="0" smtClean="0"/>
-              <a:t>Acerca de la Validez</a:t>
+              <a:t>Acerca de la Confiabilidad</a:t>
             </a:r>
             <a:endParaRPr lang="es-MX" b="1" dirty="0"/>
           </a:p>
@@ -5587,8 +5509,65 @@
           <a:lstStyle/>
           <a:p>
             <a:r>
+              <a:rPr lang="es-MX" dirty="0" smtClean="0"/>
+              <a:t>La </a:t>
+            </a:r>
+            <a:r>
               <a:rPr lang="es-MX" b="1" dirty="0" smtClean="0"/>
-              <a:t>Definición:</a:t>
+              <a:t>comparación</a:t>
+            </a:r>
+            <a:r>
+              <a:rPr lang="es-MX" dirty="0"/>
+              <a:t> </a:t>
+            </a:r>
+            <a:r>
+              <a:rPr lang="es-MX" dirty="0" smtClean="0"/>
+              <a:t>entre dos medidas que se realiza para valorar la </a:t>
+            </a:r>
+            <a:r>
+              <a:rPr lang="es-MX" b="1" dirty="0" smtClean="0"/>
+              <a:t>confiabilidad </a:t>
+            </a:r>
+            <a:r>
+              <a:rPr lang="es-MX" dirty="0" smtClean="0"/>
+              <a:t>de mi medición, se hace a partir de un </a:t>
+            </a:r>
+            <a:r>
+              <a:rPr lang="es-MX" b="1" dirty="0" smtClean="0"/>
+              <a:t>cálculo de su correlación.</a:t>
+            </a:r>
+          </a:p>
+          <a:p>
+            <a:endParaRPr lang="es-MX" b="1" dirty="0"/>
+          </a:p>
+          <a:p>
+            <a:r>
+              <a:rPr lang="es-MX" dirty="0" smtClean="0"/>
+              <a:t>En </a:t>
+            </a:r>
+            <a:r>
+              <a:rPr lang="es-MX" b="1" dirty="0" smtClean="0"/>
+              <a:t>estadística, </a:t>
+            </a:r>
+            <a:r>
+              <a:rPr lang="es-MX" dirty="0" smtClean="0"/>
+              <a:t>existen diversas fórmulas para calcular la </a:t>
+            </a:r>
+            <a:r>
+              <a:rPr lang="es-MX" b="1" dirty="0" smtClean="0"/>
+              <a:t>correlación</a:t>
+            </a:r>
+            <a:r>
+              <a:rPr lang="es-MX" dirty="0"/>
+              <a:t> </a:t>
+            </a:r>
+            <a:r>
+              <a:rPr lang="es-MX" dirty="0" smtClean="0"/>
+              <a:t>entre </a:t>
+            </a:r>
+            <a:r>
+              <a:rPr lang="es-MX" b="1" dirty="0" smtClean="0"/>
+              <a:t>dos variables.</a:t>
             </a:r>
           </a:p>
           <a:p>
@@ -5597,53 +5576,74 @@
             </a:pPr>
             <a:r>
               <a:rPr lang="es-MX" b="1" dirty="0" smtClean="0"/>
+              <a:t>			r = </a:t>
+            </a:r>
+            <a:r>
+              <a:rPr lang="es-MX" dirty="0" smtClean="0"/>
+              <a:t>(-1 a 1)</a:t>
+            </a:r>
+          </a:p>
+          <a:p>
+            <a:pPr marL="0" indent="0">
+              <a:buNone/>
+            </a:pPr>
+            <a:r>
+              <a:rPr lang="es-MX" sz="2000" dirty="0" smtClean="0"/>
               <a:t>	</a:t>
             </a:r>
             <a:r>
-              <a:rPr lang="es-MX" dirty="0" smtClean="0"/>
-              <a:t>Hace referencia al grado en que realmente se está midiendo lo 	que se quiere medir, (</a:t>
-            </a:r>
-            <a:r>
-              <a:rPr lang="es-MX" i="1" dirty="0" smtClean="0"/>
-              <a:t>¿qué tan válido es decir que estoy midiendo 	lo que quiero medir?</a:t>
-            </a:r>
-            <a:r>
-              <a:rPr lang="es-MX" dirty="0" smtClean="0"/>
-              <a:t>)</a:t>
+              <a:rPr lang="es-MX" sz="2000" dirty="0"/>
+              <a:t>	</a:t>
+            </a:r>
+            <a:r>
+              <a:rPr lang="es-MX" sz="2000" dirty="0" smtClean="0"/>
+              <a:t>		El signo nos indica la </a:t>
+            </a:r>
+            <a:r>
+              <a:rPr lang="es-MX" sz="2000" b="1" dirty="0" smtClean="0"/>
+              <a:t>dirección</a:t>
+            </a:r>
+            <a:r>
+              <a:rPr lang="es-MX" sz="2000" dirty="0" smtClean="0"/>
+              <a:t> de la correlación</a:t>
             </a:r>
           </a:p>
           <a:p>
             <a:pPr marL="0" indent="0">
               <a:buNone/>
             </a:pPr>
-            <a:endParaRPr lang="es-MX" b="1" dirty="0"/>
+            <a:r>
+              <a:rPr lang="es-MX" sz="2000" dirty="0"/>
+              <a:t> </a:t>
+            </a:r>
+            <a:r>
+              <a:rPr lang="es-MX" sz="2000" dirty="0" smtClean="0"/>
+              <a:t>               		                Su valor absoluto indica la </a:t>
+            </a:r>
+            <a:r>
+              <a:rPr lang="es-MX" sz="2000" b="1" dirty="0" smtClean="0"/>
+              <a:t>fuerza</a:t>
+            </a:r>
+            <a:r>
+              <a:rPr lang="es-MX" sz="2000" dirty="0"/>
+              <a:t> </a:t>
+            </a:r>
+            <a:r>
+              <a:rPr lang="es-MX" sz="2000" dirty="0" smtClean="0"/>
+              <a:t>de la correlación</a:t>
+            </a:r>
           </a:p>
           <a:p>
             <a:pPr marL="0" indent="0">
               <a:buNone/>
             </a:pPr>
-            <a:r>
-              <a:rPr lang="es-MX" b="1" dirty="0" smtClean="0"/>
-              <a:t>	Ejemplo:</a:t>
-            </a:r>
+            <a:endParaRPr lang="es-MX" dirty="0"/>
           </a:p>
           <a:p>
             <a:pPr marL="0" indent="0">
               <a:buNone/>
             </a:pPr>
-            <a:r>
-              <a:rPr lang="es-MX" b="1" dirty="0"/>
-              <a:t>	</a:t>
-            </a:r>
-            <a:r>
-              <a:rPr lang="es-MX" b="1" dirty="0" smtClean="0"/>
-              <a:t>	</a:t>
-            </a:r>
-            <a:r>
-              <a:rPr lang="es-MX" dirty="0" smtClean="0"/>
-              <a:t>Medir la “condición física” de las personas, aplicándoles un 		cuestionario de autovaloración.</a:t>
-            </a:r>
-            <a:endParaRPr lang="es-MX" b="1" dirty="0"/>
+            <a:endParaRPr lang="es-MX" b="1" dirty="0" smtClean="0"/>
           </a:p>
         </p:txBody>
       </p:sp>
@@ -5750,7 +5750,7 @@
     </p:spTree>
     <p:extLst>
       <p:ext uri="{BB962C8B-B14F-4D97-AF65-F5344CB8AC3E}">
-        <p14:creationId xmlns:p14="http://schemas.microsoft.com/office/powerpoint/2010/main" val="1376228722"/>
+        <p14:creationId xmlns:p14="http://schemas.microsoft.com/office/powerpoint/2010/main" val="1178708144"/>
       </p:ext>
     </p:extLst>
   </p:cSld>
@@ -5793,71 +5793,10 @@
           <a:lstStyle/>
           <a:p>
             <a:r>
-              <a:rPr lang="es-MX" dirty="0" smtClean="0"/>
-              <a:t/>
-            </a:r>
-            <a:br>
-              <a:rPr lang="es-MX" dirty="0" smtClean="0"/>
-            </a:br>
-            <a:endParaRPr lang="es-MX" dirty="0"/>
-          </a:p>
-        </p:txBody>
-      </p:sp>
-      <p:sp>
-        <p:nvSpPr>
-          <p:cNvPr id="3" name="Marcador de contenido 2"/>
-          <p:cNvSpPr>
-            <a:spLocks noGrp="1"/>
-          </p:cNvSpPr>
-          <p:nvPr>
-            <p:ph idx="1"/>
-          </p:nvPr>
-        </p:nvSpPr>
-        <p:spPr>
-          <a:xfrm>
-            <a:off x="550333" y="1253331"/>
-            <a:ext cx="10515600" cy="4351338"/>
-          </a:xfrm>
-        </p:spPr>
-        <p:txBody>
-          <a:bodyPr/>
-          <a:lstStyle/>
-          <a:p>
-            <a:pPr marL="0" indent="0">
-              <a:buNone/>
-            </a:pPr>
-            <a:r>
-              <a:rPr lang="es-MX" dirty="0"/>
-              <a:t>Una vez que se ha seleccionado el diseño apropiado y </a:t>
-            </a:r>
-            <a:r>
-              <a:rPr lang="es-MX" dirty="0" smtClean="0"/>
-              <a:t>la muestra </a:t>
-            </a:r>
-            <a:r>
-              <a:rPr lang="es-MX" dirty="0"/>
-              <a:t>adecuada para dar respuesta a nuestro problema </a:t>
-            </a:r>
-            <a:r>
-              <a:rPr lang="es-MX" dirty="0" smtClean="0"/>
-              <a:t>de estudio </a:t>
-            </a:r>
-            <a:r>
-              <a:rPr lang="es-MX" dirty="0"/>
-              <a:t>e hipótesis, se comienza con </a:t>
-            </a:r>
-            <a:r>
-              <a:rPr lang="es-MX" dirty="0" smtClean="0"/>
-              <a:t>la </a:t>
-            </a:r>
-            <a:r>
-              <a:rPr lang="es-MX" b="1" u="sng" dirty="0" smtClean="0"/>
-              <a:t>recolección de </a:t>
-            </a:r>
-            <a:r>
-              <a:rPr lang="es-MX" b="1" u="sng" dirty="0"/>
-              <a:t>datos</a:t>
-            </a:r>
+              <a:rPr lang="es-MX" b="1" dirty="0" smtClean="0"/>
+              <a:t>Procedimiento general</a:t>
+            </a:r>
+            <a:endParaRPr lang="es-MX" b="1" dirty="0"/>
           </a:p>
         </p:txBody>
       </p:sp>
@@ -5961,10 +5900,379 @@
           </a:p>
         </p:txBody>
       </p:sp>
+      <p:sp>
+        <p:nvSpPr>
+          <p:cNvPr id="6" name="Marcador de contenido 5"/>
+          <p:cNvSpPr>
+            <a:spLocks noGrp="1"/>
+          </p:cNvSpPr>
+          <p:nvPr>
+            <p:ph idx="1"/>
+          </p:nvPr>
+        </p:nvSpPr>
+        <p:spPr/>
+        <p:txBody>
+          <a:bodyPr/>
+          <a:lstStyle/>
+          <a:p>
+            <a:endParaRPr lang="es-MX" dirty="0" smtClean="0"/>
+          </a:p>
+          <a:p>
+            <a:endParaRPr lang="es-MX" dirty="0"/>
+          </a:p>
+        </p:txBody>
+      </p:sp>
+      <p:sp>
+        <p:nvSpPr>
+          <p:cNvPr id="7" name="Rectángulo redondeado 6"/>
+          <p:cNvSpPr/>
+          <p:nvPr/>
+        </p:nvSpPr>
+        <p:spPr>
+          <a:xfrm>
+            <a:off x="279400" y="2514600"/>
+            <a:ext cx="2201333" cy="1913467"/>
+          </a:xfrm>
+          <a:prstGeom prst="roundRect">
+            <a:avLst/>
+          </a:prstGeom>
+        </p:spPr>
+        <p:style>
+          <a:lnRef idx="0">
+            <a:schemeClr val="accent3"/>
+          </a:lnRef>
+          <a:fillRef idx="3">
+            <a:schemeClr val="accent3"/>
+          </a:fillRef>
+          <a:effectRef idx="3">
+            <a:schemeClr val="accent3"/>
+          </a:effectRef>
+          <a:fontRef idx="minor">
+            <a:schemeClr val="lt1"/>
+          </a:fontRef>
+        </p:style>
+        <p:txBody>
+          <a:bodyPr rtlCol="0" anchor="ctr"/>
+          <a:lstStyle/>
+          <a:p>
+            <a:pPr algn="ctr"/>
+            <a:r>
+              <a:rPr lang="es-MX" dirty="0" smtClean="0"/>
+              <a:t>Observo el mundo y selecciono un </a:t>
+            </a:r>
+            <a:r>
+              <a:rPr lang="es-MX" b="1" dirty="0" smtClean="0"/>
+              <a:t>tema de interés</a:t>
+            </a:r>
+            <a:endParaRPr lang="es-MX" b="1" dirty="0"/>
+          </a:p>
+        </p:txBody>
+      </p:sp>
+      <p:sp>
+        <p:nvSpPr>
+          <p:cNvPr id="8" name="Rectángulo redondeado 7"/>
+          <p:cNvSpPr/>
+          <p:nvPr/>
+        </p:nvSpPr>
+        <p:spPr>
+          <a:xfrm>
+            <a:off x="2692400" y="2514599"/>
+            <a:ext cx="2997200" cy="1913467"/>
+          </a:xfrm>
+          <a:prstGeom prst="roundRect">
+            <a:avLst/>
+          </a:prstGeom>
+        </p:spPr>
+        <p:style>
+          <a:lnRef idx="1">
+            <a:schemeClr val="dk1"/>
+          </a:lnRef>
+          <a:fillRef idx="2">
+            <a:schemeClr val="dk1"/>
+          </a:fillRef>
+          <a:effectRef idx="1">
+            <a:schemeClr val="dk1"/>
+          </a:effectRef>
+          <a:fontRef idx="minor">
+            <a:schemeClr val="dk1"/>
+          </a:fontRef>
+        </p:style>
+        <p:txBody>
+          <a:bodyPr rtlCol="0" anchor="ctr"/>
+          <a:lstStyle/>
+          <a:p>
+            <a:pPr algn="ctr"/>
+            <a:r>
+              <a:rPr lang="es-MX" dirty="0" smtClean="0"/>
+              <a:t>Defino mi </a:t>
+            </a:r>
+            <a:r>
+              <a:rPr lang="es-MX" b="1" dirty="0" smtClean="0"/>
+              <a:t>pregunta de investigación</a:t>
+            </a:r>
+            <a:endParaRPr lang="es-MX" dirty="0"/>
+          </a:p>
+        </p:txBody>
+      </p:sp>
+      <p:sp>
+        <p:nvSpPr>
+          <p:cNvPr id="9" name="Rectángulo redondeado 8"/>
+          <p:cNvSpPr/>
+          <p:nvPr/>
+        </p:nvSpPr>
+        <p:spPr>
+          <a:xfrm>
+            <a:off x="5901267" y="2514599"/>
+            <a:ext cx="2921000" cy="1913467"/>
+          </a:xfrm>
+          <a:prstGeom prst="roundRect">
+            <a:avLst/>
+          </a:prstGeom>
+        </p:spPr>
+        <p:style>
+          <a:lnRef idx="1">
+            <a:schemeClr val="dk1"/>
+          </a:lnRef>
+          <a:fillRef idx="2">
+            <a:schemeClr val="dk1"/>
+          </a:fillRef>
+          <a:effectRef idx="1">
+            <a:schemeClr val="dk1"/>
+          </a:effectRef>
+          <a:fontRef idx="minor">
+            <a:schemeClr val="dk1"/>
+          </a:fontRef>
+        </p:style>
+        <p:txBody>
+          <a:bodyPr rtlCol="0" anchor="ctr"/>
+          <a:lstStyle/>
+          <a:p>
+            <a:pPr algn="ctr"/>
+            <a:r>
+              <a:rPr lang="es-MX" dirty="0" smtClean="0"/>
+              <a:t>Planteo qué </a:t>
+            </a:r>
+            <a:r>
+              <a:rPr lang="es-MX" b="1" dirty="0" smtClean="0"/>
+              <a:t>objetivos</a:t>
+            </a:r>
+            <a:r>
+              <a:rPr lang="es-MX" dirty="0"/>
+              <a:t> </a:t>
+            </a:r>
+            <a:r>
+              <a:rPr lang="es-MX" dirty="0" smtClean="0"/>
+              <a:t>tendrá mi investigación y bajo qué </a:t>
+            </a:r>
+            <a:r>
+              <a:rPr lang="es-MX" b="1" dirty="0" smtClean="0"/>
+              <a:t>justificación</a:t>
+            </a:r>
+            <a:r>
+              <a:rPr lang="es-MX" dirty="0" smtClean="0"/>
+              <a:t> es relevante</a:t>
+            </a:r>
+            <a:endParaRPr lang="es-MX" dirty="0"/>
+          </a:p>
+        </p:txBody>
+      </p:sp>
+      <p:sp>
+        <p:nvSpPr>
+          <p:cNvPr id="10" name="Rectángulo redondeado 9"/>
+          <p:cNvSpPr/>
+          <p:nvPr/>
+        </p:nvSpPr>
+        <p:spPr>
+          <a:xfrm>
+            <a:off x="9237134" y="2514597"/>
+            <a:ext cx="2921000" cy="1913467"/>
+          </a:xfrm>
+          <a:prstGeom prst="roundRect">
+            <a:avLst/>
+          </a:prstGeom>
+        </p:spPr>
+        <p:style>
+          <a:lnRef idx="1">
+            <a:schemeClr val="dk1"/>
+          </a:lnRef>
+          <a:fillRef idx="3">
+            <a:schemeClr val="dk1"/>
+          </a:fillRef>
+          <a:effectRef idx="2">
+            <a:schemeClr val="dk1"/>
+          </a:effectRef>
+          <a:fontRef idx="minor">
+            <a:schemeClr val="lt1"/>
+          </a:fontRef>
+        </p:style>
+        <p:txBody>
+          <a:bodyPr rtlCol="0" anchor="ctr"/>
+          <a:lstStyle/>
+          <a:p>
+            <a:pPr algn="ctr"/>
+            <a:r>
+              <a:rPr lang="es-MX" dirty="0" smtClean="0"/>
+              <a:t>Me informo al respecto</a:t>
+            </a:r>
+          </a:p>
+          <a:p>
+            <a:pPr algn="ctr"/>
+            <a:r>
+              <a:rPr lang="es-ES" b="1" dirty="0" smtClean="0"/>
+              <a:t>(Marco teórico)</a:t>
+            </a:r>
+            <a:endParaRPr lang="es-MX" dirty="0"/>
+          </a:p>
+        </p:txBody>
+      </p:sp>
+      <p:sp>
+        <p:nvSpPr>
+          <p:cNvPr id="11" name="Flecha derecha 10"/>
+          <p:cNvSpPr/>
+          <p:nvPr/>
+        </p:nvSpPr>
+        <p:spPr>
+          <a:xfrm>
+            <a:off x="2383367" y="3061494"/>
+            <a:ext cx="406400" cy="939800"/>
+          </a:xfrm>
+          <a:prstGeom prst="rightArrow">
+            <a:avLst/>
+          </a:prstGeom>
+          <a:solidFill>
+            <a:schemeClr val="bg1"/>
+          </a:solidFill>
+          <a:ln w="76200">
+            <a:solidFill>
+              <a:schemeClr val="tx1"/>
+            </a:solidFill>
+          </a:ln>
+        </p:spPr>
+        <p:style>
+          <a:lnRef idx="2">
+            <a:schemeClr val="accent3">
+              <a:shade val="50000"/>
+            </a:schemeClr>
+          </a:lnRef>
+          <a:fillRef idx="1">
+            <a:schemeClr val="accent3"/>
+          </a:fillRef>
+          <a:effectRef idx="0">
+            <a:schemeClr val="accent3"/>
+          </a:effectRef>
+          <a:fontRef idx="minor">
+            <a:schemeClr val="lt1"/>
+          </a:fontRef>
+        </p:style>
+        <p:txBody>
+          <a:bodyPr rtlCol="0" anchor="ctr"/>
+          <a:lstStyle/>
+          <a:p>
+            <a:pPr algn="ctr"/>
+            <a:endParaRPr lang="es-MX"/>
+          </a:p>
+        </p:txBody>
+      </p:sp>
+      <p:sp>
+        <p:nvSpPr>
+          <p:cNvPr id="12" name="Flecha derecha 11"/>
+          <p:cNvSpPr/>
+          <p:nvPr/>
+        </p:nvSpPr>
+        <p:spPr>
+          <a:xfrm>
+            <a:off x="5630333" y="3004080"/>
+            <a:ext cx="406400" cy="939800"/>
+          </a:xfrm>
+          <a:prstGeom prst="rightArrow">
+            <a:avLst/>
+          </a:prstGeom>
+          <a:solidFill>
+            <a:schemeClr val="bg1"/>
+          </a:solidFill>
+          <a:ln w="76200">
+            <a:solidFill>
+              <a:schemeClr val="tx1"/>
+            </a:solidFill>
+          </a:ln>
+        </p:spPr>
+        <p:style>
+          <a:lnRef idx="2">
+            <a:schemeClr val="accent3">
+              <a:shade val="50000"/>
+            </a:schemeClr>
+          </a:lnRef>
+          <a:fillRef idx="1">
+            <a:schemeClr val="accent3"/>
+          </a:fillRef>
+          <a:effectRef idx="0">
+            <a:schemeClr val="accent3"/>
+          </a:effectRef>
+          <a:fontRef idx="minor">
+            <a:schemeClr val="lt1"/>
+          </a:fontRef>
+        </p:style>
+        <p:txBody>
+          <a:bodyPr rtlCol="0" anchor="ctr"/>
+          <a:lstStyle/>
+          <a:p>
+            <a:pPr algn="ctr"/>
+            <a:endParaRPr lang="es-MX"/>
+          </a:p>
+        </p:txBody>
+      </p:sp>
+      <p:sp>
+        <p:nvSpPr>
+          <p:cNvPr id="13" name="Flecha derecha 12"/>
+          <p:cNvSpPr/>
+          <p:nvPr/>
+        </p:nvSpPr>
+        <p:spPr>
+          <a:xfrm>
+            <a:off x="8830734" y="3072607"/>
+            <a:ext cx="406400" cy="939800"/>
+          </a:xfrm>
+          <a:prstGeom prst="rightArrow">
+            <a:avLst/>
+          </a:prstGeom>
+          <a:solidFill>
+            <a:schemeClr val="bg1"/>
+          </a:solidFill>
+          <a:ln w="76200">
+            <a:solidFill>
+              <a:schemeClr val="tx1"/>
+            </a:solidFill>
+          </a:ln>
+        </p:spPr>
+        <p:style>
+          <a:lnRef idx="2">
+            <a:schemeClr val="accent3">
+              <a:shade val="50000"/>
+            </a:schemeClr>
+          </a:lnRef>
+          <a:fillRef idx="1">
+            <a:schemeClr val="accent3"/>
+          </a:fillRef>
+          <a:effectRef idx="0">
+            <a:schemeClr val="accent3"/>
+          </a:effectRef>
+          <a:fontRef idx="minor">
+            <a:schemeClr val="lt1"/>
+          </a:fontRef>
+        </p:style>
+        <p:txBody>
+          <a:bodyPr rtlCol="0" anchor="ctr"/>
+          <a:lstStyle/>
+          <a:p>
+            <a:pPr algn="ctr"/>
+            <a:endParaRPr lang="es-MX"/>
+          </a:p>
+        </p:txBody>
+      </p:sp>
     </p:spTree>
     <p:extLst>
       <p:ext uri="{BB962C8B-B14F-4D97-AF65-F5344CB8AC3E}">
-        <p14:creationId xmlns:p14="http://schemas.microsoft.com/office/powerpoint/2010/main" val="2284448456"/>
+        <p14:creationId xmlns:p14="http://schemas.microsoft.com/office/powerpoint/2010/main" val="3587711372"/>
       </p:ext>
     </p:extLst>
   </p:cSld>
@@ -6033,60 +6341,62 @@
           <a:p>
             <a:r>
               <a:rPr lang="es-MX" b="1" dirty="0" smtClean="0"/>
-              <a:t>Tipos de validez</a:t>
-            </a:r>
-          </a:p>
-          <a:p>
-            <a:endParaRPr lang="es-MX" b="1" dirty="0" smtClean="0"/>
-          </a:p>
-          <a:p>
-            <a:pPr lvl="1"/>
+              <a:t>Definición:</a:t>
+            </a:r>
+          </a:p>
+          <a:p>
+            <a:pPr marL="0" indent="0">
+              <a:buNone/>
+            </a:pPr>
             <a:r>
               <a:rPr lang="es-MX" b="1" dirty="0" smtClean="0"/>
-              <a:t>Validez de contenido: </a:t>
-            </a:r>
-          </a:p>
-          <a:p>
-            <a:pPr marL="914400" lvl="2" indent="0">
+              <a:t>	</a:t>
+            </a:r>
+            <a:r>
+              <a:rPr lang="es-MX" dirty="0" smtClean="0"/>
+              <a:t>Hace referencia al grado en que realmente se está midiendo lo 	que se quiere medir, (</a:t>
+            </a:r>
+            <a:r>
+              <a:rPr lang="es-MX" i="1" dirty="0" smtClean="0"/>
+              <a:t>¿qué tan válido es decir que estoy midiendo 	lo que quiero medir?</a:t>
+            </a:r>
+            <a:r>
+              <a:rPr lang="es-MX" dirty="0" smtClean="0"/>
+              <a:t>)</a:t>
+            </a:r>
+          </a:p>
+          <a:p>
+            <a:pPr marL="0" indent="0">
               <a:buNone/>
             </a:pPr>
+            <a:endParaRPr lang="es-MX" b="1" dirty="0"/>
+          </a:p>
+          <a:p>
+            <a:pPr marL="0" indent="0">
+              <a:buNone/>
+            </a:pPr>
+            <a:r>
+              <a:rPr lang="es-MX" b="1" dirty="0" smtClean="0"/>
+              <a:t>	Ejemplo:</a:t>
+            </a:r>
+          </a:p>
+          <a:p>
+            <a:pPr marL="0" indent="0">
+              <a:buNone/>
+            </a:pPr>
+            <a:r>
+              <a:rPr lang="es-MX" b="1" dirty="0"/>
+              <a:t>	</a:t>
+            </a:r>
+            <a:r>
+              <a:rPr lang="es-MX" b="1" dirty="0" smtClean="0"/>
+              <a:t>	</a:t>
+            </a:r>
             <a:r>
               <a:rPr lang="es-MX" dirty="0" smtClean="0"/>
-              <a:t>El grado en que mi instrumento de medida captura </a:t>
-            </a:r>
-            <a:r>
-              <a:rPr lang="es-MX" b="1" dirty="0" smtClean="0"/>
-              <a:t>la totalidad </a:t>
-            </a:r>
-            <a:r>
-              <a:rPr lang="es-MX" dirty="0" smtClean="0"/>
-              <a:t>de aspectos contenidos en mi variable de interés.</a:t>
-            </a:r>
-          </a:p>
-          <a:p>
-            <a:pPr marL="914400" lvl="2" indent="0">
-              <a:buNone/>
-            </a:pPr>
-            <a:endParaRPr lang="es-MX" dirty="0"/>
-          </a:p>
-          <a:p>
-            <a:pPr marL="914400" lvl="2" indent="0">
-              <a:buNone/>
-            </a:pPr>
-            <a:r>
-              <a:rPr lang="es-MX" b="1" dirty="0" smtClean="0"/>
-              <a:t>Por ejemplo:</a:t>
-            </a:r>
-          </a:p>
-          <a:p>
-            <a:pPr marL="914400" lvl="2" indent="0">
-              <a:buNone/>
-            </a:pPr>
-            <a:r>
-              <a:rPr lang="es-MX" dirty="0" smtClean="0"/>
-              <a:t>Hacer un examen de certificación de idioma que sólo considere la parte oral</a:t>
-            </a:r>
-            <a:endParaRPr lang="es-MX" dirty="0"/>
+              <a:t>Medir la “condición física” de las personas, aplicándoles un 		cuestionario de autovaloración.</a:t>
+            </a:r>
+            <a:endParaRPr lang="es-MX" b="1" dirty="0"/>
           </a:p>
         </p:txBody>
       </p:sp>
@@ -6193,7 +6503,7 @@
     </p:spTree>
     <p:extLst>
       <p:ext uri="{BB962C8B-B14F-4D97-AF65-F5344CB8AC3E}">
-        <p14:creationId xmlns:p14="http://schemas.microsoft.com/office/powerpoint/2010/main" val="617448747"/>
+        <p14:creationId xmlns:p14="http://schemas.microsoft.com/office/powerpoint/2010/main" val="1376228722"/>
       </p:ext>
     </p:extLst>
   </p:cSld>
@@ -6272,7 +6582,7 @@
             <a:pPr lvl="1"/>
             <a:r>
               <a:rPr lang="es-MX" b="1" dirty="0" smtClean="0"/>
-              <a:t>Validez de criterio: </a:t>
+              <a:t>Validez de contenido: </a:t>
             </a:r>
           </a:p>
           <a:p>
@@ -6281,7 +6591,15 @@
             </a:pPr>
             <a:r>
               <a:rPr lang="es-MX" dirty="0" smtClean="0"/>
-              <a:t>El grado en que mi instrumento de medida arroja información consistente con mediciones obtenidas por otros instrumentos</a:t>
+              <a:t>El grado en que mi instrumento de medida captura </a:t>
+            </a:r>
+            <a:r>
+              <a:rPr lang="es-MX" b="1" dirty="0" smtClean="0"/>
+              <a:t>la totalidad </a:t>
+            </a:r>
+            <a:r>
+              <a:rPr lang="es-MX" dirty="0" smtClean="0"/>
+              <a:t>de aspectos contenidos en mi variable de interés.</a:t>
             </a:r>
           </a:p>
           <a:p>
@@ -6305,21 +6623,9 @@
             </a:pPr>
             <a:r>
               <a:rPr lang="es-MX" dirty="0" smtClean="0"/>
-              <a:t>La correlación entre qué tan bien me va en el examen de certificación de inglés </a:t>
-            </a:r>
-            <a:r>
-              <a:rPr lang="es-MX" b="1" dirty="0" smtClean="0"/>
-              <a:t>TOEFL </a:t>
-            </a:r>
-            <a:r>
-              <a:rPr lang="es-MX" dirty="0" smtClean="0"/>
-              <a:t>y el </a:t>
-            </a:r>
-            <a:r>
-              <a:rPr lang="es-MX" b="1" dirty="0" smtClean="0"/>
-              <a:t>IELS.</a:t>
-            </a:r>
-            <a:endParaRPr lang="es-MX" dirty="0" smtClean="0"/>
+              <a:t>Hacer un examen de certificación de idioma que sólo considere la parte oral</a:t>
+            </a:r>
+            <a:endParaRPr lang="es-MX" dirty="0"/>
           </a:p>
         </p:txBody>
       </p:sp>
@@ -6426,7 +6732,7 @@
     </p:spTree>
     <p:extLst>
       <p:ext uri="{BB962C8B-B14F-4D97-AF65-F5344CB8AC3E}">
-        <p14:creationId xmlns:p14="http://schemas.microsoft.com/office/powerpoint/2010/main" val="691050045"/>
+        <p14:creationId xmlns:p14="http://schemas.microsoft.com/office/powerpoint/2010/main" val="617448747"/>
       </p:ext>
     </p:extLst>
   </p:cSld>
@@ -6521,48 +6827,38 @@
             <a:pPr marL="914400" lvl="2" indent="0">
               <a:buNone/>
             </a:pPr>
+            <a:endParaRPr lang="es-MX" dirty="0"/>
+          </a:p>
+          <a:p>
+            <a:pPr marL="914400" lvl="2" indent="0">
+              <a:buNone/>
+            </a:pPr>
+            <a:r>
+              <a:rPr lang="es-MX" b="1" dirty="0" smtClean="0"/>
+              <a:t>Por ejemplo:</a:t>
+            </a:r>
+          </a:p>
+          <a:p>
+            <a:pPr marL="914400" lvl="2" indent="0">
+              <a:buNone/>
+            </a:pPr>
             <a:r>
               <a:rPr lang="es-MX" dirty="0" smtClean="0"/>
-              <a:t>	</a:t>
-            </a:r>
-          </a:p>
-          <a:p>
-            <a:pPr marL="914400" lvl="2" indent="0">
-              <a:buNone/>
-            </a:pPr>
-            <a:r>
-              <a:rPr lang="es-MX" dirty="0"/>
-              <a:t>	</a:t>
+              <a:t>La correlación entre qué tan bien me va en el examen de certificación de inglés </a:t>
             </a:r>
             <a:r>
               <a:rPr lang="es-MX" b="1" dirty="0" smtClean="0"/>
-              <a:t>Validez concurrente: </a:t>
+              <a:t>TOEFL </a:t>
             </a:r>
             <a:r>
               <a:rPr lang="es-MX" dirty="0" smtClean="0"/>
-              <a:t>Cuando ya se tienen ambas medidas y se comparan</a:t>
-            </a:r>
-            <a:endParaRPr lang="es-MX" b="1" dirty="0" smtClean="0"/>
-          </a:p>
-          <a:p>
-            <a:pPr marL="914400" lvl="2" indent="0">
-              <a:buNone/>
-            </a:pPr>
-            <a:endParaRPr lang="es-MX" b="1" dirty="0"/>
-          </a:p>
-          <a:p>
-            <a:pPr marL="914400" lvl="2" indent="0">
-              <a:buNone/>
-            </a:pPr>
+              <a:t>y el </a:t>
+            </a:r>
             <a:r>
               <a:rPr lang="es-MX" b="1" dirty="0" smtClean="0"/>
-              <a:t>	Validez predictiva: </a:t>
-            </a:r>
-            <a:r>
-              <a:rPr lang="es-MX" dirty="0" smtClean="0"/>
-              <a:t>Cuando se utiliza una de las dos medidas para intentar 				  predecir lo que se obtendrá en la segunda</a:t>
-            </a:r>
-            <a:endParaRPr lang="es-MX" dirty="0"/>
+              <a:t>IELS.</a:t>
+            </a:r>
+            <a:endParaRPr lang="es-MX" dirty="0" smtClean="0"/>
           </a:p>
         </p:txBody>
       </p:sp>
@@ -6669,7 +6965,7 @@
     </p:spTree>
     <p:extLst>
       <p:ext uri="{BB962C8B-B14F-4D97-AF65-F5344CB8AC3E}">
-        <p14:creationId xmlns:p14="http://schemas.microsoft.com/office/powerpoint/2010/main" val="2436930829"/>
+        <p14:creationId xmlns:p14="http://schemas.microsoft.com/office/powerpoint/2010/main" val="691050045"/>
       </p:ext>
     </p:extLst>
   </p:cSld>
@@ -6737,12 +7033,8 @@
           <a:lstStyle/>
           <a:p>
             <a:r>
-              <a:rPr lang="es-MX" b="1" dirty="0"/>
-              <a:t>Tipos de </a:t>
-            </a:r>
-            <a:r>
               <a:rPr lang="es-MX" b="1" dirty="0" smtClean="0"/>
-              <a:t>validez</a:t>
+              <a:t>Tipos de validez</a:t>
             </a:r>
           </a:p>
           <a:p>
@@ -6752,59 +7044,62 @@
             <a:pPr lvl="1"/>
             <a:r>
               <a:rPr lang="es-MX" b="1" dirty="0" smtClean="0"/>
-              <a:t>Validez </a:t>
-            </a:r>
-            <a:r>
-              <a:rPr lang="es-MX" b="1" dirty="0"/>
-              <a:t>de criterio </a:t>
+              <a:t>Validez de criterio: </a:t>
+            </a:r>
+          </a:p>
+          <a:p>
+            <a:pPr marL="914400" lvl="2" indent="0">
+              <a:buNone/>
+            </a:pPr>
+            <a:r>
+              <a:rPr lang="es-MX" dirty="0" smtClean="0"/>
+              <a:t>El grado en que mi instrumento de medida arroja información consistente con mediciones obtenidas por otros instrumentos</a:t>
+            </a:r>
+          </a:p>
+          <a:p>
+            <a:pPr marL="914400" lvl="2" indent="0">
+              <a:buNone/>
+            </a:pPr>
+            <a:r>
+              <a:rPr lang="es-MX" dirty="0" smtClean="0"/>
+              <a:t>	</a:t>
+            </a:r>
+          </a:p>
+          <a:p>
+            <a:pPr marL="914400" lvl="2" indent="0">
+              <a:buNone/>
+            </a:pPr>
+            <a:r>
+              <a:rPr lang="es-MX" dirty="0"/>
+              <a:t>	</a:t>
+            </a:r>
+            <a:r>
+              <a:rPr lang="es-MX" b="1" dirty="0" smtClean="0"/>
+              <a:t>Validez concurrente: </a:t>
+            </a:r>
+            <a:r>
+              <a:rPr lang="es-MX" dirty="0" smtClean="0"/>
+              <a:t>Cuando ya se tienen ambas medidas y se comparan</a:t>
             </a:r>
             <a:endParaRPr lang="es-MX" b="1" dirty="0" smtClean="0"/>
           </a:p>
           <a:p>
-            <a:pPr marL="457200" lvl="1" indent="0">
+            <a:pPr marL="914400" lvl="2" indent="0">
               <a:buNone/>
             </a:pPr>
+            <a:endParaRPr lang="es-MX" b="1" dirty="0"/>
+          </a:p>
+          <a:p>
+            <a:pPr marL="914400" lvl="2" indent="0">
+              <a:buNone/>
+            </a:pPr>
+            <a:r>
+              <a:rPr lang="es-MX" b="1" dirty="0" smtClean="0"/>
+              <a:t>	Validez predictiva: </a:t>
+            </a:r>
             <a:r>
               <a:rPr lang="es-MX" dirty="0" smtClean="0"/>
-              <a:t>	Se refiere a la </a:t>
-            </a:r>
-            <a:r>
-              <a:rPr lang="es-MX" b="1" dirty="0" smtClean="0"/>
-              <a:t>correspondencia</a:t>
-            </a:r>
-            <a:r>
-              <a:rPr lang="es-MX" dirty="0" smtClean="0"/>
-              <a:t> entre lo que mi instrumento de 	medición 	mide, y </a:t>
-            </a:r>
-            <a:r>
-              <a:rPr lang="es-MX" b="1" dirty="0" smtClean="0"/>
-              <a:t>lo que la teoría </a:t>
-            </a:r>
-            <a:r>
-              <a:rPr lang="es-MX" dirty="0" smtClean="0"/>
-              <a:t>dice que debería medir</a:t>
-            </a:r>
-          </a:p>
-          <a:p>
-            <a:pPr marL="0" indent="0">
-              <a:buNone/>
-            </a:pPr>
-            <a:endParaRPr lang="es-MX" b="1" dirty="0" smtClean="0"/>
-          </a:p>
-          <a:p>
-            <a:pPr lvl="1"/>
-            <a:r>
-              <a:rPr lang="es-MX" b="1" dirty="0" smtClean="0"/>
-              <a:t>Por ejemplo:</a:t>
-            </a:r>
-          </a:p>
-          <a:p>
-            <a:pPr marL="914400" lvl="2" indent="0">
-              <a:buNone/>
-            </a:pPr>
-            <a:r>
-              <a:rPr lang="es-MX" dirty="0" smtClean="0"/>
-              <a:t>¡¡¡Usar el número de premios Nobel ganados por cada 10 millones de habitantes para evaluar la inteligencia de las personas!!!</a:t>
+              <a:t>Cuando se utiliza una de las dos medidas para intentar 				  predecir lo que se obtendrá en la segunda</a:t>
             </a:r>
             <a:endParaRPr lang="es-MX" dirty="0"/>
           </a:p>
@@ -6913,7 +7208,7 @@
     </p:spTree>
     <p:extLst>
       <p:ext uri="{BB962C8B-B14F-4D97-AF65-F5344CB8AC3E}">
-        <p14:creationId xmlns:p14="http://schemas.microsoft.com/office/powerpoint/2010/main" val="3460953812"/>
+        <p14:creationId xmlns:p14="http://schemas.microsoft.com/office/powerpoint/2010/main" val="2436930829"/>
       </p:ext>
     </p:extLst>
   </p:cSld>
@@ -6996,24 +7291,37 @@
             <a:pPr lvl="1"/>
             <a:r>
               <a:rPr lang="es-MX" b="1" dirty="0" smtClean="0"/>
-              <a:t>Validez ecológica</a:t>
-            </a:r>
-          </a:p>
-          <a:p>
-            <a:pPr marL="0" indent="0">
+              <a:t>Validez </a:t>
+            </a:r>
+            <a:r>
+              <a:rPr lang="es-MX" b="1" dirty="0"/>
+              <a:t>de criterio </a:t>
+            </a:r>
+            <a:endParaRPr lang="es-MX" b="1" dirty="0" smtClean="0"/>
+          </a:p>
+          <a:p>
+            <a:pPr marL="457200" lvl="1" indent="0">
               <a:buNone/>
             </a:pPr>
             <a:r>
+              <a:rPr lang="es-MX" dirty="0" smtClean="0"/>
+              <a:t>	Se refiere a la </a:t>
+            </a:r>
+            <a:r>
               <a:rPr lang="es-MX" b="1" dirty="0" smtClean="0"/>
-              <a:t>	</a:t>
+              <a:t>correspondencia</a:t>
             </a:r>
             <a:r>
               <a:rPr lang="es-MX" dirty="0" smtClean="0"/>
-              <a:t>El grado en que el instrumento de medida que estoy utilizando 	se adecúa al contexto en que la estoy aplicando</a:t>
+              <a:t> entre lo que mi instrumento de 	medición 	mide, y </a:t>
             </a:r>
             <a:r>
               <a:rPr lang="es-MX" b="1" dirty="0" smtClean="0"/>
-              <a:t>	</a:t>
+              <a:t>lo que la teoría </a:t>
+            </a:r>
+            <a:r>
+              <a:rPr lang="es-MX" dirty="0" smtClean="0"/>
+              <a:t>dice que debería medir</a:t>
             </a:r>
           </a:p>
           <a:p>
@@ -7035,7 +7343,7 @@
             </a:pPr>
             <a:r>
               <a:rPr lang="es-MX" dirty="0" smtClean="0"/>
-              <a:t>Aplicación de cuestionarios extranjeros.</a:t>
+              <a:t>¡¡¡Usar el número de premios Nobel ganados por cada 10 millones de habitantes para evaluar la inteligencia de las personas!!!</a:t>
             </a:r>
             <a:endParaRPr lang="es-MX" dirty="0"/>
           </a:p>
@@ -7144,7 +7452,7 @@
     </p:spTree>
     <p:extLst>
       <p:ext uri="{BB962C8B-B14F-4D97-AF65-F5344CB8AC3E}">
-        <p14:creationId xmlns:p14="http://schemas.microsoft.com/office/powerpoint/2010/main" val="3107307027"/>
+        <p14:creationId xmlns:p14="http://schemas.microsoft.com/office/powerpoint/2010/main" val="3460953812"/>
       </p:ext>
     </p:extLst>
   </p:cSld>
@@ -7188,66 +7496,93 @@
           <a:p>
             <a:r>
               <a:rPr lang="es-MX" b="1" dirty="0" smtClean="0"/>
-              <a:t>Validez </a:t>
+              <a:t>Acerca de la Validez</a:t>
+            </a:r>
+            <a:endParaRPr lang="es-MX" b="1" dirty="0"/>
+          </a:p>
+        </p:txBody>
+      </p:sp>
+      <p:sp>
+        <p:nvSpPr>
+          <p:cNvPr id="3" name="Marcador de contenido 2"/>
+          <p:cNvSpPr>
+            <a:spLocks noGrp="1"/>
+          </p:cNvSpPr>
+          <p:nvPr>
+            <p:ph idx="1"/>
+          </p:nvPr>
+        </p:nvSpPr>
+        <p:spPr/>
+        <p:txBody>
+          <a:bodyPr>
+            <a:normAutofit/>
+          </a:bodyPr>
+          <a:lstStyle/>
+          <a:p>
+            <a:r>
+              <a:rPr lang="es-MX" b="1" dirty="0"/>
+              <a:t>Tipos de </a:t>
+            </a:r>
+            <a:r>
+              <a:rPr lang="es-MX" b="1" dirty="0" smtClean="0"/>
+              <a:t>validez</a:t>
+            </a:r>
+          </a:p>
+          <a:p>
+            <a:endParaRPr lang="es-MX" b="1" dirty="0" smtClean="0"/>
+          </a:p>
+          <a:p>
+            <a:pPr lvl="1"/>
+            <a:r>
+              <a:rPr lang="es-MX" b="1" dirty="0" smtClean="0"/>
+              <a:t>Validez ecológica</a:t>
+            </a:r>
+          </a:p>
+          <a:p>
+            <a:pPr marL="0" indent="0">
+              <a:buNone/>
+            </a:pPr>
+            <a:r>
+              <a:rPr lang="es-MX" b="1" dirty="0" smtClean="0"/>
+              <a:t>	</a:t>
             </a:r>
             <a:r>
               <a:rPr lang="es-MX" dirty="0" smtClean="0"/>
-              <a:t>y </a:t>
+              <a:t>El grado en que el instrumento de medida que estoy utilizando 	se adecúa al contexto en que la estoy aplicando</a:t>
             </a:r>
             <a:r>
               <a:rPr lang="es-MX" b="1" dirty="0" smtClean="0"/>
-              <a:t>Confiabilidad, un ejemplo didáctico:</a:t>
-            </a:r>
-            <a:endParaRPr lang="es-MX" b="1" dirty="0"/>
-          </a:p>
-        </p:txBody>
-      </p:sp>
-      <p:sp>
-        <p:nvSpPr>
-          <p:cNvPr id="3" name="Marcador de contenido 2"/>
-          <p:cNvSpPr>
-            <a:spLocks noGrp="1"/>
-          </p:cNvSpPr>
-          <p:nvPr>
-            <p:ph idx="1"/>
-          </p:nvPr>
-        </p:nvSpPr>
-        <p:spPr/>
-        <p:txBody>
-          <a:bodyPr/>
-          <a:lstStyle/>
-          <a:p>
-            <a:endParaRPr lang="es-MX"/>
-          </a:p>
-        </p:txBody>
-      </p:sp>
-      <p:pic>
-        <p:nvPicPr>
-          <p:cNvPr id="4" name="Imagen 3"/>
-          <p:cNvPicPr>
-            <a:picLocks noChangeAspect="1"/>
-          </p:cNvPicPr>
-          <p:nvPr/>
-        </p:nvPicPr>
-        <p:blipFill>
-          <a:blip r:embed="rId2"/>
-          <a:stretch>
-            <a:fillRect/>
-          </a:stretch>
-        </p:blipFill>
-        <p:spPr>
-          <a:xfrm>
-            <a:off x="533400" y="1825625"/>
-            <a:ext cx="11125200" cy="3933825"/>
-          </a:xfrm>
-          <a:prstGeom prst="rect">
-            <a:avLst/>
-          </a:prstGeom>
-        </p:spPr>
-      </p:pic>
-      <p:sp>
-        <p:nvSpPr>
-          <p:cNvPr id="5" name="Rectángulo 4"/>
+              <a:t>	</a:t>
+            </a:r>
+          </a:p>
+          <a:p>
+            <a:pPr marL="0" indent="0">
+              <a:buNone/>
+            </a:pPr>
+            <a:endParaRPr lang="es-MX" b="1" dirty="0" smtClean="0"/>
+          </a:p>
+          <a:p>
+            <a:pPr lvl="1"/>
+            <a:r>
+              <a:rPr lang="es-MX" b="1" dirty="0" smtClean="0"/>
+              <a:t>Por ejemplo:</a:t>
+            </a:r>
+          </a:p>
+          <a:p>
+            <a:pPr marL="914400" lvl="2" indent="0">
+              <a:buNone/>
+            </a:pPr>
+            <a:r>
+              <a:rPr lang="es-MX" dirty="0" smtClean="0"/>
+              <a:t>Aplicación de cuestionarios extranjeros.</a:t>
+            </a:r>
+            <a:endParaRPr lang="es-MX" dirty="0"/>
+          </a:p>
+        </p:txBody>
+      </p:sp>
+      <p:sp>
+        <p:nvSpPr>
+          <p:cNvPr id="4" name="Rectángulo 3"/>
           <p:cNvSpPr/>
           <p:nvPr/>
         </p:nvSpPr>
@@ -7297,7 +7632,7 @@
       </p:sp>
       <p:sp>
         <p:nvSpPr>
-          <p:cNvPr id="6" name="Rectángulo 5"/>
+          <p:cNvPr id="5" name="Rectángulo 4"/>
           <p:cNvSpPr/>
           <p:nvPr/>
         </p:nvSpPr>
@@ -7348,7 +7683,7 @@
     </p:spTree>
     <p:extLst>
       <p:ext uri="{BB962C8B-B14F-4D97-AF65-F5344CB8AC3E}">
-        <p14:creationId xmlns:p14="http://schemas.microsoft.com/office/powerpoint/2010/main" val="2539068259"/>
+        <p14:creationId xmlns:p14="http://schemas.microsoft.com/office/powerpoint/2010/main" val="3107307027"/>
       </p:ext>
     </p:extLst>
   </p:cSld>
@@ -7392,7 +7727,15 @@
           <a:p>
             <a:r>
               <a:rPr lang="es-MX" b="1" dirty="0" smtClean="0"/>
-              <a:t>Acerca de la Objetividad</a:t>
+              <a:t>Validez </a:t>
+            </a:r>
+            <a:r>
+              <a:rPr lang="es-MX" dirty="0" smtClean="0"/>
+              <a:t>y </a:t>
+            </a:r>
+            <a:r>
+              <a:rPr lang="es-MX" b="1" dirty="0" smtClean="0"/>
+              <a:t>Confiabilidad, un ejemplo didáctico:</a:t>
             </a:r>
             <a:endParaRPr lang="es-MX" b="1" dirty="0"/>
           </a:p>
@@ -7410,85 +7753,40 @@
         </p:nvSpPr>
         <p:spPr/>
         <p:txBody>
-          <a:bodyPr>
-            <a:normAutofit/>
-          </a:bodyPr>
-          <a:lstStyle/>
-          <a:p>
-            <a:r>
-              <a:rPr lang="es-MX" b="1" dirty="0" smtClean="0"/>
-              <a:t>Definición:</a:t>
-            </a:r>
-            <a:endParaRPr lang="es-MX" b="1" dirty="0" smtClean="0"/>
-          </a:p>
-          <a:p>
-            <a:pPr marL="457200" lvl="1" indent="0">
-              <a:buNone/>
-            </a:pPr>
-            <a:r>
-              <a:rPr lang="es-MX" dirty="0" smtClean="0"/>
-              <a:t>Implica el grado en que nuestro instrumento está libre de </a:t>
-            </a:r>
-            <a:r>
-              <a:rPr lang="es-MX" b="1" dirty="0" smtClean="0"/>
-              <a:t>sesgos </a:t>
-            </a:r>
-          </a:p>
-          <a:p>
-            <a:pPr marL="457200" lvl="1" indent="0">
-              <a:buNone/>
-            </a:pPr>
-            <a:endParaRPr lang="es-MX" b="1" dirty="0"/>
-          </a:p>
-          <a:p>
-            <a:pPr marL="457200" lvl="1" indent="0">
-              <a:buNone/>
-            </a:pPr>
-            <a:r>
-              <a:rPr lang="es-MX" b="1" dirty="0" smtClean="0"/>
-              <a:t>Por ejemplo:</a:t>
-            </a:r>
-          </a:p>
-          <a:p>
-            <a:pPr lvl="1"/>
-            <a:r>
-              <a:rPr lang="es-MX" dirty="0" smtClean="0"/>
-              <a:t>Tener cuidado con la </a:t>
-            </a:r>
-            <a:r>
-              <a:rPr lang="es-MX" b="1" dirty="0" smtClean="0"/>
-              <a:t>“deseabilidad social”</a:t>
-            </a:r>
-          </a:p>
-          <a:p>
-            <a:pPr lvl="1"/>
-            <a:r>
-              <a:rPr lang="es-MX" dirty="0" smtClean="0"/>
-              <a:t>Tener cuidado con la redacción de mi instrumento</a:t>
-            </a:r>
-            <a:endParaRPr lang="es-MX" dirty="0"/>
-          </a:p>
-          <a:p>
-            <a:endParaRPr lang="es-MX" b="1" dirty="0" smtClean="0"/>
-          </a:p>
-          <a:p>
-            <a:r>
-              <a:rPr lang="es-MX" b="1" dirty="0" smtClean="0"/>
-              <a:t>¿Cómo se evalúa?</a:t>
-            </a:r>
-          </a:p>
-          <a:p>
-            <a:pPr lvl="1"/>
-            <a:r>
-              <a:rPr lang="es-MX" dirty="0" smtClean="0"/>
-              <a:t>Observando los patrones de respuesta</a:t>
-            </a:r>
-          </a:p>
-        </p:txBody>
-      </p:sp>
-      <p:sp>
-        <p:nvSpPr>
-          <p:cNvPr id="4" name="Rectángulo 3"/>
+          <a:bodyPr/>
+          <a:lstStyle/>
+          <a:p>
+            <a:endParaRPr lang="es-MX"/>
+          </a:p>
+        </p:txBody>
+      </p:sp>
+      <p:pic>
+        <p:nvPicPr>
+          <p:cNvPr id="4" name="Imagen 3"/>
+          <p:cNvPicPr>
+            <a:picLocks noChangeAspect="1"/>
+          </p:cNvPicPr>
+          <p:nvPr/>
+        </p:nvPicPr>
+        <p:blipFill>
+          <a:blip r:embed="rId2"/>
+          <a:stretch>
+            <a:fillRect/>
+          </a:stretch>
+        </p:blipFill>
+        <p:spPr>
+          <a:xfrm>
+            <a:off x="533400" y="1825625"/>
+            <a:ext cx="11125200" cy="3933825"/>
+          </a:xfrm>
+          <a:prstGeom prst="rect">
+            <a:avLst/>
+          </a:prstGeom>
+        </p:spPr>
+      </p:pic>
+      <p:sp>
+        <p:nvSpPr>
+          <p:cNvPr id="5" name="Rectángulo 4"/>
           <p:cNvSpPr/>
           <p:nvPr/>
         </p:nvSpPr>
@@ -7538,7 +7836,7 @@
       </p:sp>
       <p:sp>
         <p:nvSpPr>
-          <p:cNvPr id="5" name="Rectángulo 4"/>
+          <p:cNvPr id="6" name="Rectángulo 5"/>
           <p:cNvSpPr/>
           <p:nvPr/>
         </p:nvSpPr>
@@ -7586,10 +7884,50 @@
           </a:p>
         </p:txBody>
       </p:sp>
+      <p:sp>
+        <p:nvSpPr>
+          <p:cNvPr id="7" name="6 Rectángulo"/>
+          <p:cNvSpPr/>
+          <p:nvPr/>
+        </p:nvSpPr>
+        <p:spPr>
+          <a:xfrm>
+            <a:off x="290945" y="1330036"/>
+            <a:ext cx="7917873" cy="4686300"/>
+          </a:xfrm>
+          <a:prstGeom prst="rect">
+            <a:avLst/>
+          </a:prstGeom>
+        </p:spPr>
+        <p:style>
+          <a:lnRef idx="2">
+            <a:schemeClr val="accent1">
+              <a:shade val="50000"/>
+            </a:schemeClr>
+          </a:lnRef>
+          <a:fillRef idx="1">
+            <a:schemeClr val="accent1"/>
+          </a:fillRef>
+          <a:effectRef idx="0">
+            <a:schemeClr val="accent1"/>
+          </a:effectRef>
+          <a:fontRef idx="minor">
+            <a:schemeClr val="lt1"/>
+          </a:fontRef>
+        </p:style>
+        <p:txBody>
+          <a:bodyPr rtlCol="0" anchor="ctr"/>
+          <a:lstStyle/>
+          <a:p>
+            <a:pPr algn="ctr"/>
+            <a:endParaRPr lang="es-MX"/>
+          </a:p>
+        </p:txBody>
+      </p:sp>
     </p:spTree>
     <p:extLst>
       <p:ext uri="{BB962C8B-B14F-4D97-AF65-F5344CB8AC3E}">
-        <p14:creationId xmlns:p14="http://schemas.microsoft.com/office/powerpoint/2010/main" val="3618266981"/>
+        <p14:creationId xmlns:p14="http://schemas.microsoft.com/office/powerpoint/2010/main" val="2539068259"/>
       </p:ext>
     </p:extLst>
   </p:cSld>
@@ -7626,33 +7964,30 @@
             <p:ph type="title"/>
           </p:nvPr>
         </p:nvSpPr>
-        <p:spPr>
-          <a:xfrm>
-            <a:off x="1337734" y="2634192"/>
-            <a:ext cx="10515600" cy="1325563"/>
-          </a:xfrm>
-        </p:spPr>
-        <p:txBody>
-          <a:bodyPr>
-            <a:noAutofit/>
-          </a:bodyPr>
-          <a:lstStyle/>
-          <a:p>
-            <a:r>
-              <a:rPr lang="es-MX" sz="9000" b="1" dirty="0" smtClean="0">
-                <a:latin typeface="AR DARLING" panose="02000000000000000000" pitchFamily="2" charset="0"/>
-              </a:rPr>
-              <a:t>Introducción al análisis de datos</a:t>
-            </a:r>
-            <a:endParaRPr lang="es-MX" sz="9000" b="1" dirty="0">
-              <a:latin typeface="AR DARLING" panose="02000000000000000000" pitchFamily="2" charset="0"/>
-            </a:endParaRPr>
-          </a:p>
-        </p:txBody>
-      </p:sp>
-      <p:sp>
-        <p:nvSpPr>
-          <p:cNvPr id="5" name="Marcador de contenido 4"/>
+        <p:spPr/>
+        <p:txBody>
+          <a:bodyPr/>
+          <a:lstStyle/>
+          <a:p>
+            <a:r>
+              <a:rPr lang="es-MX" b="1" dirty="0" smtClean="0"/>
+              <a:t>Validez </a:t>
+            </a:r>
+            <a:r>
+              <a:rPr lang="es-MX" dirty="0" smtClean="0"/>
+              <a:t>y </a:t>
+            </a:r>
+            <a:r>
+              <a:rPr lang="es-MX" b="1" dirty="0" smtClean="0"/>
+              <a:t>Confiabilidad, un ejemplo didáctico:</a:t>
+            </a:r>
+            <a:endParaRPr lang="es-MX" b="1" dirty="0"/>
+          </a:p>
+        </p:txBody>
+      </p:sp>
+      <p:sp>
+        <p:nvSpPr>
+          <p:cNvPr id="3" name="Marcador de contenido 2"/>
           <p:cNvSpPr>
             <a:spLocks noGrp="1"/>
           </p:cNvSpPr>
@@ -7660,26 +7995,18 @@
             <p:ph idx="1"/>
           </p:nvPr>
         </p:nvSpPr>
-        <p:spPr>
-          <a:xfrm>
-            <a:off x="-296333" y="1465791"/>
-            <a:ext cx="10515600" cy="3415242"/>
-          </a:xfrm>
-        </p:spPr>
+        <p:spPr/>
         <p:txBody>
           <a:bodyPr/>
           <a:lstStyle/>
           <a:p>
-            <a:endParaRPr lang="es-MX" dirty="0" smtClean="0"/>
-          </a:p>
-          <a:p>
-            <a:endParaRPr lang="es-MX" u="sng" dirty="0"/>
+            <a:endParaRPr lang="es-MX"/>
           </a:p>
         </p:txBody>
       </p:sp>
       <p:pic>
         <p:nvPicPr>
-          <p:cNvPr id="6" name="Imagen 5"/>
+          <p:cNvPr id="4" name="Imagen 3"/>
           <p:cNvPicPr>
             <a:picLocks noChangeAspect="1"/>
           </p:cNvPicPr>
@@ -7693,42 +8020,158 @@
         </p:blipFill>
         <p:spPr>
           <a:xfrm>
-            <a:off x="0" y="0"/>
-            <a:ext cx="12192000" cy="1380067"/>
+            <a:off x="533400" y="1825625"/>
+            <a:ext cx="11125200" cy="3933825"/>
           </a:xfrm>
           <a:prstGeom prst="rect">
             <a:avLst/>
           </a:prstGeom>
         </p:spPr>
       </p:pic>
-      <p:pic>
-        <p:nvPicPr>
-          <p:cNvPr id="7" name="Imagen 6"/>
-          <p:cNvPicPr>
-            <a:picLocks noChangeAspect="1"/>
-          </p:cNvPicPr>
+      <p:sp>
+        <p:nvSpPr>
+          <p:cNvPr id="5" name="Rectángulo 4"/>
+          <p:cNvSpPr/>
           <p:nvPr/>
-        </p:nvPicPr>
-        <p:blipFill>
-          <a:blip r:embed="rId2"/>
-          <a:stretch>
-            <a:fillRect/>
-          </a:stretch>
-        </p:blipFill>
-        <p:spPr>
-          <a:xfrm>
-            <a:off x="0" y="5477933"/>
-            <a:ext cx="12192000" cy="1380067"/>
+        </p:nvSpPr>
+        <p:spPr>
+          <a:xfrm>
+            <a:off x="0" y="1"/>
+            <a:ext cx="12192000" cy="304800"/>
           </a:xfrm>
           <a:prstGeom prst="rect">
             <a:avLst/>
           </a:prstGeom>
-        </p:spPr>
-      </p:pic>
+          <a:solidFill>
+            <a:schemeClr val="bg2">
+              <a:lumMod val="10000"/>
+            </a:schemeClr>
+          </a:solidFill>
+          <a:ln>
+            <a:solidFill>
+              <a:schemeClr val="tx1"/>
+            </a:solidFill>
+          </a:ln>
+        </p:spPr>
+        <p:style>
+          <a:lnRef idx="2">
+            <a:schemeClr val="accent1">
+              <a:shade val="50000"/>
+            </a:schemeClr>
+          </a:lnRef>
+          <a:fillRef idx="1">
+            <a:schemeClr val="accent1"/>
+          </a:fillRef>
+          <a:effectRef idx="0">
+            <a:schemeClr val="accent1"/>
+          </a:effectRef>
+          <a:fontRef idx="minor">
+            <a:schemeClr val="lt1"/>
+          </a:fontRef>
+        </p:style>
+        <p:txBody>
+          <a:bodyPr rtlCol="0" anchor="ctr"/>
+          <a:lstStyle/>
+          <a:p>
+            <a:pPr algn="ctr"/>
+            <a:endParaRPr lang="es-MX"/>
+          </a:p>
+        </p:txBody>
+      </p:sp>
+      <p:sp>
+        <p:nvSpPr>
+          <p:cNvPr id="6" name="Rectángulo 5"/>
+          <p:cNvSpPr/>
+          <p:nvPr/>
+        </p:nvSpPr>
+        <p:spPr>
+          <a:xfrm>
+            <a:off x="0" y="6553200"/>
+            <a:ext cx="12192000" cy="304800"/>
+          </a:xfrm>
+          <a:prstGeom prst="rect">
+            <a:avLst/>
+          </a:prstGeom>
+          <a:solidFill>
+            <a:schemeClr val="bg2">
+              <a:lumMod val="10000"/>
+            </a:schemeClr>
+          </a:solidFill>
+          <a:ln>
+            <a:solidFill>
+              <a:schemeClr val="tx1"/>
+            </a:solidFill>
+          </a:ln>
+        </p:spPr>
+        <p:style>
+          <a:lnRef idx="2">
+            <a:schemeClr val="accent1">
+              <a:shade val="50000"/>
+            </a:schemeClr>
+          </a:lnRef>
+          <a:fillRef idx="1">
+            <a:schemeClr val="accent1"/>
+          </a:fillRef>
+          <a:effectRef idx="0">
+            <a:schemeClr val="accent1"/>
+          </a:effectRef>
+          <a:fontRef idx="minor">
+            <a:schemeClr val="lt1"/>
+          </a:fontRef>
+        </p:style>
+        <p:txBody>
+          <a:bodyPr rtlCol="0" anchor="ctr"/>
+          <a:lstStyle/>
+          <a:p>
+            <a:pPr algn="ctr"/>
+            <a:endParaRPr lang="es-MX"/>
+          </a:p>
+        </p:txBody>
+      </p:sp>
+      <p:sp>
+        <p:nvSpPr>
+          <p:cNvPr id="7" name="6 Rectángulo"/>
+          <p:cNvSpPr/>
+          <p:nvPr/>
+        </p:nvSpPr>
+        <p:spPr>
+          <a:xfrm>
+            <a:off x="290946" y="1330036"/>
+            <a:ext cx="3834246" cy="4686300"/>
+          </a:xfrm>
+          <a:prstGeom prst="rect">
+            <a:avLst/>
+          </a:prstGeom>
+        </p:spPr>
+        <p:style>
+          <a:lnRef idx="2">
+            <a:schemeClr val="accent1">
+              <a:shade val="50000"/>
+            </a:schemeClr>
+          </a:lnRef>
+          <a:fillRef idx="1">
+            <a:schemeClr val="accent1"/>
+          </a:fillRef>
+          <a:effectRef idx="0">
+            <a:schemeClr val="accent1"/>
+          </a:effectRef>
+          <a:fontRef idx="minor">
+            <a:schemeClr val="lt1"/>
+          </a:fontRef>
+        </p:style>
+        <p:txBody>
+          <a:bodyPr rtlCol="0" anchor="ctr"/>
+          <a:lstStyle/>
+          <a:p>
+            <a:pPr algn="ctr"/>
+            <a:endParaRPr lang="es-MX"/>
+          </a:p>
+        </p:txBody>
+      </p:sp>
     </p:spTree>
     <p:extLst>
       <p:ext uri="{BB962C8B-B14F-4D97-AF65-F5344CB8AC3E}">
-        <p14:creationId xmlns:p14="http://schemas.microsoft.com/office/powerpoint/2010/main" val="3076514734"/>
+        <p14:creationId xmlns:p14="http://schemas.microsoft.com/office/powerpoint/2010/main" val="2342813547"/>
       </p:ext>
     </p:extLst>
   </p:cSld>
@@ -7770,7 +8213,19 @@
           <a:bodyPr/>
           <a:lstStyle/>
           <a:p>
-            <a:endParaRPr lang="es-MX"/>
+            <a:r>
+              <a:rPr lang="es-MX" b="1" dirty="0" smtClean="0"/>
+              <a:t>Validez </a:t>
+            </a:r>
+            <a:r>
+              <a:rPr lang="es-MX" dirty="0" smtClean="0"/>
+              <a:t>y </a:t>
+            </a:r>
+            <a:r>
+              <a:rPr lang="es-MX" b="1" dirty="0" smtClean="0"/>
+              <a:t>Confiabilidad, un ejemplo didáctico:</a:t>
+            </a:r>
+            <a:endParaRPr lang="es-MX" b="1" dirty="0"/>
           </a:p>
         </p:txBody>
       </p:sp>
@@ -7793,9 +8248,33 @@
           </a:p>
         </p:txBody>
       </p:sp>
-      <p:sp>
-        <p:nvSpPr>
-          <p:cNvPr id="4" name="Rectángulo 3"/>
+      <p:pic>
+        <p:nvPicPr>
+          <p:cNvPr id="4" name="Imagen 3"/>
+          <p:cNvPicPr>
+            <a:picLocks noChangeAspect="1"/>
+          </p:cNvPicPr>
+          <p:nvPr/>
+        </p:nvPicPr>
+        <p:blipFill>
+          <a:blip r:embed="rId2"/>
+          <a:stretch>
+            <a:fillRect/>
+          </a:stretch>
+        </p:blipFill>
+        <p:spPr>
+          <a:xfrm>
+            <a:off x="533400" y="1825625"/>
+            <a:ext cx="11125200" cy="3933825"/>
+          </a:xfrm>
+          <a:prstGeom prst="rect">
+            <a:avLst/>
+          </a:prstGeom>
+        </p:spPr>
+      </p:pic>
+      <p:sp>
+        <p:nvSpPr>
+          <p:cNvPr id="5" name="Rectángulo 4"/>
           <p:cNvSpPr/>
           <p:nvPr/>
         </p:nvSpPr>
@@ -7808,9 +8287,8 @@
             <a:avLst/>
           </a:prstGeom>
           <a:solidFill>
-            <a:schemeClr val="accent3">
-              <a:lumMod val="40000"/>
-              <a:lumOff val="60000"/>
+            <a:schemeClr val="bg2">
+              <a:lumMod val="10000"/>
             </a:schemeClr>
           </a:solidFill>
           <a:ln>
@@ -7846,7 +8324,7 @@
       </p:sp>
       <p:sp>
         <p:nvSpPr>
-          <p:cNvPr id="5" name="Rectángulo 4"/>
+          <p:cNvPr id="6" name="Rectángulo 5"/>
           <p:cNvSpPr/>
           <p:nvPr/>
         </p:nvSpPr>
@@ -7859,9 +8337,8 @@
             <a:avLst/>
           </a:prstGeom>
           <a:solidFill>
-            <a:schemeClr val="accent3">
-              <a:lumMod val="40000"/>
-              <a:lumOff val="60000"/>
+            <a:schemeClr val="bg2">
+              <a:lumMod val="10000"/>
             </a:schemeClr>
           </a:solidFill>
           <a:ln>
@@ -7898,7 +8375,247 @@
     </p:spTree>
     <p:extLst>
       <p:ext uri="{BB962C8B-B14F-4D97-AF65-F5344CB8AC3E}">
-        <p14:creationId xmlns:p14="http://schemas.microsoft.com/office/powerpoint/2010/main" val="2438887625"/>
+        <p14:creationId xmlns:p14="http://schemas.microsoft.com/office/powerpoint/2010/main" val="2342813547"/>
+      </p:ext>
+    </p:extLst>
+  </p:cSld>
+  <p:clrMapOvr>
+    <a:masterClrMapping/>
+  </p:clrMapOvr>
+</p:sld>
+</file>
+
+<file path=ppt/slides/slide29.xml><?xml version="1.0" encoding="utf-8"?>
+<p:sld xmlns:a="http://schemas.openxmlformats.org/drawingml/2006/main" xmlns:r="http://schemas.openxmlformats.org/officeDocument/2006/relationships" xmlns:p="http://schemas.openxmlformats.org/presentationml/2006/main">
+  <p:cSld>
+    <p:spTree>
+      <p:nvGrpSpPr>
+        <p:cNvPr id="1" name=""/>
+        <p:cNvGrpSpPr/>
+        <p:nvPr/>
+      </p:nvGrpSpPr>
+      <p:grpSpPr>
+        <a:xfrm>
+          <a:off x="0" y="0"/>
+          <a:ext cx="0" cy="0"/>
+          <a:chOff x="0" y="0"/>
+          <a:chExt cx="0" cy="0"/>
+        </a:xfrm>
+      </p:grpSpPr>
+      <p:sp>
+        <p:nvSpPr>
+          <p:cNvPr id="2" name="Título 1"/>
+          <p:cNvSpPr>
+            <a:spLocks noGrp="1"/>
+          </p:cNvSpPr>
+          <p:nvPr>
+            <p:ph type="title"/>
+          </p:nvPr>
+        </p:nvSpPr>
+        <p:spPr/>
+        <p:txBody>
+          <a:bodyPr/>
+          <a:lstStyle/>
+          <a:p>
+            <a:r>
+              <a:rPr lang="es-MX" b="1" dirty="0" smtClean="0"/>
+              <a:t>Acerca de la Objetividad</a:t>
+            </a:r>
+            <a:endParaRPr lang="es-MX" b="1" dirty="0"/>
+          </a:p>
+        </p:txBody>
+      </p:sp>
+      <p:sp>
+        <p:nvSpPr>
+          <p:cNvPr id="3" name="Marcador de contenido 2"/>
+          <p:cNvSpPr>
+            <a:spLocks noGrp="1"/>
+          </p:cNvSpPr>
+          <p:nvPr>
+            <p:ph idx="1"/>
+          </p:nvPr>
+        </p:nvSpPr>
+        <p:spPr/>
+        <p:txBody>
+          <a:bodyPr>
+            <a:normAutofit/>
+          </a:bodyPr>
+          <a:lstStyle/>
+          <a:p>
+            <a:r>
+              <a:rPr lang="es-MX" b="1" dirty="0" smtClean="0"/>
+              <a:t>Definición:</a:t>
+            </a:r>
+          </a:p>
+          <a:p>
+            <a:pPr marL="457200" lvl="1" indent="0">
+              <a:buNone/>
+            </a:pPr>
+            <a:r>
+              <a:rPr lang="es-MX" dirty="0" smtClean="0"/>
+              <a:t>Implica el grado en que nuestro instrumento está libre de </a:t>
+            </a:r>
+            <a:r>
+              <a:rPr lang="es-MX" b="1" dirty="0" smtClean="0"/>
+              <a:t>sesgos </a:t>
+            </a:r>
+          </a:p>
+          <a:p>
+            <a:pPr marL="457200" lvl="1" indent="0">
+              <a:buNone/>
+            </a:pPr>
+            <a:endParaRPr lang="es-MX" b="1" dirty="0"/>
+          </a:p>
+          <a:p>
+            <a:pPr marL="457200" lvl="1" indent="0">
+              <a:buNone/>
+            </a:pPr>
+            <a:r>
+              <a:rPr lang="es-MX" b="1" dirty="0" smtClean="0"/>
+              <a:t>Por ejemplo:</a:t>
+            </a:r>
+          </a:p>
+          <a:p>
+            <a:pPr lvl="1"/>
+            <a:r>
+              <a:rPr lang="es-MX" dirty="0" smtClean="0"/>
+              <a:t>Tener cuidado con la </a:t>
+            </a:r>
+            <a:r>
+              <a:rPr lang="es-MX" b="1" dirty="0" smtClean="0"/>
+              <a:t>“deseabilidad social”</a:t>
+            </a:r>
+          </a:p>
+          <a:p>
+            <a:pPr lvl="1"/>
+            <a:r>
+              <a:rPr lang="es-MX" dirty="0" smtClean="0"/>
+              <a:t>Tener cuidado con la redacción de mi instrumento</a:t>
+            </a:r>
+            <a:endParaRPr lang="es-MX" dirty="0"/>
+          </a:p>
+          <a:p>
+            <a:endParaRPr lang="es-MX" b="1" dirty="0" smtClean="0"/>
+          </a:p>
+          <a:p>
+            <a:r>
+              <a:rPr lang="es-MX" b="1" dirty="0" smtClean="0"/>
+              <a:t>¿Cómo se evalúa?</a:t>
+            </a:r>
+          </a:p>
+          <a:p>
+            <a:pPr lvl="1"/>
+            <a:r>
+              <a:rPr lang="es-MX" dirty="0" smtClean="0"/>
+              <a:t>Observando los patrones de respuesta</a:t>
+            </a:r>
+          </a:p>
+        </p:txBody>
+      </p:sp>
+      <p:sp>
+        <p:nvSpPr>
+          <p:cNvPr id="4" name="Rectángulo 3"/>
+          <p:cNvSpPr/>
+          <p:nvPr/>
+        </p:nvSpPr>
+        <p:spPr>
+          <a:xfrm>
+            <a:off x="0" y="1"/>
+            <a:ext cx="12192000" cy="304800"/>
+          </a:xfrm>
+          <a:prstGeom prst="rect">
+            <a:avLst/>
+          </a:prstGeom>
+          <a:solidFill>
+            <a:schemeClr val="bg2">
+              <a:lumMod val="10000"/>
+            </a:schemeClr>
+          </a:solidFill>
+          <a:ln>
+            <a:solidFill>
+              <a:schemeClr val="tx1"/>
+            </a:solidFill>
+          </a:ln>
+        </p:spPr>
+        <p:style>
+          <a:lnRef idx="2">
+            <a:schemeClr val="accent1">
+              <a:shade val="50000"/>
+            </a:schemeClr>
+          </a:lnRef>
+          <a:fillRef idx="1">
+            <a:schemeClr val="accent1"/>
+          </a:fillRef>
+          <a:effectRef idx="0">
+            <a:schemeClr val="accent1"/>
+          </a:effectRef>
+          <a:fontRef idx="minor">
+            <a:schemeClr val="lt1"/>
+          </a:fontRef>
+        </p:style>
+        <p:txBody>
+          <a:bodyPr rtlCol="0" anchor="ctr"/>
+          <a:lstStyle/>
+          <a:p>
+            <a:pPr algn="ctr"/>
+            <a:endParaRPr lang="es-MX"/>
+          </a:p>
+        </p:txBody>
+      </p:sp>
+      <p:sp>
+        <p:nvSpPr>
+          <p:cNvPr id="5" name="Rectángulo 4"/>
+          <p:cNvSpPr/>
+          <p:nvPr/>
+        </p:nvSpPr>
+        <p:spPr>
+          <a:xfrm>
+            <a:off x="0" y="6553200"/>
+            <a:ext cx="12192000" cy="304800"/>
+          </a:xfrm>
+          <a:prstGeom prst="rect">
+            <a:avLst/>
+          </a:prstGeom>
+          <a:solidFill>
+            <a:schemeClr val="bg2">
+              <a:lumMod val="10000"/>
+            </a:schemeClr>
+          </a:solidFill>
+          <a:ln>
+            <a:solidFill>
+              <a:schemeClr val="tx1"/>
+            </a:solidFill>
+          </a:ln>
+        </p:spPr>
+        <p:style>
+          <a:lnRef idx="2">
+            <a:schemeClr val="accent1">
+              <a:shade val="50000"/>
+            </a:schemeClr>
+          </a:lnRef>
+          <a:fillRef idx="1">
+            <a:schemeClr val="accent1"/>
+          </a:fillRef>
+          <a:effectRef idx="0">
+            <a:schemeClr val="accent1"/>
+          </a:effectRef>
+          <a:fontRef idx="minor">
+            <a:schemeClr val="lt1"/>
+          </a:fontRef>
+        </p:style>
+        <p:txBody>
+          <a:bodyPr rtlCol="0" anchor="ctr"/>
+          <a:lstStyle/>
+          <a:p>
+            <a:pPr algn="ctr"/>
+            <a:endParaRPr lang="es-MX"/>
+          </a:p>
+        </p:txBody>
+      </p:sp>
+    </p:spTree>
+    <p:extLst>
+      <p:ext uri="{BB962C8B-B14F-4D97-AF65-F5344CB8AC3E}">
+        <p14:creationId xmlns:p14="http://schemas.microsoft.com/office/powerpoint/2010/main" val="3618266981"/>
       </p:ext>
     </p:extLst>
   </p:cSld>
@@ -8106,11 +8823,11 @@
             <a:pPr algn="ctr"/>
             <a:r>
               <a:rPr lang="es-MX" dirty="0" smtClean="0"/>
-              <a:t>Seleccionamos la </a:t>
+              <a:t>Definimos nuestro </a:t>
             </a:r>
             <a:r>
               <a:rPr lang="es-MX" b="1" dirty="0" smtClean="0"/>
-              <a:t>Muestra</a:t>
+              <a:t>Método</a:t>
             </a:r>
             <a:endParaRPr lang="es-MX" b="1" dirty="0"/>
           </a:p>
@@ -8406,6 +9123,882 @@
     <p:extLst>
       <p:ext uri="{BB962C8B-B14F-4D97-AF65-F5344CB8AC3E}">
         <p14:creationId xmlns:p14="http://schemas.microsoft.com/office/powerpoint/2010/main" val="1748566639"/>
+      </p:ext>
+    </p:extLst>
+  </p:cSld>
+  <p:clrMapOvr>
+    <a:masterClrMapping/>
+  </p:clrMapOvr>
+</p:sld>
+</file>
+
+<file path=ppt/slides/slide30.xml><?xml version="1.0" encoding="utf-8"?>
+<p:sld xmlns:a="http://schemas.openxmlformats.org/drawingml/2006/main" xmlns:r="http://schemas.openxmlformats.org/officeDocument/2006/relationships" xmlns:p="http://schemas.openxmlformats.org/presentationml/2006/main">
+  <p:cSld>
+    <p:spTree>
+      <p:nvGrpSpPr>
+        <p:cNvPr id="1" name=""/>
+        <p:cNvGrpSpPr/>
+        <p:nvPr/>
+      </p:nvGrpSpPr>
+      <p:grpSpPr>
+        <a:xfrm>
+          <a:off x="0" y="0"/>
+          <a:ext cx="0" cy="0"/>
+          <a:chOff x="0" y="0"/>
+          <a:chExt cx="0" cy="0"/>
+        </a:xfrm>
+      </p:grpSpPr>
+      <p:sp>
+        <p:nvSpPr>
+          <p:cNvPr id="2" name="Título 1"/>
+          <p:cNvSpPr>
+            <a:spLocks noGrp="1"/>
+          </p:cNvSpPr>
+          <p:nvPr>
+            <p:ph type="title"/>
+          </p:nvPr>
+        </p:nvSpPr>
+        <p:spPr/>
+        <p:txBody>
+          <a:bodyPr/>
+          <a:lstStyle/>
+          <a:p>
+            <a:r>
+              <a:rPr lang="es-MX" b="1" u="sng" dirty="0" smtClean="0"/>
+              <a:t>Instrumento de medición</a:t>
+            </a:r>
+            <a:endParaRPr lang="es-MX" b="1" u="sng" dirty="0"/>
+          </a:p>
+        </p:txBody>
+      </p:sp>
+      <p:sp>
+        <p:nvSpPr>
+          <p:cNvPr id="3" name="Marcador de contenido 2"/>
+          <p:cNvSpPr>
+            <a:spLocks noGrp="1"/>
+          </p:cNvSpPr>
+          <p:nvPr>
+            <p:ph idx="1"/>
+          </p:nvPr>
+        </p:nvSpPr>
+        <p:spPr/>
+        <p:txBody>
+          <a:bodyPr/>
+          <a:lstStyle/>
+          <a:p>
+            <a:r>
+              <a:rPr lang="es-MX" dirty="0" smtClean="0"/>
+              <a:t>Debe ser </a:t>
+            </a:r>
+            <a:r>
+              <a:rPr lang="es-MX" b="1" dirty="0" smtClean="0"/>
+              <a:t>confiable</a:t>
+            </a:r>
+          </a:p>
+          <a:p>
+            <a:pPr marL="0" indent="0">
+              <a:buNone/>
+            </a:pPr>
+            <a:r>
+              <a:rPr lang="es-ES" b="1" dirty="0" smtClean="0"/>
+              <a:t>	</a:t>
+            </a:r>
+            <a:r>
+              <a:rPr lang="es-ES" dirty="0" smtClean="0"/>
+              <a:t>Debe ser replicable en el tiempo y entre aplicadores</a:t>
+            </a:r>
+            <a:endParaRPr lang="es-MX" b="1" dirty="0"/>
+          </a:p>
+          <a:p>
+            <a:endParaRPr lang="es-MX" b="1" dirty="0" smtClean="0"/>
+          </a:p>
+          <a:p>
+            <a:r>
+              <a:rPr lang="es-MX" dirty="0" smtClean="0"/>
+              <a:t>Debe tener </a:t>
+            </a:r>
+            <a:r>
+              <a:rPr lang="es-MX" b="1" dirty="0" smtClean="0"/>
+              <a:t>validez</a:t>
+            </a:r>
+          </a:p>
+          <a:p>
+            <a:pPr marL="0" indent="0">
+              <a:buNone/>
+            </a:pPr>
+            <a:r>
+              <a:rPr lang="es-ES" b="1" dirty="0" smtClean="0"/>
+              <a:t>	</a:t>
+            </a:r>
+            <a:r>
+              <a:rPr lang="es-ES" dirty="0"/>
+              <a:t>¡</a:t>
+            </a:r>
+            <a:r>
+              <a:rPr lang="es-ES" dirty="0" smtClean="0"/>
+              <a:t>Debe medir lo que interesa medir!</a:t>
+            </a:r>
+            <a:endParaRPr lang="es-MX" b="1" dirty="0" smtClean="0"/>
+          </a:p>
+          <a:p>
+            <a:endParaRPr lang="es-MX" b="1" dirty="0"/>
+          </a:p>
+          <a:p>
+            <a:r>
+              <a:rPr lang="es-MX" dirty="0" smtClean="0"/>
+              <a:t>Debe ser </a:t>
+            </a:r>
+            <a:r>
+              <a:rPr lang="es-MX" b="1" dirty="0" smtClean="0"/>
+              <a:t>objetivo</a:t>
+            </a:r>
+            <a:r>
+              <a:rPr lang="es-MX" dirty="0" smtClean="0"/>
+              <a:t> </a:t>
+            </a:r>
+            <a:endParaRPr lang="es-MX" dirty="0" smtClean="0"/>
+          </a:p>
+          <a:p>
+            <a:pPr marL="0" indent="0">
+              <a:buNone/>
+            </a:pPr>
+            <a:r>
+              <a:rPr lang="es-ES" dirty="0"/>
+              <a:t>	</a:t>
+            </a:r>
+            <a:r>
+              <a:rPr lang="es-ES" dirty="0" smtClean="0"/>
+              <a:t>Debe representar la realidad de la manera más pura posible</a:t>
+            </a:r>
+            <a:endParaRPr lang="es-MX" dirty="0" smtClean="0"/>
+          </a:p>
+        </p:txBody>
+      </p:sp>
+      <p:sp>
+        <p:nvSpPr>
+          <p:cNvPr id="4" name="Rectángulo 3"/>
+          <p:cNvSpPr/>
+          <p:nvPr/>
+        </p:nvSpPr>
+        <p:spPr>
+          <a:xfrm>
+            <a:off x="0" y="1"/>
+            <a:ext cx="12192000" cy="304800"/>
+          </a:xfrm>
+          <a:prstGeom prst="rect">
+            <a:avLst/>
+          </a:prstGeom>
+          <a:solidFill>
+            <a:schemeClr val="bg1">
+              <a:lumMod val="50000"/>
+            </a:schemeClr>
+          </a:solidFill>
+          <a:ln>
+            <a:solidFill>
+              <a:schemeClr val="tx1"/>
+            </a:solidFill>
+          </a:ln>
+        </p:spPr>
+        <p:style>
+          <a:lnRef idx="2">
+            <a:schemeClr val="accent1">
+              <a:shade val="50000"/>
+            </a:schemeClr>
+          </a:lnRef>
+          <a:fillRef idx="1">
+            <a:schemeClr val="accent1"/>
+          </a:fillRef>
+          <a:effectRef idx="0">
+            <a:schemeClr val="accent1"/>
+          </a:effectRef>
+          <a:fontRef idx="minor">
+            <a:schemeClr val="lt1"/>
+          </a:fontRef>
+        </p:style>
+        <p:txBody>
+          <a:bodyPr rtlCol="0" anchor="ctr"/>
+          <a:lstStyle/>
+          <a:p>
+            <a:pPr algn="ctr"/>
+            <a:endParaRPr lang="es-MX"/>
+          </a:p>
+        </p:txBody>
+      </p:sp>
+      <p:sp>
+        <p:nvSpPr>
+          <p:cNvPr id="5" name="Rectángulo 4"/>
+          <p:cNvSpPr/>
+          <p:nvPr/>
+        </p:nvSpPr>
+        <p:spPr>
+          <a:xfrm>
+            <a:off x="0" y="6553200"/>
+            <a:ext cx="12192000" cy="304800"/>
+          </a:xfrm>
+          <a:prstGeom prst="rect">
+            <a:avLst/>
+          </a:prstGeom>
+          <a:solidFill>
+            <a:schemeClr val="bg1">
+              <a:lumMod val="50000"/>
+            </a:schemeClr>
+          </a:solidFill>
+          <a:ln>
+            <a:solidFill>
+              <a:schemeClr val="tx1"/>
+            </a:solidFill>
+          </a:ln>
+        </p:spPr>
+        <p:style>
+          <a:lnRef idx="2">
+            <a:schemeClr val="accent1">
+              <a:shade val="50000"/>
+            </a:schemeClr>
+          </a:lnRef>
+          <a:fillRef idx="1">
+            <a:schemeClr val="accent1"/>
+          </a:fillRef>
+          <a:effectRef idx="0">
+            <a:schemeClr val="accent1"/>
+          </a:effectRef>
+          <a:fontRef idx="minor">
+            <a:schemeClr val="lt1"/>
+          </a:fontRef>
+        </p:style>
+        <p:txBody>
+          <a:bodyPr rtlCol="0" anchor="ctr"/>
+          <a:lstStyle/>
+          <a:p>
+            <a:pPr algn="ctr"/>
+            <a:endParaRPr lang="es-MX"/>
+          </a:p>
+        </p:txBody>
+      </p:sp>
+    </p:spTree>
+    <p:extLst>
+      <p:ext uri="{BB962C8B-B14F-4D97-AF65-F5344CB8AC3E}">
+        <p14:creationId xmlns:p14="http://schemas.microsoft.com/office/powerpoint/2010/main" val="1477590334"/>
+      </p:ext>
+    </p:extLst>
+  </p:cSld>
+  <p:clrMapOvr>
+    <a:masterClrMapping/>
+  </p:clrMapOvr>
+</p:sld>
+</file>
+
+<file path=ppt/slides/slide31.xml><?xml version="1.0" encoding="utf-8"?>
+<p:sld xmlns:a="http://schemas.openxmlformats.org/drawingml/2006/main" xmlns:r="http://schemas.openxmlformats.org/officeDocument/2006/relationships" xmlns:p="http://schemas.openxmlformats.org/presentationml/2006/main">
+  <p:cSld>
+    <p:spTree>
+      <p:nvGrpSpPr>
+        <p:cNvPr id="1" name=""/>
+        <p:cNvGrpSpPr/>
+        <p:nvPr/>
+      </p:nvGrpSpPr>
+      <p:grpSpPr>
+        <a:xfrm>
+          <a:off x="0" y="0"/>
+          <a:ext cx="0" cy="0"/>
+          <a:chOff x="0" y="0"/>
+          <a:chExt cx="0" cy="0"/>
+        </a:xfrm>
+      </p:grpSpPr>
+      <p:sp>
+        <p:nvSpPr>
+          <p:cNvPr id="2" name="Título 1"/>
+          <p:cNvSpPr>
+            <a:spLocks noGrp="1"/>
+          </p:cNvSpPr>
+          <p:nvPr>
+            <p:ph type="title"/>
+          </p:nvPr>
+        </p:nvSpPr>
+        <p:spPr>
+          <a:xfrm>
+            <a:off x="1337734" y="2634192"/>
+            <a:ext cx="10515600" cy="1325563"/>
+          </a:xfrm>
+        </p:spPr>
+        <p:txBody>
+          <a:bodyPr>
+            <a:noAutofit/>
+          </a:bodyPr>
+          <a:lstStyle/>
+          <a:p>
+            <a:r>
+              <a:rPr lang="es-MX" sz="9000" b="1" dirty="0" smtClean="0">
+                <a:latin typeface="AR DARLING" panose="02000000000000000000" pitchFamily="2" charset="0"/>
+              </a:rPr>
+              <a:t>Recolección de Datos</a:t>
+            </a:r>
+            <a:endParaRPr lang="es-MX" sz="9000" b="1" dirty="0">
+              <a:latin typeface="AR DARLING" panose="02000000000000000000" pitchFamily="2" charset="0"/>
+            </a:endParaRPr>
+          </a:p>
+        </p:txBody>
+      </p:sp>
+      <p:sp>
+        <p:nvSpPr>
+          <p:cNvPr id="5" name="Marcador de contenido 4"/>
+          <p:cNvSpPr>
+            <a:spLocks noGrp="1"/>
+          </p:cNvSpPr>
+          <p:nvPr>
+            <p:ph idx="1"/>
+          </p:nvPr>
+        </p:nvSpPr>
+        <p:spPr>
+          <a:xfrm>
+            <a:off x="-327506" y="1715173"/>
+            <a:ext cx="10515600" cy="3415242"/>
+          </a:xfrm>
+        </p:spPr>
+        <p:txBody>
+          <a:bodyPr/>
+          <a:lstStyle/>
+          <a:p>
+            <a:endParaRPr lang="es-MX" dirty="0" smtClean="0"/>
+          </a:p>
+          <a:p>
+            <a:endParaRPr lang="es-MX" u="sng" dirty="0"/>
+          </a:p>
+        </p:txBody>
+      </p:sp>
+      <p:pic>
+        <p:nvPicPr>
+          <p:cNvPr id="6" name="Imagen 5"/>
+          <p:cNvPicPr>
+            <a:picLocks noChangeAspect="1"/>
+          </p:cNvPicPr>
+          <p:nvPr/>
+        </p:nvPicPr>
+        <p:blipFill>
+          <a:blip r:embed="rId2"/>
+          <a:stretch>
+            <a:fillRect/>
+          </a:stretch>
+        </p:blipFill>
+        <p:spPr>
+          <a:xfrm>
+            <a:off x="0" y="0"/>
+            <a:ext cx="12192000" cy="1380067"/>
+          </a:xfrm>
+          <a:prstGeom prst="rect">
+            <a:avLst/>
+          </a:prstGeom>
+        </p:spPr>
+      </p:pic>
+      <p:pic>
+        <p:nvPicPr>
+          <p:cNvPr id="7" name="Imagen 6"/>
+          <p:cNvPicPr>
+            <a:picLocks noChangeAspect="1"/>
+          </p:cNvPicPr>
+          <p:nvPr/>
+        </p:nvPicPr>
+        <p:blipFill>
+          <a:blip r:embed="rId2"/>
+          <a:stretch>
+            <a:fillRect/>
+          </a:stretch>
+        </p:blipFill>
+        <p:spPr>
+          <a:xfrm>
+            <a:off x="0" y="5477933"/>
+            <a:ext cx="12192000" cy="1380067"/>
+          </a:xfrm>
+          <a:prstGeom prst="rect">
+            <a:avLst/>
+          </a:prstGeom>
+        </p:spPr>
+      </p:pic>
+    </p:spTree>
+    <p:extLst>
+      <p:ext uri="{BB962C8B-B14F-4D97-AF65-F5344CB8AC3E}">
+        <p14:creationId xmlns:p14="http://schemas.microsoft.com/office/powerpoint/2010/main" val="3076514734"/>
+      </p:ext>
+    </p:extLst>
+  </p:cSld>
+  <p:clrMapOvr>
+    <a:masterClrMapping/>
+  </p:clrMapOvr>
+</p:sld>
+</file>
+
+<file path=ppt/slides/slide32.xml><?xml version="1.0" encoding="utf-8"?>
+<p:sld xmlns:a="http://schemas.openxmlformats.org/drawingml/2006/main" xmlns:r="http://schemas.openxmlformats.org/officeDocument/2006/relationships" xmlns:p="http://schemas.openxmlformats.org/presentationml/2006/main">
+  <p:cSld>
+    <p:spTree>
+      <p:nvGrpSpPr>
+        <p:cNvPr id="1" name=""/>
+        <p:cNvGrpSpPr/>
+        <p:nvPr/>
+      </p:nvGrpSpPr>
+      <p:grpSpPr>
+        <a:xfrm>
+          <a:off x="0" y="0"/>
+          <a:ext cx="0" cy="0"/>
+          <a:chOff x="0" y="0"/>
+          <a:chExt cx="0" cy="0"/>
+        </a:xfrm>
+      </p:grpSpPr>
+      <p:sp>
+        <p:nvSpPr>
+          <p:cNvPr id="2" name="Título 1"/>
+          <p:cNvSpPr>
+            <a:spLocks noGrp="1"/>
+          </p:cNvSpPr>
+          <p:nvPr>
+            <p:ph type="title"/>
+          </p:nvPr>
+        </p:nvSpPr>
+        <p:spPr>
+          <a:xfrm>
+            <a:off x="1337734" y="2634192"/>
+            <a:ext cx="10515600" cy="1325563"/>
+          </a:xfrm>
+        </p:spPr>
+        <p:txBody>
+          <a:bodyPr>
+            <a:noAutofit/>
+          </a:bodyPr>
+          <a:lstStyle/>
+          <a:p>
+            <a:r>
+              <a:rPr lang="es-MX" sz="9000" b="1" dirty="0" smtClean="0">
+                <a:latin typeface="AR DARLING" panose="02000000000000000000" pitchFamily="2" charset="0"/>
+              </a:rPr>
+              <a:t>Introducción al análisis de datos</a:t>
+            </a:r>
+            <a:endParaRPr lang="es-MX" sz="9000" b="1" dirty="0">
+              <a:latin typeface="AR DARLING" panose="02000000000000000000" pitchFamily="2" charset="0"/>
+            </a:endParaRPr>
+          </a:p>
+        </p:txBody>
+      </p:sp>
+      <p:sp>
+        <p:nvSpPr>
+          <p:cNvPr id="5" name="Marcador de contenido 4"/>
+          <p:cNvSpPr>
+            <a:spLocks noGrp="1"/>
+          </p:cNvSpPr>
+          <p:nvPr>
+            <p:ph idx="1"/>
+          </p:nvPr>
+        </p:nvSpPr>
+        <p:spPr>
+          <a:xfrm>
+            <a:off x="-296333" y="1465791"/>
+            <a:ext cx="10515600" cy="3415242"/>
+          </a:xfrm>
+        </p:spPr>
+        <p:txBody>
+          <a:bodyPr/>
+          <a:lstStyle/>
+          <a:p>
+            <a:endParaRPr lang="es-MX" dirty="0" smtClean="0"/>
+          </a:p>
+          <a:p>
+            <a:endParaRPr lang="es-MX" u="sng" dirty="0"/>
+          </a:p>
+        </p:txBody>
+      </p:sp>
+      <p:pic>
+        <p:nvPicPr>
+          <p:cNvPr id="6" name="Imagen 5"/>
+          <p:cNvPicPr>
+            <a:picLocks noChangeAspect="1"/>
+          </p:cNvPicPr>
+          <p:nvPr/>
+        </p:nvPicPr>
+        <p:blipFill>
+          <a:blip r:embed="rId2"/>
+          <a:stretch>
+            <a:fillRect/>
+          </a:stretch>
+        </p:blipFill>
+        <p:spPr>
+          <a:xfrm>
+            <a:off x="0" y="0"/>
+            <a:ext cx="12192000" cy="1380067"/>
+          </a:xfrm>
+          <a:prstGeom prst="rect">
+            <a:avLst/>
+          </a:prstGeom>
+        </p:spPr>
+      </p:pic>
+      <p:pic>
+        <p:nvPicPr>
+          <p:cNvPr id="7" name="Imagen 6"/>
+          <p:cNvPicPr>
+            <a:picLocks noChangeAspect="1"/>
+          </p:cNvPicPr>
+          <p:nvPr/>
+        </p:nvPicPr>
+        <p:blipFill>
+          <a:blip r:embed="rId2"/>
+          <a:stretch>
+            <a:fillRect/>
+          </a:stretch>
+        </p:blipFill>
+        <p:spPr>
+          <a:xfrm>
+            <a:off x="0" y="5477933"/>
+            <a:ext cx="12192000" cy="1380067"/>
+          </a:xfrm>
+          <a:prstGeom prst="rect">
+            <a:avLst/>
+          </a:prstGeom>
+        </p:spPr>
+      </p:pic>
+    </p:spTree>
+    <p:extLst>
+      <p:ext uri="{BB962C8B-B14F-4D97-AF65-F5344CB8AC3E}">
+        <p14:creationId xmlns:p14="http://schemas.microsoft.com/office/powerpoint/2010/main" val="3048486522"/>
+      </p:ext>
+    </p:extLst>
+  </p:cSld>
+  <p:clrMapOvr>
+    <a:masterClrMapping/>
+  </p:clrMapOvr>
+</p:sld>
+</file>
+
+<file path=ppt/slides/slide33.xml><?xml version="1.0" encoding="utf-8"?>
+<p:sld xmlns:a="http://schemas.openxmlformats.org/drawingml/2006/main" xmlns:r="http://schemas.openxmlformats.org/officeDocument/2006/relationships" xmlns:p="http://schemas.openxmlformats.org/presentationml/2006/main">
+  <p:cSld>
+    <p:spTree>
+      <p:nvGrpSpPr>
+        <p:cNvPr id="1" name=""/>
+        <p:cNvGrpSpPr/>
+        <p:nvPr/>
+      </p:nvGrpSpPr>
+      <p:grpSpPr>
+        <a:xfrm>
+          <a:off x="0" y="0"/>
+          <a:ext cx="0" cy="0"/>
+          <a:chOff x="0" y="0"/>
+          <a:chExt cx="0" cy="0"/>
+        </a:xfrm>
+      </p:grpSpPr>
+      <p:sp>
+        <p:nvSpPr>
+          <p:cNvPr id="2" name="Título 1"/>
+          <p:cNvSpPr>
+            <a:spLocks noGrp="1"/>
+          </p:cNvSpPr>
+          <p:nvPr>
+            <p:ph type="title"/>
+          </p:nvPr>
+        </p:nvSpPr>
+        <p:spPr/>
+        <p:txBody>
+          <a:bodyPr/>
+          <a:lstStyle/>
+          <a:p>
+            <a:r>
+              <a:rPr lang="es-MX" b="1" dirty="0" smtClean="0"/>
+              <a:t>¿De qué tipo son mis datos?</a:t>
+            </a:r>
+            <a:endParaRPr lang="es-MX" b="1" dirty="0"/>
+          </a:p>
+        </p:txBody>
+      </p:sp>
+      <p:sp>
+        <p:nvSpPr>
+          <p:cNvPr id="4" name="Rectángulo 3"/>
+          <p:cNvSpPr/>
+          <p:nvPr/>
+        </p:nvSpPr>
+        <p:spPr>
+          <a:xfrm>
+            <a:off x="0" y="1"/>
+            <a:ext cx="12192000" cy="304800"/>
+          </a:xfrm>
+          <a:prstGeom prst="rect">
+            <a:avLst/>
+          </a:prstGeom>
+          <a:solidFill>
+            <a:schemeClr val="bg2">
+              <a:lumMod val="10000"/>
+            </a:schemeClr>
+          </a:solidFill>
+          <a:ln>
+            <a:solidFill>
+              <a:schemeClr val="tx1"/>
+            </a:solidFill>
+          </a:ln>
+        </p:spPr>
+        <p:style>
+          <a:lnRef idx="2">
+            <a:schemeClr val="accent1">
+              <a:shade val="50000"/>
+            </a:schemeClr>
+          </a:lnRef>
+          <a:fillRef idx="1">
+            <a:schemeClr val="accent1"/>
+          </a:fillRef>
+          <a:effectRef idx="0">
+            <a:schemeClr val="accent1"/>
+          </a:effectRef>
+          <a:fontRef idx="minor">
+            <a:schemeClr val="lt1"/>
+          </a:fontRef>
+        </p:style>
+        <p:txBody>
+          <a:bodyPr rtlCol="0" anchor="ctr"/>
+          <a:lstStyle/>
+          <a:p>
+            <a:pPr algn="ctr"/>
+            <a:endParaRPr lang="es-MX"/>
+          </a:p>
+        </p:txBody>
+      </p:sp>
+      <p:sp>
+        <p:nvSpPr>
+          <p:cNvPr id="5" name="Rectángulo 4"/>
+          <p:cNvSpPr/>
+          <p:nvPr/>
+        </p:nvSpPr>
+        <p:spPr>
+          <a:xfrm>
+            <a:off x="0" y="6553200"/>
+            <a:ext cx="12192000" cy="304800"/>
+          </a:xfrm>
+          <a:prstGeom prst="rect">
+            <a:avLst/>
+          </a:prstGeom>
+          <a:solidFill>
+            <a:schemeClr val="bg2">
+              <a:lumMod val="10000"/>
+            </a:schemeClr>
+          </a:solidFill>
+          <a:ln>
+            <a:solidFill>
+              <a:schemeClr val="tx1"/>
+            </a:solidFill>
+          </a:ln>
+        </p:spPr>
+        <p:style>
+          <a:lnRef idx="2">
+            <a:schemeClr val="accent1">
+              <a:shade val="50000"/>
+            </a:schemeClr>
+          </a:lnRef>
+          <a:fillRef idx="1">
+            <a:schemeClr val="accent1"/>
+          </a:fillRef>
+          <a:effectRef idx="0">
+            <a:schemeClr val="accent1"/>
+          </a:effectRef>
+          <a:fontRef idx="minor">
+            <a:schemeClr val="lt1"/>
+          </a:fontRef>
+        </p:style>
+        <p:txBody>
+          <a:bodyPr rtlCol="0" anchor="ctr"/>
+          <a:lstStyle/>
+          <a:p>
+            <a:pPr algn="ctr"/>
+            <a:endParaRPr lang="es-MX"/>
+          </a:p>
+        </p:txBody>
+      </p:sp>
+      <p:sp>
+        <p:nvSpPr>
+          <p:cNvPr id="8" name="7 Marcador de contenido"/>
+          <p:cNvSpPr>
+            <a:spLocks noGrp="1"/>
+          </p:cNvSpPr>
+          <p:nvPr>
+            <p:ph idx="1"/>
+          </p:nvPr>
+        </p:nvSpPr>
+        <p:spPr/>
+        <p:txBody>
+          <a:bodyPr/>
+          <a:lstStyle/>
+          <a:p>
+            <a:endParaRPr lang="es-MX"/>
+          </a:p>
+        </p:txBody>
+      </p:sp>
+    </p:spTree>
+    <p:extLst>
+      <p:ext uri="{BB962C8B-B14F-4D97-AF65-F5344CB8AC3E}">
+        <p14:creationId xmlns:p14="http://schemas.microsoft.com/office/powerpoint/2010/main" val="616059123"/>
+      </p:ext>
+    </p:extLst>
+  </p:cSld>
+  <p:clrMapOvr>
+    <a:masterClrMapping/>
+  </p:clrMapOvr>
+</p:sld>
+</file>
+
+<file path=ppt/slides/slide34.xml><?xml version="1.0" encoding="utf-8"?>
+<p:sld xmlns:a="http://schemas.openxmlformats.org/drawingml/2006/main" xmlns:r="http://schemas.openxmlformats.org/officeDocument/2006/relationships" xmlns:p="http://schemas.openxmlformats.org/presentationml/2006/main">
+  <p:cSld>
+    <p:spTree>
+      <p:nvGrpSpPr>
+        <p:cNvPr id="1" name=""/>
+        <p:cNvGrpSpPr/>
+        <p:nvPr/>
+      </p:nvGrpSpPr>
+      <p:grpSpPr>
+        <a:xfrm>
+          <a:off x="0" y="0"/>
+          <a:ext cx="0" cy="0"/>
+          <a:chOff x="0" y="0"/>
+          <a:chExt cx="0" cy="0"/>
+        </a:xfrm>
+      </p:grpSpPr>
+      <p:sp>
+        <p:nvSpPr>
+          <p:cNvPr id="2" name="Título 1"/>
+          <p:cNvSpPr>
+            <a:spLocks noGrp="1"/>
+          </p:cNvSpPr>
+          <p:nvPr>
+            <p:ph type="title"/>
+          </p:nvPr>
+        </p:nvSpPr>
+        <p:spPr/>
+        <p:txBody>
+          <a:bodyPr/>
+          <a:lstStyle/>
+          <a:p>
+            <a:endParaRPr lang="es-MX"/>
+          </a:p>
+        </p:txBody>
+      </p:sp>
+      <p:sp>
+        <p:nvSpPr>
+          <p:cNvPr id="3" name="Marcador de contenido 2"/>
+          <p:cNvSpPr>
+            <a:spLocks noGrp="1"/>
+          </p:cNvSpPr>
+          <p:nvPr>
+            <p:ph idx="1"/>
+          </p:nvPr>
+        </p:nvSpPr>
+        <p:spPr/>
+        <p:txBody>
+          <a:bodyPr/>
+          <a:lstStyle/>
+          <a:p>
+            <a:endParaRPr lang="es-MX"/>
+          </a:p>
+        </p:txBody>
+      </p:sp>
+      <p:sp>
+        <p:nvSpPr>
+          <p:cNvPr id="4" name="Rectángulo 3"/>
+          <p:cNvSpPr/>
+          <p:nvPr/>
+        </p:nvSpPr>
+        <p:spPr>
+          <a:xfrm>
+            <a:off x="0" y="1"/>
+            <a:ext cx="12192000" cy="304800"/>
+          </a:xfrm>
+          <a:prstGeom prst="rect">
+            <a:avLst/>
+          </a:prstGeom>
+          <a:solidFill>
+            <a:schemeClr val="accent3">
+              <a:lumMod val="40000"/>
+              <a:lumOff val="60000"/>
+            </a:schemeClr>
+          </a:solidFill>
+          <a:ln>
+            <a:solidFill>
+              <a:schemeClr val="tx1"/>
+            </a:solidFill>
+          </a:ln>
+        </p:spPr>
+        <p:style>
+          <a:lnRef idx="2">
+            <a:schemeClr val="accent1">
+              <a:shade val="50000"/>
+            </a:schemeClr>
+          </a:lnRef>
+          <a:fillRef idx="1">
+            <a:schemeClr val="accent1"/>
+          </a:fillRef>
+          <a:effectRef idx="0">
+            <a:schemeClr val="accent1"/>
+          </a:effectRef>
+          <a:fontRef idx="minor">
+            <a:schemeClr val="lt1"/>
+          </a:fontRef>
+        </p:style>
+        <p:txBody>
+          <a:bodyPr rtlCol="0" anchor="ctr"/>
+          <a:lstStyle/>
+          <a:p>
+            <a:pPr algn="ctr"/>
+            <a:endParaRPr lang="es-MX"/>
+          </a:p>
+        </p:txBody>
+      </p:sp>
+      <p:sp>
+        <p:nvSpPr>
+          <p:cNvPr id="5" name="Rectángulo 4"/>
+          <p:cNvSpPr/>
+          <p:nvPr/>
+        </p:nvSpPr>
+        <p:spPr>
+          <a:xfrm>
+            <a:off x="0" y="6553200"/>
+            <a:ext cx="12192000" cy="304800"/>
+          </a:xfrm>
+          <a:prstGeom prst="rect">
+            <a:avLst/>
+          </a:prstGeom>
+          <a:solidFill>
+            <a:schemeClr val="accent3">
+              <a:lumMod val="40000"/>
+              <a:lumOff val="60000"/>
+            </a:schemeClr>
+          </a:solidFill>
+          <a:ln>
+            <a:solidFill>
+              <a:schemeClr val="tx1"/>
+            </a:solidFill>
+          </a:ln>
+        </p:spPr>
+        <p:style>
+          <a:lnRef idx="2">
+            <a:schemeClr val="accent1">
+              <a:shade val="50000"/>
+            </a:schemeClr>
+          </a:lnRef>
+          <a:fillRef idx="1">
+            <a:schemeClr val="accent1"/>
+          </a:fillRef>
+          <a:effectRef idx="0">
+            <a:schemeClr val="accent1"/>
+          </a:effectRef>
+          <a:fontRef idx="minor">
+            <a:schemeClr val="lt1"/>
+          </a:fontRef>
+        </p:style>
+        <p:txBody>
+          <a:bodyPr rtlCol="0" anchor="ctr"/>
+          <a:lstStyle/>
+          <a:p>
+            <a:pPr algn="ctr"/>
+            <a:endParaRPr lang="es-MX"/>
+          </a:p>
+        </p:txBody>
+      </p:sp>
+    </p:spTree>
+    <p:extLst>
+      <p:ext uri="{BB962C8B-B14F-4D97-AF65-F5344CB8AC3E}">
+        <p14:creationId xmlns:p14="http://schemas.microsoft.com/office/powerpoint/2010/main" val="2438887625"/>
       </p:ext>
     </p:extLst>
   </p:cSld>
@@ -8434,7 +10027,7 @@
       </p:grpSpPr>
       <p:sp>
         <p:nvSpPr>
-          <p:cNvPr id="2" name="Título 1"/>
+          <p:cNvPr id="2" name="1 Título"/>
           <p:cNvSpPr>
             <a:spLocks noGrp="1"/>
           </p:cNvSpPr>
@@ -8442,33 +10035,18 @@
             <p:ph type="title"/>
           </p:nvPr>
         </p:nvSpPr>
-        <p:spPr>
-          <a:xfrm>
-            <a:off x="1337734" y="2634192"/>
-            <a:ext cx="10515600" cy="1325563"/>
-          </a:xfrm>
-        </p:spPr>
-        <p:txBody>
-          <a:bodyPr>
-            <a:noAutofit/>
-          </a:bodyPr>
-          <a:lstStyle/>
-          <a:p>
-            <a:r>
-              <a:rPr lang="es-MX" sz="9000" b="1" dirty="0" smtClean="0">
-                <a:latin typeface="AR DARLING" panose="02000000000000000000" pitchFamily="2" charset="0"/>
-              </a:rPr>
-              <a:t>¿Qué es “Medir”?</a:t>
-            </a:r>
-            <a:endParaRPr lang="es-MX" sz="9000" b="1" dirty="0">
-              <a:latin typeface="AR DARLING" panose="02000000000000000000" pitchFamily="2" charset="0"/>
-            </a:endParaRPr>
-          </a:p>
-        </p:txBody>
-      </p:sp>
-      <p:sp>
-        <p:nvSpPr>
-          <p:cNvPr id="5" name="Marcador de contenido 4"/>
+        <p:spPr/>
+        <p:txBody>
+          <a:bodyPr/>
+          <a:lstStyle/>
+          <a:p>
+            <a:endParaRPr lang="es-MX"/>
+          </a:p>
+        </p:txBody>
+      </p:sp>
+      <p:sp>
+        <p:nvSpPr>
+          <p:cNvPr id="3" name="2 Marcador de contenido"/>
           <p:cNvSpPr>
             <a:spLocks noGrp="1"/>
           </p:cNvSpPr>
@@ -8476,26 +10054,39 @@
             <p:ph idx="1"/>
           </p:nvPr>
         </p:nvSpPr>
-        <p:spPr>
-          <a:xfrm>
-            <a:off x="838200" y="2752724"/>
-            <a:ext cx="10515600" cy="3415242"/>
-          </a:xfrm>
-        </p:spPr>
+        <p:spPr/>
         <p:txBody>
           <a:bodyPr/>
           <a:lstStyle/>
           <a:p>
-            <a:endParaRPr lang="es-MX" dirty="0" smtClean="0"/>
-          </a:p>
-          <a:p>
-            <a:endParaRPr lang="es-MX" u="sng" dirty="0"/>
+            <a:r>
+              <a:rPr lang="es-ES" dirty="0" smtClean="0"/>
+              <a:t>Clase 1:</a:t>
+            </a:r>
+          </a:p>
+          <a:p>
+            <a:endParaRPr lang="es-ES" dirty="0"/>
+          </a:p>
+          <a:p>
+            <a:pPr lvl="1"/>
+            <a:r>
+              <a:rPr lang="es-ES" dirty="0" smtClean="0"/>
+              <a:t>¿Qué es Medir?</a:t>
+            </a:r>
+          </a:p>
+          <a:p>
+            <a:pPr lvl="1"/>
+            <a:r>
+              <a:rPr lang="es-ES" dirty="0" smtClean="0"/>
+              <a:t>¿Qué son los Instrumentos de Medición?</a:t>
+            </a:r>
+            <a:endParaRPr lang="es-MX" dirty="0"/>
           </a:p>
         </p:txBody>
       </p:sp>
       <p:pic>
         <p:nvPicPr>
-          <p:cNvPr id="6" name="Imagen 5"/>
+          <p:cNvPr id="4" name="Imagen 5"/>
           <p:cNvPicPr>
             <a:picLocks noChangeAspect="1"/>
           </p:cNvPicPr>
@@ -8519,7 +10110,7 @@
       </p:pic>
       <p:pic>
         <p:nvPicPr>
-          <p:cNvPr id="7" name="Imagen 6"/>
+          <p:cNvPr id="5" name="Imagen 6"/>
           <p:cNvPicPr>
             <a:picLocks noChangeAspect="1"/>
           </p:cNvPicPr>
@@ -8544,7 +10135,7 @@
     </p:spTree>
     <p:extLst>
       <p:ext uri="{BB962C8B-B14F-4D97-AF65-F5344CB8AC3E}">
-        <p14:creationId xmlns:p14="http://schemas.microsoft.com/office/powerpoint/2010/main" val="1225228946"/>
+        <p14:creationId xmlns:p14="http://schemas.microsoft.com/office/powerpoint/2010/main" val="2147302134"/>
       </p:ext>
     </p:extLst>
   </p:cSld>
@@ -8581,270 +10172,109 @@
             <p:ph type="title"/>
           </p:nvPr>
         </p:nvSpPr>
-        <p:spPr/>
+        <p:spPr>
+          <a:xfrm>
+            <a:off x="1337734" y="2634192"/>
+            <a:ext cx="10515600" cy="1325563"/>
+          </a:xfrm>
+        </p:spPr>
+        <p:txBody>
+          <a:bodyPr>
+            <a:noAutofit/>
+          </a:bodyPr>
+          <a:lstStyle/>
+          <a:p>
+            <a:r>
+              <a:rPr lang="es-MX" sz="9000" b="1" dirty="0" smtClean="0">
+                <a:latin typeface="AR DARLING" panose="02000000000000000000" pitchFamily="2" charset="0"/>
+              </a:rPr>
+              <a:t>¿Qué es “Medir”?</a:t>
+            </a:r>
+            <a:endParaRPr lang="es-MX" sz="9000" b="1" dirty="0">
+              <a:latin typeface="AR DARLING" panose="02000000000000000000" pitchFamily="2" charset="0"/>
+            </a:endParaRPr>
+          </a:p>
+        </p:txBody>
+      </p:sp>
+      <p:sp>
+        <p:nvSpPr>
+          <p:cNvPr id="5" name="Marcador de contenido 4"/>
+          <p:cNvSpPr>
+            <a:spLocks noGrp="1"/>
+          </p:cNvSpPr>
+          <p:nvPr>
+            <p:ph idx="1"/>
+          </p:nvPr>
+        </p:nvSpPr>
+        <p:spPr>
+          <a:xfrm>
+            <a:off x="838200" y="2752724"/>
+            <a:ext cx="10515600" cy="3415242"/>
+          </a:xfrm>
+        </p:spPr>
         <p:txBody>
           <a:bodyPr/>
           <a:lstStyle/>
           <a:p>
-            <a:r>
-              <a:rPr lang="es-MX" b="1" dirty="0" smtClean="0"/>
-              <a:t>¿Qué implica </a:t>
-            </a:r>
-            <a:r>
-              <a:rPr lang="es-MX" b="1" u="sng" dirty="0" smtClean="0"/>
-              <a:t>Medir</a:t>
-            </a:r>
-            <a:r>
-              <a:rPr lang="es-MX" b="1" dirty="0" smtClean="0"/>
-              <a:t>?</a:t>
-            </a:r>
-            <a:endParaRPr lang="es-MX" b="1" dirty="0"/>
-          </a:p>
-        </p:txBody>
-      </p:sp>
-      <p:sp>
-        <p:nvSpPr>
-          <p:cNvPr id="3" name="Marcador de contenido 2"/>
-          <p:cNvSpPr>
-            <a:spLocks noGrp="1"/>
-          </p:cNvSpPr>
-          <p:nvPr>
-            <p:ph idx="1"/>
-          </p:nvPr>
-        </p:nvSpPr>
-        <p:spPr/>
-        <p:txBody>
-          <a:bodyPr>
-            <a:normAutofit lnSpcReduction="10000"/>
-          </a:bodyPr>
-          <a:lstStyle/>
-          <a:p>
-            <a:r>
-              <a:rPr lang="es-MX" b="1" dirty="0" smtClean="0"/>
-              <a:t>En ciencias naturales:</a:t>
-            </a:r>
-          </a:p>
-          <a:p>
-            <a:pPr marL="457200" lvl="1" indent="0">
-              <a:buNone/>
-            </a:pPr>
-            <a:r>
-              <a:rPr lang="es-MX" dirty="0" smtClean="0"/>
-              <a:t>Asignar un valor numérico a una variable usando como referencia una escala.</a:t>
-            </a:r>
-          </a:p>
-          <a:p>
-            <a:pPr marL="457200" lvl="1" indent="0">
-              <a:buNone/>
-            </a:pPr>
-            <a:endParaRPr lang="es-MX" dirty="0"/>
-          </a:p>
-          <a:p>
-            <a:pPr marL="457200" lvl="1" indent="0">
-              <a:buNone/>
-            </a:pPr>
-            <a:r>
-              <a:rPr lang="es-MX" b="1" dirty="0" smtClean="0"/>
-              <a:t>Ejemplo:</a:t>
-            </a:r>
-          </a:p>
-          <a:p>
-            <a:pPr lvl="1"/>
-            <a:r>
-              <a:rPr lang="es-MX" sz="2000" dirty="0" smtClean="0"/>
-              <a:t>Medir </a:t>
-            </a:r>
-            <a:r>
-              <a:rPr lang="es-MX" sz="2000" b="1" dirty="0" smtClean="0"/>
-              <a:t>la temperatura </a:t>
-            </a:r>
-            <a:endParaRPr lang="es-MX" sz="2000" dirty="0" smtClean="0"/>
-          </a:p>
-          <a:p>
-            <a:endParaRPr lang="es-MX" b="1" dirty="0"/>
-          </a:p>
-          <a:p>
-            <a:r>
-              <a:rPr lang="es-MX" b="1" dirty="0" smtClean="0"/>
-              <a:t>En ciencias sociales:</a:t>
-            </a:r>
-          </a:p>
-          <a:p>
-            <a:pPr marL="457200" lvl="1" indent="0">
-              <a:buNone/>
-            </a:pPr>
-            <a:r>
-              <a:rPr lang="es-MX" dirty="0" smtClean="0"/>
-              <a:t>Asociar un </a:t>
-            </a:r>
-            <a:r>
-              <a:rPr lang="es-MX" b="1" u="sng" dirty="0" smtClean="0"/>
-              <a:t>concepto abstracto</a:t>
-            </a:r>
-            <a:r>
-              <a:rPr lang="es-MX" dirty="0" smtClean="0"/>
-              <a:t> con un </a:t>
-            </a:r>
-            <a:r>
-              <a:rPr lang="es-MX" b="1" u="sng" dirty="0" smtClean="0"/>
-              <a:t>indicador empírico</a:t>
-            </a:r>
-          </a:p>
-          <a:p>
-            <a:pPr marL="457200" lvl="1" indent="0">
-              <a:buNone/>
-            </a:pPr>
-            <a:endParaRPr lang="es-MX" b="1" dirty="0" smtClean="0"/>
-          </a:p>
-          <a:p>
-            <a:pPr marL="457200" lvl="1" indent="0">
-              <a:buNone/>
-            </a:pPr>
-            <a:r>
-              <a:rPr lang="es-MX" b="1" dirty="0" smtClean="0"/>
-              <a:t>Ejemplo:</a:t>
-            </a:r>
-          </a:p>
-          <a:p>
-            <a:pPr lvl="1"/>
-            <a:r>
-              <a:rPr lang="es-MX" sz="2000" dirty="0" smtClean="0"/>
-              <a:t>Medimos </a:t>
-            </a:r>
-            <a:r>
-              <a:rPr lang="es-MX" sz="2000" b="1" u="sng" dirty="0" smtClean="0"/>
-              <a:t>el acoso sexual</a:t>
-            </a:r>
-            <a:r>
-              <a:rPr lang="es-MX" sz="2000" b="1" dirty="0" smtClean="0"/>
-              <a:t> </a:t>
-            </a:r>
-            <a:r>
-              <a:rPr lang="es-MX" sz="2000" dirty="0" smtClean="0"/>
-              <a:t>a partir del </a:t>
-            </a:r>
-            <a:r>
-              <a:rPr lang="es-MX" sz="2000" b="1" u="sng" dirty="0" smtClean="0"/>
-              <a:t>número de denuncias registradas</a:t>
-            </a:r>
-            <a:r>
-              <a:rPr lang="es-MX" sz="2000" b="1" dirty="0" smtClean="0"/>
-              <a:t> </a:t>
-            </a:r>
-            <a:endParaRPr lang="es-MX" sz="2000" dirty="0" smtClean="0"/>
-          </a:p>
-          <a:p>
-            <a:pPr marL="457200" lvl="1" indent="0">
-              <a:buNone/>
-            </a:pPr>
+            <a:endParaRPr lang="es-MX" dirty="0" smtClean="0"/>
+          </a:p>
+          <a:p>
             <a:endParaRPr lang="es-MX" u="sng" dirty="0"/>
           </a:p>
         </p:txBody>
       </p:sp>
-      <p:sp>
-        <p:nvSpPr>
-          <p:cNvPr id="4" name="Rectángulo 3"/>
-          <p:cNvSpPr/>
+      <p:pic>
+        <p:nvPicPr>
+          <p:cNvPr id="6" name="Imagen 5"/>
+          <p:cNvPicPr>
+            <a:picLocks noChangeAspect="1"/>
+          </p:cNvPicPr>
           <p:nvPr/>
-        </p:nvSpPr>
-        <p:spPr>
-          <a:xfrm>
-            <a:off x="0" y="1"/>
-            <a:ext cx="12192000" cy="304800"/>
+        </p:nvPicPr>
+        <p:blipFill>
+          <a:blip r:embed="rId2"/>
+          <a:stretch>
+            <a:fillRect/>
+          </a:stretch>
+        </p:blipFill>
+        <p:spPr>
+          <a:xfrm>
+            <a:off x="0" y="0"/>
+            <a:ext cx="12192000" cy="1380067"/>
           </a:xfrm>
           <a:prstGeom prst="rect">
             <a:avLst/>
           </a:prstGeom>
-          <a:solidFill>
-            <a:schemeClr val="bg2">
-              <a:lumMod val="10000"/>
-            </a:schemeClr>
-          </a:solidFill>
-          <a:ln>
-            <a:solidFill>
-              <a:schemeClr val="tx1"/>
-            </a:solidFill>
-          </a:ln>
-        </p:spPr>
-        <p:style>
-          <a:lnRef idx="2">
-            <a:schemeClr val="accent1">
-              <a:shade val="50000"/>
-            </a:schemeClr>
-          </a:lnRef>
-          <a:fillRef idx="1">
-            <a:schemeClr val="accent1"/>
-          </a:fillRef>
-          <a:effectRef idx="0">
-            <a:schemeClr val="accent1"/>
-          </a:effectRef>
-          <a:fontRef idx="minor">
-            <a:schemeClr val="lt1"/>
-          </a:fontRef>
-        </p:style>
-        <p:txBody>
-          <a:bodyPr rtlCol="0" anchor="ctr"/>
-          <a:lstStyle/>
-          <a:p>
-            <a:pPr algn="ctr"/>
-            <a:endParaRPr lang="es-MX"/>
-          </a:p>
-        </p:txBody>
-      </p:sp>
-      <p:sp>
-        <p:nvSpPr>
-          <p:cNvPr id="5" name="Rectángulo 4"/>
-          <p:cNvSpPr/>
+        </p:spPr>
+      </p:pic>
+      <p:pic>
+        <p:nvPicPr>
+          <p:cNvPr id="7" name="Imagen 6"/>
+          <p:cNvPicPr>
+            <a:picLocks noChangeAspect="1"/>
+          </p:cNvPicPr>
           <p:nvPr/>
-        </p:nvSpPr>
-        <p:spPr>
-          <a:xfrm>
-            <a:off x="0" y="6553200"/>
-            <a:ext cx="12192000" cy="304800"/>
+        </p:nvPicPr>
+        <p:blipFill>
+          <a:blip r:embed="rId2"/>
+          <a:stretch>
+            <a:fillRect/>
+          </a:stretch>
+        </p:blipFill>
+        <p:spPr>
+          <a:xfrm>
+            <a:off x="0" y="5477933"/>
+            <a:ext cx="12192000" cy="1380067"/>
           </a:xfrm>
           <a:prstGeom prst="rect">
             <a:avLst/>
           </a:prstGeom>
-          <a:solidFill>
-            <a:schemeClr val="bg2">
-              <a:lumMod val="10000"/>
-            </a:schemeClr>
-          </a:solidFill>
-          <a:ln>
-            <a:solidFill>
-              <a:schemeClr val="tx1"/>
-            </a:solidFill>
-          </a:ln>
-        </p:spPr>
-        <p:style>
-          <a:lnRef idx="2">
-            <a:schemeClr val="accent1">
-              <a:shade val="50000"/>
-            </a:schemeClr>
-          </a:lnRef>
-          <a:fillRef idx="1">
-            <a:schemeClr val="accent1"/>
-          </a:fillRef>
-          <a:effectRef idx="0">
-            <a:schemeClr val="accent1"/>
-          </a:effectRef>
-          <a:fontRef idx="minor">
-            <a:schemeClr val="lt1"/>
-          </a:fontRef>
-        </p:style>
-        <p:txBody>
-          <a:bodyPr rtlCol="0" anchor="ctr"/>
-          <a:lstStyle/>
-          <a:p>
-            <a:pPr algn="ctr"/>
-            <a:endParaRPr lang="es-MX"/>
-          </a:p>
-        </p:txBody>
-      </p:sp>
+        </p:spPr>
+      </p:pic>
     </p:spTree>
     <p:extLst>
       <p:ext uri="{BB962C8B-B14F-4D97-AF65-F5344CB8AC3E}">
-        <p14:creationId xmlns:p14="http://schemas.microsoft.com/office/powerpoint/2010/main" val="2133878609"/>
+        <p14:creationId xmlns:p14="http://schemas.microsoft.com/office/powerpoint/2010/main" val="1225228946"/>
       </p:ext>
     </p:extLst>
   </p:cSld>
@@ -8873,6 +10303,97 @@
       </p:grpSpPr>
       <p:sp>
         <p:nvSpPr>
+          <p:cNvPr id="7" name="6 Rectángulo redondeado"/>
+          <p:cNvSpPr/>
+          <p:nvPr/>
+        </p:nvSpPr>
+        <p:spPr>
+          <a:xfrm>
+            <a:off x="748145" y="4048991"/>
+            <a:ext cx="10515600" cy="2015837"/>
+          </a:xfrm>
+          <a:prstGeom prst="roundRect">
+            <a:avLst/>
+          </a:prstGeom>
+          <a:solidFill>
+            <a:schemeClr val="accent3">
+              <a:lumMod val="20000"/>
+              <a:lumOff val="80000"/>
+            </a:schemeClr>
+          </a:solidFill>
+        </p:spPr>
+        <p:style>
+          <a:lnRef idx="2">
+            <a:schemeClr val="accent1">
+              <a:shade val="50000"/>
+            </a:schemeClr>
+          </a:lnRef>
+          <a:fillRef idx="1">
+            <a:schemeClr val="accent1"/>
+          </a:fillRef>
+          <a:effectRef idx="0">
+            <a:schemeClr val="accent1"/>
+          </a:effectRef>
+          <a:fontRef idx="minor">
+            <a:schemeClr val="lt1"/>
+          </a:fontRef>
+        </p:style>
+        <p:txBody>
+          <a:bodyPr rtlCol="0" anchor="ctr"/>
+          <a:lstStyle/>
+          <a:p>
+            <a:pPr algn="ctr"/>
+            <a:endParaRPr lang="es-MX"/>
+          </a:p>
+        </p:txBody>
+      </p:sp>
+      <p:sp>
+        <p:nvSpPr>
+          <p:cNvPr id="6" name="5 Rectángulo redondeado"/>
+          <p:cNvSpPr/>
+          <p:nvPr/>
+        </p:nvSpPr>
+        <p:spPr>
+          <a:xfrm>
+            <a:off x="748145" y="1672936"/>
+            <a:ext cx="10515600" cy="2015837"/>
+          </a:xfrm>
+          <a:prstGeom prst="roundRect">
+            <a:avLst/>
+          </a:prstGeom>
+          <a:solidFill>
+            <a:schemeClr val="bg2">
+              <a:lumMod val="90000"/>
+            </a:schemeClr>
+          </a:solidFill>
+        </p:spPr>
+        <p:style>
+          <a:lnRef idx="2">
+            <a:schemeClr val="accent1">
+              <a:shade val="50000"/>
+            </a:schemeClr>
+          </a:lnRef>
+          <a:fillRef idx="1">
+            <a:schemeClr val="accent1"/>
+          </a:fillRef>
+          <a:effectRef idx="0">
+            <a:schemeClr val="accent1"/>
+          </a:effectRef>
+          <a:fontRef idx="minor">
+            <a:schemeClr val="lt1"/>
+          </a:fontRef>
+        </p:style>
+        <p:txBody>
+          <a:bodyPr rtlCol="0" anchor="ctr"/>
+          <a:lstStyle/>
+          <a:p>
+            <a:pPr algn="ctr"/>
+            <a:endParaRPr lang="es-MX"/>
+          </a:p>
+        </p:txBody>
+      </p:sp>
+      <p:sp>
+        <p:nvSpPr>
           <p:cNvPr id="2" name="Título 1"/>
           <p:cNvSpPr>
             <a:spLocks noGrp="1"/>
@@ -8887,10 +10408,18 @@
           <a:lstStyle/>
           <a:p>
             <a:r>
+              <a:rPr lang="es-MX" b="1" dirty="0" smtClean="0"/>
+              <a:t>¿Qué implica </a:t>
+            </a:r>
+            <a:r>
               <a:rPr lang="es-MX" b="1" u="sng" dirty="0" smtClean="0"/>
-              <a:t>Instrumento de medición</a:t>
-            </a:r>
-            <a:endParaRPr lang="es-MX" b="1" u="sng" dirty="0"/>
+              <a:t>Medir</a:t>
+            </a:r>
+            <a:r>
+              <a:rPr lang="es-MX" b="1" dirty="0" smtClean="0"/>
+              <a:t>?</a:t>
+            </a:r>
+            <a:endParaRPr lang="es-MX" b="1" dirty="0"/>
           </a:p>
         </p:txBody>
       </p:sp>
@@ -8906,31 +10435,130 @@
         </p:nvSpPr>
         <p:spPr/>
         <p:txBody>
-          <a:bodyPr/>
-          <a:lstStyle/>
-          <a:p>
+          <a:bodyPr>
+            <a:normAutofit lnSpcReduction="10000"/>
+          </a:bodyPr>
+          <a:lstStyle/>
+          <a:p>
+            <a:r>
+              <a:rPr lang="es-MX" b="1" dirty="0" smtClean="0"/>
+              <a:t>En ciencias naturales:</a:t>
+            </a:r>
+          </a:p>
+          <a:p>
+            <a:pPr marL="457200" lvl="1" indent="0">
+              <a:buNone/>
+            </a:pPr>
             <a:r>
               <a:rPr lang="es-MX" dirty="0" smtClean="0"/>
-              <a:t>Exámenes</a:t>
-            </a:r>
-          </a:p>
-          <a:p>
+              <a:t>Asignar un valor numérico a una variable usando como referencia una escala.</a:t>
+            </a:r>
+          </a:p>
+          <a:p>
+            <a:pPr marL="457200" lvl="1" indent="0">
+              <a:buNone/>
+            </a:pPr>
+            <a:endParaRPr lang="es-MX" dirty="0"/>
+          </a:p>
+          <a:p>
+            <a:pPr marL="457200" lvl="1" indent="0">
+              <a:buNone/>
+            </a:pPr>
+            <a:r>
+              <a:rPr lang="es-MX" b="1" dirty="0" smtClean="0"/>
+              <a:t>Ejemplo:</a:t>
+            </a:r>
+          </a:p>
+          <a:p>
+            <a:pPr lvl="1"/>
+            <a:r>
+              <a:rPr lang="es-MX" sz="2000" dirty="0" smtClean="0"/>
+              <a:t>Medir </a:t>
+            </a:r>
+            <a:r>
+              <a:rPr lang="es-MX" sz="2000" b="1" dirty="0" smtClean="0"/>
+              <a:t>la temperatura </a:t>
+            </a:r>
+            <a:endParaRPr lang="es-MX" sz="2000" dirty="0" smtClean="0"/>
+          </a:p>
+          <a:p>
+            <a:endParaRPr lang="es-MX" b="1" dirty="0"/>
+          </a:p>
+          <a:p>
+            <a:r>
+              <a:rPr lang="es-MX" b="1" dirty="0" smtClean="0"/>
+              <a:t>En ciencias sociales:</a:t>
+            </a:r>
+          </a:p>
+          <a:p>
+            <a:pPr marL="457200" lvl="1" indent="0">
+              <a:buNone/>
+            </a:pPr>
             <a:r>
               <a:rPr lang="es-MX" dirty="0" smtClean="0"/>
-              <a:t>Cuestionarios</a:t>
-            </a:r>
-          </a:p>
-          <a:p>
+              <a:t>Asociar un </a:t>
+            </a:r>
+            <a:r>
+              <a:rPr lang="es-MX" b="1" u="sng" dirty="0" smtClean="0"/>
+              <a:t>concepto abstracto</a:t>
+            </a:r>
             <a:r>
               <a:rPr lang="es-MX" dirty="0" smtClean="0"/>
-              <a:t>Reportes</a:t>
-            </a:r>
-          </a:p>
-          <a:p>
-            <a:r>
-              <a:rPr lang="es-MX" dirty="0" smtClean="0"/>
-              <a:t>Aparatos especiales</a:t>
-            </a:r>
+              <a:t> con un </a:t>
+            </a:r>
+            <a:r>
+              <a:rPr lang="es-MX" b="1" u="sng" dirty="0" smtClean="0"/>
+              <a:t>indicador empírico</a:t>
+            </a:r>
+          </a:p>
+          <a:p>
+            <a:pPr marL="457200" lvl="1" indent="0">
+              <a:buNone/>
+            </a:pPr>
+            <a:endParaRPr lang="es-MX" b="1" dirty="0" smtClean="0"/>
+          </a:p>
+          <a:p>
+            <a:pPr marL="457200" lvl="1" indent="0">
+              <a:buNone/>
+            </a:pPr>
+            <a:r>
+              <a:rPr lang="es-MX" b="1" dirty="0" smtClean="0"/>
+              <a:t>Ejemplo:</a:t>
+            </a:r>
+          </a:p>
+          <a:p>
+            <a:pPr lvl="1"/>
+            <a:r>
+              <a:rPr lang="es-MX" sz="2000" dirty="0" smtClean="0"/>
+              <a:t>Medimos </a:t>
+            </a:r>
+            <a:r>
+              <a:rPr lang="es-MX" sz="2000" b="1" u="sng" dirty="0" smtClean="0"/>
+              <a:t>el acoso sexual</a:t>
+            </a:r>
+            <a:r>
+              <a:rPr lang="es-MX" sz="2000" b="1" dirty="0" smtClean="0"/>
+              <a:t> </a:t>
+            </a:r>
+            <a:r>
+              <a:rPr lang="es-MX" sz="2000" dirty="0" smtClean="0"/>
+              <a:t>a partir del </a:t>
+            </a:r>
+            <a:r>
+              <a:rPr lang="es-MX" sz="2000" b="1" u="sng" dirty="0" smtClean="0"/>
+              <a:t>número de denuncias registradas</a:t>
+            </a:r>
+            <a:r>
+              <a:rPr lang="es-MX" sz="2000" b="1" dirty="0" smtClean="0"/>
+              <a:t> </a:t>
+            </a:r>
+            <a:endParaRPr lang="es-MX" sz="2000" dirty="0" smtClean="0"/>
+          </a:p>
+          <a:p>
+            <a:pPr marL="457200" lvl="1" indent="0">
+              <a:buNone/>
+            </a:pPr>
+            <a:endParaRPr lang="es-MX" u="sng" dirty="0"/>
           </a:p>
         </p:txBody>
       </p:sp>
@@ -8949,8 +10577,8 @@
             <a:avLst/>
           </a:prstGeom>
           <a:solidFill>
-            <a:schemeClr val="bg1">
-              <a:lumMod val="50000"/>
+            <a:schemeClr val="bg2">
+              <a:lumMod val="10000"/>
             </a:schemeClr>
           </a:solidFill>
           <a:ln>
@@ -8999,8 +10627,8 @@
             <a:avLst/>
           </a:prstGeom>
           <a:solidFill>
-            <a:schemeClr val="bg1">
-              <a:lumMod val="50000"/>
+            <a:schemeClr val="bg2">
+              <a:lumMod val="10000"/>
             </a:schemeClr>
           </a:solidFill>
           <a:ln>
@@ -9037,7 +10665,7 @@
     </p:spTree>
     <p:extLst>
       <p:ext uri="{BB962C8B-B14F-4D97-AF65-F5344CB8AC3E}">
-        <p14:creationId xmlns:p14="http://schemas.microsoft.com/office/powerpoint/2010/main" val="482156371"/>
+        <p14:creationId xmlns:p14="http://schemas.microsoft.com/office/powerpoint/2010/main" val="2133878609"/>
       </p:ext>
     </p:extLst>
   </p:cSld>
@@ -9103,45 +10731,52 @@
           <a:lstStyle/>
           <a:p>
             <a:r>
+              <a:rPr lang="es-MX" b="1" dirty="0" smtClean="0"/>
+              <a:t>Ciencias naturales: </a:t>
+            </a:r>
+            <a:r>
               <a:rPr lang="es-MX" dirty="0" smtClean="0"/>
-              <a:t>Debe ser </a:t>
-            </a:r>
-            <a:r>
-              <a:rPr lang="es-MX" b="1" dirty="0" smtClean="0"/>
-              <a:t>confiable</a:t>
-            </a:r>
-          </a:p>
-          <a:p>
+              <a:t>Termómetro, báscula, barómetro, regla, contador, reloj, cronómetro, etc.</a:t>
+            </a:r>
             <a:endParaRPr lang="es-MX" b="1" dirty="0"/>
           </a:p>
           <a:p>
+            <a:endParaRPr lang="es-ES" dirty="0" smtClean="0"/>
+          </a:p>
+          <a:p>
+            <a:r>
+              <a:rPr lang="es-ES" b="1" dirty="0" smtClean="0"/>
+              <a:t>Ciencias sociales</a:t>
+            </a:r>
             <a:endParaRPr lang="es-MX" b="1" dirty="0" smtClean="0"/>
           </a:p>
           <a:p>
+            <a:pPr lvl="1"/>
             <a:r>
               <a:rPr lang="es-MX" dirty="0" smtClean="0"/>
-              <a:t>Debe tener </a:t>
-            </a:r>
-            <a:r>
-              <a:rPr lang="es-MX" b="1" dirty="0" smtClean="0"/>
-              <a:t>validez</a:t>
-            </a:r>
-          </a:p>
-          <a:p>
-            <a:endParaRPr lang="es-MX" b="1" dirty="0"/>
-          </a:p>
-          <a:p>
+              <a:t>Exámenes</a:t>
+            </a:r>
+          </a:p>
+          <a:p>
+            <a:pPr lvl="1"/>
+            <a:r>
+              <a:rPr lang="es-ES" dirty="0" smtClean="0"/>
+              <a:t>Encuestas</a:t>
+            </a:r>
+            <a:endParaRPr lang="es-MX" dirty="0" smtClean="0"/>
+          </a:p>
+          <a:p>
+            <a:pPr lvl="1"/>
             <a:r>
               <a:rPr lang="es-MX" dirty="0" smtClean="0"/>
-              <a:t>Debe ser </a:t>
-            </a:r>
-            <a:r>
-              <a:rPr lang="es-MX" b="1" dirty="0" smtClean="0"/>
-              <a:t>objetivo</a:t>
-            </a:r>
+              <a:t>Cuestionarios</a:t>
+            </a:r>
+          </a:p>
+          <a:p>
+            <a:pPr lvl="1"/>
             <a:r>
               <a:rPr lang="es-MX" dirty="0" smtClean="0"/>
-              <a:t> </a:t>
+              <a:t>Reportes</a:t>
             </a:r>
             <a:endParaRPr lang="es-MX" dirty="0" smtClean="0"/>
           </a:p>
@@ -9250,7 +10885,7 @@
     </p:spTree>
     <p:extLst>
       <p:ext uri="{BB962C8B-B14F-4D97-AF65-F5344CB8AC3E}">
-        <p14:creationId xmlns:p14="http://schemas.microsoft.com/office/powerpoint/2010/main" val="4075541116"/>
+        <p14:creationId xmlns:p14="http://schemas.microsoft.com/office/powerpoint/2010/main" val="482156371"/>
       </p:ext>
     </p:extLst>
   </p:cSld>
@@ -9293,83 +10928,71 @@
           <a:lstStyle/>
           <a:p>
             <a:r>
+              <a:rPr lang="es-MX" b="1" u="sng" dirty="0" smtClean="0"/>
+              <a:t>Instrumento de medición</a:t>
+            </a:r>
+            <a:endParaRPr lang="es-MX" b="1" u="sng" dirty="0"/>
+          </a:p>
+        </p:txBody>
+      </p:sp>
+      <p:sp>
+        <p:nvSpPr>
+          <p:cNvPr id="3" name="Marcador de contenido 2"/>
+          <p:cNvSpPr>
+            <a:spLocks noGrp="1"/>
+          </p:cNvSpPr>
+          <p:nvPr>
+            <p:ph idx="1"/>
+          </p:nvPr>
+        </p:nvSpPr>
+        <p:spPr/>
+        <p:txBody>
+          <a:bodyPr/>
+          <a:lstStyle/>
+          <a:p>
+            <a:r>
+              <a:rPr lang="es-MX" dirty="0" smtClean="0"/>
+              <a:t>Debe ser </a:t>
+            </a:r>
+            <a:r>
               <a:rPr lang="es-MX" b="1" dirty="0" smtClean="0"/>
-              <a:t>Acerca de la Confiabilidad</a:t>
-            </a:r>
+              <a:t>confiable</a:t>
+            </a:r>
+          </a:p>
+          <a:p>
             <a:endParaRPr lang="es-MX" b="1" dirty="0"/>
           </a:p>
-        </p:txBody>
-      </p:sp>
-      <p:sp>
-        <p:nvSpPr>
-          <p:cNvPr id="3" name="Marcador de contenido 2"/>
-          <p:cNvSpPr>
-            <a:spLocks noGrp="1"/>
-          </p:cNvSpPr>
-          <p:nvPr>
-            <p:ph idx="1"/>
-          </p:nvPr>
-        </p:nvSpPr>
-        <p:spPr/>
-        <p:txBody>
-          <a:bodyPr>
-            <a:normAutofit/>
-          </a:bodyPr>
-          <a:lstStyle/>
-          <a:p>
+          <a:p>
+            <a:endParaRPr lang="es-MX" b="1" dirty="0" smtClean="0"/>
+          </a:p>
+          <a:p>
+            <a:r>
+              <a:rPr lang="es-MX" dirty="0" smtClean="0"/>
+              <a:t>Debe tener </a:t>
+            </a:r>
             <a:r>
               <a:rPr lang="es-MX" b="1" dirty="0" smtClean="0"/>
-              <a:t>Definición:</a:t>
-            </a:r>
+              <a:t>validez</a:t>
+            </a:r>
+          </a:p>
+          <a:p>
             <a:endParaRPr lang="es-MX" b="1" dirty="0" smtClean="0"/>
           </a:p>
           <a:p>
-            <a:pPr marL="457200" lvl="1" indent="0">
-              <a:buNone/>
-            </a:pPr>
+            <a:endParaRPr lang="es-MX" b="1" dirty="0"/>
+          </a:p>
+          <a:p>
             <a:r>
               <a:rPr lang="es-MX" dirty="0" smtClean="0"/>
-              <a:t>Implica evaluar la </a:t>
+              <a:t>Debe ser </a:t>
             </a:r>
             <a:r>
               <a:rPr lang="es-MX" b="1" dirty="0" smtClean="0"/>
-              <a:t>precisión</a:t>
+              <a:t>objetivo</a:t>
             </a:r>
             <a:r>
               <a:rPr lang="es-MX" dirty="0" smtClean="0"/>
-              <a:t> con la que mi instrumento está midiendo mi variable de interés.</a:t>
-            </a:r>
-            <a:endParaRPr lang="es-MX" dirty="0"/>
-          </a:p>
-          <a:p>
-            <a:endParaRPr lang="es-MX" b="1" dirty="0" smtClean="0"/>
-          </a:p>
-          <a:p>
-            <a:r>
-              <a:rPr lang="es-MX" b="1" dirty="0" smtClean="0"/>
-              <a:t>¿Cómo se evalúa?</a:t>
-            </a:r>
-          </a:p>
-          <a:p>
-            <a:pPr lvl="1"/>
-            <a:r>
-              <a:rPr lang="es-MX" dirty="0" smtClean="0"/>
-              <a:t>Comparando las puntuaciones asignadas a un mismo objeto en dos momentos (</a:t>
-            </a:r>
-            <a:r>
-              <a:rPr lang="es-MX" i="1" dirty="0" smtClean="0"/>
-              <a:t>cercanos en el tiempo</a:t>
-            </a:r>
-            <a:r>
-              <a:rPr lang="es-MX" dirty="0" smtClean="0"/>
-              <a:t>)</a:t>
-            </a:r>
-          </a:p>
-          <a:p>
-            <a:pPr lvl="1"/>
-            <a:r>
-              <a:rPr lang="es-MX" dirty="0" smtClean="0"/>
-              <a:t>Comparando las puntuaciones asignadas por mi instrumento con las puntuaciones asignadas con un instrumento de referencia</a:t>
+              <a:t> </a:t>
             </a:r>
           </a:p>
         </p:txBody>
@@ -9389,8 +11012,8 @@
             <a:avLst/>
           </a:prstGeom>
           <a:solidFill>
-            <a:schemeClr val="bg2">
-              <a:lumMod val="10000"/>
+            <a:schemeClr val="bg1">
+              <a:lumMod val="50000"/>
             </a:schemeClr>
           </a:solidFill>
           <a:ln>
@@ -9439,8 +11062,8 @@
             <a:avLst/>
           </a:prstGeom>
           <a:solidFill>
-            <a:schemeClr val="bg2">
-              <a:lumMod val="10000"/>
+            <a:schemeClr val="bg1">
+              <a:lumMod val="50000"/>
             </a:schemeClr>
           </a:solidFill>
           <a:ln>
@@ -9477,7 +11100,7 @@
     </p:spTree>
     <p:extLst>
       <p:ext uri="{BB962C8B-B14F-4D97-AF65-F5344CB8AC3E}">
-        <p14:creationId xmlns:p14="http://schemas.microsoft.com/office/powerpoint/2010/main" val="4096822682"/>
+        <p14:creationId xmlns:p14="http://schemas.microsoft.com/office/powerpoint/2010/main" val="4075541116"/>
       </p:ext>
     </p:extLst>
   </p:cSld>
@@ -9548,7 +11171,6 @@
               <a:rPr lang="es-MX" b="1" dirty="0" smtClean="0"/>
               <a:t>Definición:</a:t>
             </a:r>
-            <a:endParaRPr lang="es-MX" b="1" dirty="0" smtClean="0"/>
           </a:p>
           <a:p>
             <a:pPr marL="457200" lvl="1" indent="0">
@@ -9580,24 +11202,28 @@
           <a:p>
             <a:pPr lvl="1"/>
             <a:r>
-              <a:rPr lang="es-MX" b="1" u="sng" dirty="0" smtClean="0"/>
+              <a:rPr lang="es-MX" dirty="0" smtClean="0"/>
               <a:t>Comparando las puntuaciones asignadas a un mismo objeto en dos momentos (</a:t>
             </a:r>
             <a:r>
-              <a:rPr lang="es-MX" b="1" i="1" u="sng" dirty="0" smtClean="0"/>
+              <a:rPr lang="es-MX" i="1" dirty="0" smtClean="0"/>
               <a:t>cercanos en el tiempo</a:t>
             </a:r>
             <a:r>
-              <a:rPr lang="es-MX" b="1" u="sng" dirty="0" smtClean="0"/>
+              <a:rPr lang="es-MX" dirty="0" smtClean="0"/>
               <a:t>)</a:t>
             </a:r>
           </a:p>
           <a:p>
             <a:pPr lvl="1"/>
             <a:r>
-              <a:rPr lang="es-MX" dirty="0" smtClean="0"/>
+              <a:rPr lang="es-MX" dirty="0"/>
               <a:t>Comparando las puntuaciones obtenidas por dos personas distintas cuando se juzga un mismo objeto</a:t>
             </a:r>
+          </a:p>
+          <a:p>
+            <a:pPr lvl="1"/>
+            <a:endParaRPr lang="es-MX" dirty="0" smtClean="0"/>
           </a:p>
         </p:txBody>
       </p:sp>
@@ -9704,7 +11330,7 @@
     </p:spTree>
     <p:extLst>
       <p:ext uri="{BB962C8B-B14F-4D97-AF65-F5344CB8AC3E}">
-        <p14:creationId xmlns:p14="http://schemas.microsoft.com/office/powerpoint/2010/main" val="2031060468"/>
+        <p14:creationId xmlns:p14="http://schemas.microsoft.com/office/powerpoint/2010/main" val="4096822682"/>
       </p:ext>
     </p:extLst>
   </p:cSld>
@@ -9757,7 +11383,7 @@
     </a:clrScheme>
     <a:fontScheme name="Office">
       <a:majorFont>
-        <a:latin typeface="Calibri Light" panose="020F0302020204030204"/>
+        <a:latin typeface="Calibri Light"/>
         <a:ea typeface=""/>
         <a:cs typeface=""/>
         <a:font script="Jpan" typeface="ＭＳ Ｐゴシック"/>
@@ -9792,7 +11418,7 @@
         <a:font script="Geor" typeface="Sylfaen"/>
       </a:majorFont>
       <a:minorFont>
-        <a:latin typeface="Calibri" panose="020F0502020204030204"/>
+        <a:latin typeface="Calibri"/>
         <a:ea typeface=""/>
         <a:cs typeface=""/>
         <a:font script="Jpan" typeface="ＭＳ Ｐゴシック"/>
@@ -9969,7 +11595,7 @@
   <a:extraClrSchemeLst/>
   <a:extLst>
     <a:ext uri="{05A4C25C-085E-4340-85A3-A5531E510DB2}">
-      <thm15:themeFamily xmlns:thm15="http://schemas.microsoft.com/office/thememl/2012/main" name="Office Theme" id="{62F939B6-93AF-4DB8-9C6B-D6C7DFDC589F}" vid="{4A3C46E8-61CC-4603-A589-7422A47A8E4A}"/>
+      <thm15:themeFamily xmlns:thm15="http://schemas.microsoft.com/office/thememl/2012/main" xmlns="" name="Office Theme" id="{62F939B6-93AF-4DB8-9C6B-D6C7DFDC589F}" vid="{4A3C46E8-61CC-4603-A589-7422A47A8E4A}"/>
     </a:ext>
   </a:extLst>
 </a:theme>

--- a/JeanPiaget/Presentaciones/04_RecolecciónyAnálisisDatos.pptx
+++ b/JeanPiaget/Presentaciones/04_RecolecciónyAnálisisDatos.pptx
@@ -5,40 +5,44 @@
     <p:sldMasterId id="2147483648" r:id="rId1"/>
   </p:sldMasterIdLst>
   <p:sldIdLst>
-    <p:sldId id="256" r:id="rId2"/>
-    <p:sldId id="285" r:id="rId3"/>
-    <p:sldId id="262" r:id="rId4"/>
-    <p:sldId id="287" r:id="rId5"/>
-    <p:sldId id="257" r:id="rId6"/>
-    <p:sldId id="260" r:id="rId7"/>
-    <p:sldId id="258" r:id="rId8"/>
-    <p:sldId id="263" r:id="rId9"/>
-    <p:sldId id="266" r:id="rId10"/>
-    <p:sldId id="267" r:id="rId11"/>
-    <p:sldId id="264" r:id="rId12"/>
-    <p:sldId id="268" r:id="rId13"/>
-    <p:sldId id="269" r:id="rId14"/>
-    <p:sldId id="270" r:id="rId15"/>
-    <p:sldId id="271" r:id="rId16"/>
-    <p:sldId id="272" r:id="rId17"/>
-    <p:sldId id="273" r:id="rId18"/>
-    <p:sldId id="274" r:id="rId19"/>
-    <p:sldId id="275" r:id="rId20"/>
-    <p:sldId id="276" r:id="rId21"/>
-    <p:sldId id="277" r:id="rId22"/>
-    <p:sldId id="278" r:id="rId23"/>
-    <p:sldId id="279" r:id="rId24"/>
-    <p:sldId id="280" r:id="rId25"/>
-    <p:sldId id="282" r:id="rId26"/>
-    <p:sldId id="281" r:id="rId27"/>
-    <p:sldId id="290" r:id="rId28"/>
-    <p:sldId id="291" r:id="rId29"/>
-    <p:sldId id="283" r:id="rId30"/>
-    <p:sldId id="286" r:id="rId31"/>
-    <p:sldId id="284" r:id="rId32"/>
-    <p:sldId id="288" r:id="rId33"/>
-    <p:sldId id="289" r:id="rId34"/>
-    <p:sldId id="259" r:id="rId35"/>
+    <p:sldId id="295" r:id="rId2"/>
+    <p:sldId id="296" r:id="rId3"/>
+    <p:sldId id="293" r:id="rId4"/>
+    <p:sldId id="292" r:id="rId5"/>
+    <p:sldId id="256" r:id="rId6"/>
+    <p:sldId id="285" r:id="rId7"/>
+    <p:sldId id="262" r:id="rId8"/>
+    <p:sldId id="287" r:id="rId9"/>
+    <p:sldId id="257" r:id="rId10"/>
+    <p:sldId id="260" r:id="rId11"/>
+    <p:sldId id="258" r:id="rId12"/>
+    <p:sldId id="263" r:id="rId13"/>
+    <p:sldId id="266" r:id="rId14"/>
+    <p:sldId id="267" r:id="rId15"/>
+    <p:sldId id="264" r:id="rId16"/>
+    <p:sldId id="268" r:id="rId17"/>
+    <p:sldId id="269" r:id="rId18"/>
+    <p:sldId id="270" r:id="rId19"/>
+    <p:sldId id="271" r:id="rId20"/>
+    <p:sldId id="272" r:id="rId21"/>
+    <p:sldId id="273" r:id="rId22"/>
+    <p:sldId id="274" r:id="rId23"/>
+    <p:sldId id="275" r:id="rId24"/>
+    <p:sldId id="276" r:id="rId25"/>
+    <p:sldId id="277" r:id="rId26"/>
+    <p:sldId id="278" r:id="rId27"/>
+    <p:sldId id="279" r:id="rId28"/>
+    <p:sldId id="280" r:id="rId29"/>
+    <p:sldId id="282" r:id="rId30"/>
+    <p:sldId id="281" r:id="rId31"/>
+    <p:sldId id="290" r:id="rId32"/>
+    <p:sldId id="291" r:id="rId33"/>
+    <p:sldId id="283" r:id="rId34"/>
+    <p:sldId id="286" r:id="rId35"/>
+    <p:sldId id="284" r:id="rId36"/>
+    <p:sldId id="288" r:id="rId37"/>
+    <p:sldId id="289" r:id="rId38"/>
+    <p:sldId id="259" r:id="rId39"/>
   </p:sldIdLst>
   <p:sldSz cx="12192000" cy="6858000"/>
   <p:notesSz cx="6858000" cy="9144000"/>
@@ -139,7 +143,7 @@
   </p:defaultTextStyle>
   <p:extLst>
     <p:ext uri="{EFAFB233-063F-42B5-8137-9DF3F51BA10A}">
-      <p15:sldGuideLst xmlns:p15="http://schemas.microsoft.com/office/powerpoint/2012/main" xmlns="">
+      <p15:sldGuideLst xmlns="" xmlns:p15="http://schemas.microsoft.com/office/powerpoint/2012/main">
         <p15:guide id="1" orient="horz" pos="2160" userDrawn="1">
           <p15:clr>
             <a:srgbClr val="A4A3A4"/>
@@ -3013,93 +3017,42 @@
           <a:chExt cx="0" cy="0"/>
         </a:xfrm>
       </p:grpSpPr>
-      <p:pic>
-        <p:nvPicPr>
-          <p:cNvPr id="1026" name="Picture 2" descr="Resultado de imagen para mosaico"/>
-          <p:cNvPicPr>
-            <a:picLocks noChangeAspect="1" noChangeArrowheads="1"/>
-          </p:cNvPicPr>
-          <p:nvPr/>
-        </p:nvPicPr>
-        <p:blipFill>
-          <a:blip r:embed="rId2">
-            <a:extLst>
-              <a:ext uri="{28A0092B-C50C-407E-A947-70E740481C1C}">
-                <a14:useLocalDpi xmlns:a14="http://schemas.microsoft.com/office/drawing/2010/main" val="0"/>
-              </a:ext>
-            </a:extLst>
-          </a:blip>
-          <a:srcRect/>
-          <a:stretch>
-            <a:fillRect/>
-          </a:stretch>
-        </p:blipFill>
-        <p:spPr bwMode="auto">
-          <a:xfrm>
-            <a:off x="0" y="0"/>
-            <a:ext cx="12192000" cy="6858000"/>
-          </a:xfrm>
-          <a:prstGeom prst="rect">
-            <a:avLst/>
-          </a:prstGeom>
-          <a:noFill/>
-          <a:extLst>
-            <a:ext uri="{909E8E84-426E-40DD-AFC4-6F175D3DCCD1}">
-              <a14:hiddenFill xmlns:a14="http://schemas.microsoft.com/office/drawing/2010/main">
-                <a:solidFill>
-                  <a:srgbClr val="FFFFFF"/>
-                </a:solidFill>
-              </a14:hiddenFill>
-            </a:ext>
-          </a:extLst>
-        </p:spPr>
-      </p:pic>
-      <p:sp>
-        <p:nvSpPr>
-          <p:cNvPr id="4" name="Rectángulo redondeado 3"/>
-          <p:cNvSpPr/>
-          <p:nvPr/>
-        </p:nvSpPr>
-        <p:spPr>
-          <a:xfrm>
-            <a:off x="880533" y="685800"/>
-            <a:ext cx="10498667" cy="5376333"/>
-          </a:xfrm>
-          <a:prstGeom prst="roundRect">
-            <a:avLst/>
-          </a:prstGeom>
-        </p:spPr>
-        <p:style>
-          <a:lnRef idx="2">
-            <a:schemeClr val="dk1"/>
-          </a:lnRef>
-          <a:fillRef idx="1">
-            <a:schemeClr val="lt1"/>
-          </a:fillRef>
-          <a:effectRef idx="0">
-            <a:schemeClr val="dk1"/>
-          </a:effectRef>
-          <a:fontRef idx="minor">
-            <a:schemeClr val="dk1"/>
-          </a:fontRef>
-        </p:style>
-        <p:txBody>
-          <a:bodyPr rtlCol="0" anchor="ctr"/>
-          <a:lstStyle/>
-          <a:p>
-            <a:pPr algn="ctr"/>
-            <a:endParaRPr lang="es-MX"/>
-          </a:p>
-        </p:txBody>
-      </p:sp>
-      <p:sp>
-        <p:nvSpPr>
-          <p:cNvPr id="2" name="Título 1"/>
-          <p:cNvSpPr>
-            <a:spLocks noGrp="1"/>
-          </p:cNvSpPr>
-          <p:nvPr>
-            <p:ph type="ctrTitle"/>
+      <p:sp>
+        <p:nvSpPr>
+          <p:cNvPr id="2" name="1 Título"/>
+          <p:cNvSpPr>
+            <a:spLocks noGrp="1"/>
+          </p:cNvSpPr>
+          <p:nvPr>
+            <p:ph type="title"/>
+          </p:nvPr>
+        </p:nvSpPr>
+        <p:spPr>
+          <a:xfrm>
+            <a:off x="152400" y="178089"/>
+            <a:ext cx="10515600" cy="1325563"/>
+          </a:xfrm>
+        </p:spPr>
+        <p:txBody>
+          <a:bodyPr/>
+          <a:lstStyle/>
+          <a:p>
+            <a:r>
+              <a:rPr lang="es-MX" b="1" dirty="0" smtClean="0"/>
+              <a:t>AVISO:</a:t>
+            </a:r>
+            <a:endParaRPr lang="es-MX" b="1" dirty="0"/>
+          </a:p>
+        </p:txBody>
+      </p:sp>
+      <p:sp>
+        <p:nvSpPr>
+          <p:cNvPr id="3" name="2 Marcador de contenido"/>
+          <p:cNvSpPr>
+            <a:spLocks noGrp="1"/>
+          </p:cNvSpPr>
+          <p:nvPr>
+            <p:ph idx="1"/>
           </p:nvPr>
         </p:nvSpPr>
         <p:spPr/>
@@ -3108,32 +3061,70 @@
           <a:lstStyle/>
           <a:p>
             <a:r>
+              <a:rPr lang="es-MX" dirty="0" smtClean="0"/>
+              <a:t>Este periodo </a:t>
+            </a:r>
+            <a:r>
               <a:rPr lang="es-MX" b="1" dirty="0" smtClean="0"/>
-              <a:t>Recolección y Análisis de datos</a:t>
-            </a:r>
-            <a:endParaRPr lang="es-MX" b="1" dirty="0"/>
-          </a:p>
-        </p:txBody>
-      </p:sp>
-      <p:sp>
-        <p:nvSpPr>
-          <p:cNvPr id="3" name="Subtítulo 2"/>
-          <p:cNvSpPr>
-            <a:spLocks noGrp="1"/>
-          </p:cNvSpPr>
-          <p:nvPr>
-            <p:ph type="subTitle" idx="1"/>
-          </p:nvPr>
-        </p:nvSpPr>
-        <p:spPr/>
-        <p:txBody>
-          <a:bodyPr/>
-          <a:lstStyle/>
-          <a:p>
+              <a:t>NO </a:t>
+            </a:r>
             <a:r>
               <a:rPr lang="es-MX" dirty="0" smtClean="0"/>
-              <a:t>(Unidad 3: Desarrollo y Descripción del procedimiento) </a:t>
-            </a:r>
+              <a:t>tomará en cuenta la Carpeta como parte de la Evaluación.</a:t>
+            </a:r>
+          </a:p>
+          <a:p>
+            <a:endParaRPr lang="es-MX" dirty="0"/>
+          </a:p>
+          <a:p>
+            <a:r>
+              <a:rPr lang="es-MX" dirty="0" smtClean="0"/>
+              <a:t>20%  Ensayo sobre el documental ‘</a:t>
+            </a:r>
+            <a:r>
+              <a:rPr lang="es-MX" b="1" dirty="0" smtClean="0"/>
+              <a:t>Bowling </a:t>
+            </a:r>
+            <a:r>
+              <a:rPr lang="es-MX" b="1" dirty="0" err="1" smtClean="0"/>
+              <a:t>for</a:t>
+            </a:r>
+            <a:r>
+              <a:rPr lang="es-MX" b="1" dirty="0" smtClean="0"/>
+              <a:t> </a:t>
+            </a:r>
+            <a:r>
+              <a:rPr lang="es-MX" b="1" dirty="0" err="1" smtClean="0"/>
+              <a:t>Columbine</a:t>
+            </a:r>
+            <a:r>
+              <a:rPr lang="es-MX" dirty="0" smtClean="0"/>
+              <a:t>’ de Michael Moore.</a:t>
+            </a:r>
+          </a:p>
+          <a:p>
+            <a:pPr lvl="1"/>
+            <a:r>
+              <a:rPr lang="es-MX" dirty="0" smtClean="0"/>
+              <a:t>El ensayo es libre (procuren tomar en cuenta no sólo el contenido, sino la forma de presentar la investigación).</a:t>
+            </a:r>
+          </a:p>
+          <a:p>
+            <a:pPr lvl="1"/>
+            <a:r>
+              <a:rPr lang="es-MX" dirty="0" smtClean="0"/>
+              <a:t>Extensión mínima una cuartilla, máximo cinco.</a:t>
+            </a:r>
+          </a:p>
+          <a:p>
+            <a:pPr lvl="1"/>
+            <a:r>
+              <a:rPr lang="es-MX" dirty="0" smtClean="0"/>
+              <a:t>Formato libre.</a:t>
+            </a:r>
+          </a:p>
+          <a:p>
+            <a:pPr lvl="1"/>
             <a:endParaRPr lang="es-MX" dirty="0"/>
           </a:p>
         </p:txBody>
@@ -3141,7 +3132,7 @@
     </p:spTree>
     <p:extLst>
       <p:ext uri="{BB962C8B-B14F-4D97-AF65-F5344CB8AC3E}">
-        <p14:creationId xmlns:p14="http://schemas.microsoft.com/office/powerpoint/2010/main" val="3073955301"/>
+        <p14:creationId xmlns:p14="http://schemas.microsoft.com/office/powerpoint/2010/main" val="529579829"/>
       </p:ext>
     </p:extLst>
   </p:cSld>
@@ -3170,6 +3161,97 @@
       </p:grpSpPr>
       <p:sp>
         <p:nvSpPr>
+          <p:cNvPr id="7" name="6 Rectángulo redondeado"/>
+          <p:cNvSpPr/>
+          <p:nvPr/>
+        </p:nvSpPr>
+        <p:spPr>
+          <a:xfrm>
+            <a:off x="748145" y="4048991"/>
+            <a:ext cx="10515600" cy="2015837"/>
+          </a:xfrm>
+          <a:prstGeom prst="roundRect">
+            <a:avLst/>
+          </a:prstGeom>
+          <a:solidFill>
+            <a:schemeClr val="accent3">
+              <a:lumMod val="20000"/>
+              <a:lumOff val="80000"/>
+            </a:schemeClr>
+          </a:solidFill>
+        </p:spPr>
+        <p:style>
+          <a:lnRef idx="2">
+            <a:schemeClr val="accent1">
+              <a:shade val="50000"/>
+            </a:schemeClr>
+          </a:lnRef>
+          <a:fillRef idx="1">
+            <a:schemeClr val="accent1"/>
+          </a:fillRef>
+          <a:effectRef idx="0">
+            <a:schemeClr val="accent1"/>
+          </a:effectRef>
+          <a:fontRef idx="minor">
+            <a:schemeClr val="lt1"/>
+          </a:fontRef>
+        </p:style>
+        <p:txBody>
+          <a:bodyPr rtlCol="0" anchor="ctr"/>
+          <a:lstStyle/>
+          <a:p>
+            <a:pPr algn="ctr"/>
+            <a:endParaRPr lang="es-MX"/>
+          </a:p>
+        </p:txBody>
+      </p:sp>
+      <p:sp>
+        <p:nvSpPr>
+          <p:cNvPr id="6" name="5 Rectángulo redondeado"/>
+          <p:cNvSpPr/>
+          <p:nvPr/>
+        </p:nvSpPr>
+        <p:spPr>
+          <a:xfrm>
+            <a:off x="748145" y="1672936"/>
+            <a:ext cx="10515600" cy="2015837"/>
+          </a:xfrm>
+          <a:prstGeom prst="roundRect">
+            <a:avLst/>
+          </a:prstGeom>
+          <a:solidFill>
+            <a:schemeClr val="bg2">
+              <a:lumMod val="90000"/>
+            </a:schemeClr>
+          </a:solidFill>
+        </p:spPr>
+        <p:style>
+          <a:lnRef idx="2">
+            <a:schemeClr val="accent1">
+              <a:shade val="50000"/>
+            </a:schemeClr>
+          </a:lnRef>
+          <a:fillRef idx="1">
+            <a:schemeClr val="accent1"/>
+          </a:fillRef>
+          <a:effectRef idx="0">
+            <a:schemeClr val="accent1"/>
+          </a:effectRef>
+          <a:fontRef idx="minor">
+            <a:schemeClr val="lt1"/>
+          </a:fontRef>
+        </p:style>
+        <p:txBody>
+          <a:bodyPr rtlCol="0" anchor="ctr"/>
+          <a:lstStyle/>
+          <a:p>
+            <a:pPr algn="ctr"/>
+            <a:endParaRPr lang="es-MX"/>
+          </a:p>
+        </p:txBody>
+      </p:sp>
+      <p:sp>
+        <p:nvSpPr>
           <p:cNvPr id="2" name="Título 1"/>
           <p:cNvSpPr>
             <a:spLocks noGrp="1"/>
@@ -3185,7 +3267,15 @@
           <a:p>
             <a:r>
               <a:rPr lang="es-MX" b="1" dirty="0" smtClean="0"/>
-              <a:t>Acerca de la Confiabilidad</a:t>
+              <a:t>¿Qué implica </a:t>
+            </a:r>
+            <a:r>
+              <a:rPr lang="es-MX" b="1" u="sng" dirty="0" smtClean="0"/>
+              <a:t>Medir</a:t>
+            </a:r>
+            <a:r>
+              <a:rPr lang="es-MX" b="1" dirty="0" smtClean="0"/>
+              <a:t>?</a:t>
             </a:r>
             <a:endParaRPr lang="es-MX" b="1" dirty="0"/>
           </a:p>
@@ -3204,13 +3294,13 @@
         <p:spPr/>
         <p:txBody>
           <a:bodyPr>
-            <a:normAutofit/>
+            <a:normAutofit lnSpcReduction="10000"/>
           </a:bodyPr>
           <a:lstStyle/>
           <a:p>
             <a:r>
               <a:rPr lang="es-MX" b="1" dirty="0" smtClean="0"/>
-              <a:t>Definición:</a:t>
+              <a:t>En ciencias naturales:</a:t>
             </a:r>
           </a:p>
           <a:p>
@@ -3219,48 +3309,114 @@
             </a:pPr>
             <a:r>
               <a:rPr lang="es-MX" dirty="0" smtClean="0"/>
-              <a:t>Implica evaluar la </a:t>
-            </a:r>
+              <a:t>Asignar un valor numérico a una variable usando como referencia una escala.</a:t>
+            </a:r>
+          </a:p>
+          <a:p>
+            <a:pPr marL="457200" lvl="1" indent="0">
+              <a:buNone/>
+            </a:pPr>
+            <a:endParaRPr lang="es-MX" dirty="0"/>
+          </a:p>
+          <a:p>
+            <a:pPr marL="457200" lvl="1" indent="0">
+              <a:buNone/>
+            </a:pPr>
             <a:r>
               <a:rPr lang="es-MX" b="1" dirty="0" smtClean="0"/>
-              <a:t>precisión</a:t>
-            </a:r>
+              <a:t>Ejemplo:</a:t>
+            </a:r>
+          </a:p>
+          <a:p>
+            <a:pPr lvl="1"/>
+            <a:r>
+              <a:rPr lang="es-MX" sz="2000" dirty="0" smtClean="0"/>
+              <a:t>Medir </a:t>
+            </a:r>
+            <a:r>
+              <a:rPr lang="es-MX" sz="2000" b="1" dirty="0" smtClean="0"/>
+              <a:t>la temperatura </a:t>
+            </a:r>
+            <a:endParaRPr lang="es-MX" sz="2000" dirty="0" smtClean="0"/>
+          </a:p>
+          <a:p>
+            <a:endParaRPr lang="es-MX" b="1" dirty="0"/>
+          </a:p>
+          <a:p>
+            <a:r>
+              <a:rPr lang="es-MX" b="1" dirty="0" smtClean="0"/>
+              <a:t>En ciencias sociales:</a:t>
+            </a:r>
+          </a:p>
+          <a:p>
+            <a:pPr marL="457200" lvl="1" indent="0">
+              <a:buNone/>
+            </a:pPr>
             <a:r>
               <a:rPr lang="es-MX" dirty="0" smtClean="0"/>
-              <a:t> con la que mi instrumento está midiendo mi variable de interés.</a:t>
-            </a:r>
-            <a:endParaRPr lang="es-MX" dirty="0"/>
-          </a:p>
-          <a:p>
+              <a:t>Asociar un </a:t>
+            </a:r>
+            <a:r>
+              <a:rPr lang="es-MX" b="1" u="sng" dirty="0" smtClean="0"/>
+              <a:t>concepto abstracto</a:t>
+            </a:r>
+            <a:r>
+              <a:rPr lang="es-MX" dirty="0" smtClean="0"/>
+              <a:t> con un </a:t>
+            </a:r>
+            <a:r>
+              <a:rPr lang="es-MX" b="1" u="sng" dirty="0" smtClean="0"/>
+              <a:t>indicador empírico</a:t>
+            </a:r>
+          </a:p>
+          <a:p>
+            <a:pPr marL="457200" lvl="1" indent="0">
+              <a:buNone/>
+            </a:pPr>
             <a:endParaRPr lang="es-MX" b="1" dirty="0" smtClean="0"/>
           </a:p>
           <a:p>
+            <a:pPr marL="457200" lvl="1" indent="0">
+              <a:buNone/>
+            </a:pPr>
             <a:r>
               <a:rPr lang="es-MX" b="1" dirty="0" smtClean="0"/>
-              <a:t>¿Cómo se evalúa?</a:t>
+              <a:t>Ejemplo:</a:t>
             </a:r>
           </a:p>
           <a:p>
             <a:pPr lvl="1"/>
             <a:r>
-              <a:rPr lang="es-MX" b="1" u="sng" dirty="0" smtClean="0"/>
-              <a:t>Comparando las puntuaciones asignadas a un mismo objeto en dos momentos (</a:t>
-            </a:r>
-            <a:r>
-              <a:rPr lang="es-MX" b="1" i="1" u="sng" dirty="0" smtClean="0"/>
-              <a:t>cercanos en el tiempo</a:t>
-            </a:r>
-            <a:r>
-              <a:rPr lang="es-MX" b="1" u="sng" dirty="0" smtClean="0"/>
-              <a:t>)</a:t>
-            </a:r>
-          </a:p>
-          <a:p>
-            <a:pPr lvl="1"/>
-            <a:r>
-              <a:rPr lang="es-MX" dirty="0" smtClean="0"/>
-              <a:t>Comparando las puntuaciones obtenidas por dos personas distintas cuando se juzga un mismo objeto</a:t>
-            </a:r>
+              <a:rPr lang="es-MX" sz="2000" dirty="0" smtClean="0"/>
+              <a:t>Medimos </a:t>
+            </a:r>
+            <a:r>
+              <a:rPr lang="es-MX" sz="2000" b="1" u="sng" dirty="0" smtClean="0"/>
+              <a:t>el acoso sexual</a:t>
+            </a:r>
+            <a:r>
+              <a:rPr lang="es-MX" sz="2000" b="1" dirty="0" smtClean="0"/>
+              <a:t> </a:t>
+            </a:r>
+            <a:r>
+              <a:rPr lang="es-MX" sz="2000" dirty="0" smtClean="0"/>
+              <a:t>a partir del </a:t>
+            </a:r>
+            <a:r>
+              <a:rPr lang="es-MX" sz="2000" b="1" u="sng" dirty="0" smtClean="0"/>
+              <a:t>número de denuncias registradas</a:t>
+            </a:r>
+            <a:r>
+              <a:rPr lang="es-MX" sz="2000" b="1" dirty="0" smtClean="0"/>
+              <a:t> </a:t>
+            </a:r>
+            <a:endParaRPr lang="es-MX" sz="2000" dirty="0" smtClean="0"/>
+          </a:p>
+          <a:p>
+            <a:pPr marL="457200" lvl="1" indent="0">
+              <a:buNone/>
+            </a:pPr>
+            <a:endParaRPr lang="es-MX" u="sng" dirty="0"/>
           </a:p>
         </p:txBody>
       </p:sp>
@@ -3367,7 +3523,7 @@
     </p:spTree>
     <p:extLst>
       <p:ext uri="{BB962C8B-B14F-4D97-AF65-F5344CB8AC3E}">
-        <p14:creationId xmlns:p14="http://schemas.microsoft.com/office/powerpoint/2010/main" val="2031060468"/>
+        <p14:creationId xmlns:p14="http://schemas.microsoft.com/office/powerpoint/2010/main" val="2133878609"/>
       </p:ext>
     </p:extLst>
   </p:cSld>
@@ -3404,23 +3560,16 @@
             <p:ph type="title"/>
           </p:nvPr>
         </p:nvSpPr>
-        <p:spPr>
-          <a:xfrm>
-            <a:off x="253999" y="365125"/>
-            <a:ext cx="11650133" cy="619125"/>
-          </a:xfrm>
-        </p:spPr>
-        <p:txBody>
-          <a:bodyPr>
-            <a:normAutofit fontScale="90000"/>
-          </a:bodyPr>
-          <a:lstStyle/>
-          <a:p>
-            <a:r>
-              <a:rPr lang="es-MX" sz="4000" b="1" dirty="0" smtClean="0"/>
-              <a:t>Ejemplo de un instrumento de medición poco confiable.</a:t>
-            </a:r>
-            <a:endParaRPr lang="es-MX" sz="4000" b="1" dirty="0"/>
+        <p:spPr/>
+        <p:txBody>
+          <a:bodyPr/>
+          <a:lstStyle/>
+          <a:p>
+            <a:r>
+              <a:rPr lang="es-MX" b="1" u="sng" dirty="0" smtClean="0"/>
+              <a:t>Instrumento de medición</a:t>
+            </a:r>
+            <a:endParaRPr lang="es-MX" b="1" u="sng" dirty="0"/>
           </a:p>
         </p:txBody>
       </p:sp>
@@ -3434,81 +3583,65 @@
             <p:ph idx="1"/>
           </p:nvPr>
         </p:nvSpPr>
-        <p:spPr>
-          <a:xfrm>
-            <a:off x="347133" y="1202530"/>
-            <a:ext cx="11556999" cy="5132389"/>
-          </a:xfrm>
-        </p:spPr>
-        <p:txBody>
-          <a:bodyPr>
-            <a:normAutofit/>
-          </a:bodyPr>
-          <a:lstStyle/>
-          <a:p>
-            <a:pPr marL="0" indent="0">
-              <a:buNone/>
-            </a:pPr>
+        <p:spPr/>
+        <p:txBody>
+          <a:bodyPr/>
+          <a:lstStyle/>
+          <a:p>
+            <a:r>
+              <a:rPr lang="es-MX" b="1" dirty="0" smtClean="0"/>
+              <a:t>Ciencias naturales: </a:t>
+            </a:r>
             <a:r>
               <a:rPr lang="es-MX" dirty="0" smtClean="0"/>
-              <a:t>Imagina que se mide </a:t>
-            </a:r>
-            <a:r>
-              <a:rPr lang="es-MX" b="1" dirty="0" smtClean="0"/>
-              <a:t>la estatura </a:t>
-            </a:r>
+              <a:t>Termómetro, báscula, barómetro, regla, contador, reloj, cronómetro, etc.</a:t>
+            </a:r>
+            <a:endParaRPr lang="es-MX" b="1" dirty="0"/>
+          </a:p>
+          <a:p>
+            <a:endParaRPr lang="es-ES" dirty="0" smtClean="0"/>
+          </a:p>
+          <a:p>
+            <a:r>
+              <a:rPr lang="es-ES" b="1" dirty="0" smtClean="0"/>
+              <a:t>Ciencias sociales</a:t>
+            </a:r>
+            <a:endParaRPr lang="es-MX" b="1" dirty="0" smtClean="0"/>
+          </a:p>
+          <a:p>
+            <a:pPr lvl="1"/>
             <a:r>
               <a:rPr lang="es-MX" dirty="0" smtClean="0"/>
-              <a:t>de un grupo de niños de preescolar en dos semanas distintas y se obtienen los siguientes valores (cm)</a:t>
-            </a:r>
-          </a:p>
-          <a:p>
-            <a:pPr marL="0" indent="0">
-              <a:buNone/>
-            </a:pPr>
-            <a:endParaRPr lang="es-MX" dirty="0"/>
-          </a:p>
-          <a:p>
-            <a:pPr marL="0" indent="0">
-              <a:buNone/>
-            </a:pPr>
+              <a:t>Exámenes</a:t>
+            </a:r>
+          </a:p>
+          <a:p>
+            <a:pPr lvl="1"/>
+            <a:r>
+              <a:rPr lang="es-ES" dirty="0" smtClean="0"/>
+              <a:t>Encuestas</a:t>
+            </a:r>
             <a:endParaRPr lang="es-MX" dirty="0" smtClean="0"/>
           </a:p>
           <a:p>
-            <a:pPr marL="0" indent="0">
-              <a:buNone/>
-            </a:pPr>
-            <a:endParaRPr lang="es-MX" dirty="0"/>
-          </a:p>
-          <a:p>
-            <a:pPr marL="0" indent="0">
-              <a:buNone/>
-            </a:pPr>
-            <a:endParaRPr lang="es-MX" dirty="0" smtClean="0"/>
-          </a:p>
-          <a:p>
-            <a:pPr marL="0" indent="0">
-              <a:buNone/>
-            </a:pPr>
-            <a:endParaRPr lang="es-MX" dirty="0"/>
-          </a:p>
-          <a:p>
-            <a:pPr marL="0" indent="0">
-              <a:buNone/>
-            </a:pPr>
-            <a:endParaRPr lang="es-MX" dirty="0" smtClean="0"/>
-          </a:p>
-          <a:p>
-            <a:pPr marL="0" indent="0">
-              <a:buNone/>
-            </a:pPr>
-            <a:endParaRPr lang="es-MX" dirty="0"/>
-          </a:p>
-        </p:txBody>
-      </p:sp>
-      <p:sp>
-        <p:nvSpPr>
-          <p:cNvPr id="6" name="Rectángulo 5"/>
+            <a:pPr lvl="1"/>
+            <a:r>
+              <a:rPr lang="es-MX" dirty="0" smtClean="0"/>
+              <a:t>Cuestionarios</a:t>
+            </a:r>
+          </a:p>
+          <a:p>
+            <a:pPr lvl="1"/>
+            <a:r>
+              <a:rPr lang="es-MX" dirty="0" smtClean="0"/>
+              <a:t>Reportes</a:t>
+            </a:r>
+          </a:p>
+        </p:txBody>
+      </p:sp>
+      <p:sp>
+        <p:nvSpPr>
+          <p:cNvPr id="4" name="Rectángulo 3"/>
           <p:cNvSpPr/>
           <p:nvPr/>
         </p:nvSpPr>
@@ -3558,7 +3691,7 @@
       </p:sp>
       <p:sp>
         <p:nvSpPr>
-          <p:cNvPr id="7" name="Rectángulo 6"/>
+          <p:cNvPr id="5" name="Rectángulo 4"/>
           <p:cNvSpPr/>
           <p:nvPr/>
         </p:nvSpPr>
@@ -3606,34 +3739,10 @@
           </a:p>
         </p:txBody>
       </p:sp>
-      <p:pic>
-        <p:nvPicPr>
-          <p:cNvPr id="8" name="Imagen 7"/>
-          <p:cNvPicPr>
-            <a:picLocks noChangeAspect="1"/>
-          </p:cNvPicPr>
-          <p:nvPr/>
-        </p:nvPicPr>
-        <p:blipFill>
-          <a:blip r:embed="rId2"/>
-          <a:stretch>
-            <a:fillRect/>
-          </a:stretch>
-        </p:blipFill>
-        <p:spPr>
-          <a:xfrm>
-            <a:off x="2430990" y="2362729"/>
-            <a:ext cx="7296150" cy="3114675"/>
-          </a:xfrm>
-          <a:prstGeom prst="rect">
-            <a:avLst/>
-          </a:prstGeom>
-        </p:spPr>
-      </p:pic>
     </p:spTree>
     <p:extLst>
       <p:ext uri="{BB962C8B-B14F-4D97-AF65-F5344CB8AC3E}">
-        <p14:creationId xmlns:p14="http://schemas.microsoft.com/office/powerpoint/2010/main" val="2718682507"/>
+        <p14:creationId xmlns:p14="http://schemas.microsoft.com/office/powerpoint/2010/main" val="482156371"/>
       </p:ext>
     </p:extLst>
   </p:cSld>
@@ -3670,29 +3779,84 @@
             <p:ph type="title"/>
           </p:nvPr>
         </p:nvSpPr>
-        <p:spPr>
-          <a:xfrm>
-            <a:off x="253999" y="365125"/>
-            <a:ext cx="11650133" cy="619125"/>
-          </a:xfrm>
-        </p:spPr>
-        <p:txBody>
-          <a:bodyPr>
-            <a:normAutofit fontScale="90000"/>
-          </a:bodyPr>
-          <a:lstStyle/>
-          <a:p>
-            <a:r>
-              <a:rPr lang="es-MX" sz="4000" b="1" dirty="0" smtClean="0"/>
-              <a:t>Ejemplo de un instrumento de medición poco confiable.</a:t>
-            </a:r>
-            <a:endParaRPr lang="es-MX" sz="4000" b="1" dirty="0"/>
-          </a:p>
-        </p:txBody>
-      </p:sp>
-      <p:sp>
-        <p:nvSpPr>
-          <p:cNvPr id="6" name="Rectángulo 5"/>
+        <p:spPr/>
+        <p:txBody>
+          <a:bodyPr/>
+          <a:lstStyle/>
+          <a:p>
+            <a:r>
+              <a:rPr lang="es-MX" b="1" u="sng" dirty="0" smtClean="0"/>
+              <a:t>Instrumento de medición</a:t>
+            </a:r>
+            <a:endParaRPr lang="es-MX" b="1" u="sng" dirty="0"/>
+          </a:p>
+        </p:txBody>
+      </p:sp>
+      <p:sp>
+        <p:nvSpPr>
+          <p:cNvPr id="3" name="Marcador de contenido 2"/>
+          <p:cNvSpPr>
+            <a:spLocks noGrp="1"/>
+          </p:cNvSpPr>
+          <p:nvPr>
+            <p:ph idx="1"/>
+          </p:nvPr>
+        </p:nvSpPr>
+        <p:spPr/>
+        <p:txBody>
+          <a:bodyPr/>
+          <a:lstStyle/>
+          <a:p>
+            <a:r>
+              <a:rPr lang="es-MX" dirty="0" smtClean="0"/>
+              <a:t>Debe ser </a:t>
+            </a:r>
+            <a:r>
+              <a:rPr lang="es-MX" b="1" dirty="0" smtClean="0"/>
+              <a:t>confiable</a:t>
+            </a:r>
+          </a:p>
+          <a:p>
+            <a:endParaRPr lang="es-MX" b="1" dirty="0"/>
+          </a:p>
+          <a:p>
+            <a:endParaRPr lang="es-MX" b="1" dirty="0" smtClean="0"/>
+          </a:p>
+          <a:p>
+            <a:r>
+              <a:rPr lang="es-MX" dirty="0" smtClean="0"/>
+              <a:t>Debe tener </a:t>
+            </a:r>
+            <a:r>
+              <a:rPr lang="es-MX" b="1" dirty="0" smtClean="0"/>
+              <a:t>validez</a:t>
+            </a:r>
+          </a:p>
+          <a:p>
+            <a:endParaRPr lang="es-MX" b="1" dirty="0" smtClean="0"/>
+          </a:p>
+          <a:p>
+            <a:endParaRPr lang="es-MX" b="1" dirty="0"/>
+          </a:p>
+          <a:p>
+            <a:r>
+              <a:rPr lang="es-MX" dirty="0" smtClean="0"/>
+              <a:t>Debe ser </a:t>
+            </a:r>
+            <a:r>
+              <a:rPr lang="es-MX" b="1" dirty="0" smtClean="0"/>
+              <a:t>objetivo</a:t>
+            </a:r>
+            <a:r>
+              <a:rPr lang="es-MX" dirty="0" smtClean="0"/>
+              <a:t> </a:t>
+            </a:r>
+          </a:p>
+        </p:txBody>
+      </p:sp>
+      <p:sp>
+        <p:nvSpPr>
+          <p:cNvPr id="4" name="Rectángulo 3"/>
           <p:cNvSpPr/>
           <p:nvPr/>
         </p:nvSpPr>
@@ -3742,7 +3906,7 @@
       </p:sp>
       <p:sp>
         <p:nvSpPr>
-          <p:cNvPr id="7" name="Rectángulo 6"/>
+          <p:cNvPr id="5" name="Rectángulo 4"/>
           <p:cNvSpPr/>
           <p:nvPr/>
         </p:nvSpPr>
@@ -3790,77 +3954,10 @@
           </a:p>
         </p:txBody>
       </p:sp>
-      <p:sp>
-        <p:nvSpPr>
-          <p:cNvPr id="4" name="Marcador de contenido 3"/>
-          <p:cNvSpPr>
-            <a:spLocks noGrp="1"/>
-          </p:cNvSpPr>
-          <p:nvPr>
-            <p:ph idx="1"/>
-          </p:nvPr>
-        </p:nvSpPr>
-        <p:spPr/>
-        <p:txBody>
-          <a:bodyPr/>
-          <a:lstStyle/>
-          <a:p>
-            <a:endParaRPr lang="es-MX"/>
-          </a:p>
-        </p:txBody>
-      </p:sp>
-      <p:pic>
-        <p:nvPicPr>
-          <p:cNvPr id="9" name="Imagen 8"/>
-          <p:cNvPicPr>
-            <a:picLocks noChangeAspect="1"/>
-          </p:cNvPicPr>
-          <p:nvPr/>
-        </p:nvPicPr>
-        <p:blipFill>
-          <a:blip r:embed="rId2"/>
-          <a:stretch>
-            <a:fillRect/>
-          </a:stretch>
-        </p:blipFill>
-        <p:spPr>
-          <a:xfrm>
-            <a:off x="5174648" y="1360487"/>
-            <a:ext cx="6729484" cy="4697942"/>
-          </a:xfrm>
-          <a:prstGeom prst="rect">
-            <a:avLst/>
-          </a:prstGeom>
-        </p:spPr>
-      </p:pic>
-      <p:pic>
-        <p:nvPicPr>
-          <p:cNvPr id="10" name="Imagen 9"/>
-          <p:cNvPicPr>
-            <a:picLocks noChangeAspect="1"/>
-          </p:cNvPicPr>
-          <p:nvPr/>
-        </p:nvPicPr>
-        <p:blipFill>
-          <a:blip r:embed="rId3"/>
-          <a:stretch>
-            <a:fillRect/>
-          </a:stretch>
-        </p:blipFill>
-        <p:spPr>
-          <a:xfrm>
-            <a:off x="287868" y="2853267"/>
-            <a:ext cx="4738902" cy="2023004"/>
-          </a:xfrm>
-          <a:prstGeom prst="rect">
-            <a:avLst/>
-          </a:prstGeom>
-        </p:spPr>
-      </p:pic>
     </p:spTree>
     <p:extLst>
       <p:ext uri="{BB962C8B-B14F-4D97-AF65-F5344CB8AC3E}">
-        <p14:creationId xmlns:p14="http://schemas.microsoft.com/office/powerpoint/2010/main" val="1783963453"/>
+        <p14:creationId xmlns:p14="http://schemas.microsoft.com/office/powerpoint/2010/main" val="4075541116"/>
       </p:ext>
     </p:extLst>
   </p:cSld>
@@ -3977,9 +4074,13 @@
           <a:p>
             <a:pPr lvl="1"/>
             <a:r>
-              <a:rPr lang="es-MX" b="1" u="sng" dirty="0"/>
+              <a:rPr lang="es-MX" dirty="0"/>
               <a:t>Comparando las puntuaciones obtenidas por dos personas distintas cuando se juzga un mismo objeto</a:t>
             </a:r>
+          </a:p>
+          <a:p>
+            <a:pPr lvl="1"/>
+            <a:endParaRPr lang="es-MX" dirty="0" smtClean="0"/>
           </a:p>
         </p:txBody>
       </p:sp>
@@ -4086,7 +4187,7 @@
     </p:spTree>
     <p:extLst>
       <p:ext uri="{BB962C8B-B14F-4D97-AF65-F5344CB8AC3E}">
-        <p14:creationId xmlns:p14="http://schemas.microsoft.com/office/powerpoint/2010/main" val="2541248599"/>
+        <p14:creationId xmlns:p14="http://schemas.microsoft.com/office/powerpoint/2010/main" val="4096822682"/>
       </p:ext>
     </p:extLst>
   </p:cSld>
@@ -4123,29 +4224,95 @@
             <p:ph type="title"/>
           </p:nvPr>
         </p:nvSpPr>
-        <p:spPr>
-          <a:xfrm>
-            <a:off x="253999" y="365125"/>
-            <a:ext cx="11650133" cy="619125"/>
-          </a:xfrm>
-        </p:spPr>
+        <p:spPr/>
+        <p:txBody>
+          <a:bodyPr/>
+          <a:lstStyle/>
+          <a:p>
+            <a:r>
+              <a:rPr lang="es-MX" b="1" dirty="0" smtClean="0"/>
+              <a:t>Acerca de la Confiabilidad</a:t>
+            </a:r>
+            <a:endParaRPr lang="es-MX" b="1" dirty="0"/>
+          </a:p>
+        </p:txBody>
+      </p:sp>
+      <p:sp>
+        <p:nvSpPr>
+          <p:cNvPr id="3" name="Marcador de contenido 2"/>
+          <p:cNvSpPr>
+            <a:spLocks noGrp="1"/>
+          </p:cNvSpPr>
+          <p:nvPr>
+            <p:ph idx="1"/>
+          </p:nvPr>
+        </p:nvSpPr>
+        <p:spPr/>
         <p:txBody>
           <a:bodyPr>
-            <a:normAutofit fontScale="90000"/>
+            <a:normAutofit/>
           </a:bodyPr>
           <a:lstStyle/>
           <a:p>
             <a:r>
-              <a:rPr lang="es-MX" sz="4000" b="1" dirty="0" smtClean="0"/>
-              <a:t>Ejemplo de un instrumento de medición poco confiable.</a:t>
-            </a:r>
-            <a:endParaRPr lang="es-MX" sz="4000" b="1" dirty="0"/>
-          </a:p>
-        </p:txBody>
-      </p:sp>
-      <p:sp>
-        <p:nvSpPr>
-          <p:cNvPr id="6" name="Rectángulo 5"/>
+              <a:rPr lang="es-MX" b="1" dirty="0" smtClean="0"/>
+              <a:t>Definición:</a:t>
+            </a:r>
+          </a:p>
+          <a:p>
+            <a:pPr marL="457200" lvl="1" indent="0">
+              <a:buNone/>
+            </a:pPr>
+            <a:r>
+              <a:rPr lang="es-MX" dirty="0" smtClean="0"/>
+              <a:t>Implica evaluar la </a:t>
+            </a:r>
+            <a:r>
+              <a:rPr lang="es-MX" b="1" dirty="0" smtClean="0"/>
+              <a:t>precisión</a:t>
+            </a:r>
+            <a:r>
+              <a:rPr lang="es-MX" dirty="0" smtClean="0"/>
+              <a:t> con la que mi instrumento está midiendo mi variable de interés.</a:t>
+            </a:r>
+            <a:endParaRPr lang="es-MX" dirty="0"/>
+          </a:p>
+          <a:p>
+            <a:endParaRPr lang="es-MX" b="1" dirty="0" smtClean="0"/>
+          </a:p>
+          <a:p>
+            <a:r>
+              <a:rPr lang="es-MX" b="1" dirty="0" smtClean="0"/>
+              <a:t>¿Cómo se evalúa?</a:t>
+            </a:r>
+          </a:p>
+          <a:p>
+            <a:pPr lvl="1"/>
+            <a:r>
+              <a:rPr lang="es-MX" b="1" u="sng" dirty="0" smtClean="0"/>
+              <a:t>Comparando las puntuaciones asignadas a un mismo objeto en dos momentos (</a:t>
+            </a:r>
+            <a:r>
+              <a:rPr lang="es-MX" b="1" i="1" u="sng" dirty="0" smtClean="0"/>
+              <a:t>cercanos en el tiempo</a:t>
+            </a:r>
+            <a:r>
+              <a:rPr lang="es-MX" b="1" u="sng" dirty="0" smtClean="0"/>
+              <a:t>)</a:t>
+            </a:r>
+          </a:p>
+          <a:p>
+            <a:pPr lvl="1"/>
+            <a:r>
+              <a:rPr lang="es-MX" dirty="0" smtClean="0"/>
+              <a:t>Comparando las puntuaciones obtenidas por dos personas distintas cuando se juzga un mismo objeto</a:t>
+            </a:r>
+          </a:p>
+        </p:txBody>
+      </p:sp>
+      <p:sp>
+        <p:nvSpPr>
+          <p:cNvPr id="4" name="Rectángulo 3"/>
           <p:cNvSpPr/>
           <p:nvPr/>
         </p:nvSpPr>
@@ -4158,8 +4325,8 @@
             <a:avLst/>
           </a:prstGeom>
           <a:solidFill>
-            <a:schemeClr val="bg1">
-              <a:lumMod val="50000"/>
+            <a:schemeClr val="bg2">
+              <a:lumMod val="10000"/>
             </a:schemeClr>
           </a:solidFill>
           <a:ln>
@@ -4195,7 +4362,7 @@
       </p:sp>
       <p:sp>
         <p:nvSpPr>
-          <p:cNvPr id="7" name="Rectángulo 6"/>
+          <p:cNvPr id="5" name="Rectángulo 4"/>
           <p:cNvSpPr/>
           <p:nvPr/>
         </p:nvSpPr>
@@ -4208,8 +4375,8 @@
             <a:avLst/>
           </a:prstGeom>
           <a:solidFill>
-            <a:schemeClr val="bg1">
-              <a:lumMod val="50000"/>
+            <a:schemeClr val="bg2">
+              <a:lumMod val="10000"/>
             </a:schemeClr>
           </a:solidFill>
           <a:ln>
@@ -4243,253 +4410,10 @@
           </a:p>
         </p:txBody>
       </p:sp>
-      <p:sp>
-        <p:nvSpPr>
-          <p:cNvPr id="4" name="Marcador de contenido 3"/>
-          <p:cNvSpPr>
-            <a:spLocks noGrp="1"/>
-          </p:cNvSpPr>
-          <p:nvPr>
-            <p:ph idx="1"/>
-          </p:nvPr>
-        </p:nvSpPr>
-        <p:spPr/>
-        <p:txBody>
-          <a:bodyPr/>
-          <a:lstStyle/>
-          <a:p>
-            <a:endParaRPr lang="es-MX" dirty="0"/>
-          </a:p>
-        </p:txBody>
-      </p:sp>
-      <p:pic>
-        <p:nvPicPr>
-          <p:cNvPr id="9" name="Imagen 8"/>
-          <p:cNvPicPr>
-            <a:picLocks noChangeAspect="1"/>
-          </p:cNvPicPr>
-          <p:nvPr/>
-        </p:nvPicPr>
-        <p:blipFill>
-          <a:blip r:embed="rId2"/>
-          <a:stretch>
-            <a:fillRect/>
-          </a:stretch>
-        </p:blipFill>
-        <p:spPr>
-          <a:xfrm>
-            <a:off x="5242382" y="1360487"/>
-            <a:ext cx="6729484" cy="4697942"/>
-          </a:xfrm>
-          <a:prstGeom prst="rect">
-            <a:avLst/>
-          </a:prstGeom>
-        </p:spPr>
-      </p:pic>
-      <p:pic>
-        <p:nvPicPr>
-          <p:cNvPr id="10" name="Imagen 9"/>
-          <p:cNvPicPr>
-            <a:picLocks noChangeAspect="1"/>
-          </p:cNvPicPr>
-          <p:nvPr/>
-        </p:nvPicPr>
-        <p:blipFill>
-          <a:blip r:embed="rId3"/>
-          <a:stretch>
-            <a:fillRect/>
-          </a:stretch>
-        </p:blipFill>
-        <p:spPr>
-          <a:xfrm>
-            <a:off x="144515" y="2667001"/>
-            <a:ext cx="4738902" cy="2023004"/>
-          </a:xfrm>
-          <a:prstGeom prst="rect">
-            <a:avLst/>
-          </a:prstGeom>
-        </p:spPr>
-      </p:pic>
-      <p:sp>
-        <p:nvSpPr>
-          <p:cNvPr id="3" name="Rectángulo 2"/>
-          <p:cNvSpPr/>
-          <p:nvPr/>
-        </p:nvSpPr>
-        <p:spPr>
-          <a:xfrm>
-            <a:off x="246114" y="2667001"/>
-            <a:ext cx="2218265" cy="237066"/>
-          </a:xfrm>
-          <a:prstGeom prst="rect">
-            <a:avLst/>
-          </a:prstGeom>
-        </p:spPr>
-        <p:style>
-          <a:lnRef idx="2">
-            <a:schemeClr val="accent1">
-              <a:shade val="50000"/>
-            </a:schemeClr>
-          </a:lnRef>
-          <a:fillRef idx="1">
-            <a:schemeClr val="accent1"/>
-          </a:fillRef>
-          <a:effectRef idx="0">
-            <a:schemeClr val="accent1"/>
-          </a:effectRef>
-          <a:fontRef idx="minor">
-            <a:schemeClr val="lt1"/>
-          </a:fontRef>
-        </p:style>
-        <p:txBody>
-          <a:bodyPr rtlCol="0" anchor="ctr"/>
-          <a:lstStyle/>
-          <a:p>
-            <a:pPr algn="ctr"/>
-            <a:r>
-              <a:rPr lang="es-MX" dirty="0" smtClean="0"/>
-              <a:t>Enfermera Experta</a:t>
-            </a:r>
-            <a:endParaRPr lang="es-MX" dirty="0"/>
-          </a:p>
-        </p:txBody>
-      </p:sp>
-      <p:sp>
-        <p:nvSpPr>
-          <p:cNvPr id="11" name="Rectángulo 10"/>
-          <p:cNvSpPr/>
-          <p:nvPr/>
-        </p:nvSpPr>
-        <p:spPr>
-          <a:xfrm>
-            <a:off x="2612257" y="2667001"/>
-            <a:ext cx="2218265" cy="237066"/>
-          </a:xfrm>
-          <a:prstGeom prst="rect">
-            <a:avLst/>
-          </a:prstGeom>
-        </p:spPr>
-        <p:style>
-          <a:lnRef idx="2">
-            <a:schemeClr val="accent1">
-              <a:shade val="50000"/>
-            </a:schemeClr>
-          </a:lnRef>
-          <a:fillRef idx="1">
-            <a:schemeClr val="accent1"/>
-          </a:fillRef>
-          <a:effectRef idx="0">
-            <a:schemeClr val="accent1"/>
-          </a:effectRef>
-          <a:fontRef idx="minor">
-            <a:schemeClr val="lt1"/>
-          </a:fontRef>
-        </p:style>
-        <p:txBody>
-          <a:bodyPr rtlCol="0" anchor="ctr"/>
-          <a:lstStyle/>
-          <a:p>
-            <a:pPr algn="ctr"/>
-            <a:r>
-              <a:rPr lang="es-MX" dirty="0" smtClean="0"/>
-              <a:t>Enfermera Novata</a:t>
-            </a:r>
-            <a:endParaRPr lang="es-MX" dirty="0"/>
-          </a:p>
-        </p:txBody>
-      </p:sp>
-      <p:sp>
-        <p:nvSpPr>
-          <p:cNvPr id="12" name="Rectángulo 11"/>
-          <p:cNvSpPr/>
-          <p:nvPr/>
-        </p:nvSpPr>
-        <p:spPr>
-          <a:xfrm>
-            <a:off x="7662334" y="5898358"/>
-            <a:ext cx="2218265" cy="237066"/>
-          </a:xfrm>
-          <a:prstGeom prst="rect">
-            <a:avLst/>
-          </a:prstGeom>
-        </p:spPr>
-        <p:style>
-          <a:lnRef idx="2">
-            <a:schemeClr val="accent1">
-              <a:shade val="50000"/>
-            </a:schemeClr>
-          </a:lnRef>
-          <a:fillRef idx="1">
-            <a:schemeClr val="accent1"/>
-          </a:fillRef>
-          <a:effectRef idx="0">
-            <a:schemeClr val="accent1"/>
-          </a:effectRef>
-          <a:fontRef idx="minor">
-            <a:schemeClr val="lt1"/>
-          </a:fontRef>
-        </p:style>
-        <p:txBody>
-          <a:bodyPr rtlCol="0" anchor="ctr"/>
-          <a:lstStyle/>
-          <a:p>
-            <a:pPr algn="ctr"/>
-            <a:r>
-              <a:rPr lang="es-MX" dirty="0" smtClean="0"/>
-              <a:t>Enfermera Experta</a:t>
-            </a:r>
-            <a:endParaRPr lang="es-MX" dirty="0"/>
-          </a:p>
-        </p:txBody>
-      </p:sp>
-      <p:sp>
-        <p:nvSpPr>
-          <p:cNvPr id="13" name="Rectángulo 12"/>
-          <p:cNvSpPr/>
-          <p:nvPr/>
-        </p:nvSpPr>
-        <p:spPr>
-          <a:xfrm rot="16200000">
-            <a:off x="4186145" y="3462339"/>
-            <a:ext cx="2218265" cy="237066"/>
-          </a:xfrm>
-          <a:prstGeom prst="rect">
-            <a:avLst/>
-          </a:prstGeom>
-        </p:spPr>
-        <p:style>
-          <a:lnRef idx="2">
-            <a:schemeClr val="accent1">
-              <a:shade val="50000"/>
-            </a:schemeClr>
-          </a:lnRef>
-          <a:fillRef idx="1">
-            <a:schemeClr val="accent1"/>
-          </a:fillRef>
-          <a:effectRef idx="0">
-            <a:schemeClr val="accent1"/>
-          </a:effectRef>
-          <a:fontRef idx="minor">
-            <a:schemeClr val="lt1"/>
-          </a:fontRef>
-        </p:style>
-        <p:txBody>
-          <a:bodyPr rtlCol="0" anchor="ctr"/>
-          <a:lstStyle/>
-          <a:p>
-            <a:pPr algn="ctr"/>
-            <a:r>
-              <a:rPr lang="es-MX" dirty="0" smtClean="0"/>
-              <a:t>Enfermera Novata</a:t>
-            </a:r>
-            <a:endParaRPr lang="es-MX" dirty="0"/>
-          </a:p>
-        </p:txBody>
-      </p:sp>
     </p:spTree>
     <p:extLst>
       <p:ext uri="{BB962C8B-B14F-4D97-AF65-F5344CB8AC3E}">
-        <p14:creationId xmlns:p14="http://schemas.microsoft.com/office/powerpoint/2010/main" val="3018948716"/>
+        <p14:creationId xmlns:p14="http://schemas.microsoft.com/office/powerpoint/2010/main" val="2031060468"/>
       </p:ext>
     </p:extLst>
   </p:cSld>
@@ -4526,16 +4450,23 @@
             <p:ph type="title"/>
           </p:nvPr>
         </p:nvSpPr>
-        <p:spPr/>
-        <p:txBody>
-          <a:bodyPr/>
-          <a:lstStyle/>
-          <a:p>
-            <a:r>
-              <a:rPr lang="es-MX" b="1" dirty="0" smtClean="0"/>
-              <a:t>Acerca de la Confiabilidad</a:t>
-            </a:r>
-            <a:endParaRPr lang="es-MX" b="1" dirty="0"/>
+        <p:spPr>
+          <a:xfrm>
+            <a:off x="253999" y="365125"/>
+            <a:ext cx="11650133" cy="619125"/>
+          </a:xfrm>
+        </p:spPr>
+        <p:txBody>
+          <a:bodyPr>
+            <a:normAutofit fontScale="90000"/>
+          </a:bodyPr>
+          <a:lstStyle/>
+          <a:p>
+            <a:r>
+              <a:rPr lang="es-MX" sz="4000" b="1" dirty="0" smtClean="0"/>
+              <a:t>Ejemplo de un instrumento de medición poco confiable.</a:t>
+            </a:r>
+            <a:endParaRPr lang="es-MX" sz="4000" b="1" dirty="0"/>
           </a:p>
         </p:txBody>
       </p:sp>
@@ -4549,87 +4480,81 @@
             <p:ph idx="1"/>
           </p:nvPr>
         </p:nvSpPr>
-        <p:spPr/>
+        <p:spPr>
+          <a:xfrm>
+            <a:off x="347133" y="1202530"/>
+            <a:ext cx="11556999" cy="5132389"/>
+          </a:xfrm>
+        </p:spPr>
         <p:txBody>
           <a:bodyPr>
             <a:normAutofit/>
           </a:bodyPr>
           <a:lstStyle/>
           <a:p>
+            <a:pPr marL="0" indent="0">
+              <a:buNone/>
+            </a:pPr>
             <a:r>
               <a:rPr lang="es-MX" dirty="0" smtClean="0"/>
-              <a:t>La </a:t>
+              <a:t>Imagina que se mide </a:t>
             </a:r>
             <a:r>
               <a:rPr lang="es-MX" b="1" dirty="0" smtClean="0"/>
-              <a:t>comparación</a:t>
-            </a:r>
-            <a:r>
-              <a:rPr lang="es-MX" dirty="0"/>
-              <a:t> </a:t>
+              <a:t>la estatura </a:t>
             </a:r>
             <a:r>
               <a:rPr lang="es-MX" dirty="0" smtClean="0"/>
-              <a:t>entre dos medidas que se realiza para valorar la </a:t>
-            </a:r>
-            <a:r>
-              <a:rPr lang="es-MX" b="1" dirty="0" smtClean="0"/>
-              <a:t>confiabilidad </a:t>
-            </a:r>
-            <a:r>
-              <a:rPr lang="es-MX" dirty="0" smtClean="0"/>
-              <a:t>de mi medición, se hace a partir de un </a:t>
-            </a:r>
-            <a:r>
-              <a:rPr lang="es-MX" b="1" dirty="0" smtClean="0"/>
-              <a:t>cálculo de su correlación.</a:t>
-            </a:r>
-          </a:p>
-          <a:p>
-            <a:endParaRPr lang="es-MX" b="1" dirty="0"/>
-          </a:p>
-          <a:p>
-            <a:r>
-              <a:rPr lang="es-MX" dirty="0" smtClean="0"/>
-              <a:t>En </a:t>
-            </a:r>
-            <a:r>
-              <a:rPr lang="es-MX" b="1" dirty="0" smtClean="0"/>
-              <a:t>estadística, </a:t>
-            </a:r>
-            <a:r>
-              <a:rPr lang="es-MX" dirty="0" smtClean="0"/>
-              <a:t>existen diversas fórmulas para calcular la </a:t>
-            </a:r>
-            <a:r>
-              <a:rPr lang="es-MX" b="1" dirty="0" smtClean="0"/>
-              <a:t>correlación</a:t>
-            </a:r>
-            <a:r>
-              <a:rPr lang="es-MX" dirty="0"/>
-              <a:t> </a:t>
-            </a:r>
-            <a:r>
-              <a:rPr lang="es-MX" dirty="0" smtClean="0"/>
-              <a:t>entre </a:t>
-            </a:r>
-            <a:r>
-              <a:rPr lang="es-MX" b="1" dirty="0" smtClean="0"/>
-              <a:t>dos variables.</a:t>
-            </a:r>
+              <a:t>de un grupo de niños de preescolar en dos semanas distintas y se obtienen los siguientes valores (cm)</a:t>
+            </a:r>
+          </a:p>
+          <a:p>
+            <a:pPr marL="0" indent="0">
+              <a:buNone/>
+            </a:pPr>
             <a:endParaRPr lang="es-MX" dirty="0"/>
           </a:p>
           <a:p>
             <a:pPr marL="0" indent="0">
               <a:buNone/>
             </a:pPr>
-            <a:endParaRPr lang="es-MX" b="1" dirty="0" smtClean="0"/>
-          </a:p>
-        </p:txBody>
-      </p:sp>
-      <p:sp>
-        <p:nvSpPr>
-          <p:cNvPr id="4" name="Rectángulo 3"/>
+            <a:endParaRPr lang="es-MX" dirty="0" smtClean="0"/>
+          </a:p>
+          <a:p>
+            <a:pPr marL="0" indent="0">
+              <a:buNone/>
+            </a:pPr>
+            <a:endParaRPr lang="es-MX" dirty="0"/>
+          </a:p>
+          <a:p>
+            <a:pPr marL="0" indent="0">
+              <a:buNone/>
+            </a:pPr>
+            <a:endParaRPr lang="es-MX" dirty="0" smtClean="0"/>
+          </a:p>
+          <a:p>
+            <a:pPr marL="0" indent="0">
+              <a:buNone/>
+            </a:pPr>
+            <a:endParaRPr lang="es-MX" dirty="0"/>
+          </a:p>
+          <a:p>
+            <a:pPr marL="0" indent="0">
+              <a:buNone/>
+            </a:pPr>
+            <a:endParaRPr lang="es-MX" dirty="0" smtClean="0"/>
+          </a:p>
+          <a:p>
+            <a:pPr marL="0" indent="0">
+              <a:buNone/>
+            </a:pPr>
+            <a:endParaRPr lang="es-MX" dirty="0"/>
+          </a:p>
+        </p:txBody>
+      </p:sp>
+      <p:sp>
+        <p:nvSpPr>
+          <p:cNvPr id="6" name="Rectángulo 5"/>
           <p:cNvSpPr/>
           <p:nvPr/>
         </p:nvSpPr>
@@ -4642,8 +4567,8 @@
             <a:avLst/>
           </a:prstGeom>
           <a:solidFill>
-            <a:schemeClr val="bg2">
-              <a:lumMod val="10000"/>
+            <a:schemeClr val="bg1">
+              <a:lumMod val="50000"/>
             </a:schemeClr>
           </a:solidFill>
           <a:ln>
@@ -4679,7 +4604,7 @@
       </p:sp>
       <p:sp>
         <p:nvSpPr>
-          <p:cNvPr id="5" name="Rectángulo 4"/>
+          <p:cNvPr id="7" name="Rectángulo 6"/>
           <p:cNvSpPr/>
           <p:nvPr/>
         </p:nvSpPr>
@@ -4692,8 +4617,8 @@
             <a:avLst/>
           </a:prstGeom>
           <a:solidFill>
-            <a:schemeClr val="bg2">
-              <a:lumMod val="10000"/>
+            <a:schemeClr val="bg1">
+              <a:lumMod val="50000"/>
             </a:schemeClr>
           </a:solidFill>
           <a:ln>
@@ -4727,10 +4652,34 @@
           </a:p>
         </p:txBody>
       </p:sp>
+      <p:pic>
+        <p:nvPicPr>
+          <p:cNvPr id="8" name="Imagen 7"/>
+          <p:cNvPicPr>
+            <a:picLocks noChangeAspect="1"/>
+          </p:cNvPicPr>
+          <p:nvPr/>
+        </p:nvPicPr>
+        <p:blipFill>
+          <a:blip r:embed="rId2"/>
+          <a:stretch>
+            <a:fillRect/>
+          </a:stretch>
+        </p:blipFill>
+        <p:spPr>
+          <a:xfrm>
+            <a:off x="2430990" y="2362729"/>
+            <a:ext cx="7296150" cy="3114675"/>
+          </a:xfrm>
+          <a:prstGeom prst="rect">
+            <a:avLst/>
+          </a:prstGeom>
+        </p:spPr>
+      </p:pic>
     </p:spTree>
     <p:extLst>
       <p:ext uri="{BB962C8B-B14F-4D97-AF65-F5344CB8AC3E}">
-        <p14:creationId xmlns:p14="http://schemas.microsoft.com/office/powerpoint/2010/main" val="2098923354"/>
+        <p14:creationId xmlns:p14="http://schemas.microsoft.com/office/powerpoint/2010/main" val="2718682507"/>
       </p:ext>
     </p:extLst>
   </p:cSld>
@@ -4767,82 +4716,148 @@
             <p:ph type="title"/>
           </p:nvPr>
         </p:nvSpPr>
+        <p:spPr>
+          <a:xfrm>
+            <a:off x="253999" y="365125"/>
+            <a:ext cx="11650133" cy="619125"/>
+          </a:xfrm>
+        </p:spPr>
+        <p:txBody>
+          <a:bodyPr>
+            <a:normAutofit fontScale="90000"/>
+          </a:bodyPr>
+          <a:lstStyle/>
+          <a:p>
+            <a:r>
+              <a:rPr lang="es-MX" sz="4000" b="1" dirty="0" smtClean="0"/>
+              <a:t>Ejemplo de un instrumento de medición poco confiable.</a:t>
+            </a:r>
+            <a:endParaRPr lang="es-MX" sz="4000" b="1" dirty="0"/>
+          </a:p>
+        </p:txBody>
+      </p:sp>
+      <p:sp>
+        <p:nvSpPr>
+          <p:cNvPr id="6" name="Rectángulo 5"/>
+          <p:cNvSpPr/>
+          <p:nvPr/>
+        </p:nvSpPr>
+        <p:spPr>
+          <a:xfrm>
+            <a:off x="0" y="1"/>
+            <a:ext cx="12192000" cy="304800"/>
+          </a:xfrm>
+          <a:prstGeom prst="rect">
+            <a:avLst/>
+          </a:prstGeom>
+          <a:solidFill>
+            <a:schemeClr val="bg1">
+              <a:lumMod val="50000"/>
+            </a:schemeClr>
+          </a:solidFill>
+          <a:ln>
+            <a:solidFill>
+              <a:schemeClr val="tx1"/>
+            </a:solidFill>
+          </a:ln>
+        </p:spPr>
+        <p:style>
+          <a:lnRef idx="2">
+            <a:schemeClr val="accent1">
+              <a:shade val="50000"/>
+            </a:schemeClr>
+          </a:lnRef>
+          <a:fillRef idx="1">
+            <a:schemeClr val="accent1"/>
+          </a:fillRef>
+          <a:effectRef idx="0">
+            <a:schemeClr val="accent1"/>
+          </a:effectRef>
+          <a:fontRef idx="minor">
+            <a:schemeClr val="lt1"/>
+          </a:fontRef>
+        </p:style>
+        <p:txBody>
+          <a:bodyPr rtlCol="0" anchor="ctr"/>
+          <a:lstStyle/>
+          <a:p>
+            <a:pPr algn="ctr"/>
+            <a:endParaRPr lang="es-MX"/>
+          </a:p>
+        </p:txBody>
+      </p:sp>
+      <p:sp>
+        <p:nvSpPr>
+          <p:cNvPr id="7" name="Rectángulo 6"/>
+          <p:cNvSpPr/>
+          <p:nvPr/>
+        </p:nvSpPr>
+        <p:spPr>
+          <a:xfrm>
+            <a:off x="0" y="6553200"/>
+            <a:ext cx="12192000" cy="304800"/>
+          </a:xfrm>
+          <a:prstGeom prst="rect">
+            <a:avLst/>
+          </a:prstGeom>
+          <a:solidFill>
+            <a:schemeClr val="bg1">
+              <a:lumMod val="50000"/>
+            </a:schemeClr>
+          </a:solidFill>
+          <a:ln>
+            <a:solidFill>
+              <a:schemeClr val="tx1"/>
+            </a:solidFill>
+          </a:ln>
+        </p:spPr>
+        <p:style>
+          <a:lnRef idx="2">
+            <a:schemeClr val="accent1">
+              <a:shade val="50000"/>
+            </a:schemeClr>
+          </a:lnRef>
+          <a:fillRef idx="1">
+            <a:schemeClr val="accent1"/>
+          </a:fillRef>
+          <a:effectRef idx="0">
+            <a:schemeClr val="accent1"/>
+          </a:effectRef>
+          <a:fontRef idx="minor">
+            <a:schemeClr val="lt1"/>
+          </a:fontRef>
+        </p:style>
+        <p:txBody>
+          <a:bodyPr rtlCol="0" anchor="ctr"/>
+          <a:lstStyle/>
+          <a:p>
+            <a:pPr algn="ctr"/>
+            <a:endParaRPr lang="es-MX"/>
+          </a:p>
+        </p:txBody>
+      </p:sp>
+      <p:sp>
+        <p:nvSpPr>
+          <p:cNvPr id="4" name="Marcador de contenido 3"/>
+          <p:cNvSpPr>
+            <a:spLocks noGrp="1"/>
+          </p:cNvSpPr>
+          <p:nvPr>
+            <p:ph idx="1"/>
+          </p:nvPr>
+        </p:nvSpPr>
         <p:spPr/>
         <p:txBody>
           <a:bodyPr/>
           <a:lstStyle/>
           <a:p>
-            <a:r>
-              <a:rPr lang="es-MX" dirty="0" smtClean="0"/>
-              <a:t/>
-            </a:r>
-            <a:br>
-              <a:rPr lang="es-MX" dirty="0" smtClean="0"/>
-            </a:br>
-            <a:endParaRPr lang="es-MX" dirty="0"/>
-          </a:p>
-        </p:txBody>
-      </p:sp>
-      <p:sp>
-        <p:nvSpPr>
-          <p:cNvPr id="3" name="Marcador de contenido 2"/>
-          <p:cNvSpPr>
-            <a:spLocks noGrp="1"/>
-          </p:cNvSpPr>
-          <p:nvPr>
-            <p:ph idx="1"/>
-          </p:nvPr>
-        </p:nvSpPr>
-        <p:spPr>
-          <a:xfrm>
-            <a:off x="838200" y="1825625"/>
-            <a:ext cx="3488267" cy="4351338"/>
-          </a:xfrm>
-        </p:spPr>
-        <p:txBody>
-          <a:bodyPr/>
-          <a:lstStyle/>
-          <a:p>
-            <a:pPr marL="0" indent="0">
-              <a:buNone/>
-            </a:pPr>
-            <a:r>
-              <a:rPr lang="es-MX" b="1" dirty="0" smtClean="0"/>
-              <a:t>Ejemplo</a:t>
-            </a:r>
-            <a:r>
-              <a:rPr lang="es-MX" dirty="0"/>
-              <a:t> </a:t>
-            </a:r>
-            <a:r>
-              <a:rPr lang="es-MX" dirty="0" smtClean="0"/>
-              <a:t>de una </a:t>
-            </a:r>
-            <a:r>
-              <a:rPr lang="es-MX" b="1" dirty="0" smtClean="0"/>
-              <a:t>correlación positiva perfecta.</a:t>
-            </a:r>
-          </a:p>
-          <a:p>
-            <a:pPr marL="0" indent="0">
-              <a:buNone/>
-            </a:pPr>
-            <a:endParaRPr lang="es-MX" b="1" dirty="0"/>
-          </a:p>
-          <a:p>
-            <a:pPr marL="0" indent="0">
-              <a:buNone/>
-            </a:pPr>
-            <a:r>
-              <a:rPr lang="es-MX" b="1" dirty="0" smtClean="0"/>
-              <a:t>r = 1</a:t>
-            </a:r>
+            <a:endParaRPr lang="es-MX"/>
           </a:p>
         </p:txBody>
       </p:sp>
       <p:pic>
         <p:nvPicPr>
-          <p:cNvPr id="5" name="Imagen 4"/>
+          <p:cNvPr id="9" name="Imagen 8"/>
           <p:cNvPicPr>
             <a:picLocks noChangeAspect="1"/>
           </p:cNvPicPr>
@@ -4856,118 +4871,42 @@
         </p:blipFill>
         <p:spPr>
           <a:xfrm>
-            <a:off x="4428066" y="1027906"/>
-            <a:ext cx="7256135" cy="5300133"/>
+            <a:off x="5174648" y="1360487"/>
+            <a:ext cx="6729484" cy="4697942"/>
           </a:xfrm>
           <a:prstGeom prst="rect">
             <a:avLst/>
           </a:prstGeom>
         </p:spPr>
       </p:pic>
-      <p:sp>
-        <p:nvSpPr>
-          <p:cNvPr id="6" name="Rectángulo 5"/>
-          <p:cNvSpPr/>
+      <p:pic>
+        <p:nvPicPr>
+          <p:cNvPr id="10" name="Imagen 9"/>
+          <p:cNvPicPr>
+            <a:picLocks noChangeAspect="1"/>
+          </p:cNvPicPr>
           <p:nvPr/>
-        </p:nvSpPr>
-        <p:spPr>
-          <a:xfrm>
-            <a:off x="0" y="1"/>
-            <a:ext cx="12192000" cy="304800"/>
+        </p:nvPicPr>
+        <p:blipFill>
+          <a:blip r:embed="rId3"/>
+          <a:stretch>
+            <a:fillRect/>
+          </a:stretch>
+        </p:blipFill>
+        <p:spPr>
+          <a:xfrm>
+            <a:off x="287868" y="2853267"/>
+            <a:ext cx="4738902" cy="2023004"/>
           </a:xfrm>
           <a:prstGeom prst="rect">
             <a:avLst/>
           </a:prstGeom>
-          <a:solidFill>
-            <a:schemeClr val="bg2">
-              <a:lumMod val="10000"/>
-            </a:schemeClr>
-          </a:solidFill>
-          <a:ln>
-            <a:solidFill>
-              <a:schemeClr val="tx1"/>
-            </a:solidFill>
-          </a:ln>
-        </p:spPr>
-        <p:style>
-          <a:lnRef idx="2">
-            <a:schemeClr val="accent1">
-              <a:shade val="50000"/>
-            </a:schemeClr>
-          </a:lnRef>
-          <a:fillRef idx="1">
-            <a:schemeClr val="accent1"/>
-          </a:fillRef>
-          <a:effectRef idx="0">
-            <a:schemeClr val="accent1"/>
-          </a:effectRef>
-          <a:fontRef idx="minor">
-            <a:schemeClr val="lt1"/>
-          </a:fontRef>
-        </p:style>
-        <p:txBody>
-          <a:bodyPr rtlCol="0" anchor="ctr"/>
-          <a:lstStyle/>
-          <a:p>
-            <a:pPr algn="ctr"/>
-            <a:endParaRPr lang="es-MX"/>
-          </a:p>
-        </p:txBody>
-      </p:sp>
-      <p:sp>
-        <p:nvSpPr>
-          <p:cNvPr id="7" name="Rectángulo 6"/>
-          <p:cNvSpPr/>
-          <p:nvPr/>
-        </p:nvSpPr>
-        <p:spPr>
-          <a:xfrm>
-            <a:off x="0" y="6553200"/>
-            <a:ext cx="12192000" cy="304800"/>
-          </a:xfrm>
-          <a:prstGeom prst="rect">
-            <a:avLst/>
-          </a:prstGeom>
-          <a:solidFill>
-            <a:schemeClr val="bg2">
-              <a:lumMod val="10000"/>
-            </a:schemeClr>
-          </a:solidFill>
-          <a:ln>
-            <a:solidFill>
-              <a:schemeClr val="tx1"/>
-            </a:solidFill>
-          </a:ln>
-        </p:spPr>
-        <p:style>
-          <a:lnRef idx="2">
-            <a:schemeClr val="accent1">
-              <a:shade val="50000"/>
-            </a:schemeClr>
-          </a:lnRef>
-          <a:fillRef idx="1">
-            <a:schemeClr val="accent1"/>
-          </a:fillRef>
-          <a:effectRef idx="0">
-            <a:schemeClr val="accent1"/>
-          </a:effectRef>
-          <a:fontRef idx="minor">
-            <a:schemeClr val="lt1"/>
-          </a:fontRef>
-        </p:style>
-        <p:txBody>
-          <a:bodyPr rtlCol="0" anchor="ctr"/>
-          <a:lstStyle/>
-          <a:p>
-            <a:pPr algn="ctr"/>
-            <a:endParaRPr lang="es-MX"/>
-          </a:p>
-        </p:txBody>
-      </p:sp>
+        </p:spPr>
+      </p:pic>
     </p:spTree>
     <p:extLst>
       <p:ext uri="{BB962C8B-B14F-4D97-AF65-F5344CB8AC3E}">
-        <p14:creationId xmlns:p14="http://schemas.microsoft.com/office/powerpoint/2010/main" val="4039062277"/>
+        <p14:creationId xmlns:p14="http://schemas.microsoft.com/office/powerpoint/2010/main" val="1783963453"/>
       </p:ext>
     </p:extLst>
   </p:cSld>
@@ -5010,76 +4949,89 @@
           <a:lstStyle/>
           <a:p>
             <a:r>
+              <a:rPr lang="es-MX" b="1" dirty="0" smtClean="0"/>
+              <a:t>Acerca de la Confiabilidad</a:t>
+            </a:r>
+            <a:endParaRPr lang="es-MX" b="1" dirty="0"/>
+          </a:p>
+        </p:txBody>
+      </p:sp>
+      <p:sp>
+        <p:nvSpPr>
+          <p:cNvPr id="3" name="Marcador de contenido 2"/>
+          <p:cNvSpPr>
+            <a:spLocks noGrp="1"/>
+          </p:cNvSpPr>
+          <p:nvPr>
+            <p:ph idx="1"/>
+          </p:nvPr>
+        </p:nvSpPr>
+        <p:spPr/>
+        <p:txBody>
+          <a:bodyPr>
+            <a:normAutofit/>
+          </a:bodyPr>
+          <a:lstStyle/>
+          <a:p>
+            <a:r>
+              <a:rPr lang="es-MX" b="1" dirty="0" smtClean="0"/>
+              <a:t>Definición:</a:t>
+            </a:r>
+          </a:p>
+          <a:p>
+            <a:pPr marL="457200" lvl="1" indent="0">
+              <a:buNone/>
+            </a:pPr>
+            <a:r>
               <a:rPr lang="es-MX" dirty="0" smtClean="0"/>
-              <a:t/>
-            </a:r>
-            <a:br>
+              <a:t>Implica evaluar la </a:t>
+            </a:r>
+            <a:r>
+              <a:rPr lang="es-MX" b="1" dirty="0" smtClean="0"/>
+              <a:t>precisión</a:t>
+            </a:r>
+            <a:r>
               <a:rPr lang="es-MX" dirty="0" smtClean="0"/>
-            </a:br>
+              <a:t> con la que mi instrumento está midiendo mi variable de interés.</a:t>
+            </a:r>
             <a:endParaRPr lang="es-MX" dirty="0"/>
           </a:p>
-        </p:txBody>
-      </p:sp>
-      <p:sp>
-        <p:nvSpPr>
-          <p:cNvPr id="3" name="Marcador de contenido 2"/>
-          <p:cNvSpPr>
-            <a:spLocks noGrp="1"/>
-          </p:cNvSpPr>
-          <p:nvPr>
-            <p:ph idx="1"/>
-          </p:nvPr>
-        </p:nvSpPr>
-        <p:spPr>
-          <a:xfrm>
-            <a:off x="838200" y="1825625"/>
-            <a:ext cx="3488267" cy="4351338"/>
-          </a:xfrm>
-        </p:spPr>
-        <p:txBody>
-          <a:bodyPr/>
-          <a:lstStyle/>
-          <a:p>
-            <a:pPr marL="0" indent="0">
-              <a:buNone/>
-            </a:pPr>
+          <a:p>
+            <a:endParaRPr lang="es-MX" b="1" dirty="0" smtClean="0"/>
+          </a:p>
+          <a:p>
             <a:r>
               <a:rPr lang="es-MX" b="1" dirty="0" smtClean="0"/>
-              <a:t>Ejemplo</a:t>
-            </a:r>
-            <a:r>
-              <a:rPr lang="es-MX" dirty="0"/>
-              <a:t> </a:t>
-            </a:r>
+              <a:t>¿Cómo se evalúa?</a:t>
+            </a:r>
+          </a:p>
+          <a:p>
+            <a:pPr lvl="1"/>
             <a:r>
               <a:rPr lang="es-MX" dirty="0" smtClean="0"/>
-              <a:t>de una </a:t>
-            </a:r>
-            <a:r>
-              <a:rPr lang="es-MX" b="1" dirty="0" smtClean="0"/>
-              <a:t>correlación negativa perfecta.</a:t>
-            </a:r>
-          </a:p>
-          <a:p>
-            <a:pPr marL="0" indent="0">
-              <a:buNone/>
-            </a:pPr>
-            <a:endParaRPr lang="es-MX" b="1" dirty="0"/>
-          </a:p>
-          <a:p>
-            <a:pPr marL="0" indent="0">
-              <a:buNone/>
-            </a:pPr>
-            <a:r>
-              <a:rPr lang="es-MX" b="1" dirty="0" smtClean="0"/>
-              <a:t>r = -1</a:t>
-            </a:r>
-          </a:p>
-        </p:txBody>
-      </p:sp>
-      <p:sp>
-        <p:nvSpPr>
-          <p:cNvPr id="6" name="Rectángulo 5"/>
+              <a:t>Comparando las puntuaciones asignadas a un mismo objeto en dos momentos (</a:t>
+            </a:r>
+            <a:r>
+              <a:rPr lang="es-MX" i="1" dirty="0" smtClean="0"/>
+              <a:t>cercanos en el tiempo</a:t>
+            </a:r>
+            <a:r>
+              <a:rPr lang="es-MX" dirty="0" smtClean="0"/>
+              <a:t>)</a:t>
+            </a:r>
+          </a:p>
+          <a:p>
+            <a:pPr lvl="1"/>
+            <a:r>
+              <a:rPr lang="es-MX" b="1" u="sng" dirty="0"/>
+              <a:t>Comparando las puntuaciones obtenidas por dos personas distintas cuando se juzga un mismo objeto</a:t>
+            </a:r>
+          </a:p>
+        </p:txBody>
+      </p:sp>
+      <p:sp>
+        <p:nvSpPr>
+          <p:cNvPr id="4" name="Rectángulo 3"/>
           <p:cNvSpPr/>
           <p:nvPr/>
         </p:nvSpPr>
@@ -5129,7 +5081,7 @@
       </p:sp>
       <p:sp>
         <p:nvSpPr>
-          <p:cNvPr id="7" name="Rectángulo 6"/>
+          <p:cNvPr id="5" name="Rectángulo 4"/>
           <p:cNvSpPr/>
           <p:nvPr/>
         </p:nvSpPr>
@@ -5177,34 +5129,10 @@
           </a:p>
         </p:txBody>
       </p:sp>
-      <p:pic>
-        <p:nvPicPr>
-          <p:cNvPr id="4" name="Imagen 3"/>
-          <p:cNvPicPr>
-            <a:picLocks noChangeAspect="1"/>
-          </p:cNvPicPr>
-          <p:nvPr/>
-        </p:nvPicPr>
-        <p:blipFill>
-          <a:blip r:embed="rId2"/>
-          <a:stretch>
-            <a:fillRect/>
-          </a:stretch>
-        </p:blipFill>
-        <p:spPr>
-          <a:xfrm>
-            <a:off x="4707465" y="829734"/>
-            <a:ext cx="7074672" cy="5262540"/>
-          </a:xfrm>
-          <a:prstGeom prst="rect">
-            <a:avLst/>
-          </a:prstGeom>
-        </p:spPr>
-      </p:pic>
     </p:spTree>
     <p:extLst>
       <p:ext uri="{BB962C8B-B14F-4D97-AF65-F5344CB8AC3E}">
-        <p14:creationId xmlns:p14="http://schemas.microsoft.com/office/powerpoint/2010/main" val="2287061806"/>
+        <p14:creationId xmlns:p14="http://schemas.microsoft.com/office/powerpoint/2010/main" val="2541248599"/>
       </p:ext>
     </p:extLst>
   </p:cSld>
@@ -5241,76 +5169,23 @@
             <p:ph type="title"/>
           </p:nvPr>
         </p:nvSpPr>
-        <p:spPr/>
-        <p:txBody>
-          <a:bodyPr/>
-          <a:lstStyle/>
-          <a:p>
-            <a:r>
-              <a:rPr lang="es-MX" dirty="0" smtClean="0"/>
-              <a:t/>
-            </a:r>
-            <a:br>
-              <a:rPr lang="es-MX" dirty="0" smtClean="0"/>
-            </a:br>
-            <a:endParaRPr lang="es-MX" dirty="0"/>
-          </a:p>
-        </p:txBody>
-      </p:sp>
-      <p:sp>
-        <p:nvSpPr>
-          <p:cNvPr id="3" name="Marcador de contenido 2"/>
-          <p:cNvSpPr>
-            <a:spLocks noGrp="1"/>
-          </p:cNvSpPr>
-          <p:nvPr>
-            <p:ph idx="1"/>
-          </p:nvPr>
-        </p:nvSpPr>
-        <p:spPr>
-          <a:xfrm>
-            <a:off x="838200" y="1825625"/>
-            <a:ext cx="3488267" cy="4351338"/>
-          </a:xfrm>
-        </p:spPr>
-        <p:txBody>
-          <a:bodyPr/>
-          <a:lstStyle/>
-          <a:p>
-            <a:pPr marL="0" indent="0">
-              <a:buNone/>
-            </a:pPr>
-            <a:r>
-              <a:rPr lang="es-MX" b="1" dirty="0" smtClean="0"/>
-              <a:t>Ejemplo</a:t>
-            </a:r>
-            <a:r>
-              <a:rPr lang="es-MX" dirty="0"/>
-              <a:t> </a:t>
-            </a:r>
-            <a:r>
-              <a:rPr lang="es-MX" dirty="0" smtClean="0"/>
-              <a:t>de una </a:t>
-            </a:r>
-            <a:r>
-              <a:rPr lang="es-MX" b="1" dirty="0" smtClean="0"/>
-              <a:t>correlación nula.</a:t>
-            </a:r>
-          </a:p>
-          <a:p>
-            <a:pPr marL="0" indent="0">
-              <a:buNone/>
-            </a:pPr>
-            <a:endParaRPr lang="es-MX" b="1" dirty="0"/>
-          </a:p>
-          <a:p>
-            <a:pPr marL="0" indent="0">
-              <a:buNone/>
-            </a:pPr>
-            <a:r>
-              <a:rPr lang="es-MX" b="1" dirty="0" smtClean="0"/>
-              <a:t>r = 0</a:t>
-            </a:r>
+        <p:spPr>
+          <a:xfrm>
+            <a:off x="253999" y="365125"/>
+            <a:ext cx="11650133" cy="619125"/>
+          </a:xfrm>
+        </p:spPr>
+        <p:txBody>
+          <a:bodyPr>
+            <a:normAutofit fontScale="90000"/>
+          </a:bodyPr>
+          <a:lstStyle/>
+          <a:p>
+            <a:r>
+              <a:rPr lang="es-MX" sz="4000" b="1" dirty="0" smtClean="0"/>
+              <a:t>Ejemplo de un instrumento de medición poco confiable.</a:t>
+            </a:r>
+            <a:endParaRPr lang="es-MX" sz="4000" b="1" dirty="0"/>
           </a:p>
         </p:txBody>
       </p:sp>
@@ -5329,8 +5204,8 @@
             <a:avLst/>
           </a:prstGeom>
           <a:solidFill>
-            <a:schemeClr val="bg2">
-              <a:lumMod val="10000"/>
+            <a:schemeClr val="bg1">
+              <a:lumMod val="50000"/>
             </a:schemeClr>
           </a:solidFill>
           <a:ln>
@@ -5379,8 +5254,8 @@
             <a:avLst/>
           </a:prstGeom>
           <a:solidFill>
-            <a:schemeClr val="bg2">
-              <a:lumMod val="10000"/>
+            <a:schemeClr val="bg1">
+              <a:lumMod val="50000"/>
             </a:schemeClr>
           </a:solidFill>
           <a:ln>
@@ -5414,9 +5289,28 @@
           </a:p>
         </p:txBody>
       </p:sp>
+      <p:sp>
+        <p:nvSpPr>
+          <p:cNvPr id="4" name="Marcador de contenido 3"/>
+          <p:cNvSpPr>
+            <a:spLocks noGrp="1"/>
+          </p:cNvSpPr>
+          <p:nvPr>
+            <p:ph idx="1"/>
+          </p:nvPr>
+        </p:nvSpPr>
+        <p:spPr/>
+        <p:txBody>
+          <a:bodyPr/>
+          <a:lstStyle/>
+          <a:p>
+            <a:endParaRPr lang="es-MX" dirty="0"/>
+          </a:p>
+        </p:txBody>
+      </p:sp>
       <p:pic>
         <p:nvPicPr>
-          <p:cNvPr id="4" name="Imagen 3"/>
+          <p:cNvPr id="9" name="Imagen 8"/>
           <p:cNvPicPr>
             <a:picLocks noChangeAspect="1"/>
           </p:cNvPicPr>
@@ -5430,18 +5324,218 @@
         </p:blipFill>
         <p:spPr>
           <a:xfrm>
-            <a:off x="4083526" y="470600"/>
-            <a:ext cx="7871408" cy="5786266"/>
+            <a:off x="5242382" y="1360487"/>
+            <a:ext cx="6729484" cy="4697942"/>
           </a:xfrm>
           <a:prstGeom prst="rect">
             <a:avLst/>
           </a:prstGeom>
         </p:spPr>
       </p:pic>
+      <p:pic>
+        <p:nvPicPr>
+          <p:cNvPr id="10" name="Imagen 9"/>
+          <p:cNvPicPr>
+            <a:picLocks noChangeAspect="1"/>
+          </p:cNvPicPr>
+          <p:nvPr/>
+        </p:nvPicPr>
+        <p:blipFill>
+          <a:blip r:embed="rId3"/>
+          <a:stretch>
+            <a:fillRect/>
+          </a:stretch>
+        </p:blipFill>
+        <p:spPr>
+          <a:xfrm>
+            <a:off x="144515" y="2667001"/>
+            <a:ext cx="4738902" cy="2023004"/>
+          </a:xfrm>
+          <a:prstGeom prst="rect">
+            <a:avLst/>
+          </a:prstGeom>
+        </p:spPr>
+      </p:pic>
+      <p:sp>
+        <p:nvSpPr>
+          <p:cNvPr id="3" name="Rectángulo 2"/>
+          <p:cNvSpPr/>
+          <p:nvPr/>
+        </p:nvSpPr>
+        <p:spPr>
+          <a:xfrm>
+            <a:off x="246114" y="2667001"/>
+            <a:ext cx="2218265" cy="237066"/>
+          </a:xfrm>
+          <a:prstGeom prst="rect">
+            <a:avLst/>
+          </a:prstGeom>
+        </p:spPr>
+        <p:style>
+          <a:lnRef idx="2">
+            <a:schemeClr val="accent1">
+              <a:shade val="50000"/>
+            </a:schemeClr>
+          </a:lnRef>
+          <a:fillRef idx="1">
+            <a:schemeClr val="accent1"/>
+          </a:fillRef>
+          <a:effectRef idx="0">
+            <a:schemeClr val="accent1"/>
+          </a:effectRef>
+          <a:fontRef idx="minor">
+            <a:schemeClr val="lt1"/>
+          </a:fontRef>
+        </p:style>
+        <p:txBody>
+          <a:bodyPr rtlCol="0" anchor="ctr"/>
+          <a:lstStyle/>
+          <a:p>
+            <a:pPr algn="ctr"/>
+            <a:r>
+              <a:rPr lang="es-MX" dirty="0" smtClean="0"/>
+              <a:t>Enfermera Experta</a:t>
+            </a:r>
+            <a:endParaRPr lang="es-MX" dirty="0"/>
+          </a:p>
+        </p:txBody>
+      </p:sp>
+      <p:sp>
+        <p:nvSpPr>
+          <p:cNvPr id="11" name="Rectángulo 10"/>
+          <p:cNvSpPr/>
+          <p:nvPr/>
+        </p:nvSpPr>
+        <p:spPr>
+          <a:xfrm>
+            <a:off x="2612257" y="2667001"/>
+            <a:ext cx="2218265" cy="237066"/>
+          </a:xfrm>
+          <a:prstGeom prst="rect">
+            <a:avLst/>
+          </a:prstGeom>
+        </p:spPr>
+        <p:style>
+          <a:lnRef idx="2">
+            <a:schemeClr val="accent1">
+              <a:shade val="50000"/>
+            </a:schemeClr>
+          </a:lnRef>
+          <a:fillRef idx="1">
+            <a:schemeClr val="accent1"/>
+          </a:fillRef>
+          <a:effectRef idx="0">
+            <a:schemeClr val="accent1"/>
+          </a:effectRef>
+          <a:fontRef idx="minor">
+            <a:schemeClr val="lt1"/>
+          </a:fontRef>
+        </p:style>
+        <p:txBody>
+          <a:bodyPr rtlCol="0" anchor="ctr"/>
+          <a:lstStyle/>
+          <a:p>
+            <a:pPr algn="ctr"/>
+            <a:r>
+              <a:rPr lang="es-MX" dirty="0" smtClean="0"/>
+              <a:t>Enfermera Novata</a:t>
+            </a:r>
+            <a:endParaRPr lang="es-MX" dirty="0"/>
+          </a:p>
+        </p:txBody>
+      </p:sp>
+      <p:sp>
+        <p:nvSpPr>
+          <p:cNvPr id="12" name="Rectángulo 11"/>
+          <p:cNvSpPr/>
+          <p:nvPr/>
+        </p:nvSpPr>
+        <p:spPr>
+          <a:xfrm>
+            <a:off x="7662334" y="5898358"/>
+            <a:ext cx="2218265" cy="237066"/>
+          </a:xfrm>
+          <a:prstGeom prst="rect">
+            <a:avLst/>
+          </a:prstGeom>
+        </p:spPr>
+        <p:style>
+          <a:lnRef idx="2">
+            <a:schemeClr val="accent1">
+              <a:shade val="50000"/>
+            </a:schemeClr>
+          </a:lnRef>
+          <a:fillRef idx="1">
+            <a:schemeClr val="accent1"/>
+          </a:fillRef>
+          <a:effectRef idx="0">
+            <a:schemeClr val="accent1"/>
+          </a:effectRef>
+          <a:fontRef idx="minor">
+            <a:schemeClr val="lt1"/>
+          </a:fontRef>
+        </p:style>
+        <p:txBody>
+          <a:bodyPr rtlCol="0" anchor="ctr"/>
+          <a:lstStyle/>
+          <a:p>
+            <a:pPr algn="ctr"/>
+            <a:r>
+              <a:rPr lang="es-MX" dirty="0" smtClean="0"/>
+              <a:t>Enfermera Experta</a:t>
+            </a:r>
+            <a:endParaRPr lang="es-MX" dirty="0"/>
+          </a:p>
+        </p:txBody>
+      </p:sp>
+      <p:sp>
+        <p:nvSpPr>
+          <p:cNvPr id="13" name="Rectángulo 12"/>
+          <p:cNvSpPr/>
+          <p:nvPr/>
+        </p:nvSpPr>
+        <p:spPr>
+          <a:xfrm rot="16200000">
+            <a:off x="4186145" y="3462339"/>
+            <a:ext cx="2218265" cy="237066"/>
+          </a:xfrm>
+          <a:prstGeom prst="rect">
+            <a:avLst/>
+          </a:prstGeom>
+        </p:spPr>
+        <p:style>
+          <a:lnRef idx="2">
+            <a:schemeClr val="accent1">
+              <a:shade val="50000"/>
+            </a:schemeClr>
+          </a:lnRef>
+          <a:fillRef idx="1">
+            <a:schemeClr val="accent1"/>
+          </a:fillRef>
+          <a:effectRef idx="0">
+            <a:schemeClr val="accent1"/>
+          </a:effectRef>
+          <a:fontRef idx="minor">
+            <a:schemeClr val="lt1"/>
+          </a:fontRef>
+        </p:style>
+        <p:txBody>
+          <a:bodyPr rtlCol="0" anchor="ctr"/>
+          <a:lstStyle/>
+          <a:p>
+            <a:pPr algn="ctr"/>
+            <a:r>
+              <a:rPr lang="es-MX" dirty="0" smtClean="0"/>
+              <a:t>Enfermera Novata</a:t>
+            </a:r>
+            <a:endParaRPr lang="es-MX" dirty="0"/>
+          </a:p>
+        </p:txBody>
+      </p:sp>
     </p:spTree>
     <p:extLst>
       <p:ext uri="{BB962C8B-B14F-4D97-AF65-F5344CB8AC3E}">
-        <p14:creationId xmlns:p14="http://schemas.microsoft.com/office/powerpoint/2010/main" val="3008009203"/>
+        <p14:creationId xmlns:p14="http://schemas.microsoft.com/office/powerpoint/2010/main" val="3018948716"/>
       </p:ext>
     </p:extLst>
   </p:cSld>
@@ -5569,74 +5663,6 @@
               <a:rPr lang="es-MX" b="1" dirty="0" smtClean="0"/>
               <a:t>dos variables.</a:t>
             </a:r>
-          </a:p>
-          <a:p>
-            <a:pPr marL="0" indent="0">
-              <a:buNone/>
-            </a:pPr>
-            <a:r>
-              <a:rPr lang="es-MX" b="1" dirty="0" smtClean="0"/>
-              <a:t>			r = </a:t>
-            </a:r>
-            <a:r>
-              <a:rPr lang="es-MX" dirty="0" smtClean="0"/>
-              <a:t>(-1 a 1)</a:t>
-            </a:r>
-          </a:p>
-          <a:p>
-            <a:pPr marL="0" indent="0">
-              <a:buNone/>
-            </a:pPr>
-            <a:r>
-              <a:rPr lang="es-MX" sz="2000" dirty="0" smtClean="0"/>
-              <a:t>	</a:t>
-            </a:r>
-            <a:r>
-              <a:rPr lang="es-MX" sz="2000" dirty="0"/>
-              <a:t>	</a:t>
-            </a:r>
-            <a:r>
-              <a:rPr lang="es-MX" sz="2000" dirty="0" smtClean="0"/>
-              <a:t>		El signo nos indica la </a:t>
-            </a:r>
-            <a:r>
-              <a:rPr lang="es-MX" sz="2000" b="1" dirty="0" smtClean="0"/>
-              <a:t>dirección</a:t>
-            </a:r>
-            <a:r>
-              <a:rPr lang="es-MX" sz="2000" dirty="0" smtClean="0"/>
-              <a:t> de la correlación</a:t>
-            </a:r>
-          </a:p>
-          <a:p>
-            <a:pPr marL="0" indent="0">
-              <a:buNone/>
-            </a:pPr>
-            <a:r>
-              <a:rPr lang="es-MX" sz="2000" dirty="0"/>
-              <a:t> </a:t>
-            </a:r>
-            <a:r>
-              <a:rPr lang="es-MX" sz="2000" dirty="0" smtClean="0"/>
-              <a:t>               		                Su valor absoluto indica la </a:t>
-            </a:r>
-            <a:r>
-              <a:rPr lang="es-MX" sz="2000" b="1" dirty="0" smtClean="0"/>
-              <a:t>fuerza</a:t>
-            </a:r>
-            <a:r>
-              <a:rPr lang="es-MX" sz="2000" dirty="0"/>
-              <a:t> </a:t>
-            </a:r>
-            <a:r>
-              <a:rPr lang="es-MX" sz="2000" dirty="0" smtClean="0"/>
-              <a:t>de la correlación</a:t>
-            </a:r>
-          </a:p>
-          <a:p>
-            <a:pPr marL="0" indent="0">
-              <a:buNone/>
-            </a:pPr>
             <a:endParaRPr lang="es-MX" dirty="0"/>
           </a:p>
           <a:p>
@@ -5750,7 +5776,7 @@
     </p:spTree>
     <p:extLst>
       <p:ext uri="{BB962C8B-B14F-4D97-AF65-F5344CB8AC3E}">
-        <p14:creationId xmlns:p14="http://schemas.microsoft.com/office/powerpoint/2010/main" val="1178708144"/>
+        <p14:creationId xmlns:p14="http://schemas.microsoft.com/office/powerpoint/2010/main" val="2098923354"/>
       </p:ext>
     </p:extLst>
   </p:cSld>
@@ -5779,7 +5805,7 @@
       </p:grpSpPr>
       <p:sp>
         <p:nvSpPr>
-          <p:cNvPr id="2" name="Título 1"/>
+          <p:cNvPr id="2" name="1 Título"/>
           <p:cNvSpPr>
             <a:spLocks noGrp="1"/>
           </p:cNvSpPr>
@@ -5787,14 +5813,19 @@
             <p:ph type="title"/>
           </p:nvPr>
         </p:nvSpPr>
-        <p:spPr/>
+        <p:spPr>
+          <a:xfrm>
+            <a:off x="79664" y="136525"/>
+            <a:ext cx="10515600" cy="1325563"/>
+          </a:xfrm>
+        </p:spPr>
         <p:txBody>
           <a:bodyPr/>
           <a:lstStyle/>
           <a:p>
             <a:r>
               <a:rPr lang="es-MX" b="1" dirty="0" smtClean="0"/>
-              <a:t>Procedimiento general</a:t>
+              <a:t>AVISO:</a:t>
             </a:r>
             <a:endParaRPr lang="es-MX" b="1" dirty="0"/>
           </a:p>
@@ -5802,107 +5833,7 @@
       </p:sp>
       <p:sp>
         <p:nvSpPr>
-          <p:cNvPr id="4" name="Rectángulo 3"/>
-          <p:cNvSpPr/>
-          <p:nvPr/>
-        </p:nvSpPr>
-        <p:spPr>
-          <a:xfrm>
-            <a:off x="0" y="1"/>
-            <a:ext cx="12192000" cy="304800"/>
-          </a:xfrm>
-          <a:prstGeom prst="rect">
-            <a:avLst/>
-          </a:prstGeom>
-          <a:solidFill>
-            <a:schemeClr val="bg2">
-              <a:lumMod val="10000"/>
-            </a:schemeClr>
-          </a:solidFill>
-          <a:ln>
-            <a:solidFill>
-              <a:schemeClr val="tx1"/>
-            </a:solidFill>
-          </a:ln>
-        </p:spPr>
-        <p:style>
-          <a:lnRef idx="2">
-            <a:schemeClr val="accent1">
-              <a:shade val="50000"/>
-            </a:schemeClr>
-          </a:lnRef>
-          <a:fillRef idx="1">
-            <a:schemeClr val="accent1"/>
-          </a:fillRef>
-          <a:effectRef idx="0">
-            <a:schemeClr val="accent1"/>
-          </a:effectRef>
-          <a:fontRef idx="minor">
-            <a:schemeClr val="lt1"/>
-          </a:fontRef>
-        </p:style>
-        <p:txBody>
-          <a:bodyPr rtlCol="0" anchor="ctr"/>
-          <a:lstStyle/>
-          <a:p>
-            <a:pPr algn="ctr"/>
-            <a:endParaRPr lang="es-MX"/>
-          </a:p>
-        </p:txBody>
-      </p:sp>
-      <p:sp>
-        <p:nvSpPr>
-          <p:cNvPr id="5" name="Rectángulo 4"/>
-          <p:cNvSpPr/>
-          <p:nvPr/>
-        </p:nvSpPr>
-        <p:spPr>
-          <a:xfrm>
-            <a:off x="0" y="6553200"/>
-            <a:ext cx="12192000" cy="304800"/>
-          </a:xfrm>
-          <a:prstGeom prst="rect">
-            <a:avLst/>
-          </a:prstGeom>
-          <a:solidFill>
-            <a:schemeClr val="bg2">
-              <a:lumMod val="10000"/>
-            </a:schemeClr>
-          </a:solidFill>
-          <a:ln>
-            <a:solidFill>
-              <a:schemeClr val="tx1"/>
-            </a:solidFill>
-          </a:ln>
-        </p:spPr>
-        <p:style>
-          <a:lnRef idx="2">
-            <a:schemeClr val="accent1">
-              <a:shade val="50000"/>
-            </a:schemeClr>
-          </a:lnRef>
-          <a:fillRef idx="1">
-            <a:schemeClr val="accent1"/>
-          </a:fillRef>
-          <a:effectRef idx="0">
-            <a:schemeClr val="accent1"/>
-          </a:effectRef>
-          <a:fontRef idx="minor">
-            <a:schemeClr val="lt1"/>
-          </a:fontRef>
-        </p:style>
-        <p:txBody>
-          <a:bodyPr rtlCol="0" anchor="ctr"/>
-          <a:lstStyle/>
-          <a:p>
-            <a:pPr algn="ctr"/>
-            <a:endParaRPr lang="es-MX"/>
-          </a:p>
-        </p:txBody>
-      </p:sp>
-      <p:sp>
-        <p:nvSpPr>
-          <p:cNvPr id="6" name="Marcador de contenido 5"/>
+          <p:cNvPr id="3" name="2 Marcador de contenido"/>
           <p:cNvSpPr>
             <a:spLocks noGrp="1"/>
           </p:cNvSpPr>
@@ -5910,369 +5841,142 @@
             <p:ph idx="1"/>
           </p:nvPr>
         </p:nvSpPr>
-        <p:spPr/>
-        <p:txBody>
-          <a:bodyPr/>
-          <a:lstStyle/>
-          <a:p>
+        <p:spPr>
+          <a:xfrm>
+            <a:off x="838200" y="1825624"/>
+            <a:ext cx="10515600" cy="4824557"/>
+          </a:xfrm>
+        </p:spPr>
+        <p:txBody>
+          <a:bodyPr>
+            <a:normAutofit lnSpcReduction="10000"/>
+          </a:bodyPr>
+          <a:lstStyle/>
+          <a:p>
+            <a:r>
+              <a:rPr lang="es-MX" dirty="0" smtClean="0"/>
+              <a:t>Este periodo </a:t>
+            </a:r>
+            <a:r>
+              <a:rPr lang="es-MX" b="1" dirty="0" smtClean="0"/>
+              <a:t>NO </a:t>
+            </a:r>
+            <a:r>
+              <a:rPr lang="es-MX" dirty="0" smtClean="0"/>
+              <a:t>tomará en cuenta la Carpeta como parte de la Evaluación.</a:t>
+            </a:r>
+          </a:p>
+          <a:p>
+            <a:endParaRPr lang="es-MX" dirty="0"/>
+          </a:p>
+          <a:p>
+            <a:r>
+              <a:rPr lang="es-MX" dirty="0" smtClean="0"/>
+              <a:t>20%  Trabajo sobre el documental ‘</a:t>
+            </a:r>
+            <a:r>
+              <a:rPr lang="es-MX" b="1" dirty="0" err="1" smtClean="0"/>
+              <a:t>Behind</a:t>
+            </a:r>
+            <a:r>
+              <a:rPr lang="es-MX" b="1" dirty="0" smtClean="0"/>
+              <a:t> </a:t>
+            </a:r>
+            <a:r>
+              <a:rPr lang="es-MX" b="1" dirty="0" err="1" smtClean="0"/>
+              <a:t>the</a:t>
+            </a:r>
+            <a:r>
+              <a:rPr lang="es-MX" b="1" dirty="0" smtClean="0"/>
+              <a:t> curve</a:t>
+            </a:r>
+            <a:r>
+              <a:rPr lang="es-MX" dirty="0" smtClean="0"/>
+              <a:t>’ de </a:t>
+            </a:r>
+            <a:r>
+              <a:rPr lang="es-MX" dirty="0" err="1" smtClean="0"/>
+              <a:t>Netflix</a:t>
+            </a:r>
             <a:endParaRPr lang="es-MX" dirty="0" smtClean="0"/>
           </a:p>
           <a:p>
+            <a:pPr lvl="1"/>
+            <a:r>
+              <a:rPr lang="es-MX" dirty="0" smtClean="0"/>
+              <a:t>Extensión mínima una cuartilla.</a:t>
+            </a:r>
+          </a:p>
+          <a:p>
+            <a:pPr lvl="1"/>
+            <a:r>
+              <a:rPr lang="es-MX" dirty="0" smtClean="0"/>
+              <a:t>Identificar: </a:t>
+            </a:r>
+          </a:p>
+          <a:p>
+            <a:pPr lvl="2"/>
+            <a:r>
+              <a:rPr lang="es-MX" dirty="0" smtClean="0"/>
+              <a:t>Problema o situación a estudiar</a:t>
+            </a:r>
+          </a:p>
+          <a:p>
+            <a:pPr lvl="2"/>
+            <a:r>
+              <a:rPr lang="es-MX" dirty="0" smtClean="0"/>
+              <a:t>Pregunta de investigación</a:t>
+            </a:r>
+          </a:p>
+          <a:p>
+            <a:pPr lvl="2"/>
+            <a:r>
+              <a:rPr lang="es-MX" dirty="0" smtClean="0"/>
+              <a:t>Objetivos </a:t>
+            </a:r>
+          </a:p>
+          <a:p>
+            <a:pPr lvl="2"/>
+            <a:r>
+              <a:rPr lang="es-MX" dirty="0" smtClean="0"/>
+              <a:t>Justificación</a:t>
+            </a:r>
+          </a:p>
+          <a:p>
+            <a:pPr lvl="2"/>
+            <a:r>
+              <a:rPr lang="es-MX" dirty="0" smtClean="0"/>
+              <a:t>Evidencia/información previa</a:t>
+            </a:r>
+          </a:p>
+          <a:p>
+            <a:pPr lvl="2"/>
+            <a:r>
+              <a:rPr lang="es-MX" dirty="0" smtClean="0"/>
+              <a:t>Método(s) empleados</a:t>
+            </a:r>
+          </a:p>
+          <a:p>
+            <a:pPr lvl="2"/>
+            <a:r>
+              <a:rPr lang="es-MX" dirty="0" smtClean="0"/>
+              <a:t>Resultados</a:t>
+            </a:r>
+          </a:p>
+          <a:p>
+            <a:pPr lvl="1"/>
+            <a:endParaRPr lang="es-MX" dirty="0" smtClean="0"/>
+          </a:p>
+          <a:p>
+            <a:pPr lvl="1"/>
             <a:endParaRPr lang="es-MX" dirty="0"/>
-          </a:p>
-        </p:txBody>
-      </p:sp>
-      <p:sp>
-        <p:nvSpPr>
-          <p:cNvPr id="7" name="Rectángulo redondeado 6"/>
-          <p:cNvSpPr/>
-          <p:nvPr/>
-        </p:nvSpPr>
-        <p:spPr>
-          <a:xfrm>
-            <a:off x="279400" y="2514600"/>
-            <a:ext cx="2201333" cy="1913467"/>
-          </a:xfrm>
-          <a:prstGeom prst="roundRect">
-            <a:avLst/>
-          </a:prstGeom>
-        </p:spPr>
-        <p:style>
-          <a:lnRef idx="0">
-            <a:schemeClr val="accent3"/>
-          </a:lnRef>
-          <a:fillRef idx="3">
-            <a:schemeClr val="accent3"/>
-          </a:fillRef>
-          <a:effectRef idx="3">
-            <a:schemeClr val="accent3"/>
-          </a:effectRef>
-          <a:fontRef idx="minor">
-            <a:schemeClr val="lt1"/>
-          </a:fontRef>
-        </p:style>
-        <p:txBody>
-          <a:bodyPr rtlCol="0" anchor="ctr"/>
-          <a:lstStyle/>
-          <a:p>
-            <a:pPr algn="ctr"/>
-            <a:r>
-              <a:rPr lang="es-MX" dirty="0" smtClean="0"/>
-              <a:t>Observo el mundo y selecciono un </a:t>
-            </a:r>
-            <a:r>
-              <a:rPr lang="es-MX" b="1" dirty="0" smtClean="0"/>
-              <a:t>tema de interés</a:t>
-            </a:r>
-            <a:endParaRPr lang="es-MX" b="1" dirty="0"/>
-          </a:p>
-        </p:txBody>
-      </p:sp>
-      <p:sp>
-        <p:nvSpPr>
-          <p:cNvPr id="8" name="Rectángulo redondeado 7"/>
-          <p:cNvSpPr/>
-          <p:nvPr/>
-        </p:nvSpPr>
-        <p:spPr>
-          <a:xfrm>
-            <a:off x="2692400" y="2514599"/>
-            <a:ext cx="2997200" cy="1913467"/>
-          </a:xfrm>
-          <a:prstGeom prst="roundRect">
-            <a:avLst/>
-          </a:prstGeom>
-        </p:spPr>
-        <p:style>
-          <a:lnRef idx="1">
-            <a:schemeClr val="dk1"/>
-          </a:lnRef>
-          <a:fillRef idx="2">
-            <a:schemeClr val="dk1"/>
-          </a:fillRef>
-          <a:effectRef idx="1">
-            <a:schemeClr val="dk1"/>
-          </a:effectRef>
-          <a:fontRef idx="minor">
-            <a:schemeClr val="dk1"/>
-          </a:fontRef>
-        </p:style>
-        <p:txBody>
-          <a:bodyPr rtlCol="0" anchor="ctr"/>
-          <a:lstStyle/>
-          <a:p>
-            <a:pPr algn="ctr"/>
-            <a:r>
-              <a:rPr lang="es-MX" dirty="0" smtClean="0"/>
-              <a:t>Defino mi </a:t>
-            </a:r>
-            <a:r>
-              <a:rPr lang="es-MX" b="1" dirty="0" smtClean="0"/>
-              <a:t>pregunta de investigación</a:t>
-            </a:r>
-            <a:endParaRPr lang="es-MX" dirty="0"/>
-          </a:p>
-        </p:txBody>
-      </p:sp>
-      <p:sp>
-        <p:nvSpPr>
-          <p:cNvPr id="9" name="Rectángulo redondeado 8"/>
-          <p:cNvSpPr/>
-          <p:nvPr/>
-        </p:nvSpPr>
-        <p:spPr>
-          <a:xfrm>
-            <a:off x="5901267" y="2514599"/>
-            <a:ext cx="2921000" cy="1913467"/>
-          </a:xfrm>
-          <a:prstGeom prst="roundRect">
-            <a:avLst/>
-          </a:prstGeom>
-        </p:spPr>
-        <p:style>
-          <a:lnRef idx="1">
-            <a:schemeClr val="dk1"/>
-          </a:lnRef>
-          <a:fillRef idx="2">
-            <a:schemeClr val="dk1"/>
-          </a:fillRef>
-          <a:effectRef idx="1">
-            <a:schemeClr val="dk1"/>
-          </a:effectRef>
-          <a:fontRef idx="minor">
-            <a:schemeClr val="dk1"/>
-          </a:fontRef>
-        </p:style>
-        <p:txBody>
-          <a:bodyPr rtlCol="0" anchor="ctr"/>
-          <a:lstStyle/>
-          <a:p>
-            <a:pPr algn="ctr"/>
-            <a:r>
-              <a:rPr lang="es-MX" dirty="0" smtClean="0"/>
-              <a:t>Planteo qué </a:t>
-            </a:r>
-            <a:r>
-              <a:rPr lang="es-MX" b="1" dirty="0" smtClean="0"/>
-              <a:t>objetivos</a:t>
-            </a:r>
-            <a:r>
-              <a:rPr lang="es-MX" dirty="0"/>
-              <a:t> </a:t>
-            </a:r>
-            <a:r>
-              <a:rPr lang="es-MX" dirty="0" smtClean="0"/>
-              <a:t>tendrá mi investigación y bajo qué </a:t>
-            </a:r>
-            <a:r>
-              <a:rPr lang="es-MX" b="1" dirty="0" smtClean="0"/>
-              <a:t>justificación</a:t>
-            </a:r>
-            <a:r>
-              <a:rPr lang="es-MX" dirty="0" smtClean="0"/>
-              <a:t> es relevante</a:t>
-            </a:r>
-            <a:endParaRPr lang="es-MX" dirty="0"/>
-          </a:p>
-        </p:txBody>
-      </p:sp>
-      <p:sp>
-        <p:nvSpPr>
-          <p:cNvPr id="10" name="Rectángulo redondeado 9"/>
-          <p:cNvSpPr/>
-          <p:nvPr/>
-        </p:nvSpPr>
-        <p:spPr>
-          <a:xfrm>
-            <a:off x="9237134" y="2514597"/>
-            <a:ext cx="2921000" cy="1913467"/>
-          </a:xfrm>
-          <a:prstGeom prst="roundRect">
-            <a:avLst/>
-          </a:prstGeom>
-        </p:spPr>
-        <p:style>
-          <a:lnRef idx="1">
-            <a:schemeClr val="dk1"/>
-          </a:lnRef>
-          <a:fillRef idx="3">
-            <a:schemeClr val="dk1"/>
-          </a:fillRef>
-          <a:effectRef idx="2">
-            <a:schemeClr val="dk1"/>
-          </a:effectRef>
-          <a:fontRef idx="minor">
-            <a:schemeClr val="lt1"/>
-          </a:fontRef>
-        </p:style>
-        <p:txBody>
-          <a:bodyPr rtlCol="0" anchor="ctr"/>
-          <a:lstStyle/>
-          <a:p>
-            <a:pPr algn="ctr"/>
-            <a:r>
-              <a:rPr lang="es-MX" dirty="0" smtClean="0"/>
-              <a:t>Me informo al respecto</a:t>
-            </a:r>
-          </a:p>
-          <a:p>
-            <a:pPr algn="ctr"/>
-            <a:r>
-              <a:rPr lang="es-ES" b="1" dirty="0" smtClean="0"/>
-              <a:t>(Marco teórico)</a:t>
-            </a:r>
-            <a:endParaRPr lang="es-MX" dirty="0"/>
-          </a:p>
-        </p:txBody>
-      </p:sp>
-      <p:sp>
-        <p:nvSpPr>
-          <p:cNvPr id="11" name="Flecha derecha 10"/>
-          <p:cNvSpPr/>
-          <p:nvPr/>
-        </p:nvSpPr>
-        <p:spPr>
-          <a:xfrm>
-            <a:off x="2383367" y="3061494"/>
-            <a:ext cx="406400" cy="939800"/>
-          </a:xfrm>
-          <a:prstGeom prst="rightArrow">
-            <a:avLst/>
-          </a:prstGeom>
-          <a:solidFill>
-            <a:schemeClr val="bg1"/>
-          </a:solidFill>
-          <a:ln w="76200">
-            <a:solidFill>
-              <a:schemeClr val="tx1"/>
-            </a:solidFill>
-          </a:ln>
-        </p:spPr>
-        <p:style>
-          <a:lnRef idx="2">
-            <a:schemeClr val="accent3">
-              <a:shade val="50000"/>
-            </a:schemeClr>
-          </a:lnRef>
-          <a:fillRef idx="1">
-            <a:schemeClr val="accent3"/>
-          </a:fillRef>
-          <a:effectRef idx="0">
-            <a:schemeClr val="accent3"/>
-          </a:effectRef>
-          <a:fontRef idx="minor">
-            <a:schemeClr val="lt1"/>
-          </a:fontRef>
-        </p:style>
-        <p:txBody>
-          <a:bodyPr rtlCol="0" anchor="ctr"/>
-          <a:lstStyle/>
-          <a:p>
-            <a:pPr algn="ctr"/>
-            <a:endParaRPr lang="es-MX"/>
-          </a:p>
-        </p:txBody>
-      </p:sp>
-      <p:sp>
-        <p:nvSpPr>
-          <p:cNvPr id="12" name="Flecha derecha 11"/>
-          <p:cNvSpPr/>
-          <p:nvPr/>
-        </p:nvSpPr>
-        <p:spPr>
-          <a:xfrm>
-            <a:off x="5630333" y="3004080"/>
-            <a:ext cx="406400" cy="939800"/>
-          </a:xfrm>
-          <a:prstGeom prst="rightArrow">
-            <a:avLst/>
-          </a:prstGeom>
-          <a:solidFill>
-            <a:schemeClr val="bg1"/>
-          </a:solidFill>
-          <a:ln w="76200">
-            <a:solidFill>
-              <a:schemeClr val="tx1"/>
-            </a:solidFill>
-          </a:ln>
-        </p:spPr>
-        <p:style>
-          <a:lnRef idx="2">
-            <a:schemeClr val="accent3">
-              <a:shade val="50000"/>
-            </a:schemeClr>
-          </a:lnRef>
-          <a:fillRef idx="1">
-            <a:schemeClr val="accent3"/>
-          </a:fillRef>
-          <a:effectRef idx="0">
-            <a:schemeClr val="accent3"/>
-          </a:effectRef>
-          <a:fontRef idx="minor">
-            <a:schemeClr val="lt1"/>
-          </a:fontRef>
-        </p:style>
-        <p:txBody>
-          <a:bodyPr rtlCol="0" anchor="ctr"/>
-          <a:lstStyle/>
-          <a:p>
-            <a:pPr algn="ctr"/>
-            <a:endParaRPr lang="es-MX"/>
-          </a:p>
-        </p:txBody>
-      </p:sp>
-      <p:sp>
-        <p:nvSpPr>
-          <p:cNvPr id="13" name="Flecha derecha 12"/>
-          <p:cNvSpPr/>
-          <p:nvPr/>
-        </p:nvSpPr>
-        <p:spPr>
-          <a:xfrm>
-            <a:off x="8830734" y="3072607"/>
-            <a:ext cx="406400" cy="939800"/>
-          </a:xfrm>
-          <a:prstGeom prst="rightArrow">
-            <a:avLst/>
-          </a:prstGeom>
-          <a:solidFill>
-            <a:schemeClr val="bg1"/>
-          </a:solidFill>
-          <a:ln w="76200">
-            <a:solidFill>
-              <a:schemeClr val="tx1"/>
-            </a:solidFill>
-          </a:ln>
-        </p:spPr>
-        <p:style>
-          <a:lnRef idx="2">
-            <a:schemeClr val="accent3">
-              <a:shade val="50000"/>
-            </a:schemeClr>
-          </a:lnRef>
-          <a:fillRef idx="1">
-            <a:schemeClr val="accent3"/>
-          </a:fillRef>
-          <a:effectRef idx="0">
-            <a:schemeClr val="accent3"/>
-          </a:effectRef>
-          <a:fontRef idx="minor">
-            <a:schemeClr val="lt1"/>
-          </a:fontRef>
-        </p:style>
-        <p:txBody>
-          <a:bodyPr rtlCol="0" anchor="ctr"/>
-          <a:lstStyle/>
-          <a:p>
-            <a:pPr algn="ctr"/>
-            <a:endParaRPr lang="es-MX"/>
           </a:p>
         </p:txBody>
       </p:sp>
     </p:spTree>
     <p:extLst>
       <p:ext uri="{BB962C8B-B14F-4D97-AF65-F5344CB8AC3E}">
-        <p14:creationId xmlns:p14="http://schemas.microsoft.com/office/powerpoint/2010/main" val="3587711372"/>
+        <p14:creationId xmlns:p14="http://schemas.microsoft.com/office/powerpoint/2010/main" val="2315190031"/>
       </p:ext>
     </p:extLst>
   </p:cSld>
@@ -6315,54 +6019,54 @@
           <a:lstStyle/>
           <a:p>
             <a:r>
+              <a:rPr lang="es-MX" dirty="0" smtClean="0"/>
+              <a:t/>
+            </a:r>
+            <a:br>
+              <a:rPr lang="es-MX" dirty="0" smtClean="0"/>
+            </a:br>
+            <a:endParaRPr lang="es-MX" dirty="0"/>
+          </a:p>
+        </p:txBody>
+      </p:sp>
+      <p:sp>
+        <p:nvSpPr>
+          <p:cNvPr id="3" name="Marcador de contenido 2"/>
+          <p:cNvSpPr>
+            <a:spLocks noGrp="1"/>
+          </p:cNvSpPr>
+          <p:nvPr>
+            <p:ph idx="1"/>
+          </p:nvPr>
+        </p:nvSpPr>
+        <p:spPr>
+          <a:xfrm>
+            <a:off x="838200" y="1825625"/>
+            <a:ext cx="3488267" cy="4351338"/>
+          </a:xfrm>
+        </p:spPr>
+        <p:txBody>
+          <a:bodyPr/>
+          <a:lstStyle/>
+          <a:p>
+            <a:pPr marL="0" indent="0">
+              <a:buNone/>
+            </a:pPr>
+            <a:r>
               <a:rPr lang="es-MX" b="1" dirty="0" smtClean="0"/>
-              <a:t>Acerca de la Validez</a:t>
-            </a:r>
-            <a:endParaRPr lang="es-MX" b="1" dirty="0"/>
-          </a:p>
-        </p:txBody>
-      </p:sp>
-      <p:sp>
-        <p:nvSpPr>
-          <p:cNvPr id="3" name="Marcador de contenido 2"/>
-          <p:cNvSpPr>
-            <a:spLocks noGrp="1"/>
-          </p:cNvSpPr>
-          <p:nvPr>
-            <p:ph idx="1"/>
-          </p:nvPr>
-        </p:nvSpPr>
-        <p:spPr/>
-        <p:txBody>
-          <a:bodyPr>
-            <a:normAutofit/>
-          </a:bodyPr>
-          <a:lstStyle/>
-          <a:p>
+              <a:t>Ejemplo</a:t>
+            </a:r>
+            <a:r>
+              <a:rPr lang="es-MX" dirty="0"/>
+              <a:t> </a:t>
+            </a:r>
+            <a:r>
+              <a:rPr lang="es-MX" dirty="0" smtClean="0"/>
+              <a:t>de una </a:t>
+            </a:r>
             <a:r>
               <a:rPr lang="es-MX" b="1" dirty="0" smtClean="0"/>
-              <a:t>Definición:</a:t>
-            </a:r>
-          </a:p>
-          <a:p>
-            <a:pPr marL="0" indent="0">
-              <a:buNone/>
-            </a:pPr>
-            <a:r>
-              <a:rPr lang="es-MX" b="1" dirty="0" smtClean="0"/>
-              <a:t>	</a:t>
-            </a:r>
-            <a:r>
-              <a:rPr lang="es-MX" dirty="0" smtClean="0"/>
-              <a:t>Hace referencia al grado en que realmente se está midiendo lo 	que se quiere medir, (</a:t>
-            </a:r>
-            <a:r>
-              <a:rPr lang="es-MX" i="1" dirty="0" smtClean="0"/>
-              <a:t>¿qué tan válido es decir que estoy midiendo 	lo que quiero medir?</a:t>
-            </a:r>
-            <a:r>
-              <a:rPr lang="es-MX" dirty="0" smtClean="0"/>
-              <a:t>)</a:t>
+              <a:t>correlación positiva perfecta.</a:t>
             </a:r>
           </a:p>
           <a:p>
@@ -6377,32 +6081,38 @@
             </a:pPr>
             <a:r>
               <a:rPr lang="es-MX" b="1" dirty="0" smtClean="0"/>
-              <a:t>	Ejemplo:</a:t>
-            </a:r>
-          </a:p>
-          <a:p>
-            <a:pPr marL="0" indent="0">
-              <a:buNone/>
-            </a:pPr>
-            <a:r>
-              <a:rPr lang="es-MX" b="1" dirty="0"/>
-              <a:t>	</a:t>
-            </a:r>
-            <a:r>
-              <a:rPr lang="es-MX" b="1" dirty="0" smtClean="0"/>
-              <a:t>	</a:t>
-            </a:r>
-            <a:r>
-              <a:rPr lang="es-MX" dirty="0" smtClean="0"/>
-              <a:t>Medir la “condición física” de las personas, aplicándoles un 		cuestionario de autovaloración.</a:t>
-            </a:r>
-            <a:endParaRPr lang="es-MX" b="1" dirty="0"/>
-          </a:p>
-        </p:txBody>
-      </p:sp>
-      <p:sp>
-        <p:nvSpPr>
-          <p:cNvPr id="4" name="Rectángulo 3"/>
+              <a:t>r = 1</a:t>
+            </a:r>
+          </a:p>
+        </p:txBody>
+      </p:sp>
+      <p:pic>
+        <p:nvPicPr>
+          <p:cNvPr id="5" name="Imagen 4"/>
+          <p:cNvPicPr>
+            <a:picLocks noChangeAspect="1"/>
+          </p:cNvPicPr>
+          <p:nvPr/>
+        </p:nvPicPr>
+        <p:blipFill>
+          <a:blip r:embed="rId2"/>
+          <a:stretch>
+            <a:fillRect/>
+          </a:stretch>
+        </p:blipFill>
+        <p:spPr>
+          <a:xfrm>
+            <a:off x="4428066" y="1027906"/>
+            <a:ext cx="7256135" cy="5300133"/>
+          </a:xfrm>
+          <a:prstGeom prst="rect">
+            <a:avLst/>
+          </a:prstGeom>
+        </p:spPr>
+      </p:pic>
+      <p:sp>
+        <p:nvSpPr>
+          <p:cNvPr id="6" name="Rectángulo 5"/>
           <p:cNvSpPr/>
           <p:nvPr/>
         </p:nvSpPr>
@@ -6452,7 +6162,7 @@
       </p:sp>
       <p:sp>
         <p:nvSpPr>
-          <p:cNvPr id="5" name="Rectángulo 4"/>
+          <p:cNvPr id="7" name="Rectángulo 6"/>
           <p:cNvSpPr/>
           <p:nvPr/>
         </p:nvSpPr>
@@ -6503,7 +6213,7 @@
     </p:spTree>
     <p:extLst>
       <p:ext uri="{BB962C8B-B14F-4D97-AF65-F5344CB8AC3E}">
-        <p14:creationId xmlns:p14="http://schemas.microsoft.com/office/powerpoint/2010/main" val="1376228722"/>
+        <p14:creationId xmlns:p14="http://schemas.microsoft.com/office/powerpoint/2010/main" val="4039062277"/>
       </p:ext>
     </p:extLst>
   </p:cSld>
@@ -6546,92 +6256,76 @@
           <a:lstStyle/>
           <a:p>
             <a:r>
+              <a:rPr lang="es-MX" dirty="0" smtClean="0"/>
+              <a:t/>
+            </a:r>
+            <a:br>
+              <a:rPr lang="es-MX" dirty="0" smtClean="0"/>
+            </a:br>
+            <a:endParaRPr lang="es-MX" dirty="0"/>
+          </a:p>
+        </p:txBody>
+      </p:sp>
+      <p:sp>
+        <p:nvSpPr>
+          <p:cNvPr id="3" name="Marcador de contenido 2"/>
+          <p:cNvSpPr>
+            <a:spLocks noGrp="1"/>
+          </p:cNvSpPr>
+          <p:nvPr>
+            <p:ph idx="1"/>
+          </p:nvPr>
+        </p:nvSpPr>
+        <p:spPr>
+          <a:xfrm>
+            <a:off x="838200" y="1825625"/>
+            <a:ext cx="3488267" cy="4351338"/>
+          </a:xfrm>
+        </p:spPr>
+        <p:txBody>
+          <a:bodyPr/>
+          <a:lstStyle/>
+          <a:p>
+            <a:pPr marL="0" indent="0">
+              <a:buNone/>
+            </a:pPr>
+            <a:r>
               <a:rPr lang="es-MX" b="1" dirty="0" smtClean="0"/>
-              <a:t>Acerca de la Validez</a:t>
-            </a:r>
+              <a:t>Ejemplo</a:t>
+            </a:r>
+            <a:r>
+              <a:rPr lang="es-MX" dirty="0"/>
+              <a:t> </a:t>
+            </a:r>
+            <a:r>
+              <a:rPr lang="es-MX" dirty="0" smtClean="0"/>
+              <a:t>de una </a:t>
+            </a:r>
+            <a:r>
+              <a:rPr lang="es-MX" b="1" dirty="0" smtClean="0"/>
+              <a:t>correlación negativa perfecta.</a:t>
+            </a:r>
+          </a:p>
+          <a:p>
+            <a:pPr marL="0" indent="0">
+              <a:buNone/>
+            </a:pPr>
             <a:endParaRPr lang="es-MX" b="1" dirty="0"/>
           </a:p>
-        </p:txBody>
-      </p:sp>
-      <p:sp>
-        <p:nvSpPr>
-          <p:cNvPr id="3" name="Marcador de contenido 2"/>
-          <p:cNvSpPr>
-            <a:spLocks noGrp="1"/>
-          </p:cNvSpPr>
-          <p:nvPr>
-            <p:ph idx="1"/>
-          </p:nvPr>
-        </p:nvSpPr>
-        <p:spPr/>
-        <p:txBody>
-          <a:bodyPr>
-            <a:normAutofit/>
-          </a:bodyPr>
-          <a:lstStyle/>
-          <a:p>
+          <a:p>
+            <a:pPr marL="0" indent="0">
+              <a:buNone/>
+            </a:pPr>
             <a:r>
               <a:rPr lang="es-MX" b="1" dirty="0" smtClean="0"/>
-              <a:t>Tipos de validez</a:t>
-            </a:r>
-          </a:p>
-          <a:p>
-            <a:endParaRPr lang="es-MX" b="1" dirty="0" smtClean="0"/>
-          </a:p>
-          <a:p>
-            <a:pPr lvl="1"/>
-            <a:r>
-              <a:rPr lang="es-MX" b="1" dirty="0" smtClean="0"/>
-              <a:t>Validez de contenido: </a:t>
-            </a:r>
-          </a:p>
-          <a:p>
-            <a:pPr marL="914400" lvl="2" indent="0">
-              <a:buNone/>
-            </a:pPr>
-            <a:r>
-              <a:rPr lang="es-MX" dirty="0" smtClean="0"/>
-              <a:t>El grado en que mi instrumento de medida captura </a:t>
-            </a:r>
-            <a:r>
-              <a:rPr lang="es-MX" b="1" dirty="0" smtClean="0"/>
-              <a:t>la totalidad </a:t>
-            </a:r>
-            <a:r>
-              <a:rPr lang="es-MX" dirty="0" smtClean="0"/>
-              <a:t>de aspectos contenidos en mi variable de interés.</a:t>
-            </a:r>
-          </a:p>
-          <a:p>
-            <a:pPr marL="914400" lvl="2" indent="0">
-              <a:buNone/>
-            </a:pPr>
-            <a:endParaRPr lang="es-MX" dirty="0"/>
-          </a:p>
-          <a:p>
-            <a:pPr marL="914400" lvl="2" indent="0">
-              <a:buNone/>
-            </a:pPr>
-            <a:r>
-              <a:rPr lang="es-MX" b="1" dirty="0" smtClean="0"/>
-              <a:t>Por ejemplo:</a:t>
-            </a:r>
-          </a:p>
-          <a:p>
-            <a:pPr marL="914400" lvl="2" indent="0">
-              <a:buNone/>
-            </a:pPr>
-            <a:r>
-              <a:rPr lang="es-MX" dirty="0" smtClean="0"/>
-              <a:t>Hacer un examen de certificación de idioma que sólo considere la parte oral</a:t>
-            </a:r>
-            <a:endParaRPr lang="es-MX" dirty="0"/>
-          </a:p>
-        </p:txBody>
-      </p:sp>
-      <p:sp>
-        <p:nvSpPr>
-          <p:cNvPr id="4" name="Rectángulo 3"/>
+              <a:t>r = -1</a:t>
+            </a:r>
+          </a:p>
+        </p:txBody>
+      </p:sp>
+      <p:sp>
+        <p:nvSpPr>
+          <p:cNvPr id="6" name="Rectángulo 5"/>
           <p:cNvSpPr/>
           <p:nvPr/>
         </p:nvSpPr>
@@ -6681,7 +6375,7 @@
       </p:sp>
       <p:sp>
         <p:nvSpPr>
-          <p:cNvPr id="5" name="Rectángulo 4"/>
+          <p:cNvPr id="7" name="Rectángulo 6"/>
           <p:cNvSpPr/>
           <p:nvPr/>
         </p:nvSpPr>
@@ -6729,10 +6423,34 @@
           </a:p>
         </p:txBody>
       </p:sp>
+      <p:pic>
+        <p:nvPicPr>
+          <p:cNvPr id="4" name="Imagen 3"/>
+          <p:cNvPicPr>
+            <a:picLocks noChangeAspect="1"/>
+          </p:cNvPicPr>
+          <p:nvPr/>
+        </p:nvPicPr>
+        <p:blipFill>
+          <a:blip r:embed="rId2"/>
+          <a:stretch>
+            <a:fillRect/>
+          </a:stretch>
+        </p:blipFill>
+        <p:spPr>
+          <a:xfrm>
+            <a:off x="4707465" y="829734"/>
+            <a:ext cx="7074672" cy="5262540"/>
+          </a:xfrm>
+          <a:prstGeom prst="rect">
+            <a:avLst/>
+          </a:prstGeom>
+        </p:spPr>
+      </p:pic>
     </p:spTree>
     <p:extLst>
       <p:ext uri="{BB962C8B-B14F-4D97-AF65-F5344CB8AC3E}">
-        <p14:creationId xmlns:p14="http://schemas.microsoft.com/office/powerpoint/2010/main" val="617448747"/>
+        <p14:creationId xmlns:p14="http://schemas.microsoft.com/office/powerpoint/2010/main" val="2287061806"/>
       </p:ext>
     </p:extLst>
   </p:cSld>
@@ -6775,96 +6493,76 @@
           <a:lstStyle/>
           <a:p>
             <a:r>
+              <a:rPr lang="es-MX" dirty="0" smtClean="0"/>
+              <a:t/>
+            </a:r>
+            <a:br>
+              <a:rPr lang="es-MX" dirty="0" smtClean="0"/>
+            </a:br>
+            <a:endParaRPr lang="es-MX" dirty="0"/>
+          </a:p>
+        </p:txBody>
+      </p:sp>
+      <p:sp>
+        <p:nvSpPr>
+          <p:cNvPr id="3" name="Marcador de contenido 2"/>
+          <p:cNvSpPr>
+            <a:spLocks noGrp="1"/>
+          </p:cNvSpPr>
+          <p:nvPr>
+            <p:ph idx="1"/>
+          </p:nvPr>
+        </p:nvSpPr>
+        <p:spPr>
+          <a:xfrm>
+            <a:off x="838200" y="1825625"/>
+            <a:ext cx="3488267" cy="4351338"/>
+          </a:xfrm>
+        </p:spPr>
+        <p:txBody>
+          <a:bodyPr/>
+          <a:lstStyle/>
+          <a:p>
+            <a:pPr marL="0" indent="0">
+              <a:buNone/>
+            </a:pPr>
+            <a:r>
               <a:rPr lang="es-MX" b="1" dirty="0" smtClean="0"/>
-              <a:t>Acerca de la Validez</a:t>
-            </a:r>
+              <a:t>Ejemplo</a:t>
+            </a:r>
+            <a:r>
+              <a:rPr lang="es-MX" dirty="0"/>
+              <a:t> </a:t>
+            </a:r>
+            <a:r>
+              <a:rPr lang="es-MX" dirty="0" smtClean="0"/>
+              <a:t>de una </a:t>
+            </a:r>
+            <a:r>
+              <a:rPr lang="es-MX" b="1" dirty="0" smtClean="0"/>
+              <a:t>correlación nula.</a:t>
+            </a:r>
+          </a:p>
+          <a:p>
+            <a:pPr marL="0" indent="0">
+              <a:buNone/>
+            </a:pPr>
             <a:endParaRPr lang="es-MX" b="1" dirty="0"/>
           </a:p>
-        </p:txBody>
-      </p:sp>
-      <p:sp>
-        <p:nvSpPr>
-          <p:cNvPr id="3" name="Marcador de contenido 2"/>
-          <p:cNvSpPr>
-            <a:spLocks noGrp="1"/>
-          </p:cNvSpPr>
-          <p:nvPr>
-            <p:ph idx="1"/>
-          </p:nvPr>
-        </p:nvSpPr>
-        <p:spPr/>
-        <p:txBody>
-          <a:bodyPr>
-            <a:normAutofit/>
-          </a:bodyPr>
-          <a:lstStyle/>
-          <a:p>
+          <a:p>
+            <a:pPr marL="0" indent="0">
+              <a:buNone/>
+            </a:pPr>
             <a:r>
               <a:rPr lang="es-MX" b="1" dirty="0" smtClean="0"/>
-              <a:t>Tipos de validez</a:t>
-            </a:r>
-          </a:p>
-          <a:p>
-            <a:endParaRPr lang="es-MX" b="1" dirty="0" smtClean="0"/>
-          </a:p>
-          <a:p>
-            <a:pPr lvl="1"/>
-            <a:r>
-              <a:rPr lang="es-MX" b="1" dirty="0" smtClean="0"/>
-              <a:t>Validez de criterio: </a:t>
-            </a:r>
-          </a:p>
-          <a:p>
-            <a:pPr marL="914400" lvl="2" indent="0">
-              <a:buNone/>
-            </a:pPr>
-            <a:r>
-              <a:rPr lang="es-MX" dirty="0" smtClean="0"/>
-              <a:t>El grado en que mi instrumento de medida arroja información consistente con mediciones obtenidas por otros instrumentos</a:t>
-            </a:r>
-          </a:p>
-          <a:p>
-            <a:pPr marL="914400" lvl="2" indent="0">
-              <a:buNone/>
-            </a:pPr>
-            <a:endParaRPr lang="es-MX" dirty="0"/>
-          </a:p>
-          <a:p>
-            <a:pPr marL="914400" lvl="2" indent="0">
-              <a:buNone/>
-            </a:pPr>
-            <a:r>
-              <a:rPr lang="es-MX" b="1" dirty="0" smtClean="0"/>
-              <a:t>Por ejemplo:</a:t>
-            </a:r>
-          </a:p>
-          <a:p>
-            <a:pPr marL="914400" lvl="2" indent="0">
-              <a:buNone/>
-            </a:pPr>
-            <a:r>
-              <a:rPr lang="es-MX" dirty="0" smtClean="0"/>
-              <a:t>La correlación entre qué tan bien me va en el examen de certificación de inglés </a:t>
-            </a:r>
-            <a:r>
-              <a:rPr lang="es-MX" b="1" dirty="0" smtClean="0"/>
-              <a:t>TOEFL </a:t>
-            </a:r>
-            <a:r>
-              <a:rPr lang="es-MX" dirty="0" smtClean="0"/>
-              <a:t>y el </a:t>
-            </a:r>
-            <a:r>
-              <a:rPr lang="es-MX" b="1" dirty="0" smtClean="0"/>
-              <a:t>IELS.</a:t>
-            </a:r>
-            <a:endParaRPr lang="es-MX" dirty="0" smtClean="0"/>
-          </a:p>
-        </p:txBody>
-      </p:sp>
-      <p:sp>
-        <p:nvSpPr>
-          <p:cNvPr id="4" name="Rectángulo 3"/>
+              <a:t>r = 0</a:t>
+            </a:r>
+          </a:p>
+        </p:txBody>
+      </p:sp>
+      <p:sp>
+        <p:nvSpPr>
+          <p:cNvPr id="6" name="Rectángulo 5"/>
           <p:cNvSpPr/>
           <p:nvPr/>
         </p:nvSpPr>
@@ -6914,7 +6612,7 @@
       </p:sp>
       <p:sp>
         <p:nvSpPr>
-          <p:cNvPr id="5" name="Rectángulo 4"/>
+          <p:cNvPr id="7" name="Rectángulo 6"/>
           <p:cNvSpPr/>
           <p:nvPr/>
         </p:nvSpPr>
@@ -6962,10 +6660,34 @@
           </a:p>
         </p:txBody>
       </p:sp>
+      <p:pic>
+        <p:nvPicPr>
+          <p:cNvPr id="4" name="Imagen 3"/>
+          <p:cNvPicPr>
+            <a:picLocks noChangeAspect="1"/>
+          </p:cNvPicPr>
+          <p:nvPr/>
+        </p:nvPicPr>
+        <p:blipFill>
+          <a:blip r:embed="rId2"/>
+          <a:stretch>
+            <a:fillRect/>
+          </a:stretch>
+        </p:blipFill>
+        <p:spPr>
+          <a:xfrm>
+            <a:off x="4083526" y="470600"/>
+            <a:ext cx="7871408" cy="5786266"/>
+          </a:xfrm>
+          <a:prstGeom prst="rect">
+            <a:avLst/>
+          </a:prstGeom>
+        </p:spPr>
+      </p:pic>
     </p:spTree>
     <p:extLst>
       <p:ext uri="{BB962C8B-B14F-4D97-AF65-F5344CB8AC3E}">
-        <p14:creationId xmlns:p14="http://schemas.microsoft.com/office/powerpoint/2010/main" val="691050045"/>
+        <p14:creationId xmlns:p14="http://schemas.microsoft.com/office/powerpoint/2010/main" val="3008009203"/>
       </p:ext>
     </p:extLst>
   </p:cSld>
@@ -7009,7 +6731,7 @@
           <a:p>
             <a:r>
               <a:rPr lang="es-MX" b="1" dirty="0" smtClean="0"/>
-              <a:t>Acerca de la Validez</a:t>
+              <a:t>Acerca de la Confiabilidad</a:t>
             </a:r>
             <a:endParaRPr lang="es-MX" b="1" dirty="0"/>
           </a:p>
@@ -7033,75 +6755,141 @@
           <a:lstStyle/>
           <a:p>
             <a:r>
+              <a:rPr lang="es-MX" dirty="0" smtClean="0"/>
+              <a:t>La </a:t>
+            </a:r>
+            <a:r>
               <a:rPr lang="es-MX" b="1" dirty="0" smtClean="0"/>
-              <a:t>Tipos de validez</a:t>
-            </a:r>
-          </a:p>
-          <a:p>
+              <a:t>comparación</a:t>
+            </a:r>
+            <a:r>
+              <a:rPr lang="es-MX" dirty="0"/>
+              <a:t> </a:t>
+            </a:r>
+            <a:r>
+              <a:rPr lang="es-MX" dirty="0" smtClean="0"/>
+              <a:t>entre dos medidas que se realiza para valorar la </a:t>
+            </a:r>
+            <a:r>
+              <a:rPr lang="es-MX" b="1" dirty="0" smtClean="0"/>
+              <a:t>confiabilidad </a:t>
+            </a:r>
+            <a:r>
+              <a:rPr lang="es-MX" dirty="0" smtClean="0"/>
+              <a:t>de mi medición, se hace a partir de un </a:t>
+            </a:r>
+            <a:r>
+              <a:rPr lang="es-MX" b="1" dirty="0" smtClean="0"/>
+              <a:t>cálculo de su correlación.</a:t>
+            </a:r>
+          </a:p>
+          <a:p>
+            <a:endParaRPr lang="es-MX" b="1" dirty="0"/>
+          </a:p>
+          <a:p>
+            <a:r>
+              <a:rPr lang="es-MX" dirty="0" smtClean="0"/>
+              <a:t>En </a:t>
+            </a:r>
+            <a:r>
+              <a:rPr lang="es-MX" b="1" dirty="0" smtClean="0"/>
+              <a:t>estadística, </a:t>
+            </a:r>
+            <a:r>
+              <a:rPr lang="es-MX" dirty="0" smtClean="0"/>
+              <a:t>existen diversas fórmulas para calcular la </a:t>
+            </a:r>
+            <a:r>
+              <a:rPr lang="es-MX" b="1" dirty="0" smtClean="0"/>
+              <a:t>correlación</a:t>
+            </a:r>
+            <a:r>
+              <a:rPr lang="es-MX" dirty="0"/>
+              <a:t> </a:t>
+            </a:r>
+            <a:r>
+              <a:rPr lang="es-MX" dirty="0" smtClean="0"/>
+              <a:t>entre </a:t>
+            </a:r>
+            <a:r>
+              <a:rPr lang="es-MX" b="1" dirty="0" smtClean="0"/>
+              <a:t>dos variables.</a:t>
+            </a:r>
+          </a:p>
+          <a:p>
+            <a:pPr marL="0" indent="0">
+              <a:buNone/>
+            </a:pPr>
+            <a:r>
+              <a:rPr lang="es-MX" b="1" dirty="0" smtClean="0"/>
+              <a:t>			r = </a:t>
+            </a:r>
+            <a:r>
+              <a:rPr lang="es-MX" dirty="0" smtClean="0"/>
+              <a:t>(-1 a 1)</a:t>
+            </a:r>
+          </a:p>
+          <a:p>
+            <a:pPr marL="0" indent="0">
+              <a:buNone/>
+            </a:pPr>
+            <a:r>
+              <a:rPr lang="es-MX" sz="2000" dirty="0" smtClean="0"/>
+              <a:t>	</a:t>
+            </a:r>
+            <a:r>
+              <a:rPr lang="es-MX" sz="2000" dirty="0"/>
+              <a:t>	</a:t>
+            </a:r>
+            <a:r>
+              <a:rPr lang="es-MX" sz="2000" dirty="0" smtClean="0"/>
+              <a:t>		El signo nos indica la </a:t>
+            </a:r>
+            <a:r>
+              <a:rPr lang="es-MX" sz="2000" b="1" dirty="0" smtClean="0"/>
+              <a:t>dirección</a:t>
+            </a:r>
+            <a:r>
+              <a:rPr lang="es-MX" sz="2000" dirty="0" smtClean="0"/>
+              <a:t> de la correlación</a:t>
+            </a:r>
+          </a:p>
+          <a:p>
+            <a:pPr marL="0" indent="0">
+              <a:buNone/>
+            </a:pPr>
+            <a:r>
+              <a:rPr lang="es-MX" sz="2000" dirty="0"/>
+              <a:t> </a:t>
+            </a:r>
+            <a:r>
+              <a:rPr lang="es-MX" sz="2000" dirty="0" smtClean="0"/>
+              <a:t>               		                Su valor absoluto indica la </a:t>
+            </a:r>
+            <a:r>
+              <a:rPr lang="es-MX" sz="2000" b="1" dirty="0" smtClean="0"/>
+              <a:t>fuerza</a:t>
+            </a:r>
+            <a:r>
+              <a:rPr lang="es-MX" sz="2000" dirty="0"/>
+              <a:t> </a:t>
+            </a:r>
+            <a:r>
+              <a:rPr lang="es-MX" sz="2000" dirty="0" smtClean="0"/>
+              <a:t>de la correlación</a:t>
+            </a:r>
+          </a:p>
+          <a:p>
+            <a:pPr marL="0" indent="0">
+              <a:buNone/>
+            </a:pPr>
+            <a:endParaRPr lang="es-MX" dirty="0"/>
+          </a:p>
+          <a:p>
+            <a:pPr marL="0" indent="0">
+              <a:buNone/>
+            </a:pPr>
             <a:endParaRPr lang="es-MX" b="1" dirty="0" smtClean="0"/>
-          </a:p>
-          <a:p>
-            <a:pPr lvl="1"/>
-            <a:r>
-              <a:rPr lang="es-MX" b="1" dirty="0" smtClean="0"/>
-              <a:t>Validez de criterio: </a:t>
-            </a:r>
-          </a:p>
-          <a:p>
-            <a:pPr marL="914400" lvl="2" indent="0">
-              <a:buNone/>
-            </a:pPr>
-            <a:r>
-              <a:rPr lang="es-MX" dirty="0" smtClean="0"/>
-              <a:t>El grado en que mi instrumento de medida arroja información consistente con mediciones obtenidas por otros instrumentos</a:t>
-            </a:r>
-          </a:p>
-          <a:p>
-            <a:pPr marL="914400" lvl="2" indent="0">
-              <a:buNone/>
-            </a:pPr>
-            <a:r>
-              <a:rPr lang="es-MX" dirty="0" smtClean="0"/>
-              <a:t>	</a:t>
-            </a:r>
-          </a:p>
-          <a:p>
-            <a:pPr marL="914400" lvl="2" indent="0">
-              <a:buNone/>
-            </a:pPr>
-            <a:r>
-              <a:rPr lang="es-MX" dirty="0"/>
-              <a:t>	</a:t>
-            </a:r>
-            <a:r>
-              <a:rPr lang="es-MX" b="1" dirty="0" smtClean="0"/>
-              <a:t>Validez concurrente: </a:t>
-            </a:r>
-            <a:r>
-              <a:rPr lang="es-MX" dirty="0" smtClean="0"/>
-              <a:t>Cuando ya se tienen ambas medidas y se comparan</a:t>
-            </a:r>
-            <a:endParaRPr lang="es-MX" b="1" dirty="0" smtClean="0"/>
-          </a:p>
-          <a:p>
-            <a:pPr marL="914400" lvl="2" indent="0">
-              <a:buNone/>
-            </a:pPr>
-            <a:endParaRPr lang="es-MX" b="1" dirty="0"/>
-          </a:p>
-          <a:p>
-            <a:pPr marL="914400" lvl="2" indent="0">
-              <a:buNone/>
-            </a:pPr>
-            <a:r>
-              <a:rPr lang="es-MX" b="1" dirty="0" smtClean="0"/>
-              <a:t>	Validez predictiva: </a:t>
-            </a:r>
-            <a:r>
-              <a:rPr lang="es-MX" dirty="0" smtClean="0"/>
-              <a:t>Cuando se utiliza una de las dos medidas para intentar 				  predecir lo que se obtendrá en la segunda</a:t>
-            </a:r>
-            <a:endParaRPr lang="es-MX" dirty="0"/>
           </a:p>
         </p:txBody>
       </p:sp>
@@ -7208,7 +6996,7 @@
     </p:spTree>
     <p:extLst>
       <p:ext uri="{BB962C8B-B14F-4D97-AF65-F5344CB8AC3E}">
-        <p14:creationId xmlns:p14="http://schemas.microsoft.com/office/powerpoint/2010/main" val="2436930829"/>
+        <p14:creationId xmlns:p14="http://schemas.microsoft.com/office/powerpoint/2010/main" val="1178708144"/>
       </p:ext>
     </p:extLst>
   </p:cSld>
@@ -7276,76 +7064,63 @@
           <a:lstStyle/>
           <a:p>
             <a:r>
+              <a:rPr lang="es-MX" b="1" dirty="0" smtClean="0"/>
+              <a:t>Definición:</a:t>
+            </a:r>
+          </a:p>
+          <a:p>
+            <a:pPr marL="0" indent="0">
+              <a:buNone/>
+            </a:pPr>
+            <a:r>
+              <a:rPr lang="es-MX" b="1" dirty="0" smtClean="0"/>
+              <a:t>	</a:t>
+            </a:r>
+            <a:r>
+              <a:rPr lang="es-MX" dirty="0" smtClean="0"/>
+              <a:t>Hace referencia al grado en que realmente se está midiendo lo 	que se quiere medir, (</a:t>
+            </a:r>
+            <a:r>
+              <a:rPr lang="es-MX" i="1" dirty="0" smtClean="0"/>
+              <a:t>¿qué tan válido es decir que estoy midiendo 	lo que quiero medir?</a:t>
+            </a:r>
+            <a:r>
+              <a:rPr lang="es-MX" dirty="0" smtClean="0"/>
+              <a:t>)</a:t>
+            </a:r>
+          </a:p>
+          <a:p>
+            <a:pPr marL="0" indent="0">
+              <a:buNone/>
+            </a:pPr>
+            <a:endParaRPr lang="es-MX" b="1" dirty="0"/>
+          </a:p>
+          <a:p>
+            <a:pPr marL="0" indent="0">
+              <a:buNone/>
+            </a:pPr>
+            <a:r>
+              <a:rPr lang="es-MX" b="1" dirty="0" smtClean="0"/>
+              <a:t>	Ejemplo:</a:t>
+            </a:r>
+          </a:p>
+          <a:p>
+            <a:pPr marL="0" indent="0">
+              <a:buNone/>
+            </a:pPr>
+            <a:r>
               <a:rPr lang="es-MX" b="1" dirty="0"/>
-              <a:t>Tipos de </a:t>
+              <a:t>	</a:t>
             </a:r>
             <a:r>
               <a:rPr lang="es-MX" b="1" dirty="0" smtClean="0"/>
-              <a:t>validez</a:t>
-            </a:r>
-          </a:p>
-          <a:p>
-            <a:endParaRPr lang="es-MX" b="1" dirty="0" smtClean="0"/>
-          </a:p>
-          <a:p>
-            <a:pPr lvl="1"/>
-            <a:r>
-              <a:rPr lang="es-MX" b="1" dirty="0" smtClean="0"/>
-              <a:t>Validez </a:t>
-            </a:r>
-            <a:r>
-              <a:rPr lang="es-MX" b="1" dirty="0"/>
-              <a:t>de criterio </a:t>
-            </a:r>
-            <a:endParaRPr lang="es-MX" b="1" dirty="0" smtClean="0"/>
-          </a:p>
-          <a:p>
-            <a:pPr marL="457200" lvl="1" indent="0">
-              <a:buNone/>
-            </a:pPr>
+              <a:t>	</a:t>
+            </a:r>
             <a:r>
               <a:rPr lang="es-MX" dirty="0" smtClean="0"/>
-              <a:t>	Se refiere a la </a:t>
-            </a:r>
-            <a:r>
-              <a:rPr lang="es-MX" b="1" dirty="0" smtClean="0"/>
-              <a:t>correspondencia</a:t>
-            </a:r>
-            <a:r>
-              <a:rPr lang="es-MX" dirty="0" smtClean="0"/>
-              <a:t> entre lo que mi instrumento de 	medición 	mide, y </a:t>
-            </a:r>
-            <a:r>
-              <a:rPr lang="es-MX" b="1" dirty="0" smtClean="0"/>
-              <a:t>lo que la teoría </a:t>
-            </a:r>
-            <a:r>
-              <a:rPr lang="es-MX" dirty="0" smtClean="0"/>
-              <a:t>dice que debería medir</a:t>
-            </a:r>
-          </a:p>
-          <a:p>
-            <a:pPr marL="0" indent="0">
-              <a:buNone/>
-            </a:pPr>
-            <a:endParaRPr lang="es-MX" b="1" dirty="0" smtClean="0"/>
-          </a:p>
-          <a:p>
-            <a:pPr lvl="1"/>
-            <a:r>
-              <a:rPr lang="es-MX" b="1" dirty="0" smtClean="0"/>
-              <a:t>Por ejemplo:</a:t>
-            </a:r>
-          </a:p>
-          <a:p>
-            <a:pPr marL="914400" lvl="2" indent="0">
-              <a:buNone/>
-            </a:pPr>
-            <a:r>
-              <a:rPr lang="es-MX" dirty="0" smtClean="0"/>
-              <a:t>¡¡¡Usar el número de premios Nobel ganados por cada 10 millones de habitantes para evaluar la inteligencia de las personas!!!</a:t>
-            </a:r>
-            <a:endParaRPr lang="es-MX" dirty="0"/>
+              <a:t>Medir la “condición física” de las personas, aplicándoles un 		cuestionario de autovaloración.</a:t>
+            </a:r>
+            <a:endParaRPr lang="es-MX" b="1" dirty="0"/>
           </a:p>
         </p:txBody>
       </p:sp>
@@ -7452,7 +7227,7 @@
     </p:spTree>
     <p:extLst>
       <p:ext uri="{BB962C8B-B14F-4D97-AF65-F5344CB8AC3E}">
-        <p14:creationId xmlns:p14="http://schemas.microsoft.com/office/powerpoint/2010/main" val="3460953812"/>
+        <p14:creationId xmlns:p14="http://schemas.microsoft.com/office/powerpoint/2010/main" val="1376228722"/>
       </p:ext>
     </p:extLst>
   </p:cSld>
@@ -7520,12 +7295,8 @@
           <a:lstStyle/>
           <a:p>
             <a:r>
-              <a:rPr lang="es-MX" b="1" dirty="0"/>
-              <a:t>Tipos de </a:t>
-            </a:r>
-            <a:r>
               <a:rPr lang="es-MX" b="1" dirty="0" smtClean="0"/>
-              <a:t>validez</a:t>
+              <a:t>Tipos de validez</a:t>
             </a:r>
           </a:p>
           <a:p>
@@ -7535,34 +7306,36 @@
             <a:pPr lvl="1"/>
             <a:r>
               <a:rPr lang="es-MX" b="1" dirty="0" smtClean="0"/>
-              <a:t>Validez ecológica</a:t>
-            </a:r>
-          </a:p>
-          <a:p>
-            <a:pPr marL="0" indent="0">
+              <a:t>Validez de contenido: </a:t>
+            </a:r>
+          </a:p>
+          <a:p>
+            <a:pPr marL="914400" lvl="2" indent="0">
               <a:buNone/>
             </a:pPr>
             <a:r>
+              <a:rPr lang="es-MX" dirty="0" smtClean="0"/>
+              <a:t>El grado en que mi instrumento de medida captura </a:t>
+            </a:r>
+            <a:r>
               <a:rPr lang="es-MX" b="1" dirty="0" smtClean="0"/>
-              <a:t>	</a:t>
+              <a:t>la totalidad </a:t>
             </a:r>
             <a:r>
               <a:rPr lang="es-MX" dirty="0" smtClean="0"/>
-              <a:t>El grado en que el instrumento de medida que estoy utilizando 	se adecúa al contexto en que la estoy aplicando</a:t>
-            </a:r>
-            <a:r>
-              <a:rPr lang="es-MX" b="1" dirty="0" smtClean="0"/>
-              <a:t>	</a:t>
-            </a:r>
-          </a:p>
-          <a:p>
-            <a:pPr marL="0" indent="0">
+              <a:t>de aspectos contenidos en mi variable de interés.</a:t>
+            </a:r>
+          </a:p>
+          <a:p>
+            <a:pPr marL="914400" lvl="2" indent="0">
               <a:buNone/>
             </a:pPr>
-            <a:endParaRPr lang="es-MX" b="1" dirty="0" smtClean="0"/>
-          </a:p>
-          <a:p>
-            <a:pPr lvl="1"/>
+            <a:endParaRPr lang="es-MX" dirty="0"/>
+          </a:p>
+          <a:p>
+            <a:pPr marL="914400" lvl="2" indent="0">
+              <a:buNone/>
+            </a:pPr>
             <a:r>
               <a:rPr lang="es-MX" b="1" dirty="0" smtClean="0"/>
               <a:t>Por ejemplo:</a:t>
@@ -7574,7 +7347,7 @@
             </a:pPr>
             <a:r>
               <a:rPr lang="es-MX" dirty="0" smtClean="0"/>
-              <a:t>Aplicación de cuestionarios extranjeros.</a:t>
+              <a:t>Hacer un examen de certificación de idioma que sólo considere la parte oral</a:t>
             </a:r>
             <a:endParaRPr lang="es-MX" dirty="0"/>
           </a:p>
@@ -7683,7 +7456,7 @@
     </p:spTree>
     <p:extLst>
       <p:ext uri="{BB962C8B-B14F-4D97-AF65-F5344CB8AC3E}">
-        <p14:creationId xmlns:p14="http://schemas.microsoft.com/office/powerpoint/2010/main" val="3107307027"/>
+        <p14:creationId xmlns:p14="http://schemas.microsoft.com/office/powerpoint/2010/main" val="617448747"/>
       </p:ext>
     </p:extLst>
   </p:cSld>
@@ -7727,66 +7500,95 @@
           <a:p>
             <a:r>
               <a:rPr lang="es-MX" b="1" dirty="0" smtClean="0"/>
-              <a:t>Validez </a:t>
-            </a:r>
+              <a:t>Acerca de la Validez</a:t>
+            </a:r>
+            <a:endParaRPr lang="es-MX" b="1" dirty="0"/>
+          </a:p>
+        </p:txBody>
+      </p:sp>
+      <p:sp>
+        <p:nvSpPr>
+          <p:cNvPr id="3" name="Marcador de contenido 2"/>
+          <p:cNvSpPr>
+            <a:spLocks noGrp="1"/>
+          </p:cNvSpPr>
+          <p:nvPr>
+            <p:ph idx="1"/>
+          </p:nvPr>
+        </p:nvSpPr>
+        <p:spPr/>
+        <p:txBody>
+          <a:bodyPr>
+            <a:normAutofit/>
+          </a:bodyPr>
+          <a:lstStyle/>
+          <a:p>
+            <a:r>
+              <a:rPr lang="es-MX" b="1" dirty="0" smtClean="0"/>
+              <a:t>Tipos de validez</a:t>
+            </a:r>
+          </a:p>
+          <a:p>
+            <a:endParaRPr lang="es-MX" b="1" dirty="0" smtClean="0"/>
+          </a:p>
+          <a:p>
+            <a:pPr lvl="1"/>
+            <a:r>
+              <a:rPr lang="es-MX" b="1" dirty="0" smtClean="0"/>
+              <a:t>Validez de criterio: </a:t>
+            </a:r>
+          </a:p>
+          <a:p>
+            <a:pPr marL="914400" lvl="2" indent="0">
+              <a:buNone/>
+            </a:pPr>
             <a:r>
               <a:rPr lang="es-MX" dirty="0" smtClean="0"/>
-              <a:t>y </a:t>
-            </a:r>
+              <a:t>El grado en que mi instrumento de medida arroja información consistente con mediciones obtenidas por otros instrumentos</a:t>
+            </a:r>
+          </a:p>
+          <a:p>
+            <a:pPr marL="914400" lvl="2" indent="0">
+              <a:buNone/>
+            </a:pPr>
+            <a:endParaRPr lang="es-MX" dirty="0"/>
+          </a:p>
+          <a:p>
+            <a:pPr marL="914400" lvl="2" indent="0">
+              <a:buNone/>
+            </a:pPr>
             <a:r>
               <a:rPr lang="es-MX" b="1" dirty="0" smtClean="0"/>
-              <a:t>Confiabilidad, un ejemplo didáctico:</a:t>
-            </a:r>
-            <a:endParaRPr lang="es-MX" b="1" dirty="0"/>
-          </a:p>
-        </p:txBody>
-      </p:sp>
-      <p:sp>
-        <p:nvSpPr>
-          <p:cNvPr id="3" name="Marcador de contenido 2"/>
-          <p:cNvSpPr>
-            <a:spLocks noGrp="1"/>
-          </p:cNvSpPr>
-          <p:nvPr>
-            <p:ph idx="1"/>
-          </p:nvPr>
-        </p:nvSpPr>
-        <p:spPr/>
-        <p:txBody>
-          <a:bodyPr/>
-          <a:lstStyle/>
-          <a:p>
-            <a:endParaRPr lang="es-MX"/>
-          </a:p>
-        </p:txBody>
-      </p:sp>
-      <p:pic>
-        <p:nvPicPr>
-          <p:cNvPr id="4" name="Imagen 3"/>
-          <p:cNvPicPr>
-            <a:picLocks noChangeAspect="1"/>
-          </p:cNvPicPr>
-          <p:nvPr/>
-        </p:nvPicPr>
-        <p:blipFill>
-          <a:blip r:embed="rId2"/>
-          <a:stretch>
-            <a:fillRect/>
-          </a:stretch>
-        </p:blipFill>
-        <p:spPr>
-          <a:xfrm>
-            <a:off x="533400" y="1825625"/>
-            <a:ext cx="11125200" cy="3933825"/>
-          </a:xfrm>
-          <a:prstGeom prst="rect">
-            <a:avLst/>
-          </a:prstGeom>
-        </p:spPr>
-      </p:pic>
-      <p:sp>
-        <p:nvSpPr>
-          <p:cNvPr id="5" name="Rectángulo 4"/>
+              <a:t>Por ejemplo:</a:t>
+            </a:r>
+          </a:p>
+          <a:p>
+            <a:pPr marL="914400" lvl="2" indent="0">
+              <a:buNone/>
+            </a:pPr>
+            <a:r>
+              <a:rPr lang="es-MX" dirty="0" smtClean="0"/>
+              <a:t>La correlación entre qué tan bien me va en el examen de certificación de inglés </a:t>
+            </a:r>
+            <a:r>
+              <a:rPr lang="es-MX" b="1" dirty="0" smtClean="0"/>
+              <a:t>TOEFL </a:t>
+            </a:r>
+            <a:r>
+              <a:rPr lang="es-MX" dirty="0" smtClean="0"/>
+              <a:t>y el </a:t>
+            </a:r>
+            <a:r>
+              <a:rPr lang="es-MX" b="1" dirty="0" smtClean="0"/>
+              <a:t>IELS.</a:t>
+            </a:r>
+            <a:endParaRPr lang="es-MX" dirty="0" smtClean="0"/>
+          </a:p>
+        </p:txBody>
+      </p:sp>
+      <p:sp>
+        <p:nvSpPr>
+          <p:cNvPr id="4" name="Rectángulo 3"/>
           <p:cNvSpPr/>
           <p:nvPr/>
         </p:nvSpPr>
@@ -7836,7 +7638,7 @@
       </p:sp>
       <p:sp>
         <p:nvSpPr>
-          <p:cNvPr id="6" name="Rectángulo 5"/>
+          <p:cNvPr id="5" name="Rectángulo 4"/>
           <p:cNvSpPr/>
           <p:nvPr/>
         </p:nvSpPr>
@@ -7884,50 +7686,10 @@
           </a:p>
         </p:txBody>
       </p:sp>
-      <p:sp>
-        <p:nvSpPr>
-          <p:cNvPr id="7" name="6 Rectángulo"/>
-          <p:cNvSpPr/>
-          <p:nvPr/>
-        </p:nvSpPr>
-        <p:spPr>
-          <a:xfrm>
-            <a:off x="290945" y="1330036"/>
-            <a:ext cx="7917873" cy="4686300"/>
-          </a:xfrm>
-          <a:prstGeom prst="rect">
-            <a:avLst/>
-          </a:prstGeom>
-        </p:spPr>
-        <p:style>
-          <a:lnRef idx="2">
-            <a:schemeClr val="accent1">
-              <a:shade val="50000"/>
-            </a:schemeClr>
-          </a:lnRef>
-          <a:fillRef idx="1">
-            <a:schemeClr val="accent1"/>
-          </a:fillRef>
-          <a:effectRef idx="0">
-            <a:schemeClr val="accent1"/>
-          </a:effectRef>
-          <a:fontRef idx="minor">
-            <a:schemeClr val="lt1"/>
-          </a:fontRef>
-        </p:style>
-        <p:txBody>
-          <a:bodyPr rtlCol="0" anchor="ctr"/>
-          <a:lstStyle/>
-          <a:p>
-            <a:pPr algn="ctr"/>
-            <a:endParaRPr lang="es-MX"/>
-          </a:p>
-        </p:txBody>
-      </p:sp>
     </p:spTree>
     <p:extLst>
       <p:ext uri="{BB962C8B-B14F-4D97-AF65-F5344CB8AC3E}">
-        <p14:creationId xmlns:p14="http://schemas.microsoft.com/office/powerpoint/2010/main" val="2539068259"/>
+        <p14:creationId xmlns:p14="http://schemas.microsoft.com/office/powerpoint/2010/main" val="691050045"/>
       </p:ext>
     </p:extLst>
   </p:cSld>
@@ -7971,66 +7733,105 @@
           <a:p>
             <a:r>
               <a:rPr lang="es-MX" b="1" dirty="0" smtClean="0"/>
-              <a:t>Validez </a:t>
-            </a:r>
+              <a:t>Acerca de la Validez</a:t>
+            </a:r>
+            <a:endParaRPr lang="es-MX" b="1" dirty="0"/>
+          </a:p>
+        </p:txBody>
+      </p:sp>
+      <p:sp>
+        <p:nvSpPr>
+          <p:cNvPr id="3" name="Marcador de contenido 2"/>
+          <p:cNvSpPr>
+            <a:spLocks noGrp="1"/>
+          </p:cNvSpPr>
+          <p:nvPr>
+            <p:ph idx="1"/>
+          </p:nvPr>
+        </p:nvSpPr>
+        <p:spPr/>
+        <p:txBody>
+          <a:bodyPr>
+            <a:normAutofit/>
+          </a:bodyPr>
+          <a:lstStyle/>
+          <a:p>
+            <a:r>
+              <a:rPr lang="es-MX" b="1" dirty="0" smtClean="0"/>
+              <a:t>Tipos de validez</a:t>
+            </a:r>
+          </a:p>
+          <a:p>
+            <a:endParaRPr lang="es-MX" b="1" dirty="0" smtClean="0"/>
+          </a:p>
+          <a:p>
+            <a:pPr lvl="1"/>
+            <a:r>
+              <a:rPr lang="es-MX" b="1" dirty="0" smtClean="0"/>
+              <a:t>Validez de criterio: </a:t>
+            </a:r>
+          </a:p>
+          <a:p>
+            <a:pPr marL="914400" lvl="2" indent="0">
+              <a:buNone/>
+            </a:pPr>
             <a:r>
               <a:rPr lang="es-MX" dirty="0" smtClean="0"/>
-              <a:t>y </a:t>
+              <a:t>El grado en que mi instrumento de medida arroja información consistente con mediciones obtenidas por otros instrumentos</a:t>
+            </a:r>
+          </a:p>
+          <a:p>
+            <a:pPr marL="914400" lvl="2" indent="0">
+              <a:buNone/>
+            </a:pPr>
+            <a:r>
+              <a:rPr lang="es-MX" dirty="0" smtClean="0"/>
+              <a:t>	</a:t>
+            </a:r>
+          </a:p>
+          <a:p>
+            <a:pPr marL="914400" lvl="2" indent="0">
+              <a:buNone/>
+            </a:pPr>
+            <a:r>
+              <a:rPr lang="es-MX" dirty="0"/>
+              <a:t>	</a:t>
             </a:r>
             <a:r>
               <a:rPr lang="es-MX" b="1" dirty="0" smtClean="0"/>
-              <a:t>Confiabilidad, un ejemplo didáctico:</a:t>
-            </a:r>
+              <a:t>Validez concurrente: </a:t>
+            </a:r>
+            <a:r>
+              <a:rPr lang="es-MX" dirty="0" smtClean="0"/>
+              <a:t>Cuando ya se tienen ambas medidas y se comparan</a:t>
+            </a:r>
+            <a:endParaRPr lang="es-MX" b="1" dirty="0" smtClean="0"/>
+          </a:p>
+          <a:p>
+            <a:pPr marL="914400" lvl="2" indent="0">
+              <a:buNone/>
+            </a:pPr>
             <a:endParaRPr lang="es-MX" b="1" dirty="0"/>
           </a:p>
-        </p:txBody>
-      </p:sp>
-      <p:sp>
-        <p:nvSpPr>
-          <p:cNvPr id="3" name="Marcador de contenido 2"/>
-          <p:cNvSpPr>
-            <a:spLocks noGrp="1"/>
-          </p:cNvSpPr>
-          <p:nvPr>
-            <p:ph idx="1"/>
-          </p:nvPr>
-        </p:nvSpPr>
-        <p:spPr/>
-        <p:txBody>
-          <a:bodyPr/>
-          <a:lstStyle/>
-          <a:p>
-            <a:endParaRPr lang="es-MX"/>
-          </a:p>
-        </p:txBody>
-      </p:sp>
-      <p:pic>
-        <p:nvPicPr>
-          <p:cNvPr id="4" name="Imagen 3"/>
-          <p:cNvPicPr>
-            <a:picLocks noChangeAspect="1"/>
-          </p:cNvPicPr>
-          <p:nvPr/>
-        </p:nvPicPr>
-        <p:blipFill>
-          <a:blip r:embed="rId2"/>
-          <a:stretch>
-            <a:fillRect/>
-          </a:stretch>
-        </p:blipFill>
-        <p:spPr>
-          <a:xfrm>
-            <a:off x="533400" y="1825625"/>
-            <a:ext cx="11125200" cy="3933825"/>
-          </a:xfrm>
-          <a:prstGeom prst="rect">
-            <a:avLst/>
-          </a:prstGeom>
-        </p:spPr>
-      </p:pic>
-      <p:sp>
-        <p:nvSpPr>
-          <p:cNvPr id="5" name="Rectángulo 4"/>
+          <a:p>
+            <a:pPr marL="914400" lvl="2" indent="0">
+              <a:buNone/>
+            </a:pPr>
+            <a:r>
+              <a:rPr lang="es-MX" b="1" dirty="0" smtClean="0"/>
+              <a:t>	Validez predictiva: </a:t>
+            </a:r>
+            <a:r>
+              <a:rPr lang="es-MX" dirty="0" smtClean="0"/>
+              <a:t>Cuando se utiliza una de las dos medidas para intentar 				  predecir lo que se obtendrá en la segunda</a:t>
+            </a:r>
+            <a:endParaRPr lang="es-MX" dirty="0"/>
+          </a:p>
+        </p:txBody>
+      </p:sp>
+      <p:sp>
+        <p:nvSpPr>
+          <p:cNvPr id="4" name="Rectángulo 3"/>
           <p:cNvSpPr/>
           <p:nvPr/>
         </p:nvSpPr>
@@ -8080,7 +7881,7 @@
       </p:sp>
       <p:sp>
         <p:nvSpPr>
-          <p:cNvPr id="6" name="Rectángulo 5"/>
+          <p:cNvPr id="5" name="Rectángulo 4"/>
           <p:cNvSpPr/>
           <p:nvPr/>
         </p:nvSpPr>
@@ -8128,50 +7929,10 @@
           </a:p>
         </p:txBody>
       </p:sp>
-      <p:sp>
-        <p:nvSpPr>
-          <p:cNvPr id="7" name="6 Rectángulo"/>
-          <p:cNvSpPr/>
-          <p:nvPr/>
-        </p:nvSpPr>
-        <p:spPr>
-          <a:xfrm>
-            <a:off x="290946" y="1330036"/>
-            <a:ext cx="3834246" cy="4686300"/>
-          </a:xfrm>
-          <a:prstGeom prst="rect">
-            <a:avLst/>
-          </a:prstGeom>
-        </p:spPr>
-        <p:style>
-          <a:lnRef idx="2">
-            <a:schemeClr val="accent1">
-              <a:shade val="50000"/>
-            </a:schemeClr>
-          </a:lnRef>
-          <a:fillRef idx="1">
-            <a:schemeClr val="accent1"/>
-          </a:fillRef>
-          <a:effectRef idx="0">
-            <a:schemeClr val="accent1"/>
-          </a:effectRef>
-          <a:fontRef idx="minor">
-            <a:schemeClr val="lt1"/>
-          </a:fontRef>
-        </p:style>
-        <p:txBody>
-          <a:bodyPr rtlCol="0" anchor="ctr"/>
-          <a:lstStyle/>
-          <a:p>
-            <a:pPr algn="ctr"/>
-            <a:endParaRPr lang="es-MX"/>
-          </a:p>
-        </p:txBody>
-      </p:sp>
     </p:spTree>
     <p:extLst>
       <p:ext uri="{BB962C8B-B14F-4D97-AF65-F5344CB8AC3E}">
-        <p14:creationId xmlns:p14="http://schemas.microsoft.com/office/powerpoint/2010/main" val="2342813547"/>
+        <p14:creationId xmlns:p14="http://schemas.microsoft.com/office/powerpoint/2010/main" val="2436930829"/>
       </p:ext>
     </p:extLst>
   </p:cSld>
@@ -8215,66 +7976,106 @@
           <a:p>
             <a:r>
               <a:rPr lang="es-MX" b="1" dirty="0" smtClean="0"/>
+              <a:t>Acerca de la Validez</a:t>
+            </a:r>
+            <a:endParaRPr lang="es-MX" b="1" dirty="0"/>
+          </a:p>
+        </p:txBody>
+      </p:sp>
+      <p:sp>
+        <p:nvSpPr>
+          <p:cNvPr id="3" name="Marcador de contenido 2"/>
+          <p:cNvSpPr>
+            <a:spLocks noGrp="1"/>
+          </p:cNvSpPr>
+          <p:nvPr>
+            <p:ph idx="1"/>
+          </p:nvPr>
+        </p:nvSpPr>
+        <p:spPr/>
+        <p:txBody>
+          <a:bodyPr>
+            <a:normAutofit/>
+          </a:bodyPr>
+          <a:lstStyle/>
+          <a:p>
+            <a:r>
+              <a:rPr lang="es-MX" b="1" dirty="0"/>
+              <a:t>Tipos de </a:t>
+            </a:r>
+            <a:r>
+              <a:rPr lang="es-MX" b="1" dirty="0" smtClean="0"/>
+              <a:t>validez</a:t>
+            </a:r>
+          </a:p>
+          <a:p>
+            <a:endParaRPr lang="es-MX" b="1" dirty="0" smtClean="0"/>
+          </a:p>
+          <a:p>
+            <a:pPr lvl="1"/>
+            <a:r>
+              <a:rPr lang="es-MX" b="1" dirty="0" smtClean="0"/>
               <a:t>Validez </a:t>
             </a:r>
             <a:r>
+              <a:rPr lang="es-MX" b="1" dirty="0"/>
+              <a:t>de criterio </a:t>
+            </a:r>
+            <a:endParaRPr lang="es-MX" b="1" dirty="0" smtClean="0"/>
+          </a:p>
+          <a:p>
+            <a:pPr marL="457200" lvl="1" indent="0">
+              <a:buNone/>
+            </a:pPr>
+            <a:r>
               <a:rPr lang="es-MX" dirty="0" smtClean="0"/>
-              <a:t>y </a:t>
+              <a:t>	Se refiere a la </a:t>
             </a:r>
             <a:r>
               <a:rPr lang="es-MX" b="1" dirty="0" smtClean="0"/>
-              <a:t>Confiabilidad, un ejemplo didáctico:</a:t>
-            </a:r>
-            <a:endParaRPr lang="es-MX" b="1" dirty="0"/>
-          </a:p>
-        </p:txBody>
-      </p:sp>
-      <p:sp>
-        <p:nvSpPr>
-          <p:cNvPr id="3" name="Marcador de contenido 2"/>
-          <p:cNvSpPr>
-            <a:spLocks noGrp="1"/>
-          </p:cNvSpPr>
-          <p:nvPr>
-            <p:ph idx="1"/>
-          </p:nvPr>
-        </p:nvSpPr>
-        <p:spPr/>
-        <p:txBody>
-          <a:bodyPr/>
-          <a:lstStyle/>
-          <a:p>
-            <a:endParaRPr lang="es-MX"/>
-          </a:p>
-        </p:txBody>
-      </p:sp>
-      <p:pic>
-        <p:nvPicPr>
-          <p:cNvPr id="4" name="Imagen 3"/>
-          <p:cNvPicPr>
-            <a:picLocks noChangeAspect="1"/>
-          </p:cNvPicPr>
-          <p:nvPr/>
-        </p:nvPicPr>
-        <p:blipFill>
-          <a:blip r:embed="rId2"/>
-          <a:stretch>
-            <a:fillRect/>
-          </a:stretch>
-        </p:blipFill>
-        <p:spPr>
-          <a:xfrm>
-            <a:off x="533400" y="1825625"/>
-            <a:ext cx="11125200" cy="3933825"/>
-          </a:xfrm>
-          <a:prstGeom prst="rect">
-            <a:avLst/>
-          </a:prstGeom>
-        </p:spPr>
-      </p:pic>
-      <p:sp>
-        <p:nvSpPr>
-          <p:cNvPr id="5" name="Rectángulo 4"/>
+              <a:t>correspondencia</a:t>
+            </a:r>
+            <a:r>
+              <a:rPr lang="es-MX" dirty="0" smtClean="0"/>
+              <a:t> entre lo que mi instrumento de 	medición 	mide, y </a:t>
+            </a:r>
+            <a:r>
+              <a:rPr lang="es-MX" b="1" dirty="0" smtClean="0"/>
+              <a:t>lo que la teoría </a:t>
+            </a:r>
+            <a:r>
+              <a:rPr lang="es-MX" dirty="0" smtClean="0"/>
+              <a:t>dice que debería medir</a:t>
+            </a:r>
+          </a:p>
+          <a:p>
+            <a:pPr marL="0" indent="0">
+              <a:buNone/>
+            </a:pPr>
+            <a:endParaRPr lang="es-MX" b="1" dirty="0" smtClean="0"/>
+          </a:p>
+          <a:p>
+            <a:pPr lvl="1"/>
+            <a:r>
+              <a:rPr lang="es-MX" b="1" dirty="0" smtClean="0"/>
+              <a:t>Por ejemplo:</a:t>
+            </a:r>
+          </a:p>
+          <a:p>
+            <a:pPr marL="914400" lvl="2" indent="0">
+              <a:buNone/>
+            </a:pPr>
+            <a:r>
+              <a:rPr lang="es-MX" dirty="0" smtClean="0"/>
+              <a:t>¡¡¡Usar el número de premios Nobel ganados por cada 10 millones de habitantes para evaluar la inteligencia de las personas!!!</a:t>
+            </a:r>
+            <a:endParaRPr lang="es-MX" dirty="0"/>
+          </a:p>
+        </p:txBody>
+      </p:sp>
+      <p:sp>
+        <p:nvSpPr>
+          <p:cNvPr id="4" name="Rectángulo 3"/>
           <p:cNvSpPr/>
           <p:nvPr/>
         </p:nvSpPr>
@@ -8324,7 +8125,7 @@
       </p:sp>
       <p:sp>
         <p:nvSpPr>
-          <p:cNvPr id="6" name="Rectángulo 5"/>
+          <p:cNvPr id="5" name="Rectángulo 4"/>
           <p:cNvSpPr/>
           <p:nvPr/>
         </p:nvSpPr>
@@ -8375,7 +8176,7 @@
     </p:spTree>
     <p:extLst>
       <p:ext uri="{BB962C8B-B14F-4D97-AF65-F5344CB8AC3E}">
-        <p14:creationId xmlns:p14="http://schemas.microsoft.com/office/powerpoint/2010/main" val="2342813547"/>
+        <p14:creationId xmlns:p14="http://schemas.microsoft.com/office/powerpoint/2010/main" val="3460953812"/>
       </p:ext>
     </p:extLst>
   </p:cSld>
@@ -8419,7 +8220,7 @@
           <a:p>
             <a:r>
               <a:rPr lang="es-MX" b="1" dirty="0" smtClean="0"/>
-              <a:t>Acerca de la Objetividad</a:t>
+              <a:t>Acerca de la Validez</a:t>
             </a:r>
             <a:endParaRPr lang="es-MX" b="1" dirty="0"/>
           </a:p>
@@ -8443,72 +8244,63 @@
           <a:lstStyle/>
           <a:p>
             <a:r>
+              <a:rPr lang="es-MX" b="1" dirty="0"/>
+              <a:t>Tipos de </a:t>
+            </a:r>
+            <a:r>
               <a:rPr lang="es-MX" b="1" dirty="0" smtClean="0"/>
-              <a:t>Definición:</a:t>
-            </a:r>
-          </a:p>
-          <a:p>
-            <a:pPr marL="457200" lvl="1" indent="0">
+              <a:t>validez</a:t>
+            </a:r>
+          </a:p>
+          <a:p>
+            <a:endParaRPr lang="es-MX" b="1" dirty="0" smtClean="0"/>
+          </a:p>
+          <a:p>
+            <a:pPr lvl="1"/>
+            <a:r>
+              <a:rPr lang="es-MX" b="1" dirty="0" smtClean="0"/>
+              <a:t>Validez ecológica</a:t>
+            </a:r>
+          </a:p>
+          <a:p>
+            <a:pPr marL="0" indent="0">
               <a:buNone/>
             </a:pPr>
             <a:r>
+              <a:rPr lang="es-MX" b="1" dirty="0" smtClean="0"/>
+              <a:t>	</a:t>
+            </a:r>
+            <a:r>
               <a:rPr lang="es-MX" dirty="0" smtClean="0"/>
-              <a:t>Implica el grado en que nuestro instrumento está libre de </a:t>
+              <a:t>El grado en que el instrumento de medida que estoy utilizando 	se adecúa al contexto en que la estoy aplicando</a:t>
             </a:r>
             <a:r>
               <a:rPr lang="es-MX" b="1" dirty="0" smtClean="0"/>
-              <a:t>sesgos </a:t>
-            </a:r>
-          </a:p>
-          <a:p>
-            <a:pPr marL="457200" lvl="1" indent="0">
+              <a:t>	</a:t>
+            </a:r>
+          </a:p>
+          <a:p>
+            <a:pPr marL="0" indent="0">
               <a:buNone/>
             </a:pPr>
-            <a:endParaRPr lang="es-MX" b="1" dirty="0"/>
-          </a:p>
-          <a:p>
-            <a:pPr marL="457200" lvl="1" indent="0">
-              <a:buNone/>
-            </a:pPr>
+            <a:endParaRPr lang="es-MX" b="1" dirty="0" smtClean="0"/>
+          </a:p>
+          <a:p>
+            <a:pPr lvl="1"/>
             <a:r>
               <a:rPr lang="es-MX" b="1" dirty="0" smtClean="0"/>
               <a:t>Por ejemplo:</a:t>
             </a:r>
           </a:p>
           <a:p>
-            <a:pPr lvl="1"/>
+            <a:pPr marL="914400" lvl="2" indent="0">
+              <a:buNone/>
+            </a:pPr>
             <a:r>
               <a:rPr lang="es-MX" dirty="0" smtClean="0"/>
-              <a:t>Tener cuidado con la </a:t>
-            </a:r>
-            <a:r>
-              <a:rPr lang="es-MX" b="1" dirty="0" smtClean="0"/>
-              <a:t>“deseabilidad social”</a:t>
-            </a:r>
-          </a:p>
-          <a:p>
-            <a:pPr lvl="1"/>
-            <a:r>
-              <a:rPr lang="es-MX" dirty="0" smtClean="0"/>
-              <a:t>Tener cuidado con la redacción de mi instrumento</a:t>
+              <a:t>Aplicación de cuestionarios extranjeros.</a:t>
             </a:r>
             <a:endParaRPr lang="es-MX" dirty="0"/>
-          </a:p>
-          <a:p>
-            <a:endParaRPr lang="es-MX" b="1" dirty="0" smtClean="0"/>
-          </a:p>
-          <a:p>
-            <a:r>
-              <a:rPr lang="es-MX" b="1" dirty="0" smtClean="0"/>
-              <a:t>¿Cómo se evalúa?</a:t>
-            </a:r>
-          </a:p>
-          <a:p>
-            <a:pPr lvl="1"/>
-            <a:r>
-              <a:rPr lang="es-MX" dirty="0" smtClean="0"/>
-              <a:t>Observando los patrones de respuesta</a:t>
-            </a:r>
           </a:p>
         </p:txBody>
       </p:sp>
@@ -8615,7 +8407,7 @@
     </p:spTree>
     <p:extLst>
       <p:ext uri="{BB962C8B-B14F-4D97-AF65-F5344CB8AC3E}">
-        <p14:creationId xmlns:p14="http://schemas.microsoft.com/office/powerpoint/2010/main" val="3618266981"/>
+        <p14:creationId xmlns:p14="http://schemas.microsoft.com/office/powerpoint/2010/main" val="3107307027"/>
       </p:ext>
     </p:extLst>
   </p:cSld>
@@ -8644,7 +8436,7 @@
       </p:grpSpPr>
       <p:sp>
         <p:nvSpPr>
-          <p:cNvPr id="2" name="Título 1"/>
+          <p:cNvPr id="2" name="1 Título"/>
           <p:cNvSpPr>
             <a:spLocks noGrp="1"/>
           </p:cNvSpPr>
@@ -8659,7 +8451,7 @@
           <a:p>
             <a:r>
               <a:rPr lang="es-MX" b="1" dirty="0" smtClean="0"/>
-              <a:t>Procedimiento general</a:t>
+              <a:t>Ejercicio en clase: Recolección de datos</a:t>
             </a:r>
             <a:endParaRPr lang="es-MX" b="1" dirty="0"/>
           </a:p>
@@ -8667,107 +8459,7 @@
       </p:sp>
       <p:sp>
         <p:nvSpPr>
-          <p:cNvPr id="4" name="Rectángulo 3"/>
-          <p:cNvSpPr/>
-          <p:nvPr/>
-        </p:nvSpPr>
-        <p:spPr>
-          <a:xfrm>
-            <a:off x="0" y="1"/>
-            <a:ext cx="12192000" cy="304800"/>
-          </a:xfrm>
-          <a:prstGeom prst="rect">
-            <a:avLst/>
-          </a:prstGeom>
-          <a:solidFill>
-            <a:schemeClr val="bg2">
-              <a:lumMod val="10000"/>
-            </a:schemeClr>
-          </a:solidFill>
-          <a:ln>
-            <a:solidFill>
-              <a:schemeClr val="tx1"/>
-            </a:solidFill>
-          </a:ln>
-        </p:spPr>
-        <p:style>
-          <a:lnRef idx="2">
-            <a:schemeClr val="accent1">
-              <a:shade val="50000"/>
-            </a:schemeClr>
-          </a:lnRef>
-          <a:fillRef idx="1">
-            <a:schemeClr val="accent1"/>
-          </a:fillRef>
-          <a:effectRef idx="0">
-            <a:schemeClr val="accent1"/>
-          </a:effectRef>
-          <a:fontRef idx="minor">
-            <a:schemeClr val="lt1"/>
-          </a:fontRef>
-        </p:style>
-        <p:txBody>
-          <a:bodyPr rtlCol="0" anchor="ctr"/>
-          <a:lstStyle/>
-          <a:p>
-            <a:pPr algn="ctr"/>
-            <a:endParaRPr lang="es-MX"/>
-          </a:p>
-        </p:txBody>
-      </p:sp>
-      <p:sp>
-        <p:nvSpPr>
-          <p:cNvPr id="5" name="Rectángulo 4"/>
-          <p:cNvSpPr/>
-          <p:nvPr/>
-        </p:nvSpPr>
-        <p:spPr>
-          <a:xfrm>
-            <a:off x="0" y="6553200"/>
-            <a:ext cx="12192000" cy="304800"/>
-          </a:xfrm>
-          <a:prstGeom prst="rect">
-            <a:avLst/>
-          </a:prstGeom>
-          <a:solidFill>
-            <a:schemeClr val="bg2">
-              <a:lumMod val="10000"/>
-            </a:schemeClr>
-          </a:solidFill>
-          <a:ln>
-            <a:solidFill>
-              <a:schemeClr val="tx1"/>
-            </a:solidFill>
-          </a:ln>
-        </p:spPr>
-        <p:style>
-          <a:lnRef idx="2">
-            <a:schemeClr val="accent1">
-              <a:shade val="50000"/>
-            </a:schemeClr>
-          </a:lnRef>
-          <a:fillRef idx="1">
-            <a:schemeClr val="accent1"/>
-          </a:fillRef>
-          <a:effectRef idx="0">
-            <a:schemeClr val="accent1"/>
-          </a:effectRef>
-          <a:fontRef idx="minor">
-            <a:schemeClr val="lt1"/>
-          </a:fontRef>
-        </p:style>
-        <p:txBody>
-          <a:bodyPr rtlCol="0" anchor="ctr"/>
-          <a:lstStyle/>
-          <a:p>
-            <a:pPr algn="ctr"/>
-            <a:endParaRPr lang="es-MX"/>
-          </a:p>
-        </p:txBody>
-      </p:sp>
-      <p:sp>
-        <p:nvSpPr>
-          <p:cNvPr id="6" name="Marcador de contenido 5"/>
+          <p:cNvPr id="3" name="2 Marcador de contenido"/>
           <p:cNvSpPr>
             <a:spLocks noGrp="1"/>
           </p:cNvSpPr>
@@ -8780,349 +8472,46 @@
           <a:bodyPr/>
           <a:lstStyle/>
           <a:p>
-            <a:endParaRPr lang="es-MX" dirty="0" smtClean="0"/>
-          </a:p>
-          <a:p>
+            <a:r>
+              <a:rPr lang="es-MX" dirty="0" smtClean="0"/>
+              <a:t>Hoja de papel.</a:t>
+            </a:r>
+          </a:p>
+          <a:p>
+            <a:pPr lvl="1"/>
+            <a:r>
+              <a:rPr lang="es-MX" dirty="0" smtClean="0"/>
+              <a:t>Nombre</a:t>
+            </a:r>
+          </a:p>
+          <a:p>
+            <a:pPr lvl="1"/>
+            <a:r>
+              <a:rPr lang="es-MX" dirty="0" smtClean="0"/>
+              <a:t>Grupo</a:t>
+            </a:r>
+          </a:p>
+          <a:p>
+            <a:pPr lvl="1"/>
+            <a:r>
+              <a:rPr lang="es-MX" dirty="0" smtClean="0"/>
+              <a:t>Edad</a:t>
+            </a:r>
+          </a:p>
+          <a:p>
+            <a:pPr lvl="1"/>
+            <a:r>
+              <a:rPr lang="es-MX" dirty="0" smtClean="0"/>
+              <a:t>Promedio global</a:t>
+            </a:r>
             <a:endParaRPr lang="es-MX" dirty="0"/>
-          </a:p>
-        </p:txBody>
-      </p:sp>
-      <p:sp>
-        <p:nvSpPr>
-          <p:cNvPr id="7" name="Rectángulo redondeado 6"/>
-          <p:cNvSpPr/>
-          <p:nvPr/>
-        </p:nvSpPr>
-        <p:spPr>
-          <a:xfrm>
-            <a:off x="279400" y="2514600"/>
-            <a:ext cx="2201333" cy="1913467"/>
-          </a:xfrm>
-          <a:prstGeom prst="roundRect">
-            <a:avLst/>
-          </a:prstGeom>
-        </p:spPr>
-        <p:style>
-          <a:lnRef idx="0">
-            <a:schemeClr val="accent3"/>
-          </a:lnRef>
-          <a:fillRef idx="3">
-            <a:schemeClr val="accent3"/>
-          </a:fillRef>
-          <a:effectRef idx="3">
-            <a:schemeClr val="accent3"/>
-          </a:effectRef>
-          <a:fontRef idx="minor">
-            <a:schemeClr val="lt1"/>
-          </a:fontRef>
-        </p:style>
-        <p:txBody>
-          <a:bodyPr rtlCol="0" anchor="ctr"/>
-          <a:lstStyle/>
-          <a:p>
-            <a:pPr algn="ctr"/>
-            <a:r>
-              <a:rPr lang="es-MX" dirty="0" smtClean="0"/>
-              <a:t>Definimos nuestro </a:t>
-            </a:r>
-            <a:r>
-              <a:rPr lang="es-MX" b="1" dirty="0" smtClean="0"/>
-              <a:t>Método</a:t>
-            </a:r>
-            <a:endParaRPr lang="es-MX" b="1" dirty="0"/>
-          </a:p>
-        </p:txBody>
-      </p:sp>
-      <p:sp>
-        <p:nvSpPr>
-          <p:cNvPr id="8" name="Rectángulo redondeado 7"/>
-          <p:cNvSpPr/>
-          <p:nvPr/>
-        </p:nvSpPr>
-        <p:spPr>
-          <a:xfrm>
-            <a:off x="2692400" y="2514599"/>
-            <a:ext cx="2997200" cy="1913467"/>
-          </a:xfrm>
-          <a:prstGeom prst="roundRect">
-            <a:avLst/>
-          </a:prstGeom>
-        </p:spPr>
-        <p:style>
-          <a:lnRef idx="1">
-            <a:schemeClr val="dk1"/>
-          </a:lnRef>
-          <a:fillRef idx="2">
-            <a:schemeClr val="dk1"/>
-          </a:fillRef>
-          <a:effectRef idx="1">
-            <a:schemeClr val="dk1"/>
-          </a:effectRef>
-          <a:fontRef idx="minor">
-            <a:schemeClr val="dk1"/>
-          </a:fontRef>
-        </p:style>
-        <p:txBody>
-          <a:bodyPr rtlCol="0" anchor="ctr"/>
-          <a:lstStyle/>
-          <a:p>
-            <a:pPr algn="ctr"/>
-            <a:r>
-              <a:rPr lang="es-MX" b="1" dirty="0" smtClean="0"/>
-              <a:t>Medimos y registramos </a:t>
-            </a:r>
-            <a:r>
-              <a:rPr lang="es-MX" dirty="0" smtClean="0"/>
-              <a:t>los valores de las variables de estudio</a:t>
-            </a:r>
-            <a:endParaRPr lang="es-MX" dirty="0"/>
-          </a:p>
-        </p:txBody>
-      </p:sp>
-      <p:sp>
-        <p:nvSpPr>
-          <p:cNvPr id="9" name="Rectángulo redondeado 8"/>
-          <p:cNvSpPr/>
-          <p:nvPr/>
-        </p:nvSpPr>
-        <p:spPr>
-          <a:xfrm>
-            <a:off x="5901267" y="2514599"/>
-            <a:ext cx="2921000" cy="1913467"/>
-          </a:xfrm>
-          <a:prstGeom prst="roundRect">
-            <a:avLst/>
-          </a:prstGeom>
-        </p:spPr>
-        <p:style>
-          <a:lnRef idx="1">
-            <a:schemeClr val="dk1"/>
-          </a:lnRef>
-          <a:fillRef idx="2">
-            <a:schemeClr val="dk1"/>
-          </a:fillRef>
-          <a:effectRef idx="1">
-            <a:schemeClr val="dk1"/>
-          </a:effectRef>
-          <a:fontRef idx="minor">
-            <a:schemeClr val="dk1"/>
-          </a:fontRef>
-        </p:style>
-        <p:txBody>
-          <a:bodyPr rtlCol="0" anchor="ctr"/>
-          <a:lstStyle/>
-          <a:p>
-            <a:pPr algn="ctr"/>
-            <a:r>
-              <a:rPr lang="es-MX" dirty="0" smtClean="0"/>
-              <a:t>Se </a:t>
-            </a:r>
-            <a:r>
-              <a:rPr lang="es-MX" b="1" dirty="0" smtClean="0"/>
-              <a:t>analizan</a:t>
-            </a:r>
-            <a:r>
-              <a:rPr lang="es-MX" dirty="0" smtClean="0"/>
-              <a:t> los datos</a:t>
-            </a:r>
-            <a:endParaRPr lang="es-MX" dirty="0"/>
-          </a:p>
-        </p:txBody>
-      </p:sp>
-      <p:sp>
-        <p:nvSpPr>
-          <p:cNvPr id="10" name="Rectángulo redondeado 9"/>
-          <p:cNvSpPr/>
-          <p:nvPr/>
-        </p:nvSpPr>
-        <p:spPr>
-          <a:xfrm>
-            <a:off x="9186333" y="2514598"/>
-            <a:ext cx="2921000" cy="1913467"/>
-          </a:xfrm>
-          <a:prstGeom prst="roundRect">
-            <a:avLst/>
-          </a:prstGeom>
-        </p:spPr>
-        <p:style>
-          <a:lnRef idx="1">
-            <a:schemeClr val="dk1"/>
-          </a:lnRef>
-          <a:fillRef idx="3">
-            <a:schemeClr val="dk1"/>
-          </a:fillRef>
-          <a:effectRef idx="2">
-            <a:schemeClr val="dk1"/>
-          </a:effectRef>
-          <a:fontRef idx="minor">
-            <a:schemeClr val="lt1"/>
-          </a:fontRef>
-        </p:style>
-        <p:txBody>
-          <a:bodyPr rtlCol="0" anchor="ctr"/>
-          <a:lstStyle/>
-          <a:p>
-            <a:pPr algn="ctr"/>
-            <a:r>
-              <a:rPr lang="es-MX" dirty="0" smtClean="0"/>
-              <a:t>Se abstraen</a:t>
-            </a:r>
-            <a:r>
-              <a:rPr lang="es-MX" b="1" dirty="0" smtClean="0"/>
-              <a:t> conclusiones</a:t>
-            </a:r>
-            <a:endParaRPr lang="es-MX" b="1" dirty="0"/>
-          </a:p>
-        </p:txBody>
-      </p:sp>
-      <p:sp>
-        <p:nvSpPr>
-          <p:cNvPr id="11" name="Flecha derecha 10"/>
-          <p:cNvSpPr/>
-          <p:nvPr/>
-        </p:nvSpPr>
-        <p:spPr>
-          <a:xfrm>
-            <a:off x="2383367" y="3061494"/>
-            <a:ext cx="406400" cy="939800"/>
-          </a:xfrm>
-          <a:prstGeom prst="rightArrow">
-            <a:avLst/>
-          </a:prstGeom>
-          <a:solidFill>
-            <a:schemeClr val="bg1"/>
-          </a:solidFill>
-          <a:ln w="76200">
-            <a:solidFill>
-              <a:schemeClr val="tx1"/>
-            </a:solidFill>
-          </a:ln>
-        </p:spPr>
-        <p:style>
-          <a:lnRef idx="2">
-            <a:schemeClr val="accent3">
-              <a:shade val="50000"/>
-            </a:schemeClr>
-          </a:lnRef>
-          <a:fillRef idx="1">
-            <a:schemeClr val="accent3"/>
-          </a:fillRef>
-          <a:effectRef idx="0">
-            <a:schemeClr val="accent3"/>
-          </a:effectRef>
-          <a:fontRef idx="minor">
-            <a:schemeClr val="lt1"/>
-          </a:fontRef>
-        </p:style>
-        <p:txBody>
-          <a:bodyPr rtlCol="0" anchor="ctr"/>
-          <a:lstStyle/>
-          <a:p>
-            <a:pPr algn="ctr"/>
-            <a:endParaRPr lang="es-MX"/>
-          </a:p>
-        </p:txBody>
-      </p:sp>
-      <p:sp>
-        <p:nvSpPr>
-          <p:cNvPr id="12" name="Flecha derecha 11"/>
-          <p:cNvSpPr/>
-          <p:nvPr/>
-        </p:nvSpPr>
-        <p:spPr>
-          <a:xfrm>
-            <a:off x="5630333" y="3004080"/>
-            <a:ext cx="406400" cy="939800"/>
-          </a:xfrm>
-          <a:prstGeom prst="rightArrow">
-            <a:avLst/>
-          </a:prstGeom>
-          <a:solidFill>
-            <a:schemeClr val="bg1"/>
-          </a:solidFill>
-          <a:ln w="76200">
-            <a:solidFill>
-              <a:schemeClr val="tx1"/>
-            </a:solidFill>
-          </a:ln>
-        </p:spPr>
-        <p:style>
-          <a:lnRef idx="2">
-            <a:schemeClr val="accent3">
-              <a:shade val="50000"/>
-            </a:schemeClr>
-          </a:lnRef>
-          <a:fillRef idx="1">
-            <a:schemeClr val="accent3"/>
-          </a:fillRef>
-          <a:effectRef idx="0">
-            <a:schemeClr val="accent3"/>
-          </a:effectRef>
-          <a:fontRef idx="minor">
-            <a:schemeClr val="lt1"/>
-          </a:fontRef>
-        </p:style>
-        <p:txBody>
-          <a:bodyPr rtlCol="0" anchor="ctr"/>
-          <a:lstStyle/>
-          <a:p>
-            <a:pPr algn="ctr"/>
-            <a:endParaRPr lang="es-MX"/>
-          </a:p>
-        </p:txBody>
-      </p:sp>
-      <p:sp>
-        <p:nvSpPr>
-          <p:cNvPr id="13" name="Flecha derecha 12"/>
-          <p:cNvSpPr/>
-          <p:nvPr/>
-        </p:nvSpPr>
-        <p:spPr>
-          <a:xfrm>
-            <a:off x="8830734" y="3072607"/>
-            <a:ext cx="406400" cy="939800"/>
-          </a:xfrm>
-          <a:prstGeom prst="rightArrow">
-            <a:avLst/>
-          </a:prstGeom>
-          <a:solidFill>
-            <a:schemeClr val="bg1"/>
-          </a:solidFill>
-          <a:ln w="76200">
-            <a:solidFill>
-              <a:schemeClr val="tx1"/>
-            </a:solidFill>
-          </a:ln>
-        </p:spPr>
-        <p:style>
-          <a:lnRef idx="2">
-            <a:schemeClr val="accent3">
-              <a:shade val="50000"/>
-            </a:schemeClr>
-          </a:lnRef>
-          <a:fillRef idx="1">
-            <a:schemeClr val="accent3"/>
-          </a:fillRef>
-          <a:effectRef idx="0">
-            <a:schemeClr val="accent3"/>
-          </a:effectRef>
-          <a:fontRef idx="minor">
-            <a:schemeClr val="lt1"/>
-          </a:fontRef>
-        </p:style>
-        <p:txBody>
-          <a:bodyPr rtlCol="0" anchor="ctr"/>
-          <a:lstStyle/>
-          <a:p>
-            <a:pPr algn="ctr"/>
-            <a:endParaRPr lang="es-MX"/>
           </a:p>
         </p:txBody>
       </p:sp>
     </p:spTree>
     <p:extLst>
       <p:ext uri="{BB962C8B-B14F-4D97-AF65-F5344CB8AC3E}">
-        <p14:creationId xmlns:p14="http://schemas.microsoft.com/office/powerpoint/2010/main" val="1748566639"/>
+        <p14:creationId xmlns:p14="http://schemas.microsoft.com/office/powerpoint/2010/main" val="1258999093"/>
       </p:ext>
     </p:extLst>
   </p:cSld>
@@ -9165,10 +8554,18 @@
           <a:lstStyle/>
           <a:p>
             <a:r>
-              <a:rPr lang="es-MX" b="1" u="sng" dirty="0" smtClean="0"/>
-              <a:t>Instrumento de medición</a:t>
-            </a:r>
-            <a:endParaRPr lang="es-MX" b="1" u="sng" dirty="0"/>
+              <a:rPr lang="es-MX" b="1" dirty="0" smtClean="0"/>
+              <a:t>Validez </a:t>
+            </a:r>
+            <a:r>
+              <a:rPr lang="es-MX" dirty="0" smtClean="0"/>
+              <a:t>y </a:t>
+            </a:r>
+            <a:r>
+              <a:rPr lang="es-MX" b="1" dirty="0" smtClean="0"/>
+              <a:t>Confiabilidad, un ejemplo didáctico:</a:t>
+            </a:r>
+            <a:endParaRPr lang="es-MX" b="1" dirty="0"/>
           </a:p>
         </p:txBody>
       </p:sp>
@@ -9187,97 +8584,37 @@
           <a:bodyPr/>
           <a:lstStyle/>
           <a:p>
-            <a:r>
-              <a:rPr lang="es-MX" dirty="0" smtClean="0"/>
-              <a:t>Debe ser </a:t>
-            </a:r>
-            <a:r>
-              <a:rPr lang="es-MX" b="1" dirty="0" smtClean="0"/>
-              <a:t>confiable</a:t>
-            </a:r>
-          </a:p>
-          <a:p>
-            <a:pPr marL="0" indent="0">
-              <a:buNone/>
-            </a:pPr>
-            <a:r>
-              <a:rPr lang="es-ES" b="1" dirty="0" smtClean="0"/>
-              <a:t>	</a:t>
-            </a:r>
-            <a:r>
-              <a:rPr lang="es-ES" dirty="0" smtClean="0"/>
-              <a:t>Debe ser replicable en el tiempo y entre aplicadores</a:t>
-            </a:r>
-            <a:endParaRPr lang="es-MX" b="1" dirty="0"/>
-          </a:p>
-          <a:p>
-            <a:endParaRPr lang="es-MX" b="1" dirty="0" smtClean="0"/>
-          </a:p>
-          <a:p>
-            <a:r>
-              <a:rPr lang="es-MX" dirty="0" smtClean="0"/>
-              <a:t>Debe tener </a:t>
-            </a:r>
-            <a:r>
-              <a:rPr lang="es-MX" b="1" dirty="0" smtClean="0"/>
-              <a:t>validez</a:t>
-            </a:r>
-          </a:p>
-          <a:p>
-            <a:pPr marL="0" indent="0">
-              <a:buNone/>
-            </a:pPr>
-            <a:r>
-              <a:rPr lang="es-ES" b="1" dirty="0" smtClean="0"/>
-              <a:t>	</a:t>
-            </a:r>
-            <a:r>
-              <a:rPr lang="es-ES" dirty="0"/>
-              <a:t>¡</a:t>
-            </a:r>
-            <a:r>
-              <a:rPr lang="es-ES" dirty="0" smtClean="0"/>
-              <a:t>Debe medir lo que interesa medir!</a:t>
-            </a:r>
-            <a:endParaRPr lang="es-MX" b="1" dirty="0" smtClean="0"/>
-          </a:p>
-          <a:p>
-            <a:endParaRPr lang="es-MX" b="1" dirty="0"/>
-          </a:p>
-          <a:p>
-            <a:r>
-              <a:rPr lang="es-MX" dirty="0" smtClean="0"/>
-              <a:t>Debe ser </a:t>
-            </a:r>
-            <a:r>
-              <a:rPr lang="es-MX" b="1" dirty="0" smtClean="0"/>
-              <a:t>objetivo</a:t>
-            </a:r>
-            <a:r>
-              <a:rPr lang="es-MX" dirty="0" smtClean="0"/>
-              <a:t> </a:t>
-            </a:r>
-            <a:endParaRPr lang="es-MX" dirty="0" smtClean="0"/>
-          </a:p>
-          <a:p>
-            <a:pPr marL="0" indent="0">
-              <a:buNone/>
-            </a:pPr>
-            <a:r>
-              <a:rPr lang="es-ES" dirty="0"/>
-              <a:t>	</a:t>
-            </a:r>
-            <a:r>
-              <a:rPr lang="es-ES" dirty="0" smtClean="0"/>
-              <a:t>Debe representar la realidad de la manera más pura posible</a:t>
-            </a:r>
-            <a:endParaRPr lang="es-MX" dirty="0" smtClean="0"/>
-          </a:p>
-        </p:txBody>
-      </p:sp>
-      <p:sp>
-        <p:nvSpPr>
-          <p:cNvPr id="4" name="Rectángulo 3"/>
+            <a:endParaRPr lang="es-MX"/>
+          </a:p>
+        </p:txBody>
+      </p:sp>
+      <p:pic>
+        <p:nvPicPr>
+          <p:cNvPr id="4" name="Imagen 3"/>
+          <p:cNvPicPr>
+            <a:picLocks noChangeAspect="1"/>
+          </p:cNvPicPr>
+          <p:nvPr/>
+        </p:nvPicPr>
+        <p:blipFill>
+          <a:blip r:embed="rId2"/>
+          <a:stretch>
+            <a:fillRect/>
+          </a:stretch>
+        </p:blipFill>
+        <p:spPr>
+          <a:xfrm>
+            <a:off x="533400" y="1825625"/>
+            <a:ext cx="11125200" cy="3933825"/>
+          </a:xfrm>
+          <a:prstGeom prst="rect">
+            <a:avLst/>
+          </a:prstGeom>
+        </p:spPr>
+      </p:pic>
+      <p:sp>
+        <p:nvSpPr>
+          <p:cNvPr id="5" name="Rectángulo 4"/>
           <p:cNvSpPr/>
           <p:nvPr/>
         </p:nvSpPr>
@@ -9290,8 +8627,8 @@
             <a:avLst/>
           </a:prstGeom>
           <a:solidFill>
-            <a:schemeClr val="bg1">
-              <a:lumMod val="50000"/>
+            <a:schemeClr val="bg2">
+              <a:lumMod val="10000"/>
             </a:schemeClr>
           </a:solidFill>
           <a:ln>
@@ -9327,7 +8664,7 @@
       </p:sp>
       <p:sp>
         <p:nvSpPr>
-          <p:cNvPr id="5" name="Rectángulo 4"/>
+          <p:cNvPr id="6" name="Rectángulo 5"/>
           <p:cNvSpPr/>
           <p:nvPr/>
         </p:nvSpPr>
@@ -9340,8 +8677,8 @@
             <a:avLst/>
           </a:prstGeom>
           <a:solidFill>
-            <a:schemeClr val="bg1">
-              <a:lumMod val="50000"/>
+            <a:schemeClr val="bg2">
+              <a:lumMod val="10000"/>
             </a:schemeClr>
           </a:solidFill>
           <a:ln>
@@ -9375,10 +8712,50 @@
           </a:p>
         </p:txBody>
       </p:sp>
+      <p:sp>
+        <p:nvSpPr>
+          <p:cNvPr id="7" name="6 Rectángulo"/>
+          <p:cNvSpPr/>
+          <p:nvPr/>
+        </p:nvSpPr>
+        <p:spPr>
+          <a:xfrm>
+            <a:off x="290945" y="1330036"/>
+            <a:ext cx="7917873" cy="4686300"/>
+          </a:xfrm>
+          <a:prstGeom prst="rect">
+            <a:avLst/>
+          </a:prstGeom>
+        </p:spPr>
+        <p:style>
+          <a:lnRef idx="2">
+            <a:schemeClr val="accent1">
+              <a:shade val="50000"/>
+            </a:schemeClr>
+          </a:lnRef>
+          <a:fillRef idx="1">
+            <a:schemeClr val="accent1"/>
+          </a:fillRef>
+          <a:effectRef idx="0">
+            <a:schemeClr val="accent1"/>
+          </a:effectRef>
+          <a:fontRef idx="minor">
+            <a:schemeClr val="lt1"/>
+          </a:fontRef>
+        </p:style>
+        <p:txBody>
+          <a:bodyPr rtlCol="0" anchor="ctr"/>
+          <a:lstStyle/>
+          <a:p>
+            <a:pPr algn="ctr"/>
+            <a:endParaRPr lang="es-MX"/>
+          </a:p>
+        </p:txBody>
+      </p:sp>
     </p:spTree>
     <p:extLst>
       <p:ext uri="{BB962C8B-B14F-4D97-AF65-F5344CB8AC3E}">
-        <p14:creationId xmlns:p14="http://schemas.microsoft.com/office/powerpoint/2010/main" val="1477590334"/>
+        <p14:creationId xmlns:p14="http://schemas.microsoft.com/office/powerpoint/2010/main" val="2539068259"/>
       </p:ext>
     </p:extLst>
   </p:cSld>
@@ -9415,33 +8792,30 @@
             <p:ph type="title"/>
           </p:nvPr>
         </p:nvSpPr>
-        <p:spPr>
-          <a:xfrm>
-            <a:off x="1337734" y="2634192"/>
-            <a:ext cx="10515600" cy="1325563"/>
-          </a:xfrm>
-        </p:spPr>
-        <p:txBody>
-          <a:bodyPr>
-            <a:noAutofit/>
-          </a:bodyPr>
-          <a:lstStyle/>
-          <a:p>
-            <a:r>
-              <a:rPr lang="es-MX" sz="9000" b="1" dirty="0" smtClean="0">
-                <a:latin typeface="AR DARLING" panose="02000000000000000000" pitchFamily="2" charset="0"/>
-              </a:rPr>
-              <a:t>Recolección de Datos</a:t>
-            </a:r>
-            <a:endParaRPr lang="es-MX" sz="9000" b="1" dirty="0">
-              <a:latin typeface="AR DARLING" panose="02000000000000000000" pitchFamily="2" charset="0"/>
-            </a:endParaRPr>
-          </a:p>
-        </p:txBody>
-      </p:sp>
-      <p:sp>
-        <p:nvSpPr>
-          <p:cNvPr id="5" name="Marcador de contenido 4"/>
+        <p:spPr/>
+        <p:txBody>
+          <a:bodyPr/>
+          <a:lstStyle/>
+          <a:p>
+            <a:r>
+              <a:rPr lang="es-MX" b="1" dirty="0" smtClean="0"/>
+              <a:t>Validez </a:t>
+            </a:r>
+            <a:r>
+              <a:rPr lang="es-MX" dirty="0" smtClean="0"/>
+              <a:t>y </a:t>
+            </a:r>
+            <a:r>
+              <a:rPr lang="es-MX" b="1" dirty="0" smtClean="0"/>
+              <a:t>Confiabilidad, un ejemplo didáctico:</a:t>
+            </a:r>
+            <a:endParaRPr lang="es-MX" b="1" dirty="0"/>
+          </a:p>
+        </p:txBody>
+      </p:sp>
+      <p:sp>
+        <p:nvSpPr>
+          <p:cNvPr id="3" name="Marcador de contenido 2"/>
           <p:cNvSpPr>
             <a:spLocks noGrp="1"/>
           </p:cNvSpPr>
@@ -9449,26 +8823,18 @@
             <p:ph idx="1"/>
           </p:nvPr>
         </p:nvSpPr>
-        <p:spPr>
-          <a:xfrm>
-            <a:off x="-327506" y="1715173"/>
-            <a:ext cx="10515600" cy="3415242"/>
-          </a:xfrm>
-        </p:spPr>
+        <p:spPr/>
         <p:txBody>
           <a:bodyPr/>
           <a:lstStyle/>
           <a:p>
-            <a:endParaRPr lang="es-MX" dirty="0" smtClean="0"/>
-          </a:p>
-          <a:p>
-            <a:endParaRPr lang="es-MX" u="sng" dirty="0"/>
+            <a:endParaRPr lang="es-MX"/>
           </a:p>
         </p:txBody>
       </p:sp>
       <p:pic>
         <p:nvPicPr>
-          <p:cNvPr id="6" name="Imagen 5"/>
+          <p:cNvPr id="4" name="Imagen 3"/>
           <p:cNvPicPr>
             <a:picLocks noChangeAspect="1"/>
           </p:cNvPicPr>
@@ -9482,42 +8848,158 @@
         </p:blipFill>
         <p:spPr>
           <a:xfrm>
-            <a:off x="0" y="0"/>
-            <a:ext cx="12192000" cy="1380067"/>
+            <a:off x="533400" y="1825625"/>
+            <a:ext cx="11125200" cy="3933825"/>
           </a:xfrm>
           <a:prstGeom prst="rect">
             <a:avLst/>
           </a:prstGeom>
         </p:spPr>
       </p:pic>
-      <p:pic>
-        <p:nvPicPr>
-          <p:cNvPr id="7" name="Imagen 6"/>
-          <p:cNvPicPr>
-            <a:picLocks noChangeAspect="1"/>
-          </p:cNvPicPr>
+      <p:sp>
+        <p:nvSpPr>
+          <p:cNvPr id="5" name="Rectángulo 4"/>
+          <p:cNvSpPr/>
           <p:nvPr/>
-        </p:nvPicPr>
-        <p:blipFill>
-          <a:blip r:embed="rId2"/>
-          <a:stretch>
-            <a:fillRect/>
-          </a:stretch>
-        </p:blipFill>
-        <p:spPr>
-          <a:xfrm>
-            <a:off x="0" y="5477933"/>
-            <a:ext cx="12192000" cy="1380067"/>
+        </p:nvSpPr>
+        <p:spPr>
+          <a:xfrm>
+            <a:off x="0" y="1"/>
+            <a:ext cx="12192000" cy="304800"/>
           </a:xfrm>
           <a:prstGeom prst="rect">
             <a:avLst/>
           </a:prstGeom>
-        </p:spPr>
-      </p:pic>
+          <a:solidFill>
+            <a:schemeClr val="bg2">
+              <a:lumMod val="10000"/>
+            </a:schemeClr>
+          </a:solidFill>
+          <a:ln>
+            <a:solidFill>
+              <a:schemeClr val="tx1"/>
+            </a:solidFill>
+          </a:ln>
+        </p:spPr>
+        <p:style>
+          <a:lnRef idx="2">
+            <a:schemeClr val="accent1">
+              <a:shade val="50000"/>
+            </a:schemeClr>
+          </a:lnRef>
+          <a:fillRef idx="1">
+            <a:schemeClr val="accent1"/>
+          </a:fillRef>
+          <a:effectRef idx="0">
+            <a:schemeClr val="accent1"/>
+          </a:effectRef>
+          <a:fontRef idx="minor">
+            <a:schemeClr val="lt1"/>
+          </a:fontRef>
+        </p:style>
+        <p:txBody>
+          <a:bodyPr rtlCol="0" anchor="ctr"/>
+          <a:lstStyle/>
+          <a:p>
+            <a:pPr algn="ctr"/>
+            <a:endParaRPr lang="es-MX"/>
+          </a:p>
+        </p:txBody>
+      </p:sp>
+      <p:sp>
+        <p:nvSpPr>
+          <p:cNvPr id="6" name="Rectángulo 5"/>
+          <p:cNvSpPr/>
+          <p:nvPr/>
+        </p:nvSpPr>
+        <p:spPr>
+          <a:xfrm>
+            <a:off x="0" y="6553200"/>
+            <a:ext cx="12192000" cy="304800"/>
+          </a:xfrm>
+          <a:prstGeom prst="rect">
+            <a:avLst/>
+          </a:prstGeom>
+          <a:solidFill>
+            <a:schemeClr val="bg2">
+              <a:lumMod val="10000"/>
+            </a:schemeClr>
+          </a:solidFill>
+          <a:ln>
+            <a:solidFill>
+              <a:schemeClr val="tx1"/>
+            </a:solidFill>
+          </a:ln>
+        </p:spPr>
+        <p:style>
+          <a:lnRef idx="2">
+            <a:schemeClr val="accent1">
+              <a:shade val="50000"/>
+            </a:schemeClr>
+          </a:lnRef>
+          <a:fillRef idx="1">
+            <a:schemeClr val="accent1"/>
+          </a:fillRef>
+          <a:effectRef idx="0">
+            <a:schemeClr val="accent1"/>
+          </a:effectRef>
+          <a:fontRef idx="minor">
+            <a:schemeClr val="lt1"/>
+          </a:fontRef>
+        </p:style>
+        <p:txBody>
+          <a:bodyPr rtlCol="0" anchor="ctr"/>
+          <a:lstStyle/>
+          <a:p>
+            <a:pPr algn="ctr"/>
+            <a:endParaRPr lang="es-MX"/>
+          </a:p>
+        </p:txBody>
+      </p:sp>
+      <p:sp>
+        <p:nvSpPr>
+          <p:cNvPr id="7" name="6 Rectángulo"/>
+          <p:cNvSpPr/>
+          <p:nvPr/>
+        </p:nvSpPr>
+        <p:spPr>
+          <a:xfrm>
+            <a:off x="290946" y="1330036"/>
+            <a:ext cx="3834246" cy="4686300"/>
+          </a:xfrm>
+          <a:prstGeom prst="rect">
+            <a:avLst/>
+          </a:prstGeom>
+        </p:spPr>
+        <p:style>
+          <a:lnRef idx="2">
+            <a:schemeClr val="accent1">
+              <a:shade val="50000"/>
+            </a:schemeClr>
+          </a:lnRef>
+          <a:fillRef idx="1">
+            <a:schemeClr val="accent1"/>
+          </a:fillRef>
+          <a:effectRef idx="0">
+            <a:schemeClr val="accent1"/>
+          </a:effectRef>
+          <a:fontRef idx="minor">
+            <a:schemeClr val="lt1"/>
+          </a:fontRef>
+        </p:style>
+        <p:txBody>
+          <a:bodyPr rtlCol="0" anchor="ctr"/>
+          <a:lstStyle/>
+          <a:p>
+            <a:pPr algn="ctr"/>
+            <a:endParaRPr lang="es-MX"/>
+          </a:p>
+        </p:txBody>
+      </p:sp>
     </p:spTree>
     <p:extLst>
       <p:ext uri="{BB962C8B-B14F-4D97-AF65-F5344CB8AC3E}">
-        <p14:creationId xmlns:p14="http://schemas.microsoft.com/office/powerpoint/2010/main" val="3076514734"/>
+        <p14:creationId xmlns:p14="http://schemas.microsoft.com/office/powerpoint/2010/main" val="2342813547"/>
       </p:ext>
     </p:extLst>
   </p:cSld>
@@ -9554,33 +9036,30 @@
             <p:ph type="title"/>
           </p:nvPr>
         </p:nvSpPr>
-        <p:spPr>
-          <a:xfrm>
-            <a:off x="1337734" y="2634192"/>
-            <a:ext cx="10515600" cy="1325563"/>
-          </a:xfrm>
-        </p:spPr>
-        <p:txBody>
-          <a:bodyPr>
-            <a:noAutofit/>
-          </a:bodyPr>
-          <a:lstStyle/>
-          <a:p>
-            <a:r>
-              <a:rPr lang="es-MX" sz="9000" b="1" dirty="0" smtClean="0">
-                <a:latin typeface="AR DARLING" panose="02000000000000000000" pitchFamily="2" charset="0"/>
-              </a:rPr>
-              <a:t>Introducción al análisis de datos</a:t>
-            </a:r>
-            <a:endParaRPr lang="es-MX" sz="9000" b="1" dirty="0">
-              <a:latin typeface="AR DARLING" panose="02000000000000000000" pitchFamily="2" charset="0"/>
-            </a:endParaRPr>
-          </a:p>
-        </p:txBody>
-      </p:sp>
-      <p:sp>
-        <p:nvSpPr>
-          <p:cNvPr id="5" name="Marcador de contenido 4"/>
+        <p:spPr/>
+        <p:txBody>
+          <a:bodyPr/>
+          <a:lstStyle/>
+          <a:p>
+            <a:r>
+              <a:rPr lang="es-MX" b="1" dirty="0" smtClean="0"/>
+              <a:t>Validez </a:t>
+            </a:r>
+            <a:r>
+              <a:rPr lang="es-MX" dirty="0" smtClean="0"/>
+              <a:t>y </a:t>
+            </a:r>
+            <a:r>
+              <a:rPr lang="es-MX" b="1" dirty="0" smtClean="0"/>
+              <a:t>Confiabilidad, un ejemplo didáctico:</a:t>
+            </a:r>
+            <a:endParaRPr lang="es-MX" b="1" dirty="0"/>
+          </a:p>
+        </p:txBody>
+      </p:sp>
+      <p:sp>
+        <p:nvSpPr>
+          <p:cNvPr id="3" name="Marcador de contenido 2"/>
           <p:cNvSpPr>
             <a:spLocks noGrp="1"/>
           </p:cNvSpPr>
@@ -9588,26 +9067,18 @@
             <p:ph idx="1"/>
           </p:nvPr>
         </p:nvSpPr>
-        <p:spPr>
-          <a:xfrm>
-            <a:off x="-296333" y="1465791"/>
-            <a:ext cx="10515600" cy="3415242"/>
-          </a:xfrm>
-        </p:spPr>
+        <p:spPr/>
         <p:txBody>
           <a:bodyPr/>
           <a:lstStyle/>
           <a:p>
-            <a:endParaRPr lang="es-MX" dirty="0" smtClean="0"/>
-          </a:p>
-          <a:p>
-            <a:endParaRPr lang="es-MX" u="sng" dirty="0"/>
+            <a:endParaRPr lang="es-MX"/>
           </a:p>
         </p:txBody>
       </p:sp>
       <p:pic>
         <p:nvPicPr>
-          <p:cNvPr id="6" name="Imagen 5"/>
+          <p:cNvPr id="4" name="Imagen 3"/>
           <p:cNvPicPr>
             <a:picLocks noChangeAspect="1"/>
           </p:cNvPicPr>
@@ -9621,42 +9092,118 @@
         </p:blipFill>
         <p:spPr>
           <a:xfrm>
-            <a:off x="0" y="0"/>
-            <a:ext cx="12192000" cy="1380067"/>
+            <a:off x="533400" y="1825625"/>
+            <a:ext cx="11125200" cy="3933825"/>
           </a:xfrm>
           <a:prstGeom prst="rect">
             <a:avLst/>
           </a:prstGeom>
         </p:spPr>
       </p:pic>
-      <p:pic>
-        <p:nvPicPr>
-          <p:cNvPr id="7" name="Imagen 6"/>
-          <p:cNvPicPr>
-            <a:picLocks noChangeAspect="1"/>
-          </p:cNvPicPr>
+      <p:sp>
+        <p:nvSpPr>
+          <p:cNvPr id="5" name="Rectángulo 4"/>
+          <p:cNvSpPr/>
           <p:nvPr/>
-        </p:nvPicPr>
-        <p:blipFill>
-          <a:blip r:embed="rId2"/>
-          <a:stretch>
-            <a:fillRect/>
-          </a:stretch>
-        </p:blipFill>
-        <p:spPr>
-          <a:xfrm>
-            <a:off x="0" y="5477933"/>
-            <a:ext cx="12192000" cy="1380067"/>
+        </p:nvSpPr>
+        <p:spPr>
+          <a:xfrm>
+            <a:off x="0" y="1"/>
+            <a:ext cx="12192000" cy="304800"/>
           </a:xfrm>
           <a:prstGeom prst="rect">
             <a:avLst/>
           </a:prstGeom>
-        </p:spPr>
-      </p:pic>
+          <a:solidFill>
+            <a:schemeClr val="bg2">
+              <a:lumMod val="10000"/>
+            </a:schemeClr>
+          </a:solidFill>
+          <a:ln>
+            <a:solidFill>
+              <a:schemeClr val="tx1"/>
+            </a:solidFill>
+          </a:ln>
+        </p:spPr>
+        <p:style>
+          <a:lnRef idx="2">
+            <a:schemeClr val="accent1">
+              <a:shade val="50000"/>
+            </a:schemeClr>
+          </a:lnRef>
+          <a:fillRef idx="1">
+            <a:schemeClr val="accent1"/>
+          </a:fillRef>
+          <a:effectRef idx="0">
+            <a:schemeClr val="accent1"/>
+          </a:effectRef>
+          <a:fontRef idx="minor">
+            <a:schemeClr val="lt1"/>
+          </a:fontRef>
+        </p:style>
+        <p:txBody>
+          <a:bodyPr rtlCol="0" anchor="ctr"/>
+          <a:lstStyle/>
+          <a:p>
+            <a:pPr algn="ctr"/>
+            <a:endParaRPr lang="es-MX"/>
+          </a:p>
+        </p:txBody>
+      </p:sp>
+      <p:sp>
+        <p:nvSpPr>
+          <p:cNvPr id="6" name="Rectángulo 5"/>
+          <p:cNvSpPr/>
+          <p:nvPr/>
+        </p:nvSpPr>
+        <p:spPr>
+          <a:xfrm>
+            <a:off x="0" y="6553200"/>
+            <a:ext cx="12192000" cy="304800"/>
+          </a:xfrm>
+          <a:prstGeom prst="rect">
+            <a:avLst/>
+          </a:prstGeom>
+          <a:solidFill>
+            <a:schemeClr val="bg2">
+              <a:lumMod val="10000"/>
+            </a:schemeClr>
+          </a:solidFill>
+          <a:ln>
+            <a:solidFill>
+              <a:schemeClr val="tx1"/>
+            </a:solidFill>
+          </a:ln>
+        </p:spPr>
+        <p:style>
+          <a:lnRef idx="2">
+            <a:schemeClr val="accent1">
+              <a:shade val="50000"/>
+            </a:schemeClr>
+          </a:lnRef>
+          <a:fillRef idx="1">
+            <a:schemeClr val="accent1"/>
+          </a:fillRef>
+          <a:effectRef idx="0">
+            <a:schemeClr val="accent1"/>
+          </a:effectRef>
+          <a:fontRef idx="minor">
+            <a:schemeClr val="lt1"/>
+          </a:fontRef>
+        </p:style>
+        <p:txBody>
+          <a:bodyPr rtlCol="0" anchor="ctr"/>
+          <a:lstStyle/>
+          <a:p>
+            <a:pPr algn="ctr"/>
+            <a:endParaRPr lang="es-MX"/>
+          </a:p>
+        </p:txBody>
+      </p:sp>
     </p:spTree>
     <p:extLst>
       <p:ext uri="{BB962C8B-B14F-4D97-AF65-F5344CB8AC3E}">
-        <p14:creationId xmlns:p14="http://schemas.microsoft.com/office/powerpoint/2010/main" val="3048486522"/>
+        <p14:creationId xmlns:p14="http://schemas.microsoft.com/office/powerpoint/2010/main" val="2342813547"/>
       </p:ext>
     </p:extLst>
   </p:cSld>
@@ -9700,6 +9247,779 @@
           <a:p>
             <a:r>
               <a:rPr lang="es-MX" b="1" dirty="0" smtClean="0"/>
+              <a:t>Acerca de la Objetividad</a:t>
+            </a:r>
+            <a:endParaRPr lang="es-MX" b="1" dirty="0"/>
+          </a:p>
+        </p:txBody>
+      </p:sp>
+      <p:sp>
+        <p:nvSpPr>
+          <p:cNvPr id="3" name="Marcador de contenido 2"/>
+          <p:cNvSpPr>
+            <a:spLocks noGrp="1"/>
+          </p:cNvSpPr>
+          <p:nvPr>
+            <p:ph idx="1"/>
+          </p:nvPr>
+        </p:nvSpPr>
+        <p:spPr/>
+        <p:txBody>
+          <a:bodyPr>
+            <a:normAutofit/>
+          </a:bodyPr>
+          <a:lstStyle/>
+          <a:p>
+            <a:r>
+              <a:rPr lang="es-MX" b="1" dirty="0" smtClean="0"/>
+              <a:t>Definición:</a:t>
+            </a:r>
+          </a:p>
+          <a:p>
+            <a:pPr marL="457200" lvl="1" indent="0">
+              <a:buNone/>
+            </a:pPr>
+            <a:r>
+              <a:rPr lang="es-MX" dirty="0" smtClean="0"/>
+              <a:t>Implica el grado en que nuestro instrumento está libre de </a:t>
+            </a:r>
+            <a:r>
+              <a:rPr lang="es-MX" b="1" dirty="0" smtClean="0"/>
+              <a:t>sesgos </a:t>
+            </a:r>
+          </a:p>
+          <a:p>
+            <a:pPr marL="457200" lvl="1" indent="0">
+              <a:buNone/>
+            </a:pPr>
+            <a:endParaRPr lang="es-MX" b="1" dirty="0"/>
+          </a:p>
+          <a:p>
+            <a:pPr marL="457200" lvl="1" indent="0">
+              <a:buNone/>
+            </a:pPr>
+            <a:r>
+              <a:rPr lang="es-MX" b="1" dirty="0" smtClean="0"/>
+              <a:t>Por ejemplo:</a:t>
+            </a:r>
+          </a:p>
+          <a:p>
+            <a:pPr lvl="1"/>
+            <a:r>
+              <a:rPr lang="es-MX" dirty="0" smtClean="0"/>
+              <a:t>Tener cuidado con la </a:t>
+            </a:r>
+            <a:r>
+              <a:rPr lang="es-MX" b="1" dirty="0" smtClean="0"/>
+              <a:t>“deseabilidad social”</a:t>
+            </a:r>
+          </a:p>
+          <a:p>
+            <a:pPr lvl="1"/>
+            <a:r>
+              <a:rPr lang="es-MX" dirty="0" smtClean="0"/>
+              <a:t>Tener cuidado con la redacción de mi instrumento</a:t>
+            </a:r>
+            <a:endParaRPr lang="es-MX" dirty="0"/>
+          </a:p>
+          <a:p>
+            <a:endParaRPr lang="es-MX" b="1" dirty="0" smtClean="0"/>
+          </a:p>
+          <a:p>
+            <a:r>
+              <a:rPr lang="es-MX" b="1" dirty="0" smtClean="0"/>
+              <a:t>¿Cómo se evalúa?</a:t>
+            </a:r>
+          </a:p>
+          <a:p>
+            <a:pPr lvl="1"/>
+            <a:r>
+              <a:rPr lang="es-MX" dirty="0" smtClean="0"/>
+              <a:t>Observando los patrones de respuesta</a:t>
+            </a:r>
+          </a:p>
+        </p:txBody>
+      </p:sp>
+      <p:sp>
+        <p:nvSpPr>
+          <p:cNvPr id="4" name="Rectángulo 3"/>
+          <p:cNvSpPr/>
+          <p:nvPr/>
+        </p:nvSpPr>
+        <p:spPr>
+          <a:xfrm>
+            <a:off x="0" y="1"/>
+            <a:ext cx="12192000" cy="304800"/>
+          </a:xfrm>
+          <a:prstGeom prst="rect">
+            <a:avLst/>
+          </a:prstGeom>
+          <a:solidFill>
+            <a:schemeClr val="bg2">
+              <a:lumMod val="10000"/>
+            </a:schemeClr>
+          </a:solidFill>
+          <a:ln>
+            <a:solidFill>
+              <a:schemeClr val="tx1"/>
+            </a:solidFill>
+          </a:ln>
+        </p:spPr>
+        <p:style>
+          <a:lnRef idx="2">
+            <a:schemeClr val="accent1">
+              <a:shade val="50000"/>
+            </a:schemeClr>
+          </a:lnRef>
+          <a:fillRef idx="1">
+            <a:schemeClr val="accent1"/>
+          </a:fillRef>
+          <a:effectRef idx="0">
+            <a:schemeClr val="accent1"/>
+          </a:effectRef>
+          <a:fontRef idx="minor">
+            <a:schemeClr val="lt1"/>
+          </a:fontRef>
+        </p:style>
+        <p:txBody>
+          <a:bodyPr rtlCol="0" anchor="ctr"/>
+          <a:lstStyle/>
+          <a:p>
+            <a:pPr algn="ctr"/>
+            <a:endParaRPr lang="es-MX"/>
+          </a:p>
+        </p:txBody>
+      </p:sp>
+      <p:sp>
+        <p:nvSpPr>
+          <p:cNvPr id="5" name="Rectángulo 4"/>
+          <p:cNvSpPr/>
+          <p:nvPr/>
+        </p:nvSpPr>
+        <p:spPr>
+          <a:xfrm>
+            <a:off x="0" y="6553200"/>
+            <a:ext cx="12192000" cy="304800"/>
+          </a:xfrm>
+          <a:prstGeom prst="rect">
+            <a:avLst/>
+          </a:prstGeom>
+          <a:solidFill>
+            <a:schemeClr val="bg2">
+              <a:lumMod val="10000"/>
+            </a:schemeClr>
+          </a:solidFill>
+          <a:ln>
+            <a:solidFill>
+              <a:schemeClr val="tx1"/>
+            </a:solidFill>
+          </a:ln>
+        </p:spPr>
+        <p:style>
+          <a:lnRef idx="2">
+            <a:schemeClr val="accent1">
+              <a:shade val="50000"/>
+            </a:schemeClr>
+          </a:lnRef>
+          <a:fillRef idx="1">
+            <a:schemeClr val="accent1"/>
+          </a:fillRef>
+          <a:effectRef idx="0">
+            <a:schemeClr val="accent1"/>
+          </a:effectRef>
+          <a:fontRef idx="minor">
+            <a:schemeClr val="lt1"/>
+          </a:fontRef>
+        </p:style>
+        <p:txBody>
+          <a:bodyPr rtlCol="0" anchor="ctr"/>
+          <a:lstStyle/>
+          <a:p>
+            <a:pPr algn="ctr"/>
+            <a:endParaRPr lang="es-MX"/>
+          </a:p>
+        </p:txBody>
+      </p:sp>
+    </p:spTree>
+    <p:extLst>
+      <p:ext uri="{BB962C8B-B14F-4D97-AF65-F5344CB8AC3E}">
+        <p14:creationId xmlns:p14="http://schemas.microsoft.com/office/powerpoint/2010/main" val="3618266981"/>
+      </p:ext>
+    </p:extLst>
+  </p:cSld>
+  <p:clrMapOvr>
+    <a:masterClrMapping/>
+  </p:clrMapOvr>
+</p:sld>
+</file>
+
+<file path=ppt/slides/slide34.xml><?xml version="1.0" encoding="utf-8"?>
+<p:sld xmlns:a="http://schemas.openxmlformats.org/drawingml/2006/main" xmlns:r="http://schemas.openxmlformats.org/officeDocument/2006/relationships" xmlns:p="http://schemas.openxmlformats.org/presentationml/2006/main">
+  <p:cSld>
+    <p:spTree>
+      <p:nvGrpSpPr>
+        <p:cNvPr id="1" name=""/>
+        <p:cNvGrpSpPr/>
+        <p:nvPr/>
+      </p:nvGrpSpPr>
+      <p:grpSpPr>
+        <a:xfrm>
+          <a:off x="0" y="0"/>
+          <a:ext cx="0" cy="0"/>
+          <a:chOff x="0" y="0"/>
+          <a:chExt cx="0" cy="0"/>
+        </a:xfrm>
+      </p:grpSpPr>
+      <p:sp>
+        <p:nvSpPr>
+          <p:cNvPr id="2" name="Título 1"/>
+          <p:cNvSpPr>
+            <a:spLocks noGrp="1"/>
+          </p:cNvSpPr>
+          <p:nvPr>
+            <p:ph type="title"/>
+          </p:nvPr>
+        </p:nvSpPr>
+        <p:spPr/>
+        <p:txBody>
+          <a:bodyPr/>
+          <a:lstStyle/>
+          <a:p>
+            <a:r>
+              <a:rPr lang="es-MX" b="1" u="sng" dirty="0" smtClean="0"/>
+              <a:t>Instrumento de medición</a:t>
+            </a:r>
+            <a:endParaRPr lang="es-MX" b="1" u="sng" dirty="0"/>
+          </a:p>
+        </p:txBody>
+      </p:sp>
+      <p:sp>
+        <p:nvSpPr>
+          <p:cNvPr id="3" name="Marcador de contenido 2"/>
+          <p:cNvSpPr>
+            <a:spLocks noGrp="1"/>
+          </p:cNvSpPr>
+          <p:nvPr>
+            <p:ph idx="1"/>
+          </p:nvPr>
+        </p:nvSpPr>
+        <p:spPr/>
+        <p:txBody>
+          <a:bodyPr/>
+          <a:lstStyle/>
+          <a:p>
+            <a:r>
+              <a:rPr lang="es-MX" dirty="0" smtClean="0"/>
+              <a:t>Debe ser </a:t>
+            </a:r>
+            <a:r>
+              <a:rPr lang="es-MX" b="1" dirty="0" smtClean="0"/>
+              <a:t>confiable</a:t>
+            </a:r>
+          </a:p>
+          <a:p>
+            <a:pPr marL="0" indent="0">
+              <a:buNone/>
+            </a:pPr>
+            <a:r>
+              <a:rPr lang="es-ES" b="1" dirty="0" smtClean="0"/>
+              <a:t>	</a:t>
+            </a:r>
+            <a:r>
+              <a:rPr lang="es-ES" dirty="0" smtClean="0"/>
+              <a:t>Debe ser replicable en el tiempo y entre aplicadores</a:t>
+            </a:r>
+            <a:endParaRPr lang="es-MX" b="1" dirty="0"/>
+          </a:p>
+          <a:p>
+            <a:endParaRPr lang="es-MX" b="1" dirty="0" smtClean="0"/>
+          </a:p>
+          <a:p>
+            <a:r>
+              <a:rPr lang="es-MX" dirty="0" smtClean="0"/>
+              <a:t>Debe tener </a:t>
+            </a:r>
+            <a:r>
+              <a:rPr lang="es-MX" b="1" dirty="0" smtClean="0"/>
+              <a:t>validez</a:t>
+            </a:r>
+          </a:p>
+          <a:p>
+            <a:pPr marL="0" indent="0">
+              <a:buNone/>
+            </a:pPr>
+            <a:r>
+              <a:rPr lang="es-ES" b="1" dirty="0" smtClean="0"/>
+              <a:t>	</a:t>
+            </a:r>
+            <a:r>
+              <a:rPr lang="es-ES" dirty="0"/>
+              <a:t>¡</a:t>
+            </a:r>
+            <a:r>
+              <a:rPr lang="es-ES" dirty="0" smtClean="0"/>
+              <a:t>Debe medir lo que interesa medir!</a:t>
+            </a:r>
+            <a:endParaRPr lang="es-MX" b="1" dirty="0" smtClean="0"/>
+          </a:p>
+          <a:p>
+            <a:endParaRPr lang="es-MX" b="1" dirty="0"/>
+          </a:p>
+          <a:p>
+            <a:r>
+              <a:rPr lang="es-MX" dirty="0" smtClean="0"/>
+              <a:t>Debe ser </a:t>
+            </a:r>
+            <a:r>
+              <a:rPr lang="es-MX" b="1" dirty="0" smtClean="0"/>
+              <a:t>objetivo</a:t>
+            </a:r>
+            <a:r>
+              <a:rPr lang="es-MX" dirty="0" smtClean="0"/>
+              <a:t> </a:t>
+            </a:r>
+          </a:p>
+          <a:p>
+            <a:pPr marL="0" indent="0">
+              <a:buNone/>
+            </a:pPr>
+            <a:r>
+              <a:rPr lang="es-ES" dirty="0"/>
+              <a:t>	</a:t>
+            </a:r>
+            <a:r>
+              <a:rPr lang="es-ES" dirty="0" smtClean="0"/>
+              <a:t>Debe representar la realidad de la manera más pura posible</a:t>
+            </a:r>
+            <a:endParaRPr lang="es-MX" dirty="0" smtClean="0"/>
+          </a:p>
+        </p:txBody>
+      </p:sp>
+      <p:sp>
+        <p:nvSpPr>
+          <p:cNvPr id="4" name="Rectángulo 3"/>
+          <p:cNvSpPr/>
+          <p:nvPr/>
+        </p:nvSpPr>
+        <p:spPr>
+          <a:xfrm>
+            <a:off x="0" y="1"/>
+            <a:ext cx="12192000" cy="304800"/>
+          </a:xfrm>
+          <a:prstGeom prst="rect">
+            <a:avLst/>
+          </a:prstGeom>
+          <a:solidFill>
+            <a:schemeClr val="bg1">
+              <a:lumMod val="50000"/>
+            </a:schemeClr>
+          </a:solidFill>
+          <a:ln>
+            <a:solidFill>
+              <a:schemeClr val="tx1"/>
+            </a:solidFill>
+          </a:ln>
+        </p:spPr>
+        <p:style>
+          <a:lnRef idx="2">
+            <a:schemeClr val="accent1">
+              <a:shade val="50000"/>
+            </a:schemeClr>
+          </a:lnRef>
+          <a:fillRef idx="1">
+            <a:schemeClr val="accent1"/>
+          </a:fillRef>
+          <a:effectRef idx="0">
+            <a:schemeClr val="accent1"/>
+          </a:effectRef>
+          <a:fontRef idx="minor">
+            <a:schemeClr val="lt1"/>
+          </a:fontRef>
+        </p:style>
+        <p:txBody>
+          <a:bodyPr rtlCol="0" anchor="ctr"/>
+          <a:lstStyle/>
+          <a:p>
+            <a:pPr algn="ctr"/>
+            <a:endParaRPr lang="es-MX"/>
+          </a:p>
+        </p:txBody>
+      </p:sp>
+      <p:sp>
+        <p:nvSpPr>
+          <p:cNvPr id="5" name="Rectángulo 4"/>
+          <p:cNvSpPr/>
+          <p:nvPr/>
+        </p:nvSpPr>
+        <p:spPr>
+          <a:xfrm>
+            <a:off x="0" y="6553200"/>
+            <a:ext cx="12192000" cy="304800"/>
+          </a:xfrm>
+          <a:prstGeom prst="rect">
+            <a:avLst/>
+          </a:prstGeom>
+          <a:solidFill>
+            <a:schemeClr val="bg1">
+              <a:lumMod val="50000"/>
+            </a:schemeClr>
+          </a:solidFill>
+          <a:ln>
+            <a:solidFill>
+              <a:schemeClr val="tx1"/>
+            </a:solidFill>
+          </a:ln>
+        </p:spPr>
+        <p:style>
+          <a:lnRef idx="2">
+            <a:schemeClr val="accent1">
+              <a:shade val="50000"/>
+            </a:schemeClr>
+          </a:lnRef>
+          <a:fillRef idx="1">
+            <a:schemeClr val="accent1"/>
+          </a:fillRef>
+          <a:effectRef idx="0">
+            <a:schemeClr val="accent1"/>
+          </a:effectRef>
+          <a:fontRef idx="minor">
+            <a:schemeClr val="lt1"/>
+          </a:fontRef>
+        </p:style>
+        <p:txBody>
+          <a:bodyPr rtlCol="0" anchor="ctr"/>
+          <a:lstStyle/>
+          <a:p>
+            <a:pPr algn="ctr"/>
+            <a:endParaRPr lang="es-MX"/>
+          </a:p>
+        </p:txBody>
+      </p:sp>
+    </p:spTree>
+    <p:extLst>
+      <p:ext uri="{BB962C8B-B14F-4D97-AF65-F5344CB8AC3E}">
+        <p14:creationId xmlns:p14="http://schemas.microsoft.com/office/powerpoint/2010/main" val="1477590334"/>
+      </p:ext>
+    </p:extLst>
+  </p:cSld>
+  <p:clrMapOvr>
+    <a:masterClrMapping/>
+  </p:clrMapOvr>
+</p:sld>
+</file>
+
+<file path=ppt/slides/slide35.xml><?xml version="1.0" encoding="utf-8"?>
+<p:sld xmlns:a="http://schemas.openxmlformats.org/drawingml/2006/main" xmlns:r="http://schemas.openxmlformats.org/officeDocument/2006/relationships" xmlns:p="http://schemas.openxmlformats.org/presentationml/2006/main">
+  <p:cSld>
+    <p:spTree>
+      <p:nvGrpSpPr>
+        <p:cNvPr id="1" name=""/>
+        <p:cNvGrpSpPr/>
+        <p:nvPr/>
+      </p:nvGrpSpPr>
+      <p:grpSpPr>
+        <a:xfrm>
+          <a:off x="0" y="0"/>
+          <a:ext cx="0" cy="0"/>
+          <a:chOff x="0" y="0"/>
+          <a:chExt cx="0" cy="0"/>
+        </a:xfrm>
+      </p:grpSpPr>
+      <p:sp>
+        <p:nvSpPr>
+          <p:cNvPr id="2" name="Título 1"/>
+          <p:cNvSpPr>
+            <a:spLocks noGrp="1"/>
+          </p:cNvSpPr>
+          <p:nvPr>
+            <p:ph type="title"/>
+          </p:nvPr>
+        </p:nvSpPr>
+        <p:spPr>
+          <a:xfrm>
+            <a:off x="1337734" y="2634192"/>
+            <a:ext cx="10515600" cy="1325563"/>
+          </a:xfrm>
+        </p:spPr>
+        <p:txBody>
+          <a:bodyPr>
+            <a:noAutofit/>
+          </a:bodyPr>
+          <a:lstStyle/>
+          <a:p>
+            <a:r>
+              <a:rPr lang="es-MX" sz="9000" b="1" dirty="0" smtClean="0">
+                <a:latin typeface="AR DARLING" panose="02000000000000000000" pitchFamily="2" charset="0"/>
+              </a:rPr>
+              <a:t>Recolección de Datos</a:t>
+            </a:r>
+            <a:endParaRPr lang="es-MX" sz="9000" b="1" dirty="0">
+              <a:latin typeface="AR DARLING" panose="02000000000000000000" pitchFamily="2" charset="0"/>
+            </a:endParaRPr>
+          </a:p>
+        </p:txBody>
+      </p:sp>
+      <p:sp>
+        <p:nvSpPr>
+          <p:cNvPr id="5" name="Marcador de contenido 4"/>
+          <p:cNvSpPr>
+            <a:spLocks noGrp="1"/>
+          </p:cNvSpPr>
+          <p:nvPr>
+            <p:ph idx="1"/>
+          </p:nvPr>
+        </p:nvSpPr>
+        <p:spPr>
+          <a:xfrm>
+            <a:off x="-327506" y="1715173"/>
+            <a:ext cx="10515600" cy="3415242"/>
+          </a:xfrm>
+        </p:spPr>
+        <p:txBody>
+          <a:bodyPr/>
+          <a:lstStyle/>
+          <a:p>
+            <a:endParaRPr lang="es-MX" dirty="0" smtClean="0"/>
+          </a:p>
+          <a:p>
+            <a:endParaRPr lang="es-MX" u="sng" dirty="0"/>
+          </a:p>
+        </p:txBody>
+      </p:sp>
+      <p:pic>
+        <p:nvPicPr>
+          <p:cNvPr id="6" name="Imagen 5"/>
+          <p:cNvPicPr>
+            <a:picLocks noChangeAspect="1"/>
+          </p:cNvPicPr>
+          <p:nvPr/>
+        </p:nvPicPr>
+        <p:blipFill>
+          <a:blip r:embed="rId2"/>
+          <a:stretch>
+            <a:fillRect/>
+          </a:stretch>
+        </p:blipFill>
+        <p:spPr>
+          <a:xfrm>
+            <a:off x="0" y="0"/>
+            <a:ext cx="12192000" cy="1380067"/>
+          </a:xfrm>
+          <a:prstGeom prst="rect">
+            <a:avLst/>
+          </a:prstGeom>
+        </p:spPr>
+      </p:pic>
+      <p:pic>
+        <p:nvPicPr>
+          <p:cNvPr id="7" name="Imagen 6"/>
+          <p:cNvPicPr>
+            <a:picLocks noChangeAspect="1"/>
+          </p:cNvPicPr>
+          <p:nvPr/>
+        </p:nvPicPr>
+        <p:blipFill>
+          <a:blip r:embed="rId2"/>
+          <a:stretch>
+            <a:fillRect/>
+          </a:stretch>
+        </p:blipFill>
+        <p:spPr>
+          <a:xfrm>
+            <a:off x="0" y="5477933"/>
+            <a:ext cx="12192000" cy="1380067"/>
+          </a:xfrm>
+          <a:prstGeom prst="rect">
+            <a:avLst/>
+          </a:prstGeom>
+        </p:spPr>
+      </p:pic>
+    </p:spTree>
+    <p:extLst>
+      <p:ext uri="{BB962C8B-B14F-4D97-AF65-F5344CB8AC3E}">
+        <p14:creationId xmlns:p14="http://schemas.microsoft.com/office/powerpoint/2010/main" val="3076514734"/>
+      </p:ext>
+    </p:extLst>
+  </p:cSld>
+  <p:clrMapOvr>
+    <a:masterClrMapping/>
+  </p:clrMapOvr>
+</p:sld>
+</file>
+
+<file path=ppt/slides/slide36.xml><?xml version="1.0" encoding="utf-8"?>
+<p:sld xmlns:a="http://schemas.openxmlformats.org/drawingml/2006/main" xmlns:r="http://schemas.openxmlformats.org/officeDocument/2006/relationships" xmlns:p="http://schemas.openxmlformats.org/presentationml/2006/main">
+  <p:cSld>
+    <p:spTree>
+      <p:nvGrpSpPr>
+        <p:cNvPr id="1" name=""/>
+        <p:cNvGrpSpPr/>
+        <p:nvPr/>
+      </p:nvGrpSpPr>
+      <p:grpSpPr>
+        <a:xfrm>
+          <a:off x="0" y="0"/>
+          <a:ext cx="0" cy="0"/>
+          <a:chOff x="0" y="0"/>
+          <a:chExt cx="0" cy="0"/>
+        </a:xfrm>
+      </p:grpSpPr>
+      <p:sp>
+        <p:nvSpPr>
+          <p:cNvPr id="2" name="Título 1"/>
+          <p:cNvSpPr>
+            <a:spLocks noGrp="1"/>
+          </p:cNvSpPr>
+          <p:nvPr>
+            <p:ph type="title"/>
+          </p:nvPr>
+        </p:nvSpPr>
+        <p:spPr>
+          <a:xfrm>
+            <a:off x="1337734" y="2634192"/>
+            <a:ext cx="10515600" cy="1325563"/>
+          </a:xfrm>
+        </p:spPr>
+        <p:txBody>
+          <a:bodyPr>
+            <a:noAutofit/>
+          </a:bodyPr>
+          <a:lstStyle/>
+          <a:p>
+            <a:r>
+              <a:rPr lang="es-MX" sz="9000" b="1" dirty="0" smtClean="0">
+                <a:latin typeface="AR DARLING" panose="02000000000000000000" pitchFamily="2" charset="0"/>
+              </a:rPr>
+              <a:t>Introducción al análisis de datos</a:t>
+            </a:r>
+            <a:endParaRPr lang="es-MX" sz="9000" b="1" dirty="0">
+              <a:latin typeface="AR DARLING" panose="02000000000000000000" pitchFamily="2" charset="0"/>
+            </a:endParaRPr>
+          </a:p>
+        </p:txBody>
+      </p:sp>
+      <p:sp>
+        <p:nvSpPr>
+          <p:cNvPr id="5" name="Marcador de contenido 4"/>
+          <p:cNvSpPr>
+            <a:spLocks noGrp="1"/>
+          </p:cNvSpPr>
+          <p:nvPr>
+            <p:ph idx="1"/>
+          </p:nvPr>
+        </p:nvSpPr>
+        <p:spPr>
+          <a:xfrm>
+            <a:off x="-296333" y="1465791"/>
+            <a:ext cx="10515600" cy="3415242"/>
+          </a:xfrm>
+        </p:spPr>
+        <p:txBody>
+          <a:bodyPr/>
+          <a:lstStyle/>
+          <a:p>
+            <a:endParaRPr lang="es-MX" dirty="0" smtClean="0"/>
+          </a:p>
+          <a:p>
+            <a:endParaRPr lang="es-MX" u="sng" dirty="0"/>
+          </a:p>
+        </p:txBody>
+      </p:sp>
+      <p:pic>
+        <p:nvPicPr>
+          <p:cNvPr id="6" name="Imagen 5"/>
+          <p:cNvPicPr>
+            <a:picLocks noChangeAspect="1"/>
+          </p:cNvPicPr>
+          <p:nvPr/>
+        </p:nvPicPr>
+        <p:blipFill>
+          <a:blip r:embed="rId2"/>
+          <a:stretch>
+            <a:fillRect/>
+          </a:stretch>
+        </p:blipFill>
+        <p:spPr>
+          <a:xfrm>
+            <a:off x="0" y="0"/>
+            <a:ext cx="12192000" cy="1380067"/>
+          </a:xfrm>
+          <a:prstGeom prst="rect">
+            <a:avLst/>
+          </a:prstGeom>
+        </p:spPr>
+      </p:pic>
+      <p:pic>
+        <p:nvPicPr>
+          <p:cNvPr id="7" name="Imagen 6"/>
+          <p:cNvPicPr>
+            <a:picLocks noChangeAspect="1"/>
+          </p:cNvPicPr>
+          <p:nvPr/>
+        </p:nvPicPr>
+        <p:blipFill>
+          <a:blip r:embed="rId2"/>
+          <a:stretch>
+            <a:fillRect/>
+          </a:stretch>
+        </p:blipFill>
+        <p:spPr>
+          <a:xfrm>
+            <a:off x="0" y="5477933"/>
+            <a:ext cx="12192000" cy="1380067"/>
+          </a:xfrm>
+          <a:prstGeom prst="rect">
+            <a:avLst/>
+          </a:prstGeom>
+        </p:spPr>
+      </p:pic>
+    </p:spTree>
+    <p:extLst>
+      <p:ext uri="{BB962C8B-B14F-4D97-AF65-F5344CB8AC3E}">
+        <p14:creationId xmlns:p14="http://schemas.microsoft.com/office/powerpoint/2010/main" val="3048486522"/>
+      </p:ext>
+    </p:extLst>
+  </p:cSld>
+  <p:clrMapOvr>
+    <a:masterClrMapping/>
+  </p:clrMapOvr>
+</p:sld>
+</file>
+
+<file path=ppt/slides/slide37.xml><?xml version="1.0" encoding="utf-8"?>
+<p:sld xmlns:a="http://schemas.openxmlformats.org/drawingml/2006/main" xmlns:r="http://schemas.openxmlformats.org/officeDocument/2006/relationships" xmlns:p="http://schemas.openxmlformats.org/presentationml/2006/main">
+  <p:cSld>
+    <p:spTree>
+      <p:nvGrpSpPr>
+        <p:cNvPr id="1" name=""/>
+        <p:cNvGrpSpPr/>
+        <p:nvPr/>
+      </p:nvGrpSpPr>
+      <p:grpSpPr>
+        <a:xfrm>
+          <a:off x="0" y="0"/>
+          <a:ext cx="0" cy="0"/>
+          <a:chOff x="0" y="0"/>
+          <a:chExt cx="0" cy="0"/>
+        </a:xfrm>
+      </p:grpSpPr>
+      <p:sp>
+        <p:nvSpPr>
+          <p:cNvPr id="2" name="Título 1"/>
+          <p:cNvSpPr>
+            <a:spLocks noGrp="1"/>
+          </p:cNvSpPr>
+          <p:nvPr>
+            <p:ph type="title"/>
+          </p:nvPr>
+        </p:nvSpPr>
+        <p:spPr/>
+        <p:txBody>
+          <a:bodyPr/>
+          <a:lstStyle/>
+          <a:p>
+            <a:r>
+              <a:rPr lang="es-MX" b="1" dirty="0" smtClean="0"/>
               <a:t>¿De qué tipo son mis datos?</a:t>
             </a:r>
             <a:endParaRPr lang="es-MX" b="1" dirty="0"/>
@@ -9838,7 +10158,7 @@
 </p:sld>
 </file>
 
-<file path=ppt/slides/slide34.xml><?xml version="1.0" encoding="utf-8"?>
+<file path=ppt/slides/slide38.xml><?xml version="1.0" encoding="utf-8"?>
 <p:sld xmlns:a="http://schemas.openxmlformats.org/drawingml/2006/main" xmlns:r="http://schemas.openxmlformats.org/officeDocument/2006/relationships" xmlns:p="http://schemas.openxmlformats.org/presentationml/2006/main">
   <p:cSld>
     <p:spTree>
@@ -10025,117 +10345,134 @@
           <a:chExt cx="0" cy="0"/>
         </a:xfrm>
       </p:grpSpPr>
-      <p:sp>
-        <p:nvSpPr>
-          <p:cNvPr id="2" name="1 Título"/>
-          <p:cNvSpPr>
-            <a:spLocks noGrp="1"/>
-          </p:cNvSpPr>
-          <p:nvPr>
-            <p:ph type="title"/>
-          </p:nvPr>
-        </p:nvSpPr>
-        <p:spPr/>
-        <p:txBody>
-          <a:bodyPr/>
-          <a:lstStyle/>
-          <a:p>
-            <a:endParaRPr lang="es-MX"/>
-          </a:p>
-        </p:txBody>
-      </p:sp>
-      <p:sp>
-        <p:nvSpPr>
-          <p:cNvPr id="3" name="2 Marcador de contenido"/>
-          <p:cNvSpPr>
-            <a:spLocks noGrp="1"/>
-          </p:cNvSpPr>
-          <p:nvPr>
-            <p:ph idx="1"/>
-          </p:nvPr>
-        </p:nvSpPr>
-        <p:spPr/>
-        <p:txBody>
-          <a:bodyPr/>
-          <a:lstStyle/>
-          <a:p>
-            <a:r>
-              <a:rPr lang="es-ES" dirty="0" smtClean="0"/>
-              <a:t>Clase 1:</a:t>
-            </a:r>
-          </a:p>
-          <a:p>
-            <a:endParaRPr lang="es-ES" dirty="0"/>
-          </a:p>
-          <a:p>
-            <a:pPr lvl="1"/>
-            <a:r>
-              <a:rPr lang="es-ES" dirty="0" smtClean="0"/>
-              <a:t>¿Qué es Medir?</a:t>
-            </a:r>
-          </a:p>
-          <a:p>
-            <a:pPr lvl="1"/>
-            <a:r>
-              <a:rPr lang="es-ES" dirty="0" smtClean="0"/>
-              <a:t>¿Qué son los Instrumentos de Medición?</a:t>
-            </a:r>
-            <a:endParaRPr lang="es-MX" dirty="0"/>
-          </a:p>
-        </p:txBody>
-      </p:sp>
       <p:pic>
         <p:nvPicPr>
-          <p:cNvPr id="4" name="Imagen 5"/>
-          <p:cNvPicPr>
-            <a:picLocks noChangeAspect="1"/>
-          </p:cNvPicPr>
+          <p:cNvPr id="4" name="3 Imagen"/>
+          <p:cNvPicPr/>
           <p:nvPr/>
         </p:nvPicPr>
         <p:blipFill>
-          <a:blip r:embed="rId2"/>
+          <a:blip r:embed="rId2">
+            <a:extLst>
+              <a:ext uri="{28A0092B-C50C-407E-A947-70E740481C1C}">
+                <a14:useLocalDpi xmlns:a14="http://schemas.microsoft.com/office/drawing/2010/main" val="0"/>
+              </a:ext>
+            </a:extLst>
+          </a:blip>
+          <a:srcRect/>
           <a:stretch>
             <a:fillRect/>
           </a:stretch>
         </p:blipFill>
-        <p:spPr>
-          <a:xfrm>
-            <a:off x="0" y="0"/>
-            <a:ext cx="12192000" cy="1380067"/>
+        <p:spPr bwMode="auto">
+          <a:xfrm>
+            <a:off x="1237295" y="578861"/>
+            <a:ext cx="10310468" cy="6071321"/>
           </a:xfrm>
           <a:prstGeom prst="rect">
             <a:avLst/>
           </a:prstGeom>
+          <a:noFill/>
+          <a:ln>
+            <a:noFill/>
+          </a:ln>
         </p:spPr>
       </p:pic>
-      <p:pic>
-        <p:nvPicPr>
-          <p:cNvPr id="5" name="Imagen 6"/>
-          <p:cNvPicPr>
-            <a:picLocks noChangeAspect="1"/>
-          </p:cNvPicPr>
+      <p:sp>
+        <p:nvSpPr>
+          <p:cNvPr id="2" name="1 Título"/>
+          <p:cNvSpPr>
+            <a:spLocks noGrp="1"/>
+          </p:cNvSpPr>
+          <p:nvPr>
+            <p:ph type="title"/>
+          </p:nvPr>
+        </p:nvSpPr>
+        <p:spPr>
+          <a:xfrm>
+            <a:off x="0" y="0"/>
+            <a:ext cx="10515600" cy="862445"/>
+          </a:xfrm>
+        </p:spPr>
+        <p:txBody>
+          <a:bodyPr>
+            <a:normAutofit/>
+          </a:bodyPr>
+          <a:lstStyle/>
+          <a:p>
+            <a:r>
+              <a:rPr lang="es-MX" sz="2500" b="1" dirty="0" smtClean="0">
+                <a:solidFill>
+                  <a:srgbClr val="FF0000"/>
+                </a:solidFill>
+              </a:rPr>
+              <a:t>Edad:____________</a:t>
+            </a:r>
+            <a:br>
+              <a:rPr lang="es-MX" sz="2500" b="1" dirty="0" smtClean="0">
+                <a:solidFill>
+                  <a:srgbClr val="FF0000"/>
+                </a:solidFill>
+              </a:rPr>
+            </a:br>
+            <a:r>
+              <a:rPr lang="es-MX" sz="2500" b="1" dirty="0" smtClean="0">
+                <a:solidFill>
+                  <a:srgbClr val="FF0000"/>
+                </a:solidFill>
+              </a:rPr>
+              <a:t>Promedio General________________</a:t>
+            </a:r>
+            <a:endParaRPr lang="es-MX" sz="2500" b="1" dirty="0">
+              <a:solidFill>
+                <a:srgbClr val="FF0000"/>
+              </a:solidFill>
+            </a:endParaRPr>
+          </a:p>
+        </p:txBody>
+      </p:sp>
+      <p:sp>
+        <p:nvSpPr>
+          <p:cNvPr id="5" name="4 CuadroTexto"/>
+          <p:cNvSpPr txBox="1"/>
           <p:nvPr/>
-        </p:nvPicPr>
-        <p:blipFill>
-          <a:blip r:embed="rId2"/>
-          <a:stretch>
-            <a:fillRect/>
-          </a:stretch>
-        </p:blipFill>
-        <p:spPr>
-          <a:xfrm>
-            <a:off x="0" y="5477933"/>
-            <a:ext cx="12192000" cy="1380067"/>
+        </p:nvSpPr>
+        <p:spPr>
+          <a:xfrm>
+            <a:off x="5891645" y="862445"/>
+            <a:ext cx="5413664" cy="369332"/>
           </a:xfrm>
           <a:prstGeom prst="rect">
             <a:avLst/>
           </a:prstGeom>
-        </p:spPr>
-      </p:pic>
+          <a:noFill/>
+        </p:spPr>
+        <p:txBody>
+          <a:bodyPr wrap="square" rtlCol="0">
+            <a:spAutoFit/>
+          </a:bodyPr>
+          <a:lstStyle/>
+          <a:p>
+            <a:r>
+              <a:rPr lang="es-MX" b="1" dirty="0" smtClean="0">
+                <a:solidFill>
+                  <a:srgbClr val="FF0000"/>
+                </a:solidFill>
+              </a:rPr>
+              <a:t>Nombre y Grupo</a:t>
+            </a:r>
+            <a:endParaRPr lang="es-MX" b="1" dirty="0">
+              <a:solidFill>
+                <a:srgbClr val="FF0000"/>
+              </a:solidFill>
+            </a:endParaRPr>
+          </a:p>
+        </p:txBody>
+      </p:sp>
     </p:spTree>
     <p:extLst>
       <p:ext uri="{BB962C8B-B14F-4D97-AF65-F5344CB8AC3E}">
-        <p14:creationId xmlns:p14="http://schemas.microsoft.com/office/powerpoint/2010/main" val="2147302134"/>
+        <p14:creationId xmlns:p14="http://schemas.microsoft.com/office/powerpoint/2010/main" val="594913986"/>
       </p:ext>
     </p:extLst>
   </p:cSld>
@@ -10162,119 +10499,135 @@
           <a:chExt cx="0" cy="0"/>
         </a:xfrm>
       </p:grpSpPr>
-      <p:sp>
-        <p:nvSpPr>
-          <p:cNvPr id="2" name="Título 1"/>
-          <p:cNvSpPr>
-            <a:spLocks noGrp="1"/>
-          </p:cNvSpPr>
-          <p:nvPr>
-            <p:ph type="title"/>
-          </p:nvPr>
-        </p:nvSpPr>
-        <p:spPr>
-          <a:xfrm>
-            <a:off x="1337734" y="2634192"/>
-            <a:ext cx="10515600" cy="1325563"/>
-          </a:xfrm>
-        </p:spPr>
-        <p:txBody>
-          <a:bodyPr>
-            <a:noAutofit/>
-          </a:bodyPr>
-          <a:lstStyle/>
-          <a:p>
-            <a:r>
-              <a:rPr lang="es-MX" sz="9000" b="1" dirty="0" smtClean="0">
-                <a:latin typeface="AR DARLING" panose="02000000000000000000" pitchFamily="2" charset="0"/>
-              </a:rPr>
-              <a:t>¿Qué es “Medir”?</a:t>
-            </a:r>
-            <a:endParaRPr lang="es-MX" sz="9000" b="1" dirty="0">
-              <a:latin typeface="AR DARLING" panose="02000000000000000000" pitchFamily="2" charset="0"/>
-            </a:endParaRPr>
-          </a:p>
-        </p:txBody>
-      </p:sp>
-      <p:sp>
-        <p:nvSpPr>
-          <p:cNvPr id="5" name="Marcador de contenido 4"/>
-          <p:cNvSpPr>
-            <a:spLocks noGrp="1"/>
-          </p:cNvSpPr>
-          <p:nvPr>
-            <p:ph idx="1"/>
-          </p:nvPr>
-        </p:nvSpPr>
-        <p:spPr>
-          <a:xfrm>
-            <a:off x="838200" y="2752724"/>
-            <a:ext cx="10515600" cy="3415242"/>
-          </a:xfrm>
-        </p:spPr>
-        <p:txBody>
-          <a:bodyPr/>
-          <a:lstStyle/>
-          <a:p>
-            <a:endParaRPr lang="es-MX" dirty="0" smtClean="0"/>
-          </a:p>
-          <a:p>
-            <a:endParaRPr lang="es-MX" u="sng" dirty="0"/>
-          </a:p>
-        </p:txBody>
-      </p:sp>
       <p:pic>
         <p:nvPicPr>
-          <p:cNvPr id="6" name="Imagen 5"/>
+          <p:cNvPr id="1026" name="Picture 2" descr="Resultado de imagen para mosaico"/>
           <p:cNvPicPr>
-            <a:picLocks noChangeAspect="1"/>
+            <a:picLocks noChangeAspect="1" noChangeArrowheads="1"/>
           </p:cNvPicPr>
           <p:nvPr/>
         </p:nvPicPr>
         <p:blipFill>
-          <a:blip r:embed="rId2"/>
+          <a:blip r:embed="rId2">
+            <a:extLst>
+              <a:ext uri="{28A0092B-C50C-407E-A947-70E740481C1C}">
+                <a14:useLocalDpi xmlns:a14="http://schemas.microsoft.com/office/drawing/2010/main" val="0"/>
+              </a:ext>
+            </a:extLst>
+          </a:blip>
+          <a:srcRect/>
           <a:stretch>
             <a:fillRect/>
           </a:stretch>
         </p:blipFill>
-        <p:spPr>
+        <p:spPr bwMode="auto">
           <a:xfrm>
             <a:off x="0" y="0"/>
-            <a:ext cx="12192000" cy="1380067"/>
+            <a:ext cx="12192000" cy="6858000"/>
           </a:xfrm>
           <a:prstGeom prst="rect">
             <a:avLst/>
           </a:prstGeom>
+          <a:noFill/>
+          <a:extLst>
+            <a:ext uri="{909E8E84-426E-40DD-AFC4-6F175D3DCCD1}">
+              <a14:hiddenFill xmlns:a14="http://schemas.microsoft.com/office/drawing/2010/main">
+                <a:solidFill>
+                  <a:srgbClr val="FFFFFF"/>
+                </a:solidFill>
+              </a14:hiddenFill>
+            </a:ext>
+          </a:extLst>
         </p:spPr>
       </p:pic>
-      <p:pic>
-        <p:nvPicPr>
-          <p:cNvPr id="7" name="Imagen 6"/>
-          <p:cNvPicPr>
-            <a:picLocks noChangeAspect="1"/>
-          </p:cNvPicPr>
+      <p:sp>
+        <p:nvSpPr>
+          <p:cNvPr id="4" name="Rectángulo redondeado 3"/>
+          <p:cNvSpPr/>
           <p:nvPr/>
-        </p:nvPicPr>
-        <p:blipFill>
-          <a:blip r:embed="rId2"/>
-          <a:stretch>
-            <a:fillRect/>
-          </a:stretch>
-        </p:blipFill>
-        <p:spPr>
-          <a:xfrm>
-            <a:off x="0" y="5477933"/>
-            <a:ext cx="12192000" cy="1380067"/>
-          </a:xfrm>
-          <a:prstGeom prst="rect">
+        </p:nvSpPr>
+        <p:spPr>
+          <a:xfrm>
+            <a:off x="880533" y="685800"/>
+            <a:ext cx="10498667" cy="5376333"/>
+          </a:xfrm>
+          <a:prstGeom prst="roundRect">
             <a:avLst/>
           </a:prstGeom>
         </p:spPr>
-      </p:pic>
+        <p:style>
+          <a:lnRef idx="2">
+            <a:schemeClr val="dk1"/>
+          </a:lnRef>
+          <a:fillRef idx="1">
+            <a:schemeClr val="lt1"/>
+          </a:fillRef>
+          <a:effectRef idx="0">
+            <a:schemeClr val="dk1"/>
+          </a:effectRef>
+          <a:fontRef idx="minor">
+            <a:schemeClr val="dk1"/>
+          </a:fontRef>
+        </p:style>
+        <p:txBody>
+          <a:bodyPr rtlCol="0" anchor="ctr"/>
+          <a:lstStyle/>
+          <a:p>
+            <a:pPr algn="ctr"/>
+            <a:endParaRPr lang="es-MX"/>
+          </a:p>
+        </p:txBody>
+      </p:sp>
+      <p:sp>
+        <p:nvSpPr>
+          <p:cNvPr id="2" name="Título 1"/>
+          <p:cNvSpPr>
+            <a:spLocks noGrp="1"/>
+          </p:cNvSpPr>
+          <p:nvPr>
+            <p:ph type="ctrTitle"/>
+          </p:nvPr>
+        </p:nvSpPr>
+        <p:spPr/>
+        <p:txBody>
+          <a:bodyPr/>
+          <a:lstStyle/>
+          <a:p>
+            <a:r>
+              <a:rPr lang="es-MX" b="1" dirty="0" smtClean="0"/>
+              <a:t>Recolección y Análisis de datos</a:t>
+            </a:r>
+            <a:endParaRPr lang="es-MX" b="1" dirty="0"/>
+          </a:p>
+        </p:txBody>
+      </p:sp>
+      <p:sp>
+        <p:nvSpPr>
+          <p:cNvPr id="3" name="Subtítulo 2"/>
+          <p:cNvSpPr>
+            <a:spLocks noGrp="1"/>
+          </p:cNvSpPr>
+          <p:nvPr>
+            <p:ph type="subTitle" idx="1"/>
+          </p:nvPr>
+        </p:nvSpPr>
+        <p:spPr/>
+        <p:txBody>
+          <a:bodyPr/>
+          <a:lstStyle/>
+          <a:p>
+            <a:r>
+              <a:rPr lang="es-MX" dirty="0" smtClean="0"/>
+              <a:t>(Unidad 3: Desarrollo y Descripción del procedimiento) </a:t>
+            </a:r>
+            <a:endParaRPr lang="es-MX" dirty="0"/>
+          </a:p>
+        </p:txBody>
+      </p:sp>
     </p:spTree>
     <p:extLst>
       <p:ext uri="{BB962C8B-B14F-4D97-AF65-F5344CB8AC3E}">
-        <p14:creationId xmlns:p14="http://schemas.microsoft.com/office/powerpoint/2010/main" val="1225228946"/>
+        <p14:creationId xmlns:p14="http://schemas.microsoft.com/office/powerpoint/2010/main" val="3073955301"/>
       </p:ext>
     </p:extLst>
   </p:cSld>
@@ -10303,97 +10656,6 @@
       </p:grpSpPr>
       <p:sp>
         <p:nvSpPr>
-          <p:cNvPr id="7" name="6 Rectángulo redondeado"/>
-          <p:cNvSpPr/>
-          <p:nvPr/>
-        </p:nvSpPr>
-        <p:spPr>
-          <a:xfrm>
-            <a:off x="748145" y="4048991"/>
-            <a:ext cx="10515600" cy="2015837"/>
-          </a:xfrm>
-          <a:prstGeom prst="roundRect">
-            <a:avLst/>
-          </a:prstGeom>
-          <a:solidFill>
-            <a:schemeClr val="accent3">
-              <a:lumMod val="20000"/>
-              <a:lumOff val="80000"/>
-            </a:schemeClr>
-          </a:solidFill>
-        </p:spPr>
-        <p:style>
-          <a:lnRef idx="2">
-            <a:schemeClr val="accent1">
-              <a:shade val="50000"/>
-            </a:schemeClr>
-          </a:lnRef>
-          <a:fillRef idx="1">
-            <a:schemeClr val="accent1"/>
-          </a:fillRef>
-          <a:effectRef idx="0">
-            <a:schemeClr val="accent1"/>
-          </a:effectRef>
-          <a:fontRef idx="minor">
-            <a:schemeClr val="lt1"/>
-          </a:fontRef>
-        </p:style>
-        <p:txBody>
-          <a:bodyPr rtlCol="0" anchor="ctr"/>
-          <a:lstStyle/>
-          <a:p>
-            <a:pPr algn="ctr"/>
-            <a:endParaRPr lang="es-MX"/>
-          </a:p>
-        </p:txBody>
-      </p:sp>
-      <p:sp>
-        <p:nvSpPr>
-          <p:cNvPr id="6" name="5 Rectángulo redondeado"/>
-          <p:cNvSpPr/>
-          <p:nvPr/>
-        </p:nvSpPr>
-        <p:spPr>
-          <a:xfrm>
-            <a:off x="748145" y="1672936"/>
-            <a:ext cx="10515600" cy="2015837"/>
-          </a:xfrm>
-          <a:prstGeom prst="roundRect">
-            <a:avLst/>
-          </a:prstGeom>
-          <a:solidFill>
-            <a:schemeClr val="bg2">
-              <a:lumMod val="90000"/>
-            </a:schemeClr>
-          </a:solidFill>
-        </p:spPr>
-        <p:style>
-          <a:lnRef idx="2">
-            <a:schemeClr val="accent1">
-              <a:shade val="50000"/>
-            </a:schemeClr>
-          </a:lnRef>
-          <a:fillRef idx="1">
-            <a:schemeClr val="accent1"/>
-          </a:fillRef>
-          <a:effectRef idx="0">
-            <a:schemeClr val="accent1"/>
-          </a:effectRef>
-          <a:fontRef idx="minor">
-            <a:schemeClr val="lt1"/>
-          </a:fontRef>
-        </p:style>
-        <p:txBody>
-          <a:bodyPr rtlCol="0" anchor="ctr"/>
-          <a:lstStyle/>
-          <a:p>
-            <a:pPr algn="ctr"/>
-            <a:endParaRPr lang="es-MX"/>
-          </a:p>
-        </p:txBody>
-      </p:sp>
-      <p:sp>
-        <p:nvSpPr>
           <p:cNvPr id="2" name="Título 1"/>
           <p:cNvSpPr>
             <a:spLocks noGrp="1"/>
@@ -10409,156 +10671,9 @@
           <a:p>
             <a:r>
               <a:rPr lang="es-MX" b="1" dirty="0" smtClean="0"/>
-              <a:t>¿Qué implica </a:t>
-            </a:r>
-            <a:r>
-              <a:rPr lang="es-MX" b="1" u="sng" dirty="0" smtClean="0"/>
-              <a:t>Medir</a:t>
-            </a:r>
-            <a:r>
-              <a:rPr lang="es-MX" b="1" dirty="0" smtClean="0"/>
-              <a:t>?</a:t>
+              <a:t>Procedimiento general</a:t>
             </a:r>
             <a:endParaRPr lang="es-MX" b="1" dirty="0"/>
-          </a:p>
-        </p:txBody>
-      </p:sp>
-      <p:sp>
-        <p:nvSpPr>
-          <p:cNvPr id="3" name="Marcador de contenido 2"/>
-          <p:cNvSpPr>
-            <a:spLocks noGrp="1"/>
-          </p:cNvSpPr>
-          <p:nvPr>
-            <p:ph idx="1"/>
-          </p:nvPr>
-        </p:nvSpPr>
-        <p:spPr/>
-        <p:txBody>
-          <a:bodyPr>
-            <a:normAutofit lnSpcReduction="10000"/>
-          </a:bodyPr>
-          <a:lstStyle/>
-          <a:p>
-            <a:r>
-              <a:rPr lang="es-MX" b="1" dirty="0" smtClean="0"/>
-              <a:t>En ciencias naturales:</a:t>
-            </a:r>
-          </a:p>
-          <a:p>
-            <a:pPr marL="457200" lvl="1" indent="0">
-              <a:buNone/>
-            </a:pPr>
-            <a:r>
-              <a:rPr lang="es-MX" dirty="0" smtClean="0"/>
-              <a:t>Asignar un valor numérico a una variable usando como referencia una escala.</a:t>
-            </a:r>
-          </a:p>
-          <a:p>
-            <a:pPr marL="457200" lvl="1" indent="0">
-              <a:buNone/>
-            </a:pPr>
-            <a:endParaRPr lang="es-MX" dirty="0"/>
-          </a:p>
-          <a:p>
-            <a:pPr marL="457200" lvl="1" indent="0">
-              <a:buNone/>
-            </a:pPr>
-            <a:r>
-              <a:rPr lang="es-MX" b="1" dirty="0" smtClean="0"/>
-              <a:t>Ejemplo:</a:t>
-            </a:r>
-          </a:p>
-          <a:p>
-            <a:pPr lvl="1"/>
-            <a:r>
-              <a:rPr lang="es-MX" sz="2000" dirty="0" smtClean="0"/>
-              <a:t>Medir </a:t>
-            </a:r>
-            <a:r>
-              <a:rPr lang="es-MX" sz="2000" b="1" dirty="0" smtClean="0"/>
-              <a:t>la temperatura </a:t>
-            </a:r>
-            <a:endParaRPr lang="es-MX" sz="2000" dirty="0" smtClean="0"/>
-          </a:p>
-          <a:p>
-            <a:endParaRPr lang="es-MX" b="1" dirty="0"/>
-          </a:p>
-          <a:p>
-            <a:r>
-              <a:rPr lang="es-MX" b="1" dirty="0" smtClean="0"/>
-              <a:t>En ciencias sociales:</a:t>
-            </a:r>
-          </a:p>
-          <a:p>
-            <a:pPr marL="457200" lvl="1" indent="0">
-              <a:buNone/>
-            </a:pPr>
-            <a:r>
-              <a:rPr lang="es-MX" dirty="0" smtClean="0"/>
-              <a:t>Asociar un </a:t>
-            </a:r>
-            <a:r>
-              <a:rPr lang="es-MX" b="1" u="sng" dirty="0" smtClean="0"/>
-              <a:t>concepto abstracto</a:t>
-            </a:r>
-            <a:r>
-              <a:rPr lang="es-MX" dirty="0" smtClean="0"/>
-              <a:t> con un </a:t>
-            </a:r>
-            <a:r>
-              <a:rPr lang="es-MX" b="1" u="sng" dirty="0" smtClean="0"/>
-              <a:t>indicador empírico</a:t>
-            </a:r>
-          </a:p>
-          <a:p>
-            <a:pPr marL="457200" lvl="1" indent="0">
-              <a:buNone/>
-            </a:pPr>
-            <a:endParaRPr lang="es-MX" b="1" dirty="0" smtClean="0"/>
-          </a:p>
-          <a:p>
-            <a:pPr marL="457200" lvl="1" indent="0">
-              <a:buNone/>
-            </a:pPr>
-            <a:r>
-              <a:rPr lang="es-MX" b="1" dirty="0" smtClean="0"/>
-              <a:t>Ejemplo:</a:t>
-            </a:r>
-          </a:p>
-          <a:p>
-            <a:pPr lvl="1"/>
-            <a:r>
-              <a:rPr lang="es-MX" sz="2000" dirty="0" smtClean="0"/>
-              <a:t>Medimos </a:t>
-            </a:r>
-            <a:r>
-              <a:rPr lang="es-MX" sz="2000" b="1" u="sng" dirty="0" smtClean="0"/>
-              <a:t>el acoso sexual</a:t>
-            </a:r>
-            <a:r>
-              <a:rPr lang="es-MX" sz="2000" b="1" dirty="0" smtClean="0"/>
-              <a:t> </a:t>
-            </a:r>
-            <a:r>
-              <a:rPr lang="es-MX" sz="2000" dirty="0" smtClean="0"/>
-              <a:t>a partir del </a:t>
-            </a:r>
-            <a:r>
-              <a:rPr lang="es-MX" sz="2000" b="1" u="sng" dirty="0" smtClean="0"/>
-              <a:t>número de denuncias registradas</a:t>
-            </a:r>
-            <a:r>
-              <a:rPr lang="es-MX" sz="2000" b="1" dirty="0" smtClean="0"/>
-              <a:t> </a:t>
-            </a:r>
-            <a:endParaRPr lang="es-MX" sz="2000" dirty="0" smtClean="0"/>
-          </a:p>
-          <a:p>
-            <a:pPr marL="457200" lvl="1" indent="0">
-              <a:buNone/>
-            </a:pPr>
-            <a:endParaRPr lang="es-MX" u="sng" dirty="0"/>
           </a:p>
         </p:txBody>
       </p:sp>
@@ -10662,10 +10777,379 @@
           </a:p>
         </p:txBody>
       </p:sp>
+      <p:sp>
+        <p:nvSpPr>
+          <p:cNvPr id="6" name="Marcador de contenido 5"/>
+          <p:cNvSpPr>
+            <a:spLocks noGrp="1"/>
+          </p:cNvSpPr>
+          <p:nvPr>
+            <p:ph idx="1"/>
+          </p:nvPr>
+        </p:nvSpPr>
+        <p:spPr/>
+        <p:txBody>
+          <a:bodyPr/>
+          <a:lstStyle/>
+          <a:p>
+            <a:endParaRPr lang="es-MX" dirty="0" smtClean="0"/>
+          </a:p>
+          <a:p>
+            <a:endParaRPr lang="es-MX" dirty="0"/>
+          </a:p>
+        </p:txBody>
+      </p:sp>
+      <p:sp>
+        <p:nvSpPr>
+          <p:cNvPr id="7" name="Rectángulo redondeado 6"/>
+          <p:cNvSpPr/>
+          <p:nvPr/>
+        </p:nvSpPr>
+        <p:spPr>
+          <a:xfrm>
+            <a:off x="279400" y="2514600"/>
+            <a:ext cx="2201333" cy="1913467"/>
+          </a:xfrm>
+          <a:prstGeom prst="roundRect">
+            <a:avLst/>
+          </a:prstGeom>
+        </p:spPr>
+        <p:style>
+          <a:lnRef idx="0">
+            <a:schemeClr val="accent3"/>
+          </a:lnRef>
+          <a:fillRef idx="3">
+            <a:schemeClr val="accent3"/>
+          </a:fillRef>
+          <a:effectRef idx="3">
+            <a:schemeClr val="accent3"/>
+          </a:effectRef>
+          <a:fontRef idx="minor">
+            <a:schemeClr val="lt1"/>
+          </a:fontRef>
+        </p:style>
+        <p:txBody>
+          <a:bodyPr rtlCol="0" anchor="ctr"/>
+          <a:lstStyle/>
+          <a:p>
+            <a:pPr algn="ctr"/>
+            <a:r>
+              <a:rPr lang="es-MX" dirty="0" smtClean="0"/>
+              <a:t>Observo el mundo y selecciono un </a:t>
+            </a:r>
+            <a:r>
+              <a:rPr lang="es-MX" b="1" dirty="0" smtClean="0"/>
+              <a:t>tema de interés</a:t>
+            </a:r>
+            <a:endParaRPr lang="es-MX" b="1" dirty="0"/>
+          </a:p>
+        </p:txBody>
+      </p:sp>
+      <p:sp>
+        <p:nvSpPr>
+          <p:cNvPr id="8" name="Rectángulo redondeado 7"/>
+          <p:cNvSpPr/>
+          <p:nvPr/>
+        </p:nvSpPr>
+        <p:spPr>
+          <a:xfrm>
+            <a:off x="2692400" y="2514599"/>
+            <a:ext cx="2997200" cy="1913467"/>
+          </a:xfrm>
+          <a:prstGeom prst="roundRect">
+            <a:avLst/>
+          </a:prstGeom>
+        </p:spPr>
+        <p:style>
+          <a:lnRef idx="1">
+            <a:schemeClr val="dk1"/>
+          </a:lnRef>
+          <a:fillRef idx="2">
+            <a:schemeClr val="dk1"/>
+          </a:fillRef>
+          <a:effectRef idx="1">
+            <a:schemeClr val="dk1"/>
+          </a:effectRef>
+          <a:fontRef idx="minor">
+            <a:schemeClr val="dk1"/>
+          </a:fontRef>
+        </p:style>
+        <p:txBody>
+          <a:bodyPr rtlCol="0" anchor="ctr"/>
+          <a:lstStyle/>
+          <a:p>
+            <a:pPr algn="ctr"/>
+            <a:r>
+              <a:rPr lang="es-MX" dirty="0" smtClean="0"/>
+              <a:t>Defino mi </a:t>
+            </a:r>
+            <a:r>
+              <a:rPr lang="es-MX" b="1" dirty="0" smtClean="0"/>
+              <a:t>pregunta de investigación</a:t>
+            </a:r>
+            <a:endParaRPr lang="es-MX" dirty="0"/>
+          </a:p>
+        </p:txBody>
+      </p:sp>
+      <p:sp>
+        <p:nvSpPr>
+          <p:cNvPr id="9" name="Rectángulo redondeado 8"/>
+          <p:cNvSpPr/>
+          <p:nvPr/>
+        </p:nvSpPr>
+        <p:spPr>
+          <a:xfrm>
+            <a:off x="5901267" y="2514599"/>
+            <a:ext cx="2921000" cy="1913467"/>
+          </a:xfrm>
+          <a:prstGeom prst="roundRect">
+            <a:avLst/>
+          </a:prstGeom>
+        </p:spPr>
+        <p:style>
+          <a:lnRef idx="1">
+            <a:schemeClr val="dk1"/>
+          </a:lnRef>
+          <a:fillRef idx="2">
+            <a:schemeClr val="dk1"/>
+          </a:fillRef>
+          <a:effectRef idx="1">
+            <a:schemeClr val="dk1"/>
+          </a:effectRef>
+          <a:fontRef idx="minor">
+            <a:schemeClr val="dk1"/>
+          </a:fontRef>
+        </p:style>
+        <p:txBody>
+          <a:bodyPr rtlCol="0" anchor="ctr"/>
+          <a:lstStyle/>
+          <a:p>
+            <a:pPr algn="ctr"/>
+            <a:r>
+              <a:rPr lang="es-MX" dirty="0" smtClean="0"/>
+              <a:t>Planteo qué </a:t>
+            </a:r>
+            <a:r>
+              <a:rPr lang="es-MX" b="1" dirty="0" smtClean="0"/>
+              <a:t>objetivos</a:t>
+            </a:r>
+            <a:r>
+              <a:rPr lang="es-MX" dirty="0"/>
+              <a:t> </a:t>
+            </a:r>
+            <a:r>
+              <a:rPr lang="es-MX" dirty="0" smtClean="0"/>
+              <a:t>tendrá mi investigación y bajo qué </a:t>
+            </a:r>
+            <a:r>
+              <a:rPr lang="es-MX" b="1" dirty="0" smtClean="0"/>
+              <a:t>justificación</a:t>
+            </a:r>
+            <a:r>
+              <a:rPr lang="es-MX" dirty="0" smtClean="0"/>
+              <a:t> es relevante</a:t>
+            </a:r>
+            <a:endParaRPr lang="es-MX" dirty="0"/>
+          </a:p>
+        </p:txBody>
+      </p:sp>
+      <p:sp>
+        <p:nvSpPr>
+          <p:cNvPr id="10" name="Rectángulo redondeado 9"/>
+          <p:cNvSpPr/>
+          <p:nvPr/>
+        </p:nvSpPr>
+        <p:spPr>
+          <a:xfrm>
+            <a:off x="9237134" y="2514597"/>
+            <a:ext cx="2921000" cy="1913467"/>
+          </a:xfrm>
+          <a:prstGeom prst="roundRect">
+            <a:avLst/>
+          </a:prstGeom>
+        </p:spPr>
+        <p:style>
+          <a:lnRef idx="1">
+            <a:schemeClr val="dk1"/>
+          </a:lnRef>
+          <a:fillRef idx="3">
+            <a:schemeClr val="dk1"/>
+          </a:fillRef>
+          <a:effectRef idx="2">
+            <a:schemeClr val="dk1"/>
+          </a:effectRef>
+          <a:fontRef idx="minor">
+            <a:schemeClr val="lt1"/>
+          </a:fontRef>
+        </p:style>
+        <p:txBody>
+          <a:bodyPr rtlCol="0" anchor="ctr"/>
+          <a:lstStyle/>
+          <a:p>
+            <a:pPr algn="ctr"/>
+            <a:r>
+              <a:rPr lang="es-MX" dirty="0" smtClean="0"/>
+              <a:t>Me informo al respecto</a:t>
+            </a:r>
+          </a:p>
+          <a:p>
+            <a:pPr algn="ctr"/>
+            <a:r>
+              <a:rPr lang="es-ES" b="1" dirty="0" smtClean="0"/>
+              <a:t>(Marco teórico)</a:t>
+            </a:r>
+            <a:endParaRPr lang="es-MX" dirty="0"/>
+          </a:p>
+        </p:txBody>
+      </p:sp>
+      <p:sp>
+        <p:nvSpPr>
+          <p:cNvPr id="11" name="Flecha derecha 10"/>
+          <p:cNvSpPr/>
+          <p:nvPr/>
+        </p:nvSpPr>
+        <p:spPr>
+          <a:xfrm>
+            <a:off x="2383367" y="3061494"/>
+            <a:ext cx="406400" cy="939800"/>
+          </a:xfrm>
+          <a:prstGeom prst="rightArrow">
+            <a:avLst/>
+          </a:prstGeom>
+          <a:solidFill>
+            <a:schemeClr val="bg1"/>
+          </a:solidFill>
+          <a:ln w="76200">
+            <a:solidFill>
+              <a:schemeClr val="tx1"/>
+            </a:solidFill>
+          </a:ln>
+        </p:spPr>
+        <p:style>
+          <a:lnRef idx="2">
+            <a:schemeClr val="accent3">
+              <a:shade val="50000"/>
+            </a:schemeClr>
+          </a:lnRef>
+          <a:fillRef idx="1">
+            <a:schemeClr val="accent3"/>
+          </a:fillRef>
+          <a:effectRef idx="0">
+            <a:schemeClr val="accent3"/>
+          </a:effectRef>
+          <a:fontRef idx="minor">
+            <a:schemeClr val="lt1"/>
+          </a:fontRef>
+        </p:style>
+        <p:txBody>
+          <a:bodyPr rtlCol="0" anchor="ctr"/>
+          <a:lstStyle/>
+          <a:p>
+            <a:pPr algn="ctr"/>
+            <a:endParaRPr lang="es-MX"/>
+          </a:p>
+        </p:txBody>
+      </p:sp>
+      <p:sp>
+        <p:nvSpPr>
+          <p:cNvPr id="12" name="Flecha derecha 11"/>
+          <p:cNvSpPr/>
+          <p:nvPr/>
+        </p:nvSpPr>
+        <p:spPr>
+          <a:xfrm>
+            <a:off x="5630333" y="3004080"/>
+            <a:ext cx="406400" cy="939800"/>
+          </a:xfrm>
+          <a:prstGeom prst="rightArrow">
+            <a:avLst/>
+          </a:prstGeom>
+          <a:solidFill>
+            <a:schemeClr val="bg1"/>
+          </a:solidFill>
+          <a:ln w="76200">
+            <a:solidFill>
+              <a:schemeClr val="tx1"/>
+            </a:solidFill>
+          </a:ln>
+        </p:spPr>
+        <p:style>
+          <a:lnRef idx="2">
+            <a:schemeClr val="accent3">
+              <a:shade val="50000"/>
+            </a:schemeClr>
+          </a:lnRef>
+          <a:fillRef idx="1">
+            <a:schemeClr val="accent3"/>
+          </a:fillRef>
+          <a:effectRef idx="0">
+            <a:schemeClr val="accent3"/>
+          </a:effectRef>
+          <a:fontRef idx="minor">
+            <a:schemeClr val="lt1"/>
+          </a:fontRef>
+        </p:style>
+        <p:txBody>
+          <a:bodyPr rtlCol="0" anchor="ctr"/>
+          <a:lstStyle/>
+          <a:p>
+            <a:pPr algn="ctr"/>
+            <a:endParaRPr lang="es-MX"/>
+          </a:p>
+        </p:txBody>
+      </p:sp>
+      <p:sp>
+        <p:nvSpPr>
+          <p:cNvPr id="13" name="Flecha derecha 12"/>
+          <p:cNvSpPr/>
+          <p:nvPr/>
+        </p:nvSpPr>
+        <p:spPr>
+          <a:xfrm>
+            <a:off x="8830734" y="3072607"/>
+            <a:ext cx="406400" cy="939800"/>
+          </a:xfrm>
+          <a:prstGeom prst="rightArrow">
+            <a:avLst/>
+          </a:prstGeom>
+          <a:solidFill>
+            <a:schemeClr val="bg1"/>
+          </a:solidFill>
+          <a:ln w="76200">
+            <a:solidFill>
+              <a:schemeClr val="tx1"/>
+            </a:solidFill>
+          </a:ln>
+        </p:spPr>
+        <p:style>
+          <a:lnRef idx="2">
+            <a:schemeClr val="accent3">
+              <a:shade val="50000"/>
+            </a:schemeClr>
+          </a:lnRef>
+          <a:fillRef idx="1">
+            <a:schemeClr val="accent3"/>
+          </a:fillRef>
+          <a:effectRef idx="0">
+            <a:schemeClr val="accent3"/>
+          </a:effectRef>
+          <a:fontRef idx="minor">
+            <a:schemeClr val="lt1"/>
+          </a:fontRef>
+        </p:style>
+        <p:txBody>
+          <a:bodyPr rtlCol="0" anchor="ctr"/>
+          <a:lstStyle/>
+          <a:p>
+            <a:pPr algn="ctr"/>
+            <a:endParaRPr lang="es-MX"/>
+          </a:p>
+        </p:txBody>
+      </p:sp>
     </p:spTree>
     <p:extLst>
       <p:ext uri="{BB962C8B-B14F-4D97-AF65-F5344CB8AC3E}">
-        <p14:creationId xmlns:p14="http://schemas.microsoft.com/office/powerpoint/2010/main" val="2133878609"/>
+        <p14:creationId xmlns:p14="http://schemas.microsoft.com/office/powerpoint/2010/main" val="3587711372"/>
       </p:ext>
     </p:extLst>
   </p:cSld>
@@ -10708,77 +11192,10 @@
           <a:lstStyle/>
           <a:p>
             <a:r>
-              <a:rPr lang="es-MX" b="1" u="sng" dirty="0" smtClean="0"/>
-              <a:t>Instrumento de medición</a:t>
-            </a:r>
-            <a:endParaRPr lang="es-MX" b="1" u="sng" dirty="0"/>
-          </a:p>
-        </p:txBody>
-      </p:sp>
-      <p:sp>
-        <p:nvSpPr>
-          <p:cNvPr id="3" name="Marcador de contenido 2"/>
-          <p:cNvSpPr>
-            <a:spLocks noGrp="1"/>
-          </p:cNvSpPr>
-          <p:nvPr>
-            <p:ph idx="1"/>
-          </p:nvPr>
-        </p:nvSpPr>
-        <p:spPr/>
-        <p:txBody>
-          <a:bodyPr/>
-          <a:lstStyle/>
-          <a:p>
-            <a:r>
               <a:rPr lang="es-MX" b="1" dirty="0" smtClean="0"/>
-              <a:t>Ciencias naturales: </a:t>
-            </a:r>
-            <a:r>
-              <a:rPr lang="es-MX" dirty="0" smtClean="0"/>
-              <a:t>Termómetro, báscula, barómetro, regla, contador, reloj, cronómetro, etc.</a:t>
+              <a:t>Procedimiento general</a:t>
             </a:r>
             <a:endParaRPr lang="es-MX" b="1" dirty="0"/>
-          </a:p>
-          <a:p>
-            <a:endParaRPr lang="es-ES" dirty="0" smtClean="0"/>
-          </a:p>
-          <a:p>
-            <a:r>
-              <a:rPr lang="es-ES" b="1" dirty="0" smtClean="0"/>
-              <a:t>Ciencias sociales</a:t>
-            </a:r>
-            <a:endParaRPr lang="es-MX" b="1" dirty="0" smtClean="0"/>
-          </a:p>
-          <a:p>
-            <a:pPr lvl="1"/>
-            <a:r>
-              <a:rPr lang="es-MX" dirty="0" smtClean="0"/>
-              <a:t>Exámenes</a:t>
-            </a:r>
-          </a:p>
-          <a:p>
-            <a:pPr lvl="1"/>
-            <a:r>
-              <a:rPr lang="es-ES" dirty="0" smtClean="0"/>
-              <a:t>Encuestas</a:t>
-            </a:r>
-            <a:endParaRPr lang="es-MX" dirty="0" smtClean="0"/>
-          </a:p>
-          <a:p>
-            <a:pPr lvl="1"/>
-            <a:r>
-              <a:rPr lang="es-MX" dirty="0" smtClean="0"/>
-              <a:t>Cuestionarios</a:t>
-            </a:r>
-          </a:p>
-          <a:p>
-            <a:pPr lvl="1"/>
-            <a:r>
-              <a:rPr lang="es-MX" dirty="0" smtClean="0"/>
-              <a:t>Reportes</a:t>
-            </a:r>
-            <a:endParaRPr lang="es-MX" dirty="0" smtClean="0"/>
           </a:p>
         </p:txBody>
       </p:sp>
@@ -10797,8 +11214,8 @@
             <a:avLst/>
           </a:prstGeom>
           <a:solidFill>
-            <a:schemeClr val="bg1">
-              <a:lumMod val="50000"/>
+            <a:schemeClr val="bg2">
+              <a:lumMod val="10000"/>
             </a:schemeClr>
           </a:solidFill>
           <a:ln>
@@ -10847,8 +11264,8 @@
             <a:avLst/>
           </a:prstGeom>
           <a:solidFill>
-            <a:schemeClr val="bg1">
-              <a:lumMod val="50000"/>
+            <a:schemeClr val="bg2">
+              <a:lumMod val="10000"/>
             </a:schemeClr>
           </a:solidFill>
           <a:ln>
@@ -10882,10 +11299,364 @@
           </a:p>
         </p:txBody>
       </p:sp>
+      <p:sp>
+        <p:nvSpPr>
+          <p:cNvPr id="6" name="Marcador de contenido 5"/>
+          <p:cNvSpPr>
+            <a:spLocks noGrp="1"/>
+          </p:cNvSpPr>
+          <p:nvPr>
+            <p:ph idx="1"/>
+          </p:nvPr>
+        </p:nvSpPr>
+        <p:spPr/>
+        <p:txBody>
+          <a:bodyPr/>
+          <a:lstStyle/>
+          <a:p>
+            <a:endParaRPr lang="es-MX" dirty="0" smtClean="0"/>
+          </a:p>
+          <a:p>
+            <a:endParaRPr lang="es-MX" dirty="0"/>
+          </a:p>
+        </p:txBody>
+      </p:sp>
+      <p:sp>
+        <p:nvSpPr>
+          <p:cNvPr id="7" name="Rectángulo redondeado 6"/>
+          <p:cNvSpPr/>
+          <p:nvPr/>
+        </p:nvSpPr>
+        <p:spPr>
+          <a:xfrm>
+            <a:off x="279400" y="2514600"/>
+            <a:ext cx="2201333" cy="1913467"/>
+          </a:xfrm>
+          <a:prstGeom prst="roundRect">
+            <a:avLst/>
+          </a:prstGeom>
+        </p:spPr>
+        <p:style>
+          <a:lnRef idx="0">
+            <a:schemeClr val="accent3"/>
+          </a:lnRef>
+          <a:fillRef idx="3">
+            <a:schemeClr val="accent3"/>
+          </a:fillRef>
+          <a:effectRef idx="3">
+            <a:schemeClr val="accent3"/>
+          </a:effectRef>
+          <a:fontRef idx="minor">
+            <a:schemeClr val="lt1"/>
+          </a:fontRef>
+        </p:style>
+        <p:txBody>
+          <a:bodyPr rtlCol="0" anchor="ctr"/>
+          <a:lstStyle/>
+          <a:p>
+            <a:pPr algn="ctr"/>
+            <a:r>
+              <a:rPr lang="es-MX" dirty="0" smtClean="0"/>
+              <a:t>Definimos nuestro </a:t>
+            </a:r>
+            <a:r>
+              <a:rPr lang="es-MX" b="1" dirty="0" smtClean="0"/>
+              <a:t>Método</a:t>
+            </a:r>
+            <a:endParaRPr lang="es-MX" b="1" dirty="0"/>
+          </a:p>
+        </p:txBody>
+      </p:sp>
+      <p:sp>
+        <p:nvSpPr>
+          <p:cNvPr id="8" name="Rectángulo redondeado 7"/>
+          <p:cNvSpPr/>
+          <p:nvPr/>
+        </p:nvSpPr>
+        <p:spPr>
+          <a:xfrm>
+            <a:off x="2692400" y="2514599"/>
+            <a:ext cx="2997200" cy="1913467"/>
+          </a:xfrm>
+          <a:prstGeom prst="roundRect">
+            <a:avLst/>
+          </a:prstGeom>
+        </p:spPr>
+        <p:style>
+          <a:lnRef idx="1">
+            <a:schemeClr val="dk1"/>
+          </a:lnRef>
+          <a:fillRef idx="2">
+            <a:schemeClr val="dk1"/>
+          </a:fillRef>
+          <a:effectRef idx="1">
+            <a:schemeClr val="dk1"/>
+          </a:effectRef>
+          <a:fontRef idx="minor">
+            <a:schemeClr val="dk1"/>
+          </a:fontRef>
+        </p:style>
+        <p:txBody>
+          <a:bodyPr rtlCol="0" anchor="ctr"/>
+          <a:lstStyle/>
+          <a:p>
+            <a:pPr algn="ctr"/>
+            <a:r>
+              <a:rPr lang="es-MX" b="1" dirty="0" smtClean="0"/>
+              <a:t>Medimos y registramos </a:t>
+            </a:r>
+            <a:r>
+              <a:rPr lang="es-MX" dirty="0" smtClean="0"/>
+              <a:t>los valores de las variables de estudio</a:t>
+            </a:r>
+            <a:endParaRPr lang="es-MX" dirty="0"/>
+          </a:p>
+        </p:txBody>
+      </p:sp>
+      <p:sp>
+        <p:nvSpPr>
+          <p:cNvPr id="9" name="Rectángulo redondeado 8"/>
+          <p:cNvSpPr/>
+          <p:nvPr/>
+        </p:nvSpPr>
+        <p:spPr>
+          <a:xfrm>
+            <a:off x="5901267" y="2514599"/>
+            <a:ext cx="2921000" cy="1913467"/>
+          </a:xfrm>
+          <a:prstGeom prst="roundRect">
+            <a:avLst/>
+          </a:prstGeom>
+        </p:spPr>
+        <p:style>
+          <a:lnRef idx="1">
+            <a:schemeClr val="dk1"/>
+          </a:lnRef>
+          <a:fillRef idx="2">
+            <a:schemeClr val="dk1"/>
+          </a:fillRef>
+          <a:effectRef idx="1">
+            <a:schemeClr val="dk1"/>
+          </a:effectRef>
+          <a:fontRef idx="minor">
+            <a:schemeClr val="dk1"/>
+          </a:fontRef>
+        </p:style>
+        <p:txBody>
+          <a:bodyPr rtlCol="0" anchor="ctr"/>
+          <a:lstStyle/>
+          <a:p>
+            <a:pPr algn="ctr"/>
+            <a:r>
+              <a:rPr lang="es-MX" dirty="0" smtClean="0"/>
+              <a:t>Se </a:t>
+            </a:r>
+            <a:r>
+              <a:rPr lang="es-MX" b="1" dirty="0" smtClean="0"/>
+              <a:t>analizan</a:t>
+            </a:r>
+            <a:r>
+              <a:rPr lang="es-MX" dirty="0" smtClean="0"/>
+              <a:t> los datos</a:t>
+            </a:r>
+            <a:endParaRPr lang="es-MX" dirty="0"/>
+          </a:p>
+        </p:txBody>
+      </p:sp>
+      <p:sp>
+        <p:nvSpPr>
+          <p:cNvPr id="10" name="Rectángulo redondeado 9"/>
+          <p:cNvSpPr/>
+          <p:nvPr/>
+        </p:nvSpPr>
+        <p:spPr>
+          <a:xfrm>
+            <a:off x="9186333" y="2514598"/>
+            <a:ext cx="2921000" cy="1913467"/>
+          </a:xfrm>
+          <a:prstGeom prst="roundRect">
+            <a:avLst/>
+          </a:prstGeom>
+        </p:spPr>
+        <p:style>
+          <a:lnRef idx="1">
+            <a:schemeClr val="dk1"/>
+          </a:lnRef>
+          <a:fillRef idx="3">
+            <a:schemeClr val="dk1"/>
+          </a:fillRef>
+          <a:effectRef idx="2">
+            <a:schemeClr val="dk1"/>
+          </a:effectRef>
+          <a:fontRef idx="minor">
+            <a:schemeClr val="lt1"/>
+          </a:fontRef>
+        </p:style>
+        <p:txBody>
+          <a:bodyPr rtlCol="0" anchor="ctr"/>
+          <a:lstStyle/>
+          <a:p>
+            <a:pPr algn="ctr"/>
+            <a:r>
+              <a:rPr lang="es-MX" dirty="0" smtClean="0"/>
+              <a:t>Se abstraen</a:t>
+            </a:r>
+            <a:r>
+              <a:rPr lang="es-MX" b="1" dirty="0" smtClean="0"/>
+              <a:t> conclusiones</a:t>
+            </a:r>
+            <a:endParaRPr lang="es-MX" b="1" dirty="0"/>
+          </a:p>
+        </p:txBody>
+      </p:sp>
+      <p:sp>
+        <p:nvSpPr>
+          <p:cNvPr id="11" name="Flecha derecha 10"/>
+          <p:cNvSpPr/>
+          <p:nvPr/>
+        </p:nvSpPr>
+        <p:spPr>
+          <a:xfrm>
+            <a:off x="2383367" y="3061494"/>
+            <a:ext cx="406400" cy="939800"/>
+          </a:xfrm>
+          <a:prstGeom prst="rightArrow">
+            <a:avLst/>
+          </a:prstGeom>
+          <a:solidFill>
+            <a:schemeClr val="bg1"/>
+          </a:solidFill>
+          <a:ln w="76200">
+            <a:solidFill>
+              <a:schemeClr val="tx1"/>
+            </a:solidFill>
+          </a:ln>
+        </p:spPr>
+        <p:style>
+          <a:lnRef idx="2">
+            <a:schemeClr val="accent3">
+              <a:shade val="50000"/>
+            </a:schemeClr>
+          </a:lnRef>
+          <a:fillRef idx="1">
+            <a:schemeClr val="accent3"/>
+          </a:fillRef>
+          <a:effectRef idx="0">
+            <a:schemeClr val="accent3"/>
+          </a:effectRef>
+          <a:fontRef idx="minor">
+            <a:schemeClr val="lt1"/>
+          </a:fontRef>
+        </p:style>
+        <p:txBody>
+          <a:bodyPr rtlCol="0" anchor="ctr"/>
+          <a:lstStyle/>
+          <a:p>
+            <a:pPr algn="ctr"/>
+            <a:endParaRPr lang="es-MX"/>
+          </a:p>
+        </p:txBody>
+      </p:sp>
+      <p:sp>
+        <p:nvSpPr>
+          <p:cNvPr id="12" name="Flecha derecha 11"/>
+          <p:cNvSpPr/>
+          <p:nvPr/>
+        </p:nvSpPr>
+        <p:spPr>
+          <a:xfrm>
+            <a:off x="5630333" y="3004080"/>
+            <a:ext cx="406400" cy="939800"/>
+          </a:xfrm>
+          <a:prstGeom prst="rightArrow">
+            <a:avLst/>
+          </a:prstGeom>
+          <a:solidFill>
+            <a:schemeClr val="bg1"/>
+          </a:solidFill>
+          <a:ln w="76200">
+            <a:solidFill>
+              <a:schemeClr val="tx1"/>
+            </a:solidFill>
+          </a:ln>
+        </p:spPr>
+        <p:style>
+          <a:lnRef idx="2">
+            <a:schemeClr val="accent3">
+              <a:shade val="50000"/>
+            </a:schemeClr>
+          </a:lnRef>
+          <a:fillRef idx="1">
+            <a:schemeClr val="accent3"/>
+          </a:fillRef>
+          <a:effectRef idx="0">
+            <a:schemeClr val="accent3"/>
+          </a:effectRef>
+          <a:fontRef idx="minor">
+            <a:schemeClr val="lt1"/>
+          </a:fontRef>
+        </p:style>
+        <p:txBody>
+          <a:bodyPr rtlCol="0" anchor="ctr"/>
+          <a:lstStyle/>
+          <a:p>
+            <a:pPr algn="ctr"/>
+            <a:endParaRPr lang="es-MX"/>
+          </a:p>
+        </p:txBody>
+      </p:sp>
+      <p:sp>
+        <p:nvSpPr>
+          <p:cNvPr id="13" name="Flecha derecha 12"/>
+          <p:cNvSpPr/>
+          <p:nvPr/>
+        </p:nvSpPr>
+        <p:spPr>
+          <a:xfrm>
+            <a:off x="8830734" y="3072607"/>
+            <a:ext cx="406400" cy="939800"/>
+          </a:xfrm>
+          <a:prstGeom prst="rightArrow">
+            <a:avLst/>
+          </a:prstGeom>
+          <a:solidFill>
+            <a:schemeClr val="bg1"/>
+          </a:solidFill>
+          <a:ln w="76200">
+            <a:solidFill>
+              <a:schemeClr val="tx1"/>
+            </a:solidFill>
+          </a:ln>
+        </p:spPr>
+        <p:style>
+          <a:lnRef idx="2">
+            <a:schemeClr val="accent3">
+              <a:shade val="50000"/>
+            </a:schemeClr>
+          </a:lnRef>
+          <a:fillRef idx="1">
+            <a:schemeClr val="accent3"/>
+          </a:fillRef>
+          <a:effectRef idx="0">
+            <a:schemeClr val="accent3"/>
+          </a:effectRef>
+          <a:fontRef idx="minor">
+            <a:schemeClr val="lt1"/>
+          </a:fontRef>
+        </p:style>
+        <p:txBody>
+          <a:bodyPr rtlCol="0" anchor="ctr"/>
+          <a:lstStyle/>
+          <a:p>
+            <a:pPr algn="ctr"/>
+            <a:endParaRPr lang="es-MX"/>
+          </a:p>
+        </p:txBody>
+      </p:sp>
     </p:spTree>
     <p:extLst>
       <p:ext uri="{BB962C8B-B14F-4D97-AF65-F5344CB8AC3E}">
-        <p14:creationId xmlns:p14="http://schemas.microsoft.com/office/powerpoint/2010/main" val="482156371"/>
+        <p14:creationId xmlns:p14="http://schemas.microsoft.com/office/powerpoint/2010/main" val="1748566639"/>
       </p:ext>
     </p:extLst>
   </p:cSld>
@@ -10914,7 +11685,7 @@
       </p:grpSpPr>
       <p:sp>
         <p:nvSpPr>
-          <p:cNvPr id="2" name="Título 1"/>
+          <p:cNvPr id="2" name="1 Título"/>
           <p:cNvSpPr>
             <a:spLocks noGrp="1"/>
           </p:cNvSpPr>
@@ -10927,17 +11698,13 @@
           <a:bodyPr/>
           <a:lstStyle/>
           <a:p>
-            <a:r>
-              <a:rPr lang="es-MX" b="1" u="sng" dirty="0" smtClean="0"/>
-              <a:t>Instrumento de medición</a:t>
-            </a:r>
-            <a:endParaRPr lang="es-MX" b="1" u="sng" dirty="0"/>
-          </a:p>
-        </p:txBody>
-      </p:sp>
-      <p:sp>
-        <p:nvSpPr>
-          <p:cNvPr id="3" name="Marcador de contenido 2"/>
+            <a:endParaRPr lang="es-MX"/>
+          </a:p>
+        </p:txBody>
+      </p:sp>
+      <p:sp>
+        <p:nvSpPr>
+          <p:cNvPr id="3" name="2 Marcador de contenido"/>
           <p:cNvSpPr>
             <a:spLocks noGrp="1"/>
           </p:cNvSpPr>
@@ -10951,156 +11718,82 @@
           <a:lstStyle/>
           <a:p>
             <a:r>
-              <a:rPr lang="es-MX" dirty="0" smtClean="0"/>
-              <a:t>Debe ser </a:t>
-            </a:r>
-            <a:r>
-              <a:rPr lang="es-MX" b="1" dirty="0" smtClean="0"/>
-              <a:t>confiable</a:t>
-            </a:r>
-          </a:p>
-          <a:p>
-            <a:endParaRPr lang="es-MX" b="1" dirty="0"/>
-          </a:p>
-          <a:p>
-            <a:endParaRPr lang="es-MX" b="1" dirty="0" smtClean="0"/>
-          </a:p>
-          <a:p>
-            <a:r>
-              <a:rPr lang="es-MX" dirty="0" smtClean="0"/>
-              <a:t>Debe tener </a:t>
-            </a:r>
-            <a:r>
-              <a:rPr lang="es-MX" b="1" dirty="0" smtClean="0"/>
-              <a:t>validez</a:t>
-            </a:r>
-          </a:p>
-          <a:p>
-            <a:endParaRPr lang="es-MX" b="1" dirty="0" smtClean="0"/>
-          </a:p>
-          <a:p>
-            <a:endParaRPr lang="es-MX" b="1" dirty="0"/>
-          </a:p>
-          <a:p>
-            <a:r>
-              <a:rPr lang="es-MX" dirty="0" smtClean="0"/>
-              <a:t>Debe ser </a:t>
-            </a:r>
-            <a:r>
-              <a:rPr lang="es-MX" b="1" dirty="0" smtClean="0"/>
-              <a:t>objetivo</a:t>
-            </a:r>
-            <a:r>
-              <a:rPr lang="es-MX" dirty="0" smtClean="0"/>
-              <a:t> </a:t>
-            </a:r>
-          </a:p>
-        </p:txBody>
-      </p:sp>
-      <p:sp>
-        <p:nvSpPr>
-          <p:cNvPr id="4" name="Rectángulo 3"/>
-          <p:cNvSpPr/>
+              <a:rPr lang="es-ES" dirty="0" smtClean="0"/>
+              <a:t>Clase 1:</a:t>
+            </a:r>
+          </a:p>
+          <a:p>
+            <a:endParaRPr lang="es-ES" dirty="0"/>
+          </a:p>
+          <a:p>
+            <a:pPr lvl="1"/>
+            <a:r>
+              <a:rPr lang="es-ES" dirty="0" smtClean="0"/>
+              <a:t>¿Qué es Medir?</a:t>
+            </a:r>
+          </a:p>
+          <a:p>
+            <a:pPr lvl="1"/>
+            <a:r>
+              <a:rPr lang="es-ES" dirty="0" smtClean="0"/>
+              <a:t>¿Qué son los Instrumentos de Medición?</a:t>
+            </a:r>
+            <a:endParaRPr lang="es-MX" dirty="0"/>
+          </a:p>
+        </p:txBody>
+      </p:sp>
+      <p:pic>
+        <p:nvPicPr>
+          <p:cNvPr id="4" name="Imagen 5"/>
+          <p:cNvPicPr>
+            <a:picLocks noChangeAspect="1"/>
+          </p:cNvPicPr>
           <p:nvPr/>
-        </p:nvSpPr>
-        <p:spPr>
-          <a:xfrm>
-            <a:off x="0" y="1"/>
-            <a:ext cx="12192000" cy="304800"/>
+        </p:nvPicPr>
+        <p:blipFill>
+          <a:blip r:embed="rId2"/>
+          <a:stretch>
+            <a:fillRect/>
+          </a:stretch>
+        </p:blipFill>
+        <p:spPr>
+          <a:xfrm>
+            <a:off x="0" y="0"/>
+            <a:ext cx="12192000" cy="1380067"/>
           </a:xfrm>
           <a:prstGeom prst="rect">
             <a:avLst/>
           </a:prstGeom>
-          <a:solidFill>
-            <a:schemeClr val="bg1">
-              <a:lumMod val="50000"/>
-            </a:schemeClr>
-          </a:solidFill>
-          <a:ln>
-            <a:solidFill>
-              <a:schemeClr val="tx1"/>
-            </a:solidFill>
-          </a:ln>
-        </p:spPr>
-        <p:style>
-          <a:lnRef idx="2">
-            <a:schemeClr val="accent1">
-              <a:shade val="50000"/>
-            </a:schemeClr>
-          </a:lnRef>
-          <a:fillRef idx="1">
-            <a:schemeClr val="accent1"/>
-          </a:fillRef>
-          <a:effectRef idx="0">
-            <a:schemeClr val="accent1"/>
-          </a:effectRef>
-          <a:fontRef idx="minor">
-            <a:schemeClr val="lt1"/>
-          </a:fontRef>
-        </p:style>
-        <p:txBody>
-          <a:bodyPr rtlCol="0" anchor="ctr"/>
-          <a:lstStyle/>
-          <a:p>
-            <a:pPr algn="ctr"/>
-            <a:endParaRPr lang="es-MX"/>
-          </a:p>
-        </p:txBody>
-      </p:sp>
-      <p:sp>
-        <p:nvSpPr>
-          <p:cNvPr id="5" name="Rectángulo 4"/>
-          <p:cNvSpPr/>
+        </p:spPr>
+      </p:pic>
+      <p:pic>
+        <p:nvPicPr>
+          <p:cNvPr id="5" name="Imagen 6"/>
+          <p:cNvPicPr>
+            <a:picLocks noChangeAspect="1"/>
+          </p:cNvPicPr>
           <p:nvPr/>
-        </p:nvSpPr>
-        <p:spPr>
-          <a:xfrm>
-            <a:off x="0" y="6553200"/>
-            <a:ext cx="12192000" cy="304800"/>
+        </p:nvPicPr>
+        <p:blipFill>
+          <a:blip r:embed="rId2"/>
+          <a:stretch>
+            <a:fillRect/>
+          </a:stretch>
+        </p:blipFill>
+        <p:spPr>
+          <a:xfrm>
+            <a:off x="0" y="5477933"/>
+            <a:ext cx="12192000" cy="1380067"/>
           </a:xfrm>
           <a:prstGeom prst="rect">
             <a:avLst/>
           </a:prstGeom>
-          <a:solidFill>
-            <a:schemeClr val="bg1">
-              <a:lumMod val="50000"/>
-            </a:schemeClr>
-          </a:solidFill>
-          <a:ln>
-            <a:solidFill>
-              <a:schemeClr val="tx1"/>
-            </a:solidFill>
-          </a:ln>
-        </p:spPr>
-        <p:style>
-          <a:lnRef idx="2">
-            <a:schemeClr val="accent1">
-              <a:shade val="50000"/>
-            </a:schemeClr>
-          </a:lnRef>
-          <a:fillRef idx="1">
-            <a:schemeClr val="accent1"/>
-          </a:fillRef>
-          <a:effectRef idx="0">
-            <a:schemeClr val="accent1"/>
-          </a:effectRef>
-          <a:fontRef idx="minor">
-            <a:schemeClr val="lt1"/>
-          </a:fontRef>
-        </p:style>
-        <p:txBody>
-          <a:bodyPr rtlCol="0" anchor="ctr"/>
-          <a:lstStyle/>
-          <a:p>
-            <a:pPr algn="ctr"/>
-            <a:endParaRPr lang="es-MX"/>
-          </a:p>
-        </p:txBody>
-      </p:sp>
+        </p:spPr>
+      </p:pic>
     </p:spTree>
     <p:extLst>
       <p:ext uri="{BB962C8B-B14F-4D97-AF65-F5344CB8AC3E}">
-        <p14:creationId xmlns:p14="http://schemas.microsoft.com/office/powerpoint/2010/main" val="4075541116"/>
+        <p14:creationId xmlns:p14="http://schemas.microsoft.com/office/powerpoint/2010/main" val="2147302134"/>
       </p:ext>
     </p:extLst>
   </p:cSld>
@@ -11137,200 +11830,109 @@
             <p:ph type="title"/>
           </p:nvPr>
         </p:nvSpPr>
-        <p:spPr/>
+        <p:spPr>
+          <a:xfrm>
+            <a:off x="1337734" y="2634192"/>
+            <a:ext cx="10515600" cy="1325563"/>
+          </a:xfrm>
+        </p:spPr>
+        <p:txBody>
+          <a:bodyPr>
+            <a:noAutofit/>
+          </a:bodyPr>
+          <a:lstStyle/>
+          <a:p>
+            <a:r>
+              <a:rPr lang="es-MX" sz="9000" b="1" dirty="0" smtClean="0">
+                <a:latin typeface="AR DARLING" panose="02000000000000000000" pitchFamily="2" charset="0"/>
+              </a:rPr>
+              <a:t>¿Qué es “Medir”?</a:t>
+            </a:r>
+            <a:endParaRPr lang="es-MX" sz="9000" b="1" dirty="0">
+              <a:latin typeface="AR DARLING" panose="02000000000000000000" pitchFamily="2" charset="0"/>
+            </a:endParaRPr>
+          </a:p>
+        </p:txBody>
+      </p:sp>
+      <p:sp>
+        <p:nvSpPr>
+          <p:cNvPr id="5" name="Marcador de contenido 4"/>
+          <p:cNvSpPr>
+            <a:spLocks noGrp="1"/>
+          </p:cNvSpPr>
+          <p:nvPr>
+            <p:ph idx="1"/>
+          </p:nvPr>
+        </p:nvSpPr>
+        <p:spPr>
+          <a:xfrm>
+            <a:off x="838200" y="2752724"/>
+            <a:ext cx="10515600" cy="3415242"/>
+          </a:xfrm>
+        </p:spPr>
         <p:txBody>
           <a:bodyPr/>
           <a:lstStyle/>
           <a:p>
-            <a:r>
-              <a:rPr lang="es-MX" b="1" dirty="0" smtClean="0"/>
-              <a:t>Acerca de la Confiabilidad</a:t>
-            </a:r>
-            <a:endParaRPr lang="es-MX" b="1" dirty="0"/>
-          </a:p>
-        </p:txBody>
-      </p:sp>
-      <p:sp>
-        <p:nvSpPr>
-          <p:cNvPr id="3" name="Marcador de contenido 2"/>
-          <p:cNvSpPr>
-            <a:spLocks noGrp="1"/>
-          </p:cNvSpPr>
-          <p:nvPr>
-            <p:ph idx="1"/>
-          </p:nvPr>
-        </p:nvSpPr>
-        <p:spPr/>
-        <p:txBody>
-          <a:bodyPr>
-            <a:normAutofit/>
-          </a:bodyPr>
-          <a:lstStyle/>
-          <a:p>
-            <a:r>
-              <a:rPr lang="es-MX" b="1" dirty="0" smtClean="0"/>
-              <a:t>Definición:</a:t>
-            </a:r>
-          </a:p>
-          <a:p>
-            <a:pPr marL="457200" lvl="1" indent="0">
-              <a:buNone/>
-            </a:pPr>
-            <a:r>
-              <a:rPr lang="es-MX" dirty="0" smtClean="0"/>
-              <a:t>Implica evaluar la </a:t>
-            </a:r>
-            <a:r>
-              <a:rPr lang="es-MX" b="1" dirty="0" smtClean="0"/>
-              <a:t>precisión</a:t>
-            </a:r>
-            <a:r>
-              <a:rPr lang="es-MX" dirty="0" smtClean="0"/>
-              <a:t> con la que mi instrumento está midiendo mi variable de interés.</a:t>
-            </a:r>
-            <a:endParaRPr lang="es-MX" dirty="0"/>
-          </a:p>
-          <a:p>
-            <a:endParaRPr lang="es-MX" b="1" dirty="0" smtClean="0"/>
-          </a:p>
-          <a:p>
-            <a:r>
-              <a:rPr lang="es-MX" b="1" dirty="0" smtClean="0"/>
-              <a:t>¿Cómo se evalúa?</a:t>
-            </a:r>
-          </a:p>
-          <a:p>
-            <a:pPr lvl="1"/>
-            <a:r>
-              <a:rPr lang="es-MX" dirty="0" smtClean="0"/>
-              <a:t>Comparando las puntuaciones asignadas a un mismo objeto en dos momentos (</a:t>
-            </a:r>
-            <a:r>
-              <a:rPr lang="es-MX" i="1" dirty="0" smtClean="0"/>
-              <a:t>cercanos en el tiempo</a:t>
-            </a:r>
-            <a:r>
-              <a:rPr lang="es-MX" dirty="0" smtClean="0"/>
-              <a:t>)</a:t>
-            </a:r>
-          </a:p>
-          <a:p>
-            <a:pPr lvl="1"/>
-            <a:r>
-              <a:rPr lang="es-MX" dirty="0"/>
-              <a:t>Comparando las puntuaciones obtenidas por dos personas distintas cuando se juzga un mismo objeto</a:t>
-            </a:r>
-          </a:p>
-          <a:p>
-            <a:pPr lvl="1"/>
             <a:endParaRPr lang="es-MX" dirty="0" smtClean="0"/>
           </a:p>
-        </p:txBody>
-      </p:sp>
-      <p:sp>
-        <p:nvSpPr>
-          <p:cNvPr id="4" name="Rectángulo 3"/>
-          <p:cNvSpPr/>
+          <a:p>
+            <a:endParaRPr lang="es-MX" u="sng" dirty="0"/>
+          </a:p>
+        </p:txBody>
+      </p:sp>
+      <p:pic>
+        <p:nvPicPr>
+          <p:cNvPr id="6" name="Imagen 5"/>
+          <p:cNvPicPr>
+            <a:picLocks noChangeAspect="1"/>
+          </p:cNvPicPr>
           <p:nvPr/>
-        </p:nvSpPr>
-        <p:spPr>
-          <a:xfrm>
-            <a:off x="0" y="1"/>
-            <a:ext cx="12192000" cy="304800"/>
+        </p:nvPicPr>
+        <p:blipFill>
+          <a:blip r:embed="rId2"/>
+          <a:stretch>
+            <a:fillRect/>
+          </a:stretch>
+        </p:blipFill>
+        <p:spPr>
+          <a:xfrm>
+            <a:off x="0" y="0"/>
+            <a:ext cx="12192000" cy="1380067"/>
           </a:xfrm>
           <a:prstGeom prst="rect">
             <a:avLst/>
           </a:prstGeom>
-          <a:solidFill>
-            <a:schemeClr val="bg2">
-              <a:lumMod val="10000"/>
-            </a:schemeClr>
-          </a:solidFill>
-          <a:ln>
-            <a:solidFill>
-              <a:schemeClr val="tx1"/>
-            </a:solidFill>
-          </a:ln>
-        </p:spPr>
-        <p:style>
-          <a:lnRef idx="2">
-            <a:schemeClr val="accent1">
-              <a:shade val="50000"/>
-            </a:schemeClr>
-          </a:lnRef>
-          <a:fillRef idx="1">
-            <a:schemeClr val="accent1"/>
-          </a:fillRef>
-          <a:effectRef idx="0">
-            <a:schemeClr val="accent1"/>
-          </a:effectRef>
-          <a:fontRef idx="minor">
-            <a:schemeClr val="lt1"/>
-          </a:fontRef>
-        </p:style>
-        <p:txBody>
-          <a:bodyPr rtlCol="0" anchor="ctr"/>
-          <a:lstStyle/>
-          <a:p>
-            <a:pPr algn="ctr"/>
-            <a:endParaRPr lang="es-MX"/>
-          </a:p>
-        </p:txBody>
-      </p:sp>
-      <p:sp>
-        <p:nvSpPr>
-          <p:cNvPr id="5" name="Rectángulo 4"/>
-          <p:cNvSpPr/>
+        </p:spPr>
+      </p:pic>
+      <p:pic>
+        <p:nvPicPr>
+          <p:cNvPr id="7" name="Imagen 6"/>
+          <p:cNvPicPr>
+            <a:picLocks noChangeAspect="1"/>
+          </p:cNvPicPr>
           <p:nvPr/>
-        </p:nvSpPr>
-        <p:spPr>
-          <a:xfrm>
-            <a:off x="0" y="6553200"/>
-            <a:ext cx="12192000" cy="304800"/>
+        </p:nvPicPr>
+        <p:blipFill>
+          <a:blip r:embed="rId2"/>
+          <a:stretch>
+            <a:fillRect/>
+          </a:stretch>
+        </p:blipFill>
+        <p:spPr>
+          <a:xfrm>
+            <a:off x="0" y="5477933"/>
+            <a:ext cx="12192000" cy="1380067"/>
           </a:xfrm>
           <a:prstGeom prst="rect">
             <a:avLst/>
           </a:prstGeom>
-          <a:solidFill>
-            <a:schemeClr val="bg2">
-              <a:lumMod val="10000"/>
-            </a:schemeClr>
-          </a:solidFill>
-          <a:ln>
-            <a:solidFill>
-              <a:schemeClr val="tx1"/>
-            </a:solidFill>
-          </a:ln>
-        </p:spPr>
-        <p:style>
-          <a:lnRef idx="2">
-            <a:schemeClr val="accent1">
-              <a:shade val="50000"/>
-            </a:schemeClr>
-          </a:lnRef>
-          <a:fillRef idx="1">
-            <a:schemeClr val="accent1"/>
-          </a:fillRef>
-          <a:effectRef idx="0">
-            <a:schemeClr val="accent1"/>
-          </a:effectRef>
-          <a:fontRef idx="minor">
-            <a:schemeClr val="lt1"/>
-          </a:fontRef>
-        </p:style>
-        <p:txBody>
-          <a:bodyPr rtlCol="0" anchor="ctr"/>
-          <a:lstStyle/>
-          <a:p>
-            <a:pPr algn="ctr"/>
-            <a:endParaRPr lang="es-MX"/>
-          </a:p>
-        </p:txBody>
-      </p:sp>
+        </p:spPr>
+      </p:pic>
     </p:spTree>
     <p:extLst>
       <p:ext uri="{BB962C8B-B14F-4D97-AF65-F5344CB8AC3E}">
-        <p14:creationId xmlns:p14="http://schemas.microsoft.com/office/powerpoint/2010/main" val="4096822682"/>
+        <p14:creationId xmlns:p14="http://schemas.microsoft.com/office/powerpoint/2010/main" val="1225228946"/>
       </p:ext>
     </p:extLst>
   </p:cSld>
@@ -11595,7 +12197,7 @@
   <a:extraClrSchemeLst/>
   <a:extLst>
     <a:ext uri="{05A4C25C-085E-4340-85A3-A5531E510DB2}">
-      <thm15:themeFamily xmlns:thm15="http://schemas.microsoft.com/office/thememl/2012/main" xmlns="" name="Office Theme" id="{62F939B6-93AF-4DB8-9C6B-D6C7DFDC589F}" vid="{4A3C46E8-61CC-4603-A589-7422A47A8E4A}"/>
+      <thm15:themeFamily xmlns="" xmlns:thm15="http://schemas.microsoft.com/office/thememl/2012/main" name="Office Theme" id="{62F939B6-93AF-4DB8-9C6B-D6C7DFDC589F}" vid="{4A3C46E8-61CC-4603-A589-7422A47A8E4A}"/>
     </a:ext>
   </a:extLst>
 </a:theme>

--- a/JeanPiaget/Presentaciones/04_RecolecciónyAnálisisDatos.pptx
+++ b/JeanPiaget/Presentaciones/04_RecolecciónyAnálisisDatos.pptx
@@ -143,7 +143,7 @@
   </p:defaultTextStyle>
   <p:extLst>
     <p:ext uri="{EFAFB233-063F-42B5-8137-9DF3F51BA10A}">
-      <p15:sldGuideLst xmlns="" xmlns:p15="http://schemas.microsoft.com/office/powerpoint/2012/main">
+      <p15:sldGuideLst xmlns:p15="http://schemas.microsoft.com/office/powerpoint/2012/main">
         <p15:guide id="1" orient="horz" pos="2160" userDrawn="1">
           <p15:clr>
             <a:srgbClr val="A4A3A4"/>
@@ -291,7 +291,7 @@
           <a:p>
             <a:fld id="{E6CC3237-8847-4343-A080-4AA6270D17F1}" type="datetimeFigureOut">
               <a:rPr lang="es-MX" smtClean="0"/>
-              <a:t>21/03/2019</a:t>
+              <a:t>22/03/2019</a:t>
             </a:fld>
             <a:endParaRPr lang="es-MX"/>
           </a:p>
@@ -461,7 +461,7 @@
           <a:p>
             <a:fld id="{E6CC3237-8847-4343-A080-4AA6270D17F1}" type="datetimeFigureOut">
               <a:rPr lang="es-MX" smtClean="0"/>
-              <a:t>21/03/2019</a:t>
+              <a:t>22/03/2019</a:t>
             </a:fld>
             <a:endParaRPr lang="es-MX"/>
           </a:p>
@@ -641,7 +641,7 @@
           <a:p>
             <a:fld id="{E6CC3237-8847-4343-A080-4AA6270D17F1}" type="datetimeFigureOut">
               <a:rPr lang="es-MX" smtClean="0"/>
-              <a:t>21/03/2019</a:t>
+              <a:t>22/03/2019</a:t>
             </a:fld>
             <a:endParaRPr lang="es-MX"/>
           </a:p>
@@ -811,7 +811,7 @@
           <a:p>
             <a:fld id="{E6CC3237-8847-4343-A080-4AA6270D17F1}" type="datetimeFigureOut">
               <a:rPr lang="es-MX" smtClean="0"/>
-              <a:t>21/03/2019</a:t>
+              <a:t>22/03/2019</a:t>
             </a:fld>
             <a:endParaRPr lang="es-MX"/>
           </a:p>
@@ -1057,7 +1057,7 @@
           <a:p>
             <a:fld id="{E6CC3237-8847-4343-A080-4AA6270D17F1}" type="datetimeFigureOut">
               <a:rPr lang="es-MX" smtClean="0"/>
-              <a:t>21/03/2019</a:t>
+              <a:t>22/03/2019</a:t>
             </a:fld>
             <a:endParaRPr lang="es-MX"/>
           </a:p>
@@ -1289,7 +1289,7 @@
           <a:p>
             <a:fld id="{E6CC3237-8847-4343-A080-4AA6270D17F1}" type="datetimeFigureOut">
               <a:rPr lang="es-MX" smtClean="0"/>
-              <a:t>21/03/2019</a:t>
+              <a:t>22/03/2019</a:t>
             </a:fld>
             <a:endParaRPr lang="es-MX"/>
           </a:p>
@@ -1656,7 +1656,7 @@
           <a:p>
             <a:fld id="{E6CC3237-8847-4343-A080-4AA6270D17F1}" type="datetimeFigureOut">
               <a:rPr lang="es-MX" smtClean="0"/>
-              <a:t>21/03/2019</a:t>
+              <a:t>22/03/2019</a:t>
             </a:fld>
             <a:endParaRPr lang="es-MX"/>
           </a:p>
@@ -1774,7 +1774,7 @@
           <a:p>
             <a:fld id="{E6CC3237-8847-4343-A080-4AA6270D17F1}" type="datetimeFigureOut">
               <a:rPr lang="es-MX" smtClean="0"/>
-              <a:t>21/03/2019</a:t>
+              <a:t>22/03/2019</a:t>
             </a:fld>
             <a:endParaRPr lang="es-MX"/>
           </a:p>
@@ -1869,7 +1869,7 @@
           <a:p>
             <a:fld id="{E6CC3237-8847-4343-A080-4AA6270D17F1}" type="datetimeFigureOut">
               <a:rPr lang="es-MX" smtClean="0"/>
-              <a:t>21/03/2019</a:t>
+              <a:t>22/03/2019</a:t>
             </a:fld>
             <a:endParaRPr lang="es-MX"/>
           </a:p>
@@ -2146,7 +2146,7 @@
           <a:p>
             <a:fld id="{E6CC3237-8847-4343-A080-4AA6270D17F1}" type="datetimeFigureOut">
               <a:rPr lang="es-MX" smtClean="0"/>
-              <a:t>21/03/2019</a:t>
+              <a:t>22/03/2019</a:t>
             </a:fld>
             <a:endParaRPr lang="es-MX"/>
           </a:p>
@@ -2399,7 +2399,7 @@
           <a:p>
             <a:fld id="{E6CC3237-8847-4343-A080-4AA6270D17F1}" type="datetimeFigureOut">
               <a:rPr lang="es-MX" smtClean="0"/>
-              <a:t>21/03/2019</a:t>
+              <a:t>22/03/2019</a:t>
             </a:fld>
             <a:endParaRPr lang="es-MX"/>
           </a:p>
@@ -2612,7 +2612,7 @@
           <a:p>
             <a:fld id="{E6CC3237-8847-4343-A080-4AA6270D17F1}" type="datetimeFigureOut">
               <a:rPr lang="es-MX" smtClean="0"/>
-              <a:t>21/03/2019</a:t>
+              <a:t>22/03/2019</a:t>
             </a:fld>
             <a:endParaRPr lang="es-MX"/>
           </a:p>
@@ -3139,6 +3139,13 @@
   <p:clrMapOvr>
     <a:masterClrMapping/>
   </p:clrMapOvr>
+  <p:timing>
+    <p:tnLst>
+      <p:par>
+        <p:cTn id="1" dur="indefinite" restart="never" nodeType="tmRoot"/>
+      </p:par>
+    </p:tnLst>
+  </p:timing>
 </p:sld>
 </file>
 
@@ -3530,6 +3537,13 @@
   <p:clrMapOvr>
     <a:masterClrMapping/>
   </p:clrMapOvr>
+  <p:timing>
+    <p:tnLst>
+      <p:par>
+        <p:cTn id="1" dur="indefinite" restart="never" nodeType="tmRoot"/>
+      </p:par>
+    </p:tnLst>
+  </p:timing>
 </p:sld>
 </file>
 
@@ -3749,6 +3763,13 @@
   <p:clrMapOvr>
     <a:masterClrMapping/>
   </p:clrMapOvr>
+  <p:timing>
+    <p:tnLst>
+      <p:par>
+        <p:cTn id="1" dur="indefinite" restart="never" nodeType="tmRoot"/>
+      </p:par>
+    </p:tnLst>
+  </p:timing>
 </p:sld>
 </file>
 
@@ -3964,6 +3985,13 @@
   <p:clrMapOvr>
     <a:masterClrMapping/>
   </p:clrMapOvr>
+  <p:timing>
+    <p:tnLst>
+      <p:par>
+        <p:cTn id="1" dur="indefinite" restart="never" nodeType="tmRoot"/>
+      </p:par>
+    </p:tnLst>
+  </p:timing>
 </p:sld>
 </file>
 
@@ -4194,6 +4222,13 @@
   <p:clrMapOvr>
     <a:masterClrMapping/>
   </p:clrMapOvr>
+  <p:timing>
+    <p:tnLst>
+      <p:par>
+        <p:cTn id="1" dur="indefinite" restart="never" nodeType="tmRoot"/>
+      </p:par>
+    </p:tnLst>
+  </p:timing>
 </p:sld>
 </file>
 
@@ -4420,6 +4455,13 @@
   <p:clrMapOvr>
     <a:masterClrMapping/>
   </p:clrMapOvr>
+  <p:timing>
+    <p:tnLst>
+      <p:par>
+        <p:cTn id="1" dur="indefinite" restart="never" nodeType="tmRoot"/>
+      </p:par>
+    </p:tnLst>
+  </p:timing>
 </p:sld>
 </file>
 
@@ -4686,6 +4728,13 @@
   <p:clrMapOvr>
     <a:masterClrMapping/>
   </p:clrMapOvr>
+  <p:timing>
+    <p:tnLst>
+      <p:par>
+        <p:cTn id="1" dur="indefinite" restart="never" nodeType="tmRoot"/>
+      </p:par>
+    </p:tnLst>
+  </p:timing>
 </p:sld>
 </file>
 
@@ -4913,6 +4962,13 @@
   <p:clrMapOvr>
     <a:masterClrMapping/>
   </p:clrMapOvr>
+  <p:timing>
+    <p:tnLst>
+      <p:par>
+        <p:cTn id="1" dur="indefinite" restart="never" nodeType="tmRoot"/>
+      </p:par>
+    </p:tnLst>
+  </p:timing>
 </p:sld>
 </file>
 
@@ -5139,6 +5195,13 @@
   <p:clrMapOvr>
     <a:masterClrMapping/>
   </p:clrMapOvr>
+  <p:timing>
+    <p:tnLst>
+      <p:par>
+        <p:cTn id="1" dur="indefinite" restart="never" nodeType="tmRoot"/>
+      </p:par>
+    </p:tnLst>
+  </p:timing>
 </p:sld>
 </file>
 
@@ -5542,6 +5605,13 @@
   <p:clrMapOvr>
     <a:masterClrMapping/>
   </p:clrMapOvr>
+  <p:timing>
+    <p:tnLst>
+      <p:par>
+        <p:cTn id="1" dur="indefinite" restart="never" nodeType="tmRoot"/>
+      </p:par>
+    </p:tnLst>
+  </p:timing>
 </p:sld>
 </file>
 
@@ -5783,6 +5853,13 @@
   <p:clrMapOvr>
     <a:masterClrMapping/>
   </p:clrMapOvr>
+  <p:timing>
+    <p:tnLst>
+      <p:par>
+        <p:cTn id="1" dur="indefinite" restart="never" nodeType="tmRoot"/>
+      </p:par>
+    </p:tnLst>
+  </p:timing>
 </p:sld>
 </file>
 
@@ -5983,6 +6060,13 @@
   <p:clrMapOvr>
     <a:masterClrMapping/>
   </p:clrMapOvr>
+  <p:timing>
+    <p:tnLst>
+      <p:par>
+        <p:cTn id="1" dur="indefinite" restart="never" nodeType="tmRoot"/>
+      </p:par>
+    </p:tnLst>
+  </p:timing>
 </p:sld>
 </file>
 
@@ -6220,6 +6304,13 @@
   <p:clrMapOvr>
     <a:masterClrMapping/>
   </p:clrMapOvr>
+  <p:timing>
+    <p:tnLst>
+      <p:par>
+        <p:cTn id="1" dur="indefinite" restart="never" nodeType="tmRoot"/>
+      </p:par>
+    </p:tnLst>
+  </p:timing>
 </p:sld>
 </file>
 
@@ -6457,6 +6548,13 @@
   <p:clrMapOvr>
     <a:masterClrMapping/>
   </p:clrMapOvr>
+  <p:timing>
+    <p:tnLst>
+      <p:par>
+        <p:cTn id="1" dur="indefinite" restart="never" nodeType="tmRoot"/>
+      </p:par>
+    </p:tnLst>
+  </p:timing>
 </p:sld>
 </file>
 
@@ -6694,6 +6792,13 @@
   <p:clrMapOvr>
     <a:masterClrMapping/>
   </p:clrMapOvr>
+  <p:timing>
+    <p:tnLst>
+      <p:par>
+        <p:cTn id="1" dur="indefinite" restart="never" nodeType="tmRoot"/>
+      </p:par>
+    </p:tnLst>
+  </p:timing>
 </p:sld>
 </file>
 
@@ -7003,6 +7108,13 @@
   <p:clrMapOvr>
     <a:masterClrMapping/>
   </p:clrMapOvr>
+  <p:timing>
+    <p:tnLst>
+      <p:par>
+        <p:cTn id="1" dur="indefinite" restart="never" nodeType="tmRoot"/>
+      </p:par>
+    </p:tnLst>
+  </p:timing>
 </p:sld>
 </file>
 
@@ -7234,6 +7346,13 @@
   <p:clrMapOvr>
     <a:masterClrMapping/>
   </p:clrMapOvr>
+  <p:timing>
+    <p:tnLst>
+      <p:par>
+        <p:cTn id="1" dur="indefinite" restart="never" nodeType="tmRoot"/>
+      </p:par>
+    </p:tnLst>
+  </p:timing>
 </p:sld>
 </file>
 
@@ -7463,6 +7582,13 @@
   <p:clrMapOvr>
     <a:masterClrMapping/>
   </p:clrMapOvr>
+  <p:timing>
+    <p:tnLst>
+      <p:par>
+        <p:cTn id="1" dur="indefinite" restart="never" nodeType="tmRoot"/>
+      </p:par>
+    </p:tnLst>
+  </p:timing>
 </p:sld>
 </file>
 
@@ -7696,6 +7822,13 @@
   <p:clrMapOvr>
     <a:masterClrMapping/>
   </p:clrMapOvr>
+  <p:timing>
+    <p:tnLst>
+      <p:par>
+        <p:cTn id="1" dur="indefinite" restart="never" nodeType="tmRoot"/>
+      </p:par>
+    </p:tnLst>
+  </p:timing>
 </p:sld>
 </file>
 
@@ -7939,6 +8072,13 @@
   <p:clrMapOvr>
     <a:masterClrMapping/>
   </p:clrMapOvr>
+  <p:timing>
+    <p:tnLst>
+      <p:par>
+        <p:cTn id="1" dur="indefinite" restart="never" nodeType="tmRoot"/>
+      </p:par>
+    </p:tnLst>
+  </p:timing>
 </p:sld>
 </file>
 
@@ -8183,6 +8323,13 @@
   <p:clrMapOvr>
     <a:masterClrMapping/>
   </p:clrMapOvr>
+  <p:timing>
+    <p:tnLst>
+      <p:par>
+        <p:cTn id="1" dur="indefinite" restart="never" nodeType="tmRoot"/>
+      </p:par>
+    </p:tnLst>
+  </p:timing>
 </p:sld>
 </file>
 
@@ -8414,6 +8561,13 @@
   <p:clrMapOvr>
     <a:masterClrMapping/>
   </p:clrMapOvr>
+  <p:timing>
+    <p:tnLst>
+      <p:par>
+        <p:cTn id="1" dur="indefinite" restart="never" nodeType="tmRoot"/>
+      </p:par>
+    </p:tnLst>
+  </p:timing>
 </p:sld>
 </file>
 
@@ -8518,6 +8672,13 @@
   <p:clrMapOvr>
     <a:masterClrMapping/>
   </p:clrMapOvr>
+  <p:timing>
+    <p:tnLst>
+      <p:par>
+        <p:cTn id="1" dur="indefinite" restart="never" nodeType="tmRoot"/>
+      </p:par>
+    </p:tnLst>
+  </p:timing>
 </p:sld>
 </file>
 
@@ -8762,6 +8923,13 @@
   <p:clrMapOvr>
     <a:masterClrMapping/>
   </p:clrMapOvr>
+  <p:timing>
+    <p:tnLst>
+      <p:par>
+        <p:cTn id="1" dur="indefinite" restart="never" nodeType="tmRoot"/>
+      </p:par>
+    </p:tnLst>
+  </p:timing>
 </p:sld>
 </file>
 
@@ -9006,6 +9174,13 @@
   <p:clrMapOvr>
     <a:masterClrMapping/>
   </p:clrMapOvr>
+  <p:timing>
+    <p:tnLst>
+      <p:par>
+        <p:cTn id="1" dur="indefinite" restart="never" nodeType="tmRoot"/>
+      </p:par>
+    </p:tnLst>
+  </p:timing>
 </p:sld>
 </file>
 
@@ -9210,6 +9385,13 @@
   <p:clrMapOvr>
     <a:masterClrMapping/>
   </p:clrMapOvr>
+  <p:timing>
+    <p:tnLst>
+      <p:par>
+        <p:cTn id="1" dur="indefinite" restart="never" nodeType="tmRoot"/>
+      </p:par>
+    </p:tnLst>
+  </p:timing>
 </p:sld>
 </file>
 
@@ -9450,6 +9632,13 @@
   <p:clrMapOvr>
     <a:masterClrMapping/>
   </p:clrMapOvr>
+  <p:timing>
+    <p:tnLst>
+      <p:par>
+        <p:cTn id="1" dur="indefinite" restart="never" nodeType="tmRoot"/>
+      </p:par>
+    </p:tnLst>
+  </p:timing>
 </p:sld>
 </file>
 
@@ -9705,6 +9894,13 @@
   <p:clrMapOvr>
     <a:masterClrMapping/>
   </p:clrMapOvr>
+  <p:timing>
+    <p:tnLst>
+      <p:par>
+        <p:cTn id="1" dur="indefinite" restart="never" nodeType="tmRoot"/>
+      </p:par>
+    </p:tnLst>
+  </p:timing>
 </p:sld>
 </file>
 
@@ -9844,6 +10040,13 @@
   <p:clrMapOvr>
     <a:masterClrMapping/>
   </p:clrMapOvr>
+  <p:timing>
+    <p:tnLst>
+      <p:par>
+        <p:cTn id="1" dur="indefinite" restart="never" nodeType="tmRoot"/>
+      </p:par>
+    </p:tnLst>
+  </p:timing>
 </p:sld>
 </file>
 
@@ -9983,6 +10186,13 @@
   <p:clrMapOvr>
     <a:masterClrMapping/>
   </p:clrMapOvr>
+  <p:timing>
+    <p:tnLst>
+      <p:par>
+        <p:cTn id="1" dur="indefinite" restart="never" nodeType="tmRoot"/>
+      </p:par>
+    </p:tnLst>
+  </p:timing>
 </p:sld>
 </file>
 
@@ -10366,8 +10576,8 @@
         </p:blipFill>
         <p:spPr bwMode="auto">
           <a:xfrm>
-            <a:off x="1237295" y="578861"/>
-            <a:ext cx="10310468" cy="6071321"/>
+            <a:off x="247997" y="-127462"/>
+            <a:ext cx="11913523" cy="7244542"/>
           </a:xfrm>
           <a:prstGeom prst="rect">
             <a:avLst/>
@@ -10479,6 +10689,13 @@
   <p:clrMapOvr>
     <a:masterClrMapping/>
   </p:clrMapOvr>
+  <p:timing>
+    <p:tnLst>
+      <p:par>
+        <p:cTn id="1" dur="indefinite" restart="never" nodeType="tmRoot"/>
+      </p:par>
+    </p:tnLst>
+  </p:timing>
 </p:sld>
 </file>
 
@@ -10634,6 +10851,13 @@
   <p:clrMapOvr>
     <a:masterClrMapping/>
   </p:clrMapOvr>
+  <p:timing>
+    <p:tnLst>
+      <p:par>
+        <p:cTn id="1" dur="indefinite" restart="never" nodeType="tmRoot"/>
+      </p:par>
+    </p:tnLst>
+  </p:timing>
 </p:sld>
 </file>
 
@@ -11156,6 +11380,13 @@
   <p:clrMapOvr>
     <a:masterClrMapping/>
   </p:clrMapOvr>
+  <p:timing>
+    <p:tnLst>
+      <p:par>
+        <p:cTn id="1" dur="indefinite" restart="never" nodeType="tmRoot"/>
+      </p:par>
+    </p:tnLst>
+  </p:timing>
 </p:sld>
 </file>
 
@@ -11663,6 +11894,13 @@
   <p:clrMapOvr>
     <a:masterClrMapping/>
   </p:clrMapOvr>
+  <p:timing>
+    <p:tnLst>
+      <p:par>
+        <p:cTn id="1" dur="indefinite" restart="never" nodeType="tmRoot"/>
+      </p:par>
+    </p:tnLst>
+  </p:timing>
 </p:sld>
 </file>
 
@@ -11800,6 +12038,13 @@
   <p:clrMapOvr>
     <a:masterClrMapping/>
   </p:clrMapOvr>
+  <p:timing>
+    <p:tnLst>
+      <p:par>
+        <p:cTn id="1" dur="indefinite" restart="never" nodeType="tmRoot"/>
+      </p:par>
+    </p:tnLst>
+  </p:timing>
 </p:sld>
 </file>
 
@@ -11939,6 +12184,13 @@
   <p:clrMapOvr>
     <a:masterClrMapping/>
   </p:clrMapOvr>
+  <p:timing>
+    <p:tnLst>
+      <p:par>
+        <p:cTn id="1" dur="indefinite" restart="never" nodeType="tmRoot"/>
+      </p:par>
+    </p:tnLst>
+  </p:timing>
 </p:sld>
 </file>
 
@@ -12197,7 +12449,7 @@
   <a:extraClrSchemeLst/>
   <a:extLst>
     <a:ext uri="{05A4C25C-085E-4340-85A3-A5531E510DB2}">
-      <thm15:themeFamily xmlns="" xmlns:thm15="http://schemas.microsoft.com/office/thememl/2012/main" name="Office Theme" id="{62F939B6-93AF-4DB8-9C6B-D6C7DFDC589F}" vid="{4A3C46E8-61CC-4603-A589-7422A47A8E4A}"/>
+      <thm15:themeFamily xmlns:thm15="http://schemas.microsoft.com/office/thememl/2012/main" name="Office Theme" id="{62F939B6-93AF-4DB8-9C6B-D6C7DFDC589F}" vid="{4A3C46E8-61CC-4603-A589-7422A47A8E4A}"/>
     </a:ext>
   </a:extLst>
 </a:theme>
